--- a/TermProject_중간보고/MDL.pptx
+++ b/TermProject_중간보고/MDL.pptx
@@ -242,7 +242,7 @@
               <a:pPr lvl="0">
                 <a:defRPr/>
               </a:pPr>
-              <a:t>2021-11-04</a:t>
+              <a:t>2021-11-06</a:t>
             </a:fld>
             <a:endParaRPr lang="ko-KR" altLang="en-US"/>
           </a:p>
@@ -777,7 +777,7 @@
           <a:p>
             <a:fld id="{1D8BD707-D9CF-40AE-B4C6-C98DA3205C09}" type="datetimeFigureOut">
               <a:rPr lang="en-US"/>
-              <a:t>11/4/2021</a:t>
+              <a:t>11/6/2021</a:t>
             </a:fld>
             <a:endParaRPr lang="en-US"/>
           </a:p>
@@ -952,7 +952,7 @@
           <a:p>
             <a:fld id="{1D8BD707-D9CF-40AE-B4C6-C98DA3205C09}" type="datetimeFigureOut">
               <a:rPr lang="en-US"/>
-              <a:t>11/4/2021</a:t>
+              <a:t>11/6/2021</a:t>
             </a:fld>
             <a:endParaRPr lang="en-US"/>
           </a:p>
@@ -1166,7 +1166,7 @@
           <a:p>
             <a:fld id="{1D8BD707-D9CF-40AE-B4C6-C98DA3205C09}" type="datetimeFigureOut">
               <a:rPr lang="en-US"/>
-              <a:t>11/4/2021</a:t>
+              <a:t>11/6/2021</a:t>
             </a:fld>
             <a:endParaRPr lang="en-US"/>
           </a:p>
@@ -1314,7 +1314,7 @@
           <a:p>
             <a:fld id="{1D8BD707-D9CF-40AE-B4C6-C98DA3205C09}" type="datetimeFigureOut">
               <a:rPr lang="en-US"/>
-              <a:t>11/4/2021</a:t>
+              <a:t>11/6/2021</a:t>
             </a:fld>
             <a:endParaRPr lang="en-US"/>
           </a:p>
@@ -1433,7 +1433,7 @@
           <a:p>
             <a:fld id="{1D8BD707-D9CF-40AE-B4C6-C98DA3205C09}" type="datetimeFigureOut">
               <a:rPr lang="en-US"/>
-              <a:t>11/4/2021</a:t>
+              <a:t>11/6/2021</a:t>
             </a:fld>
             <a:endParaRPr lang="en-US"/>
           </a:p>
@@ -1656,7 +1656,7 @@
           <a:p>
             <a:fld id="{1D8BD707-D9CF-40AE-B4C6-C98DA3205C09}" type="datetimeFigureOut">
               <a:rPr lang="en-US"/>
-              <a:t>11/4/2021</a:t>
+              <a:t>11/6/2021</a:t>
             </a:fld>
             <a:endParaRPr lang="en-US"/>
           </a:p>
@@ -1912,7 +1912,7 @@
         <p:spPr>
           <a:xfrm>
             <a:off x="1015474" y="9786312"/>
-            <a:ext cx="9874775" cy="446276"/>
+            <a:ext cx="12160776" cy="569387"/>
           </a:xfrm>
           <a:prstGeom prst="rect">
             <a:avLst/>
@@ -1934,7 +1934,7 @@
               <a:defRPr/>
             </a:pPr>
             <a:r>
-              <a:rPr sz="2800" b="1" spc="-20">
+              <a:rPr sz="3600" b="1" spc="-20" dirty="0" err="1">
                 <a:latin typeface="Arial"/>
                 <a:ea typeface="+mj-ea"/>
                 <a:cs typeface="Arial"/>
@@ -1942,7 +1942,7 @@
               <a:t>Kyonggi</a:t>
             </a:r>
             <a:r>
-              <a:rPr sz="2800" b="1" spc="5">
+              <a:rPr sz="3600" b="1" spc="5" dirty="0">
                 <a:latin typeface="Arial"/>
                 <a:ea typeface="+mj-ea"/>
                 <a:cs typeface="Arial"/>
@@ -1950,7 +1950,7 @@
               <a:t> </a:t>
             </a:r>
             <a:r>
-              <a:rPr sz="2800" b="1" spc="-10">
+              <a:rPr sz="3600" b="1" spc="-10" dirty="0">
                 <a:latin typeface="Arial"/>
                 <a:ea typeface="+mj-ea"/>
                 <a:cs typeface="Arial"/>
@@ -1958,7 +1958,7 @@
               <a:t>Uni</a:t>
             </a:r>
             <a:r>
-              <a:rPr sz="2800" b="1" spc="-305">
+              <a:rPr sz="3600" b="1" spc="-305" dirty="0">
                 <a:latin typeface="Arial"/>
                 <a:ea typeface="+mj-ea"/>
                 <a:cs typeface="Arial"/>
@@ -1966,7 +1966,7 @@
               <a:t>v</a:t>
             </a:r>
             <a:r>
-              <a:rPr sz="2800" b="1" spc="5">
+              <a:rPr sz="3600" b="1" spc="5" dirty="0">
                 <a:latin typeface="Arial"/>
                 <a:ea typeface="+mj-ea"/>
                 <a:cs typeface="Arial"/>
@@ -1974,7 +1974,7 @@
               <a:t>. </a:t>
             </a:r>
             <a:r>
-              <a:rPr sz="2800" b="1" spc="30">
+              <a:rPr sz="3600" b="1" spc="30" dirty="0">
                 <a:latin typeface="Arial"/>
                 <a:ea typeface="+mj-ea"/>
                 <a:cs typeface="Arial"/>
@@ -1982,7 +1982,7 @@
               <a:t>Smart</a:t>
             </a:r>
             <a:r>
-              <a:rPr sz="2800" b="1" spc="5">
+              <a:rPr sz="3600" b="1" spc="5" dirty="0">
                 <a:latin typeface="Arial"/>
                 <a:ea typeface="+mj-ea"/>
                 <a:cs typeface="Arial"/>
@@ -1990,7 +1990,7 @@
               <a:t> </a:t>
             </a:r>
             <a:r>
-              <a:rPr sz="2800" b="1" spc="15">
+              <a:rPr sz="3600" b="1" spc="15" dirty="0">
                 <a:latin typeface="Arial"/>
                 <a:ea typeface="+mj-ea"/>
                 <a:cs typeface="Arial"/>
@@ -1998,7 +1998,7 @@
               <a:t>I.O.T</a:t>
             </a:r>
             <a:r>
-              <a:rPr sz="2800" b="1" spc="5">
+              <a:rPr sz="3600" b="1" spc="5" dirty="0">
                 <a:latin typeface="Arial"/>
                 <a:ea typeface="+mj-ea"/>
                 <a:cs typeface="Arial"/>
@@ -2006,7 +2006,7 @@
               <a:t> </a:t>
             </a:r>
             <a:r>
-              <a:rPr sz="2800" b="1" spc="10">
+              <a:rPr sz="3600" b="1" spc="10" dirty="0">
                 <a:latin typeface="Arial"/>
                 <a:ea typeface="+mj-ea"/>
                 <a:cs typeface="Arial"/>
@@ -2014,7 +2014,7 @@
               <a:t>Lab</a:t>
             </a:r>
             <a:r>
-              <a:rPr sz="2800" b="1" spc="5">
+              <a:rPr sz="3600" b="1" spc="5" dirty="0">
                 <a:latin typeface="Arial"/>
                 <a:ea typeface="+mj-ea"/>
                 <a:cs typeface="Arial"/>
@@ -2022,21 +2022,21 @@
               <a:t> </a:t>
             </a:r>
             <a:r>
-              <a:rPr sz="2800" b="1" spc="-195">
+              <a:rPr sz="3600" b="1" spc="-195" dirty="0">
                 <a:latin typeface="나눔고딕OTF ExtraBold"/>
                 <a:cs typeface="나눔고딕OTF ExtraBold"/>
               </a:rPr>
               <a:t>이상민</a:t>
             </a:r>
             <a:r>
-              <a:rPr sz="2800" b="1" spc="-5">
+              <a:rPr sz="3600" b="1" spc="-5" dirty="0">
                 <a:latin typeface="나눔고딕OTF ExtraBold"/>
                 <a:cs typeface="나눔고딕OTF ExtraBold"/>
               </a:rPr>
               <a:t> </a:t>
             </a:r>
             <a:r>
-              <a:rPr sz="2800" b="1" spc="-15">
+              <a:rPr sz="3600" b="1" spc="-15" dirty="0">
                 <a:latin typeface="Arial"/>
                 <a:ea typeface="+mj-ea"/>
                 <a:cs typeface="Arial"/>
@@ -2044,73 +2044,72 @@
               <a:t>(2021</a:t>
             </a:r>
             <a:r>
-              <a:rPr sz="2800" b="1" spc="-195">
+              <a:rPr sz="3600" b="1" spc="-195" dirty="0">
                 <a:latin typeface="나눔고딕OTF ExtraBold"/>
                 <a:cs typeface="나눔고딕OTF ExtraBold"/>
               </a:rPr>
               <a:t>년</a:t>
             </a:r>
             <a:r>
-              <a:rPr sz="2800" b="1" spc="-5">
+              <a:rPr sz="3600" b="1" spc="-5" dirty="0">
                 <a:latin typeface="나눔고딕OTF ExtraBold"/>
                 <a:cs typeface="나눔고딕OTF ExtraBold"/>
               </a:rPr>
               <a:t> </a:t>
             </a:r>
             <a:r>
-              <a:rPr lang="en-US" sz="2800" b="1" spc="10">
-                <a:latin typeface="Arial"/>
-                <a:ea typeface="+mj-ea"/>
-                <a:cs typeface="Arial"/>
-              </a:rPr>
-              <a:t>10</a:t>
-            </a:r>
-            <a:r>
-              <a:rPr sz="2800" b="1" spc="-195">
+              <a:rPr lang="en-US" sz="3600" b="1" spc="10" dirty="0" smtClean="0">
+                <a:latin typeface="Arial"/>
+                <a:ea typeface="+mj-ea"/>
+                <a:cs typeface="Arial"/>
+              </a:rPr>
+              <a:t>1</a:t>
+            </a:r>
+            <a:r>
+              <a:rPr lang="en-US" altLang="ko-KR" sz="3600" b="1" spc="10" dirty="0" smtClean="0">
+                <a:latin typeface="Arial"/>
+                <a:ea typeface="+mj-ea"/>
+                <a:cs typeface="Arial"/>
+              </a:rPr>
+              <a:t>1</a:t>
+            </a:r>
+            <a:r>
+              <a:rPr sz="3600" b="1" spc="-195" dirty="0" smtClean="0">
                 <a:latin typeface="나눔고딕OTF ExtraBold"/>
                 <a:cs typeface="나눔고딕OTF ExtraBold"/>
               </a:rPr>
               <a:t>월</a:t>
             </a:r>
             <a:r>
-              <a:rPr sz="2800" b="1" spc="-5">
+              <a:rPr sz="3600" b="1" spc="-5" dirty="0" smtClean="0">
                 <a:latin typeface="나눔고딕OTF ExtraBold"/>
                 <a:cs typeface="나눔고딕OTF ExtraBold"/>
               </a:rPr>
               <a:t> </a:t>
             </a:r>
             <a:r>
-              <a:rPr sz="2800" b="1" spc="10">
-                <a:latin typeface="Arial"/>
-                <a:ea typeface="+mj-ea"/>
-                <a:cs typeface="Arial"/>
-              </a:rPr>
-              <a:t>2</a:t>
-            </a:r>
-            <a:r>
-              <a:rPr lang="en-US" sz="2800" b="1" spc="10">
-                <a:latin typeface="Arial"/>
-                <a:ea typeface="+mj-ea"/>
-                <a:cs typeface="Arial"/>
-              </a:rPr>
-              <a:t>3</a:t>
-            </a:r>
-            <a:r>
-              <a:rPr sz="2800" b="1" spc="-195">
+              <a:rPr lang="en-US" altLang="ko-KR" sz="3600" b="1" spc="-5" dirty="0" smtClean="0">
                 <a:latin typeface="나눔고딕OTF ExtraBold"/>
                 <a:cs typeface="나눔고딕OTF ExtraBold"/>
               </a:rPr>
+              <a:t>10</a:t>
+            </a:r>
+            <a:r>
+              <a:rPr sz="3600" b="1" spc="-195" dirty="0" smtClean="0">
+                <a:latin typeface="나눔고딕OTF ExtraBold"/>
+                <a:cs typeface="나눔고딕OTF ExtraBold"/>
+              </a:rPr>
               <a:t>일</a:t>
             </a:r>
             <a:r>
-              <a:rPr sz="2800" b="1" spc="-100">
+              <a:rPr sz="3600" b="1" spc="-100" dirty="0">
                 <a:latin typeface="Arial"/>
                 <a:ea typeface="+mj-ea"/>
                 <a:cs typeface="Arial"/>
               </a:rPr>
               <a:t>)</a:t>
             </a:r>
-            <a:endParaRPr sz="2800">
+            <a:endParaRPr sz="3600" dirty="0">
               <a:latin typeface="Arial"/>
               <a:ea typeface="+mj-ea"/>
               <a:cs typeface="Arial"/>
@@ -2130,8 +2129,8 @@
         </p:nvSpPr>
         <p:spPr>
           <a:xfrm>
-            <a:off x="1024364" y="4300767"/>
-            <a:ext cx="18633584" cy="2664832"/>
+            <a:off x="1016158" y="3362048"/>
+            <a:ext cx="18633584" cy="4542269"/>
           </a:xfrm>
           <a:prstGeom prst="rect">
             <a:avLst/>
@@ -2144,23 +2143,34 @@
           <a:lstStyle/>
           <a:p>
             <a:r>
-              <a:rPr lang="ko-KR" altLang="en-US" dirty="0"/>
+              <a:rPr lang="ko-KR" altLang="en-US" sz="9600" dirty="0"/>
               <a:t>무릎 </a:t>
             </a:r>
             <a:r>
-              <a:rPr lang="en-US" altLang="ko-KR" dirty="0"/>
+              <a:rPr lang="en-US" altLang="ko-KR" sz="9600" dirty="0"/>
               <a:t>X-ray </a:t>
             </a:r>
             <a:r>
-              <a:rPr lang="ko-KR" altLang="en-US" dirty="0"/>
+              <a:rPr lang="ko-KR" altLang="en-US" sz="9600" dirty="0"/>
               <a:t>영상을 이용한 </a:t>
             </a:r>
             <a:r>
-              <a:rPr lang="en-US" altLang="ko-KR" dirty="0"/>
-              <a:t>KL grade Classifier</a:t>
+              <a:rPr lang="en-US" altLang="ko-KR" sz="9600" dirty="0" smtClean="0"/>
+              <a:t/>
             </a:r>
             <a:br>
-              <a:rPr lang="en-US" altLang="ko-KR" dirty="0"/>
+              <a:rPr lang="en-US" altLang="ko-KR" sz="9600" dirty="0" smtClean="0"/>
+            </a:br>
+            <a:r>
+              <a:rPr lang="en-US" altLang="ko-KR" sz="9600" dirty="0" smtClean="0"/>
+              <a:t>KL </a:t>
+            </a:r>
+            <a:r>
+              <a:rPr lang="en-US" altLang="ko-KR" sz="9600" dirty="0"/>
+              <a:t>grade Classifier</a:t>
+            </a:r>
+            <a:br>
+              <a:rPr lang="en-US" altLang="ko-KR" sz="9600" dirty="0"/>
             </a:br>
             <a:r>
               <a:rPr lang="en-US" sz="4400" dirty="0">
@@ -2266,10 +2276,17 @@
     <mc:Choice Requires="p14">
       <p:transition/>
     </mc:Choice>
-    <mc:Fallback xmlns="" xmlns:c="http://schemas.openxmlformats.org/drawingml/2006/chart" xmlns:dgm="http://schemas.openxmlformats.org/drawingml/2006/diagram" xmlns:dsp="http://schemas.microsoft.com/office/drawing/2008/diagram">
+    <mc:Fallback xmlns:dsp="http://schemas.microsoft.com/office/drawing/2008/diagram" xmlns:dgm="http://schemas.openxmlformats.org/drawingml/2006/diagram" xmlns:c="http://schemas.openxmlformats.org/drawingml/2006/chart" xmlns="">
       <p:transition/>
     </mc:Fallback>
   </mc:AlternateContent>
+  <p:timing>
+    <p:tnLst>
+      <p:par>
+        <p:cTn id="1" dur="indefinite" restart="never" nodeType="tmRoot"/>
+      </p:par>
+    </p:tnLst>
+  </p:timing>
 </p:sld>
 </file>
 
@@ -2541,6 +2558,60 @@
           </a:extLst>
         </p:spPr>
       </p:pic>
+      <p:pic>
+        <p:nvPicPr>
+          <p:cNvPr id="3" name="그림 2"/>
+          <p:cNvPicPr>
+            <a:picLocks noChangeAspect="1"/>
+          </p:cNvPicPr>
+          <p:nvPr/>
+        </p:nvPicPr>
+        <p:blipFill>
+          <a:blip r:embed="rId4">
+            <a:extLst>
+              <a:ext uri="{28A0092B-C50C-407E-A947-70E740481C1C}">
+                <a14:useLocalDpi xmlns:a14="http://schemas.microsoft.com/office/drawing/2010/main" val="0"/>
+              </a:ext>
+            </a:extLst>
+          </a:blip>
+          <a:stretch>
+            <a:fillRect/>
+          </a:stretch>
+        </p:blipFill>
+        <p:spPr>
+          <a:xfrm>
+            <a:off x="1023915" y="3053401"/>
+            <a:ext cx="7391153" cy="6206673"/>
+          </a:xfrm>
+          <a:prstGeom prst="rect">
+            <a:avLst/>
+          </a:prstGeom>
+        </p:spPr>
+      </p:pic>
+      <p:pic>
+        <p:nvPicPr>
+          <p:cNvPr id="4" name="그림 3"/>
+          <p:cNvPicPr>
+            <a:picLocks noChangeAspect="1"/>
+          </p:cNvPicPr>
+          <p:nvPr/>
+        </p:nvPicPr>
+        <p:blipFill>
+          <a:blip r:embed="rId5"/>
+          <a:stretch>
+            <a:fillRect/>
+          </a:stretch>
+        </p:blipFill>
+        <p:spPr>
+          <a:xfrm>
+            <a:off x="9213850" y="2149475"/>
+            <a:ext cx="9387348" cy="7574939"/>
+          </a:xfrm>
+          <a:prstGeom prst="rect">
+            <a:avLst/>
+          </a:prstGeom>
+        </p:spPr>
+      </p:pic>
     </p:spTree>
   </p:cSld>
   <p:clrMapOvr>
@@ -2550,10 +2621,17 @@
     <mc:Choice Requires="p14">
       <p:transition/>
     </mc:Choice>
-    <mc:Fallback xmlns="" xmlns:c="http://schemas.openxmlformats.org/drawingml/2006/chart" xmlns:dgm="http://schemas.openxmlformats.org/drawingml/2006/diagram" xmlns:dsp="http://schemas.microsoft.com/office/drawing/2008/diagram">
+    <mc:Fallback xmlns:dsp="http://schemas.microsoft.com/office/drawing/2008/diagram" xmlns:dgm="http://schemas.openxmlformats.org/drawingml/2006/diagram" xmlns:c="http://schemas.openxmlformats.org/drawingml/2006/chart" xmlns="">
       <p:transition/>
     </mc:Fallback>
   </mc:AlternateContent>
+  <p:timing>
+    <p:tnLst>
+      <p:par>
+        <p:cTn id="1" dur="indefinite" restart="never" nodeType="tmRoot"/>
+      </p:par>
+    </p:tnLst>
+  </p:timing>
 </p:sld>
 </file>
 
@@ -2748,7 +2826,7 @@
         </p:blipFill>
         <p:spPr bwMode="auto">
           <a:xfrm>
-            <a:off x="1019729" y="2911475"/>
+            <a:off x="3641387" y="2911475"/>
             <a:ext cx="4419600" cy="7338205"/>
           </a:xfrm>
           <a:prstGeom prst="rect">
@@ -2766,6 +2844,122 @@
           </a:extLst>
         </p:spPr>
       </p:pic>
+      <p:pic>
+        <p:nvPicPr>
+          <p:cNvPr id="2" name="그림 1"/>
+          <p:cNvPicPr>
+            <a:picLocks noChangeAspect="1"/>
+          </p:cNvPicPr>
+          <p:nvPr/>
+        </p:nvPicPr>
+        <p:blipFill>
+          <a:blip r:embed="rId5">
+            <a:extLst>
+              <a:ext uri="{28A0092B-C50C-407E-A947-70E740481C1C}">
+                <a14:useLocalDpi xmlns:a14="http://schemas.microsoft.com/office/drawing/2010/main" val="0"/>
+              </a:ext>
+            </a:extLst>
+          </a:blip>
+          <a:stretch>
+            <a:fillRect/>
+          </a:stretch>
+        </p:blipFill>
+        <p:spPr>
+          <a:xfrm>
+            <a:off x="11042650" y="4009791"/>
+            <a:ext cx="4800600" cy="4800600"/>
+          </a:xfrm>
+          <a:prstGeom prst="rect">
+            <a:avLst/>
+          </a:prstGeom>
+        </p:spPr>
+      </p:pic>
+      <p:sp>
+        <p:nvSpPr>
+          <p:cNvPr id="4" name="오른쪽 화살표 3"/>
+          <p:cNvSpPr/>
+          <p:nvPr/>
+        </p:nvSpPr>
+        <p:spPr>
+          <a:xfrm>
+            <a:off x="8299450" y="6111875"/>
+            <a:ext cx="2438400" cy="1143000"/>
+          </a:xfrm>
+          <a:prstGeom prst="rightArrow">
+            <a:avLst/>
+          </a:prstGeom>
+        </p:spPr>
+        <p:style>
+          <a:lnRef idx="2">
+            <a:schemeClr val="accent1">
+              <a:shade val="50000"/>
+            </a:schemeClr>
+          </a:lnRef>
+          <a:fillRef idx="1">
+            <a:schemeClr val="accent1"/>
+          </a:fillRef>
+          <a:effectRef idx="0">
+            <a:schemeClr val="accent1"/>
+          </a:effectRef>
+          <a:fontRef idx="minor">
+            <a:schemeClr val="lt1"/>
+          </a:fontRef>
+        </p:style>
+        <p:txBody>
+          <a:bodyPr rtlCol="0" anchor="ctr"/>
+          <a:lstStyle/>
+          <a:p>
+            <a:pPr algn="ctr"/>
+            <a:endParaRPr lang="ko-KR" altLang="en-US"/>
+          </a:p>
+        </p:txBody>
+      </p:sp>
+      <p:sp>
+        <p:nvSpPr>
+          <p:cNvPr id="5" name="직사각형 4"/>
+          <p:cNvSpPr/>
+          <p:nvPr/>
+        </p:nvSpPr>
+        <p:spPr>
+          <a:xfrm>
+            <a:off x="11042650" y="5807075"/>
+            <a:ext cx="4800600" cy="2133600"/>
+          </a:xfrm>
+          <a:prstGeom prst="rect">
+            <a:avLst/>
+          </a:prstGeom>
+          <a:noFill/>
+          <a:ln>
+            <a:solidFill>
+              <a:srgbClr val="C00000"/>
+            </a:solidFill>
+          </a:ln>
+        </p:spPr>
+        <p:style>
+          <a:lnRef idx="2">
+            <a:schemeClr val="accent1">
+              <a:shade val="50000"/>
+            </a:schemeClr>
+          </a:lnRef>
+          <a:fillRef idx="1">
+            <a:schemeClr val="accent1"/>
+          </a:fillRef>
+          <a:effectRef idx="0">
+            <a:schemeClr val="accent1"/>
+          </a:effectRef>
+          <a:fontRef idx="minor">
+            <a:schemeClr val="lt1"/>
+          </a:fontRef>
+        </p:style>
+        <p:txBody>
+          <a:bodyPr rtlCol="0" anchor="ctr"/>
+          <a:lstStyle/>
+          <a:p>
+            <a:pPr algn="ctr"/>
+            <a:endParaRPr lang="ko-KR" altLang="en-US"/>
+          </a:p>
+        </p:txBody>
+      </p:sp>
     </p:spTree>
   </p:cSld>
   <p:clrMapOvr>
@@ -2775,10 +2969,17 @@
     <mc:Choice Requires="p14">
       <p:transition/>
     </mc:Choice>
-    <mc:Fallback xmlns="" xmlns:c="http://schemas.openxmlformats.org/drawingml/2006/chart" xmlns:dgm="http://schemas.openxmlformats.org/drawingml/2006/diagram" xmlns:dsp="http://schemas.microsoft.com/office/drawing/2008/diagram">
+    <mc:Fallback xmlns:dsp="http://schemas.microsoft.com/office/drawing/2008/diagram" xmlns:dgm="http://schemas.openxmlformats.org/drawingml/2006/diagram" xmlns:c="http://schemas.openxmlformats.org/drawingml/2006/chart" xmlns="">
       <p:transition/>
     </mc:Fallback>
   </mc:AlternateContent>
+  <p:timing>
+    <p:tnLst>
+      <p:par>
+        <p:cTn id="1" dur="indefinite" restart="never" nodeType="tmRoot"/>
+      </p:par>
+    </p:tnLst>
+  </p:timing>
 </p:sld>
 </file>
 
@@ -2967,10 +3168,17 @@
     <mc:Choice Requires="p14">
       <p:transition/>
     </mc:Choice>
-    <mc:Fallback xmlns="" xmlns:c="http://schemas.openxmlformats.org/drawingml/2006/chart" xmlns:dgm="http://schemas.openxmlformats.org/drawingml/2006/diagram" xmlns:dsp="http://schemas.microsoft.com/office/drawing/2008/diagram">
+    <mc:Fallback xmlns:dsp="http://schemas.microsoft.com/office/drawing/2008/diagram" xmlns:dgm="http://schemas.openxmlformats.org/drawingml/2006/diagram" xmlns:c="http://schemas.openxmlformats.org/drawingml/2006/chart" xmlns="">
       <p:transition/>
     </mc:Fallback>
   </mc:AlternateContent>
+  <p:timing>
+    <p:tnLst>
+      <p:par>
+        <p:cTn id="1" dur="indefinite" restart="never" nodeType="tmRoot"/>
+      </p:par>
+    </p:tnLst>
+  </p:timing>
 </p:sld>
 </file>
 
@@ -3229,10 +3437,17 @@
     <mc:Choice Requires="p14">
       <p:transition/>
     </mc:Choice>
-    <mc:Fallback xmlns="" xmlns:c="http://schemas.openxmlformats.org/drawingml/2006/chart" xmlns:dgm="http://schemas.openxmlformats.org/drawingml/2006/diagram" xmlns:dsp="http://schemas.microsoft.com/office/drawing/2008/diagram">
+    <mc:Fallback xmlns:dsp="http://schemas.microsoft.com/office/drawing/2008/diagram" xmlns:dgm="http://schemas.openxmlformats.org/drawingml/2006/diagram" xmlns:c="http://schemas.openxmlformats.org/drawingml/2006/chart" xmlns="">
       <p:transition/>
     </mc:Fallback>
   </mc:AlternateContent>
+  <p:timing>
+    <p:tnLst>
+      <p:par>
+        <p:cTn id="1" dur="indefinite" restart="never" nodeType="tmRoot"/>
+      </p:par>
+    </p:tnLst>
+  </p:timing>
 </p:sld>
 </file>
 
@@ -3475,8 +3690,8 @@
         </p:blipFill>
         <p:spPr bwMode="auto">
           <a:xfrm>
-            <a:off x="1757189" y="3444875"/>
-            <a:ext cx="16277880" cy="5724430"/>
+            <a:off x="2965450" y="2835275"/>
+            <a:ext cx="14086061" cy="4953635"/>
           </a:xfrm>
           <a:prstGeom prst="rect">
             <a:avLst/>
@@ -3493,6 +3708,160 @@
           </a:extLst>
         </p:spPr>
       </p:pic>
+      <p:sp>
+        <p:nvSpPr>
+          <p:cNvPr id="4" name="TextBox 3"/>
+          <p:cNvSpPr txBox="1"/>
+          <p:nvPr/>
+        </p:nvSpPr>
+        <p:spPr>
+          <a:xfrm>
+            <a:off x="1593850" y="8321675"/>
+            <a:ext cx="13765307" cy="2308324"/>
+          </a:xfrm>
+          <a:prstGeom prst="rect">
+            <a:avLst/>
+          </a:prstGeom>
+          <a:noFill/>
+        </p:spPr>
+        <p:txBody>
+          <a:bodyPr wrap="none" rtlCol="0">
+            <a:spAutoFit/>
+          </a:bodyPr>
+          <a:lstStyle/>
+          <a:p>
+            <a:r>
+              <a:rPr lang="ko-KR" altLang="en-US" dirty="0"/>
+              <a:t>단순 방사선 사진이 가장 유용하다</a:t>
+            </a:r>
+            <a:r>
+              <a:rPr lang="en-US" altLang="ko-KR" dirty="0"/>
+              <a:t>.</a:t>
+            </a:r>
+          </a:p>
+          <a:p>
+            <a:r>
+              <a:rPr lang="ko-KR" altLang="en-US" dirty="0"/>
+              <a:t>초기에는 정상 소견을 보일 수 있으나 점진적으로 관절 간격의 감소가 나타나며 연골 아래 뼈의 음영이 짙어지는 경화 소견을 볼 수 있다</a:t>
+            </a:r>
+            <a:r>
+              <a:rPr lang="en-US" altLang="ko-KR" dirty="0"/>
+              <a:t>.</a:t>
+            </a:r>
+          </a:p>
+          <a:p>
+            <a:r>
+              <a:rPr lang="ko-KR" altLang="en-US" dirty="0"/>
+              <a:t>더욱 진행되면 </a:t>
+            </a:r>
+            <a:r>
+              <a:rPr lang="ko-KR" altLang="en-US" dirty="0" err="1"/>
+              <a:t>관절면의</a:t>
+            </a:r>
+            <a:r>
+              <a:rPr lang="ko-KR" altLang="en-US" dirty="0"/>
+              <a:t> 가장 자리에 뼈가 웃자란 듯한 </a:t>
+            </a:r>
+            <a:r>
+              <a:rPr lang="ko-KR" altLang="en-US" dirty="0" err="1"/>
+              <a:t>골극이</a:t>
+            </a:r>
+            <a:r>
+              <a:rPr lang="ko-KR" altLang="en-US" dirty="0"/>
+              <a:t> 형성되고 </a:t>
+            </a:r>
+            <a:r>
+              <a:rPr lang="ko-KR" altLang="en-US" dirty="0" err="1"/>
+              <a:t>관절면이</a:t>
+            </a:r>
+            <a:r>
+              <a:rPr lang="ko-KR" altLang="en-US" dirty="0"/>
+              <a:t> 불규칙해진다</a:t>
+            </a:r>
+            <a:r>
+              <a:rPr lang="en-US" altLang="ko-KR" dirty="0"/>
+              <a:t>.</a:t>
+            </a:r>
+          </a:p>
+          <a:p>
+            <a:r>
+              <a:rPr lang="ko-KR" altLang="en-US" dirty="0" err="1"/>
+              <a:t>이차성</a:t>
+            </a:r>
+            <a:r>
+              <a:rPr lang="ko-KR" altLang="en-US" dirty="0"/>
+              <a:t> 관절염의 경우 원인이 되는 과거 외상이나 질환의 흔적 혹은 변형 등이 관찰되기도 한다</a:t>
+            </a:r>
+            <a:r>
+              <a:rPr lang="en-US" altLang="ko-KR" dirty="0"/>
+              <a:t>.</a:t>
+            </a:r>
+          </a:p>
+          <a:p>
+            <a:r>
+              <a:rPr lang="ko-KR" altLang="en-US" dirty="0"/>
+              <a:t>다만 방사선학적 변화가 증상 및 활동력의 심한 정도를 그대로 반영하는 것은 아니어서 </a:t>
+            </a:r>
+            <a:endParaRPr lang="en-US" altLang="ko-KR" dirty="0" smtClean="0"/>
+          </a:p>
+          <a:p>
+            <a:r>
+              <a:rPr lang="en-US" altLang="ko-KR" dirty="0" smtClean="0"/>
+              <a:t>40</a:t>
+            </a:r>
+            <a:r>
+              <a:rPr lang="ko-KR" altLang="en-US" dirty="0"/>
+              <a:t>세 이상에서 </a:t>
+            </a:r>
+            <a:r>
+              <a:rPr lang="en-US" altLang="ko-KR" dirty="0"/>
+              <a:t>90% </a:t>
+            </a:r>
+            <a:r>
+              <a:rPr lang="ko-KR" altLang="en-US" dirty="0"/>
+              <a:t>정도는 방사선학적으로 퇴행성 변화를 보이지만 이 중 </a:t>
+            </a:r>
+            <a:r>
+              <a:rPr lang="en-US" altLang="ko-KR" dirty="0"/>
+              <a:t>30% </a:t>
+            </a:r>
+            <a:r>
+              <a:rPr lang="ko-KR" altLang="en-US" dirty="0"/>
+              <a:t>정도만이 증상을 보이게 된다</a:t>
+            </a:r>
+            <a:r>
+              <a:rPr lang="en-US" altLang="ko-KR" dirty="0" smtClean="0"/>
+              <a:t>.</a:t>
+            </a:r>
+          </a:p>
+          <a:p>
+            <a:endParaRPr lang="en-US" altLang="ko-KR" dirty="0"/>
+          </a:p>
+          <a:p>
+            <a:r>
+              <a:rPr lang="en-US" altLang="ko-KR" dirty="0">
+                <a:hlinkClick r:id="rId5"/>
+              </a:rPr>
+              <a:t>http://</a:t>
+            </a:r>
+            <a:r>
+              <a:rPr lang="en-US" altLang="ko-KR" dirty="0" smtClean="0">
+                <a:hlinkClick r:id="rId5"/>
+              </a:rPr>
+              <a:t>www.snuh.org/health/nMedInfo/nView.do?category=DIS&amp;medid=AA000196</a:t>
+            </a:r>
+            <a:r>
+              <a:rPr lang="en-US" altLang="ko-KR" dirty="0" smtClean="0"/>
+              <a:t> </a:t>
+            </a:r>
+            <a:r>
+              <a:rPr lang="ko-KR" altLang="en-US" dirty="0" smtClean="0"/>
+              <a:t>출처</a:t>
+            </a:r>
+            <a:endParaRPr lang="en-US" altLang="ko-KR" dirty="0"/>
+          </a:p>
+        </p:txBody>
+      </p:sp>
     </p:spTree>
   </p:cSld>
   <p:clrMapOvr>
@@ -3502,10 +3871,17 @@
     <mc:Choice Requires="p14">
       <p:transition/>
     </mc:Choice>
-    <mc:Fallback xmlns="" xmlns:c="http://schemas.openxmlformats.org/drawingml/2006/chart" xmlns:dgm="http://schemas.openxmlformats.org/drawingml/2006/diagram" xmlns:dsp="http://schemas.microsoft.com/office/drawing/2008/diagram">
+    <mc:Fallback xmlns:dsp="http://schemas.microsoft.com/office/drawing/2008/diagram" xmlns:dgm="http://schemas.openxmlformats.org/drawingml/2006/diagram" xmlns:c="http://schemas.openxmlformats.org/drawingml/2006/chart" xmlns="">
       <p:transition/>
     </mc:Fallback>
   </mc:AlternateContent>
+  <p:timing>
+    <p:tnLst>
+      <p:par>
+        <p:cTn id="1" dur="indefinite" restart="never" nodeType="tmRoot"/>
+      </p:par>
+    </p:tnLst>
+  </p:timing>
 </p:sld>
 </file>
 
@@ -3620,7 +3996,7 @@
         <p:spPr>
           <a:xfrm>
             <a:off x="1019728" y="1962721"/>
-            <a:ext cx="18176322" cy="675704"/>
+            <a:ext cx="18176322" cy="7504619"/>
           </a:xfrm>
           <a:prstGeom prst="rect">
             <a:avLst/>
@@ -3647,9 +4023,304 @@
                 <a:latin typeface="나눔고딕OTF ExtraBold"/>
                 <a:cs typeface="나눔고딕OTF ExtraBold"/>
               </a:rPr>
-              <a:t>학습 데이터</a:t>
-            </a:r>
-            <a:endParaRPr sz="4350" dirty="0">
+              <a:t>학습 </a:t>
+            </a:r>
+            <a:r>
+              <a:rPr lang="ko-KR" altLang="en-US" sz="4350" b="1" spc="-325" dirty="0" smtClean="0">
+                <a:latin typeface="나눔고딕OTF ExtraBold"/>
+                <a:cs typeface="나눔고딕OTF ExtraBold"/>
+              </a:rPr>
+              <a:t>데이터</a:t>
+            </a:r>
+            <a:endParaRPr lang="en-US" altLang="ko-KR" sz="4350" b="1" spc="-325" dirty="0" smtClean="0">
+              <a:latin typeface="나눔고딕OTF ExtraBold"/>
+              <a:cs typeface="나눔고딕OTF ExtraBold"/>
+            </a:endParaRPr>
+          </a:p>
+          <a:p>
+            <a:pPr marL="12700">
+              <a:spcBef>
+                <a:spcPts val="104"/>
+              </a:spcBef>
+              <a:buClr>
+                <a:schemeClr val="tx1"/>
+              </a:buClr>
+              <a:buNone/>
+              <a:defRPr/>
+            </a:pPr>
+            <a:endParaRPr lang="en-US" sz="4350" b="1" spc="-325" dirty="0">
+              <a:latin typeface="나눔고딕OTF ExtraBold"/>
+              <a:cs typeface="나눔고딕OTF ExtraBold"/>
+            </a:endParaRPr>
+          </a:p>
+          <a:p>
+            <a:pPr marL="12700">
+              <a:spcBef>
+                <a:spcPts val="104"/>
+              </a:spcBef>
+              <a:buClr>
+                <a:schemeClr val="tx1"/>
+              </a:buClr>
+              <a:buNone/>
+              <a:defRPr/>
+            </a:pPr>
+            <a:r>
+              <a:rPr lang="ko-KR" altLang="en-US" sz="4350" b="1" spc="-325" dirty="0" err="1" smtClean="0">
+                <a:latin typeface="나눔고딕OTF ExtraBold"/>
+                <a:cs typeface="나눔고딕OTF ExtraBold"/>
+              </a:rPr>
+              <a:t>뭐뭐를</a:t>
+            </a:r>
+            <a:r>
+              <a:rPr lang="ko-KR" altLang="en-US" sz="4350" b="1" spc="-325" dirty="0" smtClean="0">
+                <a:latin typeface="나눔고딕OTF ExtraBold"/>
+                <a:cs typeface="나눔고딕OTF ExtraBold"/>
+              </a:rPr>
+              <a:t> 사용했다 출처</a:t>
+            </a:r>
+            <a:endParaRPr lang="en-US" altLang="ko-KR" sz="4350" b="1" spc="-325" dirty="0">
+              <a:latin typeface="나눔고딕OTF ExtraBold"/>
+              <a:cs typeface="나눔고딕OTF ExtraBold"/>
+            </a:endParaRPr>
+          </a:p>
+          <a:p>
+            <a:pPr marL="12700">
+              <a:spcBef>
+                <a:spcPts val="104"/>
+              </a:spcBef>
+              <a:buClr>
+                <a:schemeClr val="tx1"/>
+              </a:buClr>
+              <a:buNone/>
+              <a:defRPr/>
+            </a:pPr>
+            <a:r>
+              <a:rPr lang="ko-KR" altLang="en-US" sz="4350" b="1" spc="-325" dirty="0" smtClean="0">
+                <a:latin typeface="나눔고딕OTF ExtraBold"/>
+                <a:cs typeface="나눔고딕OTF ExtraBold"/>
+              </a:rPr>
+              <a:t>구조 설명</a:t>
+            </a:r>
+            <a:r>
+              <a:rPr lang="en-US" altLang="ko-KR" sz="4350" b="1" spc="-325" dirty="0" smtClean="0">
+                <a:latin typeface="나눔고딕OTF ExtraBold"/>
+                <a:cs typeface="나눔고딕OTF ExtraBold"/>
+              </a:rPr>
+              <a:t>, </a:t>
+            </a:r>
+            <a:r>
+              <a:rPr lang="ko-KR" altLang="en-US" sz="4350" b="1" spc="-325" dirty="0" smtClean="0">
+                <a:latin typeface="나눔고딕OTF ExtraBold"/>
+                <a:cs typeface="나눔고딕OTF ExtraBold"/>
+              </a:rPr>
+              <a:t>예시 이미지</a:t>
+            </a:r>
+            <a:endParaRPr lang="en-US" altLang="ko-KR" sz="4350" b="1" spc="-325" dirty="0" smtClean="0">
+              <a:latin typeface="나눔고딕OTF ExtraBold"/>
+              <a:cs typeface="나눔고딕OTF ExtraBold"/>
+            </a:endParaRPr>
+          </a:p>
+          <a:p>
+            <a:pPr marL="12700">
+              <a:spcBef>
+                <a:spcPts val="104"/>
+              </a:spcBef>
+              <a:buClr>
+                <a:schemeClr val="tx1"/>
+              </a:buClr>
+              <a:buNone/>
+              <a:defRPr/>
+            </a:pPr>
+            <a:endParaRPr lang="en-US" altLang="ko-KR" sz="4350" b="1" spc="-325" dirty="0">
+              <a:latin typeface="나눔고딕OTF ExtraBold"/>
+              <a:cs typeface="나눔고딕OTF ExtraBold"/>
+            </a:endParaRPr>
+          </a:p>
+          <a:p>
+            <a:pPr marL="12700">
+              <a:spcBef>
+                <a:spcPts val="104"/>
+              </a:spcBef>
+              <a:buClr>
+                <a:schemeClr val="tx1"/>
+              </a:buClr>
+              <a:buNone/>
+              <a:defRPr/>
+            </a:pPr>
+            <a:r>
+              <a:rPr lang="en-US" altLang="ko-KR" sz="4350" b="1" spc="-325" dirty="0">
+                <a:latin typeface="나눔고딕OTF ExtraBold"/>
+                <a:cs typeface="나눔고딕OTF ExtraBold"/>
+                <a:hlinkClick r:id="rId2"/>
+              </a:rPr>
+              <a:t>https://</a:t>
+            </a:r>
+            <a:r>
+              <a:rPr lang="en-US" altLang="ko-KR" sz="4350" b="1" spc="-325" dirty="0" smtClean="0">
+                <a:latin typeface="나눔고딕OTF ExtraBold"/>
+                <a:cs typeface="나눔고딕OTF ExtraBold"/>
+                <a:hlinkClick r:id="rId2"/>
+              </a:rPr>
+              <a:t>github.com/PingjunChen/GradingKneeOA</a:t>
+            </a:r>
+            <a:r>
+              <a:rPr lang="ko-KR" altLang="en-US" sz="4350" b="1" spc="-325" dirty="0" smtClean="0">
+                <a:latin typeface="나눔고딕OTF ExtraBold"/>
+                <a:cs typeface="나눔고딕OTF ExtraBold"/>
+              </a:rPr>
+              <a:t>를 학습 데이터로</a:t>
+            </a:r>
+            <a:endParaRPr lang="en-US" altLang="ko-KR" sz="4350" b="1" spc="-325" dirty="0" smtClean="0">
+              <a:latin typeface="나눔고딕OTF ExtraBold"/>
+              <a:cs typeface="나눔고딕OTF ExtraBold"/>
+            </a:endParaRPr>
+          </a:p>
+          <a:p>
+            <a:pPr marL="12700">
+              <a:spcBef>
+                <a:spcPts val="104"/>
+              </a:spcBef>
+              <a:buClr>
+                <a:schemeClr val="tx1"/>
+              </a:buClr>
+              <a:buNone/>
+              <a:defRPr/>
+            </a:pPr>
+            <a:endParaRPr lang="en-US" altLang="ko-KR" sz="4350" b="1" spc="-325" dirty="0">
+              <a:latin typeface="나눔고딕OTF ExtraBold"/>
+              <a:cs typeface="나눔고딕OTF ExtraBold"/>
+            </a:endParaRPr>
+          </a:p>
+          <a:p>
+            <a:pPr marL="12700">
+              <a:spcBef>
+                <a:spcPts val="104"/>
+              </a:spcBef>
+              <a:buClr>
+                <a:schemeClr val="tx1"/>
+              </a:buClr>
+              <a:buNone/>
+              <a:defRPr/>
+            </a:pPr>
+            <a:r>
+              <a:rPr lang="en-US" altLang="ko-KR" sz="4350" b="1" spc="-325" dirty="0" err="1" smtClean="0">
+                <a:latin typeface="나눔고딕OTF ExtraBold"/>
+                <a:cs typeface="나눔고딕OTF ExtraBold"/>
+              </a:rPr>
+              <a:t>Dphi</a:t>
+            </a:r>
+            <a:r>
+              <a:rPr lang="ko-KR" altLang="en-US" sz="4350" b="1" spc="-325" dirty="0" smtClean="0">
+                <a:latin typeface="나눔고딕OTF ExtraBold"/>
+                <a:cs typeface="나눔고딕OTF ExtraBold"/>
+              </a:rPr>
+              <a:t>에서 제공하는 </a:t>
+            </a:r>
+            <a:r>
+              <a:rPr lang="ko-KR" altLang="en-US" sz="4350" b="1" spc="-325" dirty="0" err="1" smtClean="0">
+                <a:latin typeface="나눔고딕OTF ExtraBold"/>
+                <a:cs typeface="나눔고딕OTF ExtraBold"/>
+              </a:rPr>
+              <a:t>데이터셋을</a:t>
+            </a:r>
+            <a:r>
+              <a:rPr lang="ko-KR" altLang="en-US" sz="4350" b="1" spc="-325" dirty="0" smtClean="0">
+                <a:latin typeface="나눔고딕OTF ExtraBold"/>
+                <a:cs typeface="나눔고딕OTF ExtraBold"/>
+              </a:rPr>
+              <a:t> 검증데이터셋으로 사용</a:t>
+            </a:r>
+            <a:endParaRPr lang="en-US" altLang="ko-KR" sz="4350" b="1" spc="-325" dirty="0" smtClean="0">
+              <a:latin typeface="나눔고딕OTF ExtraBold"/>
+              <a:cs typeface="나눔고딕OTF ExtraBold"/>
+            </a:endParaRPr>
+          </a:p>
+          <a:p>
+            <a:pPr marL="12700">
+              <a:spcBef>
+                <a:spcPts val="104"/>
+              </a:spcBef>
+              <a:buClr>
+                <a:schemeClr val="tx1"/>
+              </a:buClr>
+              <a:buNone/>
+              <a:defRPr/>
+            </a:pPr>
+            <a:r>
+              <a:rPr lang="en-US" altLang="ko-KR" sz="4350" b="1" spc="-325" dirty="0">
+                <a:latin typeface="나눔고딕OTF ExtraBold"/>
+                <a:cs typeface="나눔고딕OTF ExtraBold"/>
+              </a:rPr>
+              <a:t>https://drive.google.com/file/d/1NdDqPK4NLn2aV8ZdF5ilux1sfG6IyebC/view</a:t>
+            </a:r>
+            <a:endParaRPr lang="en-US" altLang="ko-KR" sz="4350" b="1" spc="-325" dirty="0" smtClean="0">
+              <a:latin typeface="나눔고딕OTF ExtraBold"/>
+              <a:cs typeface="나눔고딕OTF ExtraBold"/>
+            </a:endParaRPr>
+          </a:p>
+          <a:p>
+            <a:pPr marL="12700">
+              <a:spcBef>
+                <a:spcPts val="104"/>
+              </a:spcBef>
+              <a:buClr>
+                <a:schemeClr val="tx1"/>
+              </a:buClr>
+              <a:buNone/>
+              <a:defRPr/>
+            </a:pPr>
+            <a:endParaRPr lang="en-US" altLang="ko-KR" sz="4350" b="1" spc="-325" dirty="0">
+              <a:latin typeface="나눔고딕OTF ExtraBold"/>
+              <a:cs typeface="나눔고딕OTF ExtraBold"/>
+            </a:endParaRPr>
+          </a:p>
+          <a:p>
+            <a:pPr marL="12700">
+              <a:spcBef>
+                <a:spcPts val="104"/>
+              </a:spcBef>
+              <a:buClr>
+                <a:schemeClr val="tx1"/>
+              </a:buClr>
+              <a:buNone/>
+              <a:defRPr/>
+            </a:pPr>
+            <a:r>
+              <a:rPr lang="ko-KR" altLang="en-US" sz="4350" b="1" spc="-325" dirty="0" smtClean="0">
+                <a:latin typeface="나눔고딕OTF ExtraBold"/>
+                <a:cs typeface="나눔고딕OTF ExtraBold"/>
+              </a:rPr>
+              <a:t>추후 </a:t>
+            </a:r>
+            <a:r>
+              <a:rPr lang="en-US" altLang="ko-KR" sz="4350" b="1" spc="-325" dirty="0" err="1" smtClean="0">
+                <a:latin typeface="나눔고딕OTF ExtraBold"/>
+                <a:cs typeface="나눔고딕OTF ExtraBold"/>
+              </a:rPr>
+              <a:t>Dphi</a:t>
+            </a:r>
+            <a:r>
+              <a:rPr lang="ko-KR" altLang="en-US" sz="4350" b="1" spc="-325" dirty="0" smtClean="0">
+                <a:latin typeface="나눔고딕OTF ExtraBold"/>
+                <a:cs typeface="나눔고딕OTF ExtraBold"/>
+              </a:rPr>
+              <a:t>에서 제공하는 </a:t>
+            </a:r>
+            <a:r>
+              <a:rPr lang="ko-KR" altLang="en-US" sz="4350" b="1" spc="-325" dirty="0" err="1" smtClean="0">
+                <a:latin typeface="나눔고딕OTF ExtraBold"/>
+                <a:cs typeface="나눔고딕OTF ExtraBold"/>
+              </a:rPr>
+              <a:t>데이터셋을</a:t>
+            </a:r>
+            <a:r>
+              <a:rPr lang="ko-KR" altLang="en-US" sz="4350" b="1" spc="-325" dirty="0" smtClean="0">
+                <a:latin typeface="나눔고딕OTF ExtraBold"/>
+                <a:cs typeface="나눔고딕OTF ExtraBold"/>
+              </a:rPr>
+              <a:t> 추가 학습</a:t>
+            </a:r>
+            <a:endParaRPr lang="en-US" altLang="ko-KR" sz="4350" b="1" spc="-325" dirty="0" smtClean="0">
               <a:latin typeface="나눔고딕OTF ExtraBold"/>
               <a:cs typeface="나눔고딕OTF ExtraBold"/>
             </a:endParaRPr>
@@ -3663,7 +4334,7 @@
           <p:nvPr userDrawn="1"/>
         </p:nvPicPr>
         <p:blipFill rotWithShape="1">
-          <a:blip r:embed="rId2"/>
+          <a:blip r:embed="rId3"/>
           <a:stretch>
             <a:fillRect/>
           </a:stretch>
@@ -3693,7 +4364,7 @@
           <p:nvPr/>
         </p:nvPicPr>
         <p:blipFill rotWithShape="1">
-          <a:blip r:embed="rId3">
+          <a:blip r:embed="rId4">
             <a:extLst>
               <a:ext uri="{28A0092B-C50C-407E-A947-70E740481C1C}">
                 <a14:useLocalDpi xmlns:a14="http://schemas.microsoft.com/office/drawing/2010/main" val="0"/>
@@ -3732,10 +4403,17 @@
     <mc:Choice Requires="p14">
       <p:transition/>
     </mc:Choice>
-    <mc:Fallback xmlns="" xmlns:c="http://schemas.openxmlformats.org/drawingml/2006/chart" xmlns:dgm="http://schemas.openxmlformats.org/drawingml/2006/diagram" xmlns:dsp="http://schemas.microsoft.com/office/drawing/2008/diagram">
+    <mc:Fallback xmlns:dsp="http://schemas.microsoft.com/office/drawing/2008/diagram" xmlns:dgm="http://schemas.openxmlformats.org/drawingml/2006/diagram" xmlns:c="http://schemas.openxmlformats.org/drawingml/2006/chart" xmlns="">
       <p:transition/>
     </mc:Fallback>
   </mc:AlternateContent>
+  <p:timing>
+    <p:tnLst>
+      <p:par>
+        <p:cTn id="1" dur="indefinite" restart="never" nodeType="tmRoot"/>
+      </p:par>
+    </p:tnLst>
+  </p:timing>
 </p:sld>
 </file>
 
@@ -3978,6 +4656,125 @@
           </a:extLst>
         </p:spPr>
       </p:pic>
+      <p:pic>
+        <p:nvPicPr>
+          <p:cNvPr id="4" name="그림 3"/>
+          <p:cNvPicPr>
+            <a:picLocks noChangeAspect="1"/>
+          </p:cNvPicPr>
+          <p:nvPr/>
+        </p:nvPicPr>
+        <p:blipFill>
+          <a:blip r:embed="rId4">
+            <a:extLst>
+              <a:ext uri="{28A0092B-C50C-407E-A947-70E740481C1C}">
+                <a14:useLocalDpi xmlns:a14="http://schemas.microsoft.com/office/drawing/2010/main" val="0"/>
+              </a:ext>
+            </a:extLst>
+          </a:blip>
+          <a:stretch>
+            <a:fillRect/>
+          </a:stretch>
+        </p:blipFill>
+        <p:spPr>
+          <a:xfrm>
+            <a:off x="10898528" y="3442270"/>
+            <a:ext cx="5784537" cy="3792899"/>
+          </a:xfrm>
+          <a:prstGeom prst="rect">
+            <a:avLst/>
+          </a:prstGeom>
+        </p:spPr>
+      </p:pic>
+      <p:pic>
+        <p:nvPicPr>
+          <p:cNvPr id="6" name="그림 5"/>
+          <p:cNvPicPr>
+            <a:picLocks noChangeAspect="1"/>
+          </p:cNvPicPr>
+          <p:nvPr/>
+        </p:nvPicPr>
+        <p:blipFill>
+          <a:blip r:embed="rId5">
+            <a:extLst>
+              <a:ext uri="{28A0092B-C50C-407E-A947-70E740481C1C}">
+                <a14:useLocalDpi xmlns:a14="http://schemas.microsoft.com/office/drawing/2010/main" val="0"/>
+              </a:ext>
+            </a:extLst>
+          </a:blip>
+          <a:stretch>
+            <a:fillRect/>
+          </a:stretch>
+        </p:blipFill>
+        <p:spPr>
+          <a:xfrm>
+            <a:off x="2889250" y="3442270"/>
+            <a:ext cx="5755982" cy="3788747"/>
+          </a:xfrm>
+          <a:prstGeom prst="rect">
+            <a:avLst/>
+          </a:prstGeom>
+        </p:spPr>
+      </p:pic>
+      <p:sp>
+        <p:nvSpPr>
+          <p:cNvPr id="7" name="TextBox 6"/>
+          <p:cNvSpPr txBox="1"/>
+          <p:nvPr/>
+        </p:nvSpPr>
+        <p:spPr>
+          <a:xfrm>
+            <a:off x="3117850" y="7712075"/>
+            <a:ext cx="643318" cy="369332"/>
+          </a:xfrm>
+          <a:prstGeom prst="rect">
+            <a:avLst/>
+          </a:prstGeom>
+          <a:noFill/>
+        </p:spPr>
+        <p:txBody>
+          <a:bodyPr wrap="none" rtlCol="0">
+            <a:spAutoFit/>
+          </a:bodyPr>
+          <a:lstStyle/>
+          <a:p>
+            <a:r>
+              <a:rPr lang="en-US" altLang="ko-KR" dirty="0" smtClean="0"/>
+              <a:t>Train</a:t>
+            </a:r>
+            <a:endParaRPr lang="ko-KR" altLang="en-US" dirty="0"/>
+          </a:p>
+        </p:txBody>
+      </p:sp>
+      <p:sp>
+        <p:nvSpPr>
+          <p:cNvPr id="8" name="TextBox 7"/>
+          <p:cNvSpPr txBox="1"/>
+          <p:nvPr/>
+        </p:nvSpPr>
+        <p:spPr>
+          <a:xfrm>
+            <a:off x="11652250" y="7712075"/>
+            <a:ext cx="1123513" cy="369332"/>
+          </a:xfrm>
+          <a:prstGeom prst="rect">
+            <a:avLst/>
+          </a:prstGeom>
+          <a:noFill/>
+        </p:spPr>
+        <p:txBody>
+          <a:bodyPr wrap="none" rtlCol="0">
+            <a:spAutoFit/>
+          </a:bodyPr>
+          <a:lstStyle/>
+          <a:p>
+            <a:r>
+              <a:rPr lang="en-US" altLang="ko-KR" dirty="0" smtClean="0"/>
+              <a:t>Validation</a:t>
+            </a:r>
+          </a:p>
+        </p:txBody>
+      </p:sp>
     </p:spTree>
   </p:cSld>
   <p:clrMapOvr>
@@ -3987,10 +4784,17 @@
     <mc:Choice Requires="p14">
       <p:transition/>
     </mc:Choice>
-    <mc:Fallback xmlns="" xmlns:c="http://schemas.openxmlformats.org/drawingml/2006/chart" xmlns:dgm="http://schemas.openxmlformats.org/drawingml/2006/diagram" xmlns:dsp="http://schemas.microsoft.com/office/drawing/2008/diagram">
+    <mc:Fallback xmlns:dsp="http://schemas.microsoft.com/office/drawing/2008/diagram" xmlns:dgm="http://schemas.openxmlformats.org/drawingml/2006/diagram" xmlns:c="http://schemas.openxmlformats.org/drawingml/2006/chart" xmlns="">
       <p:transition/>
     </mc:Fallback>
   </mc:AlternateContent>
+  <p:timing>
+    <p:tnLst>
+      <p:par>
+        <p:cTn id="1" dur="indefinite" restart="never" nodeType="tmRoot"/>
+      </p:par>
+    </p:tnLst>
+  </p:timing>
 </p:sld>
 </file>
 
@@ -4434,10 +5238,17 @@
     <mc:Choice Requires="p14">
       <p:transition/>
     </mc:Choice>
-    <mc:Fallback xmlns="" xmlns:c="http://schemas.openxmlformats.org/drawingml/2006/chart" xmlns:dgm="http://schemas.openxmlformats.org/drawingml/2006/diagram" xmlns:dsp="http://schemas.microsoft.com/office/drawing/2008/diagram">
+    <mc:Fallback xmlns:dsp="http://schemas.microsoft.com/office/drawing/2008/diagram" xmlns:dgm="http://schemas.openxmlformats.org/drawingml/2006/diagram" xmlns:c="http://schemas.openxmlformats.org/drawingml/2006/chart" xmlns="">
       <p:transition/>
     </mc:Fallback>
   </mc:AlternateContent>
+  <p:timing>
+    <p:tnLst>
+      <p:par>
+        <p:cTn id="1" dur="indefinite" restart="never" nodeType="tmRoot"/>
+      </p:par>
+    </p:tnLst>
+  </p:timing>
 </p:sld>
 </file>
 
@@ -4561,7 +5372,7 @@
         <p:spPr>
           <a:xfrm>
             <a:off x="1007029" y="1962721"/>
-            <a:ext cx="18073156" cy="8161209"/>
+            <a:ext cx="18073156" cy="4421723"/>
           </a:xfrm>
           <a:prstGeom prst="rect">
             <a:avLst/>
@@ -4671,12 +5482,36 @@
               <a:defRPr/>
             </a:pPr>
             <a:r>
+              <a:rPr lang="en-US" altLang="ko-KR" sz="4350" spc="-405" dirty="0" err="1" smtClean="0">
+                <a:latin typeface="Arial"/>
+                <a:ea typeface="+mj-ea"/>
+                <a:cs typeface="Arial"/>
+              </a:rPr>
+              <a:t>DenseNet</a:t>
+            </a:r>
+            <a:r>
+              <a:rPr lang="en-US" altLang="ko-KR" sz="4350" spc="-405" dirty="0" smtClean="0">
+                <a:latin typeface="Arial"/>
+                <a:ea typeface="+mj-ea"/>
+                <a:cs typeface="Arial"/>
+              </a:rPr>
+              <a:t> </a:t>
+            </a:r>
+            <a:r>
+              <a:rPr lang="en-US" altLang="ko-KR" sz="4350" spc="-405" dirty="0">
+                <a:latin typeface="Arial"/>
+                <a:ea typeface="+mj-ea"/>
+                <a:cs typeface="Arial"/>
+              </a:rPr>
+              <a:t>– </a:t>
+            </a:r>
+            <a:r>
               <a:rPr lang="en-US" altLang="ko-KR" sz="4350" spc="-405" dirty="0" err="1">
                 <a:latin typeface="Arial"/>
                 <a:ea typeface="+mj-ea"/>
                 <a:cs typeface="Arial"/>
               </a:rPr>
-              <a:t>VGGNet</a:t>
+              <a:t>ResNet</a:t>
             </a:r>
             <a:r>
               <a:rPr lang="en-US" altLang="ko-KR" sz="4350" spc="-405" dirty="0">
@@ -4684,7 +5519,7 @@
                 <a:ea typeface="+mj-ea"/>
                 <a:cs typeface="Arial"/>
               </a:rPr>
-              <a:t> – 2014 </a:t>
+              <a:t> </a:t>
             </a:r>
             <a:r>
               <a:rPr lang="ko-KR" altLang="en-US" sz="4350" spc="-405" dirty="0">
@@ -4692,10 +5527,10 @@
                 <a:ea typeface="+mj-ea"/>
                 <a:cs typeface="Arial"/>
               </a:rPr>
-              <a:t>이미지넷 이미지 인식 대회 준우승</a:t>
-            </a:r>
-            <a:r>
-              <a:rPr lang="en-US" altLang="ko-KR" sz="4350" spc="-405" dirty="0">
+              <a:t>보다 적은 파라미터 수로 더 높은 성능을 가진 모델</a:t>
+            </a:r>
+            <a:r>
+              <a:rPr lang="en-US" altLang="ko-KR" sz="4350" spc="-405" dirty="0" smtClean="0">
                 <a:latin typeface="Arial"/>
                 <a:ea typeface="+mj-ea"/>
                 <a:cs typeface="Arial"/>
@@ -4720,232 +5555,18 @@
               <a:defRPr/>
             </a:pPr>
             <a:r>
-              <a:rPr lang="en-US" altLang="ko-KR" sz="4350" spc="-405" dirty="0" err="1">
-                <a:latin typeface="Arial"/>
-                <a:ea typeface="+mj-ea"/>
-                <a:cs typeface="Arial"/>
-              </a:rPr>
-              <a:t>GoogleNet</a:t>
-            </a:r>
-            <a:r>
-              <a:rPr lang="en-US" altLang="ko-KR" sz="4350" spc="-405" dirty="0">
-                <a:latin typeface="Arial"/>
-                <a:ea typeface="+mj-ea"/>
-                <a:cs typeface="Arial"/>
-              </a:rPr>
-              <a:t>(Inception) – 2014 </a:t>
-            </a:r>
-            <a:r>
-              <a:rPr lang="ko-KR" altLang="en-US" sz="4350" spc="-405" dirty="0">
-                <a:latin typeface="Arial"/>
-                <a:ea typeface="+mj-ea"/>
-                <a:cs typeface="Arial"/>
-              </a:rPr>
-              <a:t>이미지넷 이미지 인식 대회 우승</a:t>
-            </a:r>
-            <a:r>
-              <a:rPr lang="en-US" altLang="ko-KR" sz="4350" spc="-405" dirty="0">
-                <a:latin typeface="Arial"/>
-                <a:ea typeface="+mj-ea"/>
-                <a:cs typeface="Arial"/>
-              </a:rPr>
-              <a:t>.</a:t>
-            </a:r>
-          </a:p>
-          <a:p>
-            <a:pPr marL="771525" indent="-742950">
-              <a:lnSpc>
-                <a:spcPct val="100000"/>
-              </a:lnSpc>
-              <a:spcBef>
-                <a:spcPts val="4485"/>
-              </a:spcBef>
-              <a:buSzPct val="122000"/>
-              <a:buAutoNum type="arabicPeriod"/>
-              <a:tabLst>
-                <a:tab pos="532130" algn="l"/>
-                <a:tab pos="532765" algn="l"/>
-              </a:tabLst>
-              <a:defRPr/>
-            </a:pPr>
-            <a:r>
-              <a:rPr lang="en-US" altLang="ko-KR" sz="4350" spc="-405" dirty="0" err="1">
-                <a:latin typeface="Arial"/>
-                <a:ea typeface="+mj-ea"/>
-                <a:cs typeface="Arial"/>
-              </a:rPr>
-              <a:t>ResNet</a:t>
-            </a:r>
-            <a:r>
-              <a:rPr lang="en-US" altLang="ko-KR" sz="4350" spc="-405" dirty="0">
-                <a:latin typeface="Arial"/>
-                <a:ea typeface="+mj-ea"/>
-                <a:cs typeface="Arial"/>
-              </a:rPr>
-              <a:t> – 2015 </a:t>
-            </a:r>
-            <a:r>
-              <a:rPr lang="ko-KR" altLang="en-US" sz="4350" spc="-405" dirty="0">
-                <a:latin typeface="Arial"/>
-                <a:ea typeface="+mj-ea"/>
-                <a:cs typeface="Arial"/>
-              </a:rPr>
-              <a:t>이미지넷 이미지 인식 대회</a:t>
-            </a:r>
-            <a:r>
-              <a:rPr lang="en-US" altLang="ko-KR" sz="4350" spc="-405" dirty="0">
-                <a:latin typeface="Arial"/>
-                <a:ea typeface="+mj-ea"/>
-                <a:cs typeface="Arial"/>
-              </a:rPr>
-              <a:t> </a:t>
-            </a:r>
-            <a:r>
-              <a:rPr lang="ko-KR" altLang="en-US" sz="4350" spc="-405" dirty="0">
-                <a:latin typeface="Arial"/>
-                <a:ea typeface="+mj-ea"/>
-                <a:cs typeface="Arial"/>
-              </a:rPr>
-              <a:t>우승</a:t>
-            </a:r>
-            <a:r>
-              <a:rPr lang="en-US" altLang="ko-KR" sz="4350" spc="-405" dirty="0">
-                <a:latin typeface="Arial"/>
-                <a:ea typeface="+mj-ea"/>
-                <a:cs typeface="Arial"/>
-              </a:rPr>
-              <a:t>.</a:t>
-            </a:r>
-          </a:p>
-          <a:p>
-            <a:pPr marL="771525" indent="-742950">
-              <a:lnSpc>
-                <a:spcPct val="100000"/>
-              </a:lnSpc>
-              <a:spcBef>
-                <a:spcPts val="4485"/>
-              </a:spcBef>
-              <a:buSzPct val="122000"/>
-              <a:buAutoNum type="arabicPeriod"/>
-              <a:tabLst>
-                <a:tab pos="532130" algn="l"/>
-                <a:tab pos="532765" algn="l"/>
-              </a:tabLst>
-              <a:defRPr/>
-            </a:pPr>
-            <a:r>
-              <a:rPr lang="en-US" altLang="ko-KR" sz="4350" spc="-405" dirty="0" err="1">
-                <a:latin typeface="Arial"/>
-                <a:ea typeface="+mj-ea"/>
-                <a:cs typeface="Arial"/>
-              </a:rPr>
-              <a:t>DenseNet</a:t>
-            </a:r>
-            <a:r>
-              <a:rPr lang="en-US" altLang="ko-KR" sz="4350" spc="-405" dirty="0">
-                <a:latin typeface="Arial"/>
-                <a:ea typeface="+mj-ea"/>
-                <a:cs typeface="Arial"/>
-              </a:rPr>
-              <a:t> – </a:t>
-            </a:r>
-            <a:r>
-              <a:rPr lang="en-US" altLang="ko-KR" sz="4350" spc="-405" dirty="0" err="1">
-                <a:latin typeface="Arial"/>
-                <a:ea typeface="+mj-ea"/>
-                <a:cs typeface="Arial"/>
-              </a:rPr>
-              <a:t>ResNet</a:t>
-            </a:r>
-            <a:r>
-              <a:rPr lang="en-US" altLang="ko-KR" sz="4350" spc="-405" dirty="0">
-                <a:latin typeface="Arial"/>
-                <a:ea typeface="+mj-ea"/>
-                <a:cs typeface="Arial"/>
-              </a:rPr>
-              <a:t> </a:t>
-            </a:r>
-            <a:r>
-              <a:rPr lang="ko-KR" altLang="en-US" sz="4350" spc="-405" dirty="0">
-                <a:latin typeface="Arial"/>
-                <a:ea typeface="+mj-ea"/>
-                <a:cs typeface="Arial"/>
-              </a:rPr>
-              <a:t>보다 적은 파라미터 수로 더 높은 성능을 가진 모델</a:t>
-            </a:r>
-            <a:r>
-              <a:rPr lang="en-US" altLang="ko-KR" sz="4350" spc="-405" dirty="0">
-                <a:latin typeface="Arial"/>
-                <a:ea typeface="+mj-ea"/>
-                <a:cs typeface="Arial"/>
-              </a:rPr>
-              <a:t>.</a:t>
-            </a:r>
-          </a:p>
-          <a:p>
-            <a:pPr marL="771525" indent="-742950">
-              <a:lnSpc>
-                <a:spcPct val="100000"/>
-              </a:lnSpc>
-              <a:spcBef>
-                <a:spcPts val="4485"/>
-              </a:spcBef>
-              <a:buSzPct val="122000"/>
-              <a:buAutoNum type="arabicPeriod"/>
-              <a:tabLst>
-                <a:tab pos="532130" algn="l"/>
-                <a:tab pos="532765" algn="l"/>
-              </a:tabLst>
-              <a:defRPr/>
-            </a:pPr>
-            <a:r>
-              <a:rPr lang="en-US" altLang="ko-KR" sz="4350" spc="-405" dirty="0" err="1">
-                <a:latin typeface="Arial"/>
-                <a:ea typeface="+mj-ea"/>
-                <a:cs typeface="Arial"/>
-              </a:rPr>
-              <a:t>EffcientNet</a:t>
-            </a:r>
-            <a:r>
-              <a:rPr lang="en-US" altLang="ko-KR" sz="4350" spc="-405" dirty="0">
-                <a:latin typeface="Arial"/>
-                <a:ea typeface="+mj-ea"/>
-                <a:cs typeface="Arial"/>
-              </a:rPr>
-              <a:t> – </a:t>
-            </a:r>
-            <a:r>
-              <a:rPr lang="ko-KR" altLang="en-US" sz="4350" spc="-405" dirty="0">
-                <a:latin typeface="Arial"/>
-                <a:ea typeface="+mj-ea"/>
-                <a:cs typeface="Arial"/>
-              </a:rPr>
-              <a:t>기존보다 훨씬 적은 파라미터 수로 </a:t>
-            </a:r>
-            <a:r>
-              <a:rPr lang="en-US" altLang="ko-KR" sz="4350" spc="-405" dirty="0">
-                <a:latin typeface="Arial"/>
-                <a:ea typeface="+mj-ea"/>
-                <a:cs typeface="Arial"/>
-              </a:rPr>
-              <a:t>SOTA</a:t>
-            </a:r>
-            <a:r>
-              <a:rPr lang="ko-KR" altLang="en-US" sz="4350" spc="-405" dirty="0">
-                <a:latin typeface="Arial"/>
-                <a:ea typeface="+mj-ea"/>
-                <a:cs typeface="Arial"/>
-              </a:rPr>
-              <a:t>를 달성한 모델</a:t>
-            </a:r>
-            <a:r>
-              <a:rPr lang="en-US" altLang="ko-KR" sz="4350" spc="-405" dirty="0">
-                <a:latin typeface="Arial"/>
-                <a:ea typeface="+mj-ea"/>
-                <a:cs typeface="Arial"/>
-              </a:rPr>
-              <a:t>.</a:t>
-            </a:r>
+              <a:rPr lang="en-US" altLang="ko-KR" sz="4350" spc="-405" dirty="0" err="1" smtClean="0">
+                <a:latin typeface="Arial"/>
+                <a:ea typeface="+mj-ea"/>
+                <a:cs typeface="Arial"/>
+              </a:rPr>
+              <a:t>Xception</a:t>
+            </a:r>
+            <a:endParaRPr lang="en-US" altLang="ko-KR" sz="4350" spc="-405" dirty="0">
+              <a:latin typeface="Arial"/>
+              <a:ea typeface="+mj-ea"/>
+              <a:cs typeface="Arial"/>
+            </a:endParaRPr>
           </a:p>
         </p:txBody>
       </p:sp>
@@ -5025,10 +5646,17 @@
     <mc:Choice Requires="p14">
       <p:transition/>
     </mc:Choice>
-    <mc:Fallback xmlns="" xmlns:c="http://schemas.openxmlformats.org/drawingml/2006/chart" xmlns:dgm="http://schemas.openxmlformats.org/drawingml/2006/diagram" xmlns:dsp="http://schemas.microsoft.com/office/drawing/2008/diagram">
+    <mc:Fallback xmlns:dsp="http://schemas.microsoft.com/office/drawing/2008/diagram" xmlns:dgm="http://schemas.openxmlformats.org/drawingml/2006/diagram" xmlns:c="http://schemas.openxmlformats.org/drawingml/2006/chart" xmlns="">
       <p:transition/>
     </mc:Fallback>
   </mc:AlternateContent>
+  <p:timing>
+    <p:tnLst>
+      <p:par>
+        <p:cTn id="1" dur="indefinite" restart="never" nodeType="tmRoot"/>
+      </p:par>
+    </p:tnLst>
+  </p:timing>
 </p:sld>
 </file>
 
@@ -5100,7 +5728,7 @@
         <p:spPr>
           <a:xfrm>
             <a:off x="1007029" y="1962721"/>
-            <a:ext cx="18073156" cy="682238"/>
+            <a:ext cx="18073156" cy="5432256"/>
           </a:xfrm>
           <a:prstGeom prst="rect">
             <a:avLst/>
@@ -5125,13 +5753,158 @@
               <a:rPr lang="ko-KR" altLang="en-US" sz="4350" b="1" spc="-325" dirty="0" smtClean="0">
                 <a:latin typeface="나눔고딕OTF ExtraBold"/>
               </a:rPr>
-              <a:t>관련 연구는 어떠한 것들이 있는 가</a:t>
+              <a:t>관련 연구는 어떠한 것들이 </a:t>
+            </a:r>
+            <a:r>
+              <a:rPr lang="ko-KR" altLang="en-US" sz="4350" b="1" spc="-325" dirty="0" smtClean="0">
+                <a:latin typeface="나눔고딕OTF ExtraBold"/>
+              </a:rPr>
+              <a:t>있나</a:t>
             </a:r>
             <a:r>
               <a:rPr lang="en-US" altLang="ko-KR" sz="4350" b="1" spc="-325" dirty="0" smtClean="0">
                 <a:latin typeface="나눔고딕OTF ExtraBold"/>
               </a:rPr>
               <a:t>?</a:t>
+            </a:r>
+          </a:p>
+          <a:p>
+            <a:pPr marL="12700">
+              <a:lnSpc>
+                <a:spcPct val="100000"/>
+              </a:lnSpc>
+              <a:spcBef>
+                <a:spcPts val="100"/>
+              </a:spcBef>
+              <a:defRPr/>
+            </a:pPr>
+            <a:endParaRPr lang="en-US" altLang="ko-KR" sz="4350" b="1" spc="-325" dirty="0" smtClean="0">
+              <a:latin typeface="나눔고딕OTF ExtraBold"/>
+            </a:endParaRPr>
+          </a:p>
+          <a:p>
+            <a:pPr marL="12700">
+              <a:spcBef>
+                <a:spcPts val="100"/>
+              </a:spcBef>
+              <a:defRPr/>
+            </a:pPr>
+            <a:r>
+              <a:rPr lang="en-US" altLang="ko-KR" sz="4350" b="1" spc="-325" dirty="0" err="1" smtClean="0">
+                <a:latin typeface="나눔고딕OTF ExtraBold"/>
+              </a:rPr>
+              <a:t>CheXNet</a:t>
+            </a:r>
+            <a:r>
+              <a:rPr lang="en-US" altLang="ko-KR" sz="4350" b="1" spc="-325" dirty="0" smtClean="0">
+                <a:latin typeface="나눔고딕OTF ExtraBold"/>
+              </a:rPr>
+              <a:t> : </a:t>
+            </a:r>
+            <a:r>
+              <a:rPr lang="en-US" altLang="ko-KR" sz="4350" b="1" spc="-325" dirty="0">
+                <a:latin typeface="나눔고딕OTF ExtraBold"/>
+              </a:rPr>
+              <a:t>Radiologist-Level Pneumonia Detection on Chest X-Rays with Deep </a:t>
+            </a:r>
+            <a:r>
+              <a:rPr lang="en-US" altLang="ko-KR" sz="4350" b="1" spc="-325" dirty="0" smtClean="0">
+                <a:latin typeface="나눔고딕OTF ExtraBold"/>
+              </a:rPr>
+              <a:t>Learning -&gt; </a:t>
+            </a:r>
+            <a:r>
+              <a:rPr lang="en-US" altLang="ko-KR" sz="4350" b="1" spc="-325" dirty="0">
+                <a:latin typeface="나눔고딕OTF ExtraBold"/>
+              </a:rPr>
+              <a:t>DenseNet121 + </a:t>
+            </a:r>
+            <a:r>
+              <a:rPr lang="en-US" altLang="ko-KR" sz="4350" b="1" spc="-325" dirty="0">
+                <a:latin typeface="나눔고딕OTF ExtraBold"/>
+              </a:rPr>
+              <a:t>Sigmoid</a:t>
+            </a:r>
+          </a:p>
+          <a:p>
+            <a:pPr marL="12700">
+              <a:spcBef>
+                <a:spcPts val="100"/>
+              </a:spcBef>
+              <a:defRPr/>
+            </a:pPr>
+            <a:endParaRPr lang="en-US" altLang="ko-KR" sz="4350" b="1" spc="-325" dirty="0" smtClean="0">
+              <a:latin typeface="나눔고딕OTF ExtraBold"/>
+            </a:endParaRPr>
+          </a:p>
+          <a:p>
+            <a:pPr marL="12700">
+              <a:lnSpc>
+                <a:spcPct val="100000"/>
+              </a:lnSpc>
+              <a:spcBef>
+                <a:spcPts val="100"/>
+              </a:spcBef>
+              <a:defRPr/>
+            </a:pPr>
+            <a:r>
+              <a:rPr lang="en-US" altLang="ko-KR" sz="4350" b="1" spc="-325" dirty="0">
+                <a:latin typeface="나눔고딕OTF ExtraBold"/>
+              </a:rPr>
+              <a:t>Fully automatic knee osteoarthritis severity grading using deep </a:t>
+            </a:r>
+            <a:r>
+              <a:rPr lang="en-US" altLang="ko-KR" sz="4350" b="1" spc="-325" dirty="0" err="1">
+                <a:latin typeface="나눔고딕OTF ExtraBold"/>
+              </a:rPr>
+              <a:t>neuralnetworks</a:t>
+            </a:r>
+            <a:r>
+              <a:rPr lang="en-US" altLang="ko-KR" sz="4350" b="1" spc="-325" dirty="0">
+                <a:latin typeface="나눔고딕OTF ExtraBold"/>
+              </a:rPr>
+              <a:t> with a novel ordinal </a:t>
+            </a:r>
+            <a:r>
+              <a:rPr lang="en-US" altLang="ko-KR" sz="4350" b="1" spc="-325" dirty="0" smtClean="0">
+                <a:latin typeface="나눔고딕OTF ExtraBold"/>
+              </a:rPr>
+              <a:t>loss</a:t>
+            </a:r>
+          </a:p>
+          <a:p>
+            <a:pPr marL="12700">
+              <a:lnSpc>
+                <a:spcPct val="100000"/>
+              </a:lnSpc>
+              <a:spcBef>
+                <a:spcPts val="100"/>
+              </a:spcBef>
+              <a:defRPr/>
+            </a:pPr>
+            <a:r>
+              <a:rPr lang="en-US" altLang="ko-KR" sz="4350" b="1" spc="-325" dirty="0" smtClean="0">
+                <a:latin typeface="나눔고딕OTF ExtraBold"/>
+              </a:rPr>
+              <a:t>-&gt; YoloV2(detection</a:t>
+            </a:r>
+            <a:r>
+              <a:rPr lang="en-US" altLang="ko-KR" sz="4350" b="1" spc="-325" dirty="0" smtClean="0">
+                <a:latin typeface="나눔고딕OTF ExtraBold"/>
+              </a:rPr>
+              <a:t>) + VGG19(</a:t>
+            </a:r>
+            <a:r>
+              <a:rPr lang="en-US" altLang="ko-KR" sz="4350" b="1" spc="-325" dirty="0" err="1" smtClean="0">
+                <a:latin typeface="나눔고딕OTF ExtraBold"/>
+              </a:rPr>
+              <a:t>predition</a:t>
+            </a:r>
+            <a:r>
+              <a:rPr lang="en-US" altLang="ko-KR" sz="4350" b="1" spc="-325" dirty="0">
+                <a:latin typeface="나눔고딕OTF ExtraBold"/>
+              </a:rPr>
+              <a:t>)</a:t>
             </a:r>
             <a:endParaRPr lang="ko-KR" altLang="en-US" sz="4350" b="1" spc="-325" dirty="0">
               <a:latin typeface="나눔고딕OTF ExtraBold"/>
@@ -5220,10 +5993,17 @@
     <mc:Choice Requires="p14">
       <p:transition/>
     </mc:Choice>
-    <mc:Fallback xmlns="" xmlns:c="http://schemas.openxmlformats.org/drawingml/2006/chart" xmlns:dgm="http://schemas.openxmlformats.org/drawingml/2006/diagram" xmlns:dsp="http://schemas.microsoft.com/office/drawing/2008/diagram">
+    <mc:Fallback xmlns:dsp="http://schemas.microsoft.com/office/drawing/2008/diagram" xmlns:dgm="http://schemas.openxmlformats.org/drawingml/2006/diagram" xmlns:c="http://schemas.openxmlformats.org/drawingml/2006/chart" xmlns="">
       <p:transition/>
     </mc:Fallback>
   </mc:AlternateContent>
+  <p:timing>
+    <p:tnLst>
+      <p:par>
+        <p:cTn id="1" dur="indefinite" restart="never" nodeType="tmRoot"/>
+      </p:par>
+    </p:tnLst>
+  </p:timing>
 </p:sld>
 </file>
 
@@ -5838,14 +6618,14 @@
           <p:nvPr>
             <p:extLst>
               <p:ext uri="{D42A27DB-BD31-4B8C-83A1-F6EECF244321}">
-                <p14:modId xmlns:p14="http://schemas.microsoft.com/office/powerpoint/2010/main" val="4048272061"/>
+                <p14:modId xmlns:p14="http://schemas.microsoft.com/office/powerpoint/2010/main" val="844381203"/>
               </p:ext>
             </p:extLst>
           </p:nvPr>
         </p:nvGraphicFramePr>
         <p:xfrm>
           <a:off x="1611588" y="6035675"/>
-          <a:ext cx="7951916" cy="2286000"/>
+          <a:ext cx="7951916" cy="2743200"/>
         </p:xfrm>
         <a:graphic>
           <a:graphicData uri="http://schemas.openxmlformats.org/drawingml/2006/table">
@@ -6264,6 +7044,93 @@
                   </a:ext>
                 </a:extLst>
               </a:tr>
+              <a:tr h="370840">
+                <a:tc>
+                  <a:txBody>
+                    <a:bodyPr/>
+                    <a:lstStyle/>
+                    <a:p>
+                      <a:pPr latinLnBrk="1"/>
+                      <a:r>
+                        <a:rPr lang="en-US" altLang="ko-KR" sz="2400" kern="1200" spc="0" dirty="0" smtClean="0">
+                          <a:solidFill>
+                            <a:schemeClr val="tx1"/>
+                          </a:solidFill>
+                          <a:latin typeface="Arial"/>
+                          <a:ea typeface="+mj-ea"/>
+                          <a:cs typeface="Arial"/>
+                        </a:rPr>
+                        <a:t>Image</a:t>
+                      </a:r>
+                      <a:r>
+                        <a:rPr lang="en-US" altLang="ko-KR" sz="2400" kern="1200" spc="0" baseline="0" dirty="0" smtClean="0">
+                          <a:solidFill>
+                            <a:schemeClr val="tx1"/>
+                          </a:solidFill>
+                          <a:latin typeface="Arial"/>
+                          <a:ea typeface="+mj-ea"/>
+                          <a:cs typeface="Arial"/>
+                        </a:rPr>
+                        <a:t> size</a:t>
+                      </a:r>
+                      <a:endParaRPr lang="ko-KR" altLang="en-US" sz="2400" kern="1200" spc="0" dirty="0">
+                        <a:solidFill>
+                          <a:schemeClr val="tx1"/>
+                        </a:solidFill>
+                        <a:latin typeface="Arial"/>
+                        <a:ea typeface="+mj-ea"/>
+                        <a:cs typeface="Arial"/>
+                      </a:endParaRPr>
+                    </a:p>
+                  </a:txBody>
+                  <a:tcPr/>
+                </a:tc>
+                <a:tc>
+                  <a:txBody>
+                    <a:bodyPr/>
+                    <a:lstStyle/>
+                    <a:p>
+                      <a:pPr latinLnBrk="1"/>
+                      <a:r>
+                        <a:rPr lang="en-US" altLang="ko-KR" sz="2400" kern="1200" spc="0" dirty="0" smtClean="0">
+                          <a:solidFill>
+                            <a:schemeClr val="tx1"/>
+                          </a:solidFill>
+                          <a:latin typeface="Arial"/>
+                          <a:ea typeface="+mj-ea"/>
+                          <a:cs typeface="Arial"/>
+                        </a:rPr>
+                        <a:t>224</a:t>
+                      </a:r>
+                      <a:r>
+                        <a:rPr lang="en-US" altLang="ko-KR" sz="2400" kern="1200" spc="0" baseline="0" dirty="0" smtClean="0">
+                          <a:solidFill>
+                            <a:schemeClr val="tx1"/>
+                          </a:solidFill>
+                          <a:latin typeface="Arial"/>
+                          <a:ea typeface="+mj-ea"/>
+                          <a:cs typeface="Arial"/>
+                        </a:rPr>
+                        <a:t>x224</a:t>
+                      </a:r>
+                      <a:endParaRPr lang="en-US" altLang="ko-KR" sz="2400" kern="1200" spc="0" dirty="0">
+                        <a:solidFill>
+                          <a:schemeClr val="tx1"/>
+                        </a:solidFill>
+                        <a:latin typeface="Arial"/>
+                        <a:ea typeface="+mj-ea"/>
+                        <a:cs typeface="Arial"/>
+                      </a:endParaRPr>
+                    </a:p>
+                  </a:txBody>
+                  <a:tcPr/>
+                </a:tc>
+                <a:extLst>
+                  <a:ext uri="{0D108BD9-81ED-4DB2-BD59-A6C34878D82A}">
+                    <a16:rowId xmlns:a16="http://schemas.microsoft.com/office/drawing/2014/main" val="798727153"/>
+                  </a:ext>
+                </a:extLst>
+              </a:tr>
             </a:tbl>
           </a:graphicData>
         </a:graphic>
@@ -6322,10 +7189,17 @@
     <mc:Choice Requires="p14">
       <p:transition/>
     </mc:Choice>
-    <mc:Fallback xmlns="" xmlns:c="http://schemas.openxmlformats.org/drawingml/2006/chart" xmlns:dgm="http://schemas.openxmlformats.org/drawingml/2006/diagram" xmlns:dsp="http://schemas.microsoft.com/office/drawing/2008/diagram">
+    <mc:Fallback xmlns:dsp="http://schemas.microsoft.com/office/drawing/2008/diagram" xmlns:dgm="http://schemas.openxmlformats.org/drawingml/2006/diagram" xmlns:c="http://schemas.openxmlformats.org/drawingml/2006/chart" xmlns="">
       <p:transition/>
     </mc:Fallback>
   </mc:AlternateContent>
+  <p:timing>
+    <p:tnLst>
+      <p:par>
+        <p:cTn id="1" dur="indefinite" restart="never" nodeType="tmRoot"/>
+      </p:par>
+    </p:tnLst>
+  </p:timing>
 </p:sld>
 </file>
 

--- a/TermProject_중간보고/MDL.pptx
+++ b/TermProject_중간보고/MDL.pptx
@@ -11,12 +11,12 @@
     <p:sldId id="256" r:id="rId2"/>
     <p:sldId id="258" r:id="rId3"/>
     <p:sldId id="257" r:id="rId4"/>
-    <p:sldId id="263" r:id="rId5"/>
-    <p:sldId id="262" r:id="rId6"/>
-    <p:sldId id="260" r:id="rId7"/>
+    <p:sldId id="275" r:id="rId5"/>
+    <p:sldId id="263" r:id="rId6"/>
+    <p:sldId id="262" r:id="rId7"/>
     <p:sldId id="261" r:id="rId8"/>
-    <p:sldId id="275" r:id="rId9"/>
-    <p:sldId id="265" r:id="rId10"/>
+    <p:sldId id="265" r:id="rId9"/>
+    <p:sldId id="276" r:id="rId10"/>
     <p:sldId id="267" r:id="rId11"/>
     <p:sldId id="273" r:id="rId12"/>
     <p:sldId id="274" r:id="rId13"/>
@@ -242,7 +242,7 @@
               <a:pPr lvl="0">
                 <a:defRPr/>
               </a:pPr>
-              <a:t>2021-11-06</a:t>
+              <a:t>2021-11-07</a:t>
             </a:fld>
             <a:endParaRPr lang="ko-KR" altLang="en-US"/>
           </a:p>
@@ -777,7 +777,7 @@
           <a:p>
             <a:fld id="{1D8BD707-D9CF-40AE-B4C6-C98DA3205C09}" type="datetimeFigureOut">
               <a:rPr lang="en-US"/>
-              <a:t>11/6/2021</a:t>
+              <a:t>11/7/2021</a:t>
             </a:fld>
             <a:endParaRPr lang="en-US"/>
           </a:p>
@@ -952,7 +952,7 @@
           <a:p>
             <a:fld id="{1D8BD707-D9CF-40AE-B4C6-C98DA3205C09}" type="datetimeFigureOut">
               <a:rPr lang="en-US"/>
-              <a:t>11/6/2021</a:t>
+              <a:t>11/7/2021</a:t>
             </a:fld>
             <a:endParaRPr lang="en-US"/>
           </a:p>
@@ -1166,7 +1166,7 @@
           <a:p>
             <a:fld id="{1D8BD707-D9CF-40AE-B4C6-C98DA3205C09}" type="datetimeFigureOut">
               <a:rPr lang="en-US"/>
-              <a:t>11/6/2021</a:t>
+              <a:t>11/7/2021</a:t>
             </a:fld>
             <a:endParaRPr lang="en-US"/>
           </a:p>
@@ -1314,7 +1314,7 @@
           <a:p>
             <a:fld id="{1D8BD707-D9CF-40AE-B4C6-C98DA3205C09}" type="datetimeFigureOut">
               <a:rPr lang="en-US"/>
-              <a:t>11/6/2021</a:t>
+              <a:t>11/7/2021</a:t>
             </a:fld>
             <a:endParaRPr lang="en-US"/>
           </a:p>
@@ -1433,7 +1433,7 @@
           <a:p>
             <a:fld id="{1D8BD707-D9CF-40AE-B4C6-C98DA3205C09}" type="datetimeFigureOut">
               <a:rPr lang="en-US"/>
-              <a:t>11/6/2021</a:t>
+              <a:t>11/7/2021</a:t>
             </a:fld>
             <a:endParaRPr lang="en-US"/>
           </a:p>
@@ -1656,7 +1656,7 @@
           <a:p>
             <a:fld id="{1D8BD707-D9CF-40AE-B4C6-C98DA3205C09}" type="datetimeFigureOut">
               <a:rPr lang="en-US"/>
-              <a:t>11/6/2021</a:t>
+              <a:t>11/7/2021</a:t>
             </a:fld>
             <a:endParaRPr lang="en-US"/>
           </a:p>
@@ -2342,68 +2342,8 @@
               <a:defRPr/>
             </a:pPr>
             <a:r>
-              <a:rPr b="0" spc="-20" dirty="0"/>
-              <a:t>Ho</a:t>
-            </a:r>
-            <a:r>
-              <a:rPr b="0" spc="145" dirty="0"/>
-              <a:t>w</a:t>
-            </a:r>
-            <a:r>
-              <a:rPr b="0" spc="-280" dirty="0"/>
-              <a:t> </a:t>
-            </a:r>
-            <a:r>
-              <a:rPr b="0" spc="-95" dirty="0"/>
-              <a:t>t</a:t>
-            </a:r>
-            <a:r>
-              <a:rPr b="0" spc="90" dirty="0"/>
-              <a:t>o</a:t>
-            </a:r>
-            <a:r>
-              <a:rPr b="0" spc="-280" dirty="0"/>
-              <a:t> </a:t>
-            </a:r>
-            <a:r>
-              <a:rPr b="0" spc="-220" dirty="0"/>
-              <a:t>solv</a:t>
-            </a:r>
-            <a:r>
-              <a:rPr b="0" spc="-85" dirty="0"/>
-              <a:t>e</a:t>
-            </a:r>
-            <a:r>
-              <a:rPr b="0" spc="-280" dirty="0"/>
-              <a:t> </a:t>
-            </a:r>
-            <a:r>
-              <a:rPr b="0" spc="-100" dirty="0"/>
-              <a:t>th</a:t>
-            </a:r>
-            <a:r>
-              <a:rPr b="0" spc="50" dirty="0"/>
-              <a:t>e</a:t>
-            </a:r>
-            <a:r>
-              <a:rPr b="0" spc="-280" dirty="0"/>
-              <a:t> </a:t>
-            </a:r>
-            <a:r>
-              <a:rPr b="0" spc="-140" dirty="0"/>
-              <a:t>p</a:t>
-            </a:r>
-            <a:r>
-              <a:rPr b="0" spc="-270" dirty="0"/>
-              <a:t>r</a:t>
-            </a:r>
-            <a:r>
-              <a:rPr b="0" spc="-120" dirty="0"/>
-              <a:t>oblem</a:t>
-            </a:r>
-            <a:r>
               <a:rPr lang="en-US" b="0" spc="-120" dirty="0"/>
-              <a:t>?</a:t>
+              <a:t>What are the results of model learning?</a:t>
             </a:r>
             <a:endParaRPr b="0" spc="-120" dirty="0"/>
           </a:p>
@@ -2446,7 +2386,7 @@
         <p:spPr>
           <a:xfrm>
             <a:off x="1007028" y="1962718"/>
-            <a:ext cx="6879973" cy="682238"/>
+            <a:ext cx="9045022" cy="682238"/>
           </a:xfrm>
           <a:prstGeom prst="rect">
             <a:avLst/>
@@ -2468,48 +2408,26 @@
               <a:defRPr/>
             </a:pPr>
             <a:r>
-              <a:rPr sz="4350" b="1" spc="-325" dirty="0" err="1" smtClean="0">
-                <a:latin typeface="나눔고딕OTF ExtraBold"/>
-                <a:cs typeface="나눔고딕OTF ExtraBold"/>
-              </a:rPr>
-              <a:t>학습된</a:t>
-            </a:r>
-            <a:r>
-              <a:rPr lang="en-US" sz="4350" b="1" spc="-10" dirty="0">
-                <a:latin typeface="나눔고딕OTF ExtraBold"/>
-                <a:cs typeface="나눔고딕OTF ExtraBold"/>
-              </a:rPr>
-              <a:t> </a:t>
-            </a:r>
-            <a:r>
-              <a:rPr sz="4350" b="1" spc="-325" dirty="0" err="1" smtClean="0">
-                <a:latin typeface="나눔고딕OTF ExtraBold"/>
-                <a:cs typeface="나눔고딕OTF ExtraBold"/>
-              </a:rPr>
-              <a:t>모델의</a:t>
-            </a:r>
-            <a:r>
-              <a:rPr sz="4350" b="1" spc="-10" dirty="0" smtClean="0">
-                <a:latin typeface="나눔고딕OTF ExtraBold"/>
-                <a:cs typeface="나눔고딕OTF ExtraBold"/>
-              </a:rPr>
-              <a:t> </a:t>
-            </a:r>
-            <a:r>
-              <a:rPr sz="4350" b="1" spc="-325" dirty="0" err="1">
-                <a:latin typeface="나눔고딕OTF ExtraBold"/>
-                <a:cs typeface="나눔고딕OTF ExtraBold"/>
-              </a:rPr>
-              <a:t>정확도</a:t>
-            </a:r>
-            <a:r>
-              <a:rPr sz="4350" b="1" dirty="0">
+              <a:rPr lang="ko-KR" altLang="en-US" sz="4350" b="1" dirty="0">
                 <a:latin typeface="Arial"/>
                 <a:ea typeface="+mj-ea"/>
                 <a:cs typeface="Arial"/>
               </a:rPr>
-              <a:t>.</a:t>
-            </a:r>
+              <a:t>모델 학습의 결과는 무엇입니까</a:t>
+            </a:r>
+            <a:r>
+              <a:rPr lang="en-US" altLang="ko-KR" sz="4350" b="1" dirty="0" smtClean="0">
+                <a:latin typeface="Arial"/>
+                <a:ea typeface="+mj-ea"/>
+                <a:cs typeface="Arial"/>
+              </a:rPr>
+              <a:t>?</a:t>
+            </a:r>
+            <a:endParaRPr sz="4350" b="1" dirty="0">
+              <a:latin typeface="Arial"/>
+              <a:ea typeface="+mj-ea"/>
+              <a:cs typeface="Arial"/>
+            </a:endParaRPr>
           </a:p>
         </p:txBody>
       </p:sp>
@@ -2560,7 +2478,7 @@
       </p:pic>
       <p:pic>
         <p:nvPicPr>
-          <p:cNvPr id="3" name="그림 2"/>
+          <p:cNvPr id="5" name="그림 4"/>
           <p:cNvPicPr>
             <a:picLocks noChangeAspect="1"/>
           </p:cNvPicPr>
@@ -2580,8 +2498,8 @@
         </p:blipFill>
         <p:spPr>
           <a:xfrm>
-            <a:off x="1023915" y="3053401"/>
-            <a:ext cx="7391153" cy="6206673"/>
+            <a:off x="1023915" y="3246282"/>
+            <a:ext cx="6455155" cy="5420674"/>
           </a:xfrm>
           <a:prstGeom prst="rect">
             <a:avLst/>
@@ -2590,28 +2508,76 @@
       </p:pic>
       <p:pic>
         <p:nvPicPr>
-          <p:cNvPr id="4" name="그림 3"/>
+          <p:cNvPr id="6" name="그림 5"/>
           <p:cNvPicPr>
             <a:picLocks noChangeAspect="1"/>
           </p:cNvPicPr>
           <p:nvPr/>
         </p:nvPicPr>
-        <p:blipFill>
+        <p:blipFill rotWithShape="1">
           <a:blip r:embed="rId5"/>
-          <a:stretch>
-            <a:fillRect/>
-          </a:stretch>
+          <a:srcRect r="13333"/>
+          <a:stretch/>
         </p:blipFill>
         <p:spPr>
           <a:xfrm>
-            <a:off x="9213850" y="2149475"/>
-            <a:ext cx="9387348" cy="7574939"/>
+            <a:off x="8223250" y="3215800"/>
+            <a:ext cx="11156367" cy="5481638"/>
           </a:xfrm>
           <a:prstGeom prst="rect">
             <a:avLst/>
           </a:prstGeom>
         </p:spPr>
       </p:pic>
+      <p:sp>
+        <p:nvSpPr>
+          <p:cNvPr id="3" name="TextBox 2"/>
+          <p:cNvSpPr txBox="1"/>
+          <p:nvPr/>
+        </p:nvSpPr>
+        <p:spPr>
+          <a:xfrm>
+            <a:off x="1593850" y="9007475"/>
+            <a:ext cx="4870244" cy="646331"/>
+          </a:xfrm>
+          <a:prstGeom prst="rect">
+            <a:avLst/>
+          </a:prstGeom>
+          <a:noFill/>
+        </p:spPr>
+        <p:txBody>
+          <a:bodyPr wrap="none" rtlCol="0">
+            <a:spAutoFit/>
+          </a:bodyPr>
+          <a:lstStyle/>
+          <a:p>
+            <a:r>
+              <a:rPr lang="en-US" altLang="ko-KR" dirty="0" err="1" smtClean="0"/>
+              <a:t>Dphi</a:t>
+            </a:r>
+            <a:r>
+              <a:rPr lang="ko-KR" altLang="en-US" dirty="0" smtClean="0"/>
+              <a:t>의 학습데이터셋을 검증</a:t>
+            </a:r>
+            <a:r>
+              <a:rPr lang="en-US" altLang="ko-KR" dirty="0" smtClean="0"/>
+              <a:t>, </a:t>
+            </a:r>
+            <a:r>
+              <a:rPr lang="ko-KR" altLang="en-US" dirty="0" smtClean="0"/>
+              <a:t>테스트로 나누어</a:t>
+            </a:r>
+            <a:endParaRPr lang="en-US" altLang="ko-KR" dirty="0" smtClean="0"/>
+          </a:p>
+          <a:p>
+            <a:r>
+              <a:rPr lang="ko-KR" altLang="en-US" dirty="0" smtClean="0"/>
+              <a:t>테스트로 나누어진 데이터에 대한 매트릭스</a:t>
+            </a:r>
+            <a:endParaRPr lang="ko-KR" altLang="en-US" dirty="0"/>
+          </a:p>
+        </p:txBody>
+      </p:sp>
     </p:spTree>
   </p:cSld>
   <p:clrMapOvr>
@@ -3915,7 +3881,7 @@
         <p:spPr>
           <a:xfrm>
             <a:off x="1023917" y="888736"/>
-            <a:ext cx="8672195" cy="1073414"/>
+            <a:ext cx="11542733" cy="1090683"/>
           </a:xfrm>
           <a:prstGeom prst="rect">
             <a:avLst/>
@@ -3937,53 +3903,353 @@
               <a:defRPr/>
             </a:pPr>
             <a:r>
-              <a:rPr b="0" spc="-104"/>
-              <a:t>Wha</a:t>
-            </a:r>
-            <a:r>
-              <a:rPr b="0" spc="20"/>
-              <a:t>t</a:t>
-            </a:r>
-            <a:r>
-              <a:rPr b="0" spc="-280"/>
-              <a:t> </a:t>
-            </a:r>
-            <a:r>
-              <a:rPr b="0" spc="-233"/>
-              <a:t>i</a:t>
-            </a:r>
-            <a:r>
-              <a:rPr b="0" spc="-180"/>
-              <a:t>s</a:t>
-            </a:r>
-            <a:r>
-              <a:rPr b="0" spc="-280"/>
-              <a:t> </a:t>
-            </a:r>
-            <a:r>
-              <a:rPr b="0" spc="-100"/>
-              <a:t>th</a:t>
-            </a:r>
-            <a:r>
-              <a:rPr b="0" spc="50"/>
-              <a:t>e</a:t>
-            </a:r>
-            <a:r>
-              <a:rPr b="0" spc="-280"/>
-              <a:t> </a:t>
-            </a:r>
-            <a:r>
-              <a:rPr b="0" spc="-140"/>
-              <a:t>p</a:t>
-            </a:r>
-            <a:r>
-              <a:rPr b="0" spc="-270"/>
-              <a:t>r</a:t>
-            </a:r>
-            <a:r>
-              <a:rPr b="0" spc="-190"/>
-              <a:t>oblem?</a:t>
-            </a:r>
+              <a:rPr lang="en-US" altLang="ko-KR" b="0" spc="-285" dirty="0"/>
+              <a:t>What are some related studies?</a:t>
+            </a:r>
+            <a:endParaRPr b="0" spc="-190" dirty="0"/>
+          </a:p>
+        </p:txBody>
+      </p:sp>
+      <p:sp>
+        <p:nvSpPr>
+          <p:cNvPr id="6" name="object 3"/>
+          <p:cNvSpPr txBox="1"/>
+          <p:nvPr/>
+        </p:nvSpPr>
+        <p:spPr>
+          <a:xfrm>
+            <a:off x="1007029" y="1962721"/>
+            <a:ext cx="18073156" cy="5432256"/>
+          </a:xfrm>
+          <a:prstGeom prst="rect">
+            <a:avLst/>
+          </a:prstGeom>
+        </p:spPr>
+        <p:txBody>
+          <a:bodyPr vert="horz" wrap="square" lIns="0" tIns="12700" rIns="0" bIns="0">
+            <a:spAutoFit/>
+          </a:bodyPr>
+          <a:lstStyle/>
+          <a:p>
+            <a:pPr marL="12700">
+              <a:lnSpc>
+                <a:spcPct val="100000"/>
+              </a:lnSpc>
+              <a:spcBef>
+                <a:spcPts val="100"/>
+              </a:spcBef>
+              <a:defRPr/>
+            </a:pPr>
+            <a:r>
+              <a:rPr lang="ko-KR" altLang="en-US" sz="4350" b="1" spc="-325" dirty="0" smtClean="0">
+                <a:latin typeface="나눔고딕OTF ExtraBold"/>
+              </a:rPr>
+              <a:t>관련 연구는 어떠한 것들이 있나</a:t>
+            </a:r>
+            <a:r>
+              <a:rPr lang="en-US" altLang="ko-KR" sz="4350" b="1" spc="-325" dirty="0" smtClean="0">
+                <a:latin typeface="나눔고딕OTF ExtraBold"/>
+              </a:rPr>
+              <a:t>?</a:t>
+            </a:r>
+          </a:p>
+          <a:p>
+            <a:pPr marL="12700">
+              <a:lnSpc>
+                <a:spcPct val="100000"/>
+              </a:lnSpc>
+              <a:spcBef>
+                <a:spcPts val="100"/>
+              </a:spcBef>
+              <a:defRPr/>
+            </a:pPr>
+            <a:endParaRPr lang="en-US" altLang="ko-KR" sz="4350" b="1" spc="-325" dirty="0" smtClean="0">
+              <a:latin typeface="나눔고딕OTF ExtraBold"/>
+            </a:endParaRPr>
+          </a:p>
+          <a:p>
+            <a:pPr marL="12700">
+              <a:spcBef>
+                <a:spcPts val="100"/>
+              </a:spcBef>
+              <a:defRPr/>
+            </a:pPr>
+            <a:r>
+              <a:rPr lang="en-US" altLang="ko-KR" sz="4350" b="1" spc="-325" dirty="0" err="1" smtClean="0">
+                <a:latin typeface="나눔고딕OTF ExtraBold"/>
+              </a:rPr>
+              <a:t>CheXNet</a:t>
+            </a:r>
+            <a:r>
+              <a:rPr lang="en-US" altLang="ko-KR" sz="4350" b="1" spc="-325" dirty="0" smtClean="0">
+                <a:latin typeface="나눔고딕OTF ExtraBold"/>
+              </a:rPr>
+              <a:t> : </a:t>
+            </a:r>
+            <a:r>
+              <a:rPr lang="en-US" altLang="ko-KR" sz="4350" b="1" spc="-325" dirty="0">
+                <a:latin typeface="나눔고딕OTF ExtraBold"/>
+              </a:rPr>
+              <a:t>Radiologist-Level Pneumonia Detection on Chest X-Rays with Deep </a:t>
+            </a:r>
+            <a:r>
+              <a:rPr lang="en-US" altLang="ko-KR" sz="4350" b="1" spc="-325" dirty="0" smtClean="0">
+                <a:latin typeface="나눔고딕OTF ExtraBold"/>
+              </a:rPr>
+              <a:t/>
+            </a:r>
+            <a:br>
+              <a:rPr lang="en-US" altLang="ko-KR" sz="4350" b="1" spc="-325" dirty="0" smtClean="0">
+                <a:latin typeface="나눔고딕OTF ExtraBold"/>
+              </a:rPr>
+            </a:br>
+            <a:r>
+              <a:rPr lang="en-US" altLang="ko-KR" sz="4350" b="1" spc="-325" dirty="0" smtClean="0">
+                <a:latin typeface="나눔고딕OTF ExtraBold"/>
+              </a:rPr>
+              <a:t>-&gt; </a:t>
+            </a:r>
+            <a:r>
+              <a:rPr lang="en-US" altLang="ko-KR" sz="4350" b="1" spc="-325" dirty="0">
+                <a:latin typeface="나눔고딕OTF ExtraBold"/>
+              </a:rPr>
+              <a:t>DenseNet121 + </a:t>
+            </a:r>
+            <a:r>
+              <a:rPr lang="en-US" altLang="ko-KR" sz="4350" b="1" spc="-325" dirty="0" smtClean="0">
+                <a:latin typeface="나눔고딕OTF ExtraBold"/>
+              </a:rPr>
+              <a:t>Sigmoid(train)</a:t>
+            </a:r>
+            <a:endParaRPr lang="en-US" altLang="ko-KR" sz="4350" b="1" spc="-325" dirty="0">
+              <a:latin typeface="나눔고딕OTF ExtraBold"/>
+            </a:endParaRPr>
+          </a:p>
+          <a:p>
+            <a:pPr marL="12700">
+              <a:spcBef>
+                <a:spcPts val="100"/>
+              </a:spcBef>
+              <a:defRPr/>
+            </a:pPr>
+            <a:endParaRPr lang="en-US" altLang="ko-KR" sz="4350" b="1" spc="-325" dirty="0" smtClean="0">
+              <a:latin typeface="나눔고딕OTF ExtraBold"/>
+            </a:endParaRPr>
+          </a:p>
+          <a:p>
+            <a:pPr marL="12700">
+              <a:lnSpc>
+                <a:spcPct val="100000"/>
+              </a:lnSpc>
+              <a:spcBef>
+                <a:spcPts val="100"/>
+              </a:spcBef>
+              <a:defRPr/>
+            </a:pPr>
+            <a:r>
+              <a:rPr lang="en-US" altLang="ko-KR" sz="4350" b="1" spc="-325" dirty="0">
+                <a:latin typeface="나눔고딕OTF ExtraBold"/>
+              </a:rPr>
+              <a:t>Fully automatic knee osteoarthritis severity grading using deep </a:t>
+            </a:r>
+            <a:r>
+              <a:rPr lang="en-US" altLang="ko-KR" sz="4350" b="1" spc="-325" dirty="0" smtClean="0">
+                <a:latin typeface="나눔고딕OTF ExtraBold"/>
+              </a:rPr>
+              <a:t>neural networks </a:t>
+            </a:r>
+            <a:r>
+              <a:rPr lang="en-US" altLang="ko-KR" sz="4350" b="1" spc="-325" dirty="0">
+                <a:latin typeface="나눔고딕OTF ExtraBold"/>
+              </a:rPr>
+              <a:t>with a novel ordinal </a:t>
+            </a:r>
+            <a:r>
+              <a:rPr lang="en-US" altLang="ko-KR" sz="4350" b="1" spc="-325" dirty="0" smtClean="0">
+                <a:latin typeface="나눔고딕OTF ExtraBold"/>
+              </a:rPr>
+              <a:t>loss</a:t>
+            </a:r>
+          </a:p>
+          <a:p>
+            <a:pPr marL="12700">
+              <a:lnSpc>
+                <a:spcPct val="100000"/>
+              </a:lnSpc>
+              <a:spcBef>
+                <a:spcPts val="100"/>
+              </a:spcBef>
+              <a:defRPr/>
+            </a:pPr>
+            <a:r>
+              <a:rPr lang="en-US" altLang="ko-KR" sz="4350" b="1" spc="-325" dirty="0" smtClean="0">
+                <a:latin typeface="나눔고딕OTF ExtraBold"/>
+              </a:rPr>
+              <a:t>-&gt; YoloV2(detection) + </a:t>
+            </a:r>
+            <a:r>
+              <a:rPr lang="en-US" altLang="ko-KR" sz="4350" b="1" spc="-325" dirty="0" smtClean="0">
+                <a:latin typeface="나눔고딕OTF ExtraBold"/>
+              </a:rPr>
+              <a:t>VGG19(train)</a:t>
+            </a:r>
+            <a:endParaRPr lang="ko-KR" altLang="en-US" sz="4350" b="1" spc="-325" dirty="0">
+              <a:latin typeface="나눔고딕OTF ExtraBold"/>
+            </a:endParaRPr>
+          </a:p>
+        </p:txBody>
+      </p:sp>
+      <p:pic>
+        <p:nvPicPr>
+          <p:cNvPr id="7" name="object 4"/>
+          <p:cNvPicPr/>
+          <p:nvPr userDrawn="1"/>
+        </p:nvPicPr>
+        <p:blipFill rotWithShape="1">
+          <a:blip r:embed="rId2"/>
+          <a:stretch>
+            <a:fillRect/>
+          </a:stretch>
+        </p:blipFill>
+        <p:spPr>
+          <a:xfrm>
+            <a:off x="16224250" y="324598"/>
+            <a:ext cx="3578068" cy="834278"/>
+          </a:xfrm>
+          <a:prstGeom prst="rect">
+            <a:avLst/>
+          </a:prstGeom>
+        </p:spPr>
+      </p:pic>
+      <p:pic>
+        <p:nvPicPr>
+          <p:cNvPr id="5" name="Picture 2">
+            <a:extLst>
+              <a:ext uri="{FF2B5EF4-FFF2-40B4-BE49-F238E27FC236}">
+                <a16:creationId xmlns:a16="http://schemas.microsoft.com/office/drawing/2014/main" id="{B2EFD4E8-BF16-4E13-8193-877AD1965668}"/>
+              </a:ext>
+            </a:extLst>
+          </p:cNvPr>
+          <p:cNvPicPr>
+            <a:picLocks noChangeAspect="1" noChangeArrowheads="1"/>
+          </p:cNvPicPr>
+          <p:nvPr/>
+        </p:nvPicPr>
+        <p:blipFill rotWithShape="1">
+          <a:blip r:embed="rId3">
+            <a:extLst>
+              <a:ext uri="{28A0092B-C50C-407E-A947-70E740481C1C}">
+                <a14:useLocalDpi xmlns:a14="http://schemas.microsoft.com/office/drawing/2010/main" val="0"/>
+              </a:ext>
+            </a:extLst>
+          </a:blip>
+          <a:srcRect t="10591" b="61823"/>
+          <a:stretch/>
+        </p:blipFill>
+        <p:spPr bwMode="auto">
+          <a:xfrm>
+            <a:off x="16683065" y="10107490"/>
+            <a:ext cx="3119253" cy="882213"/>
+          </a:xfrm>
+          <a:prstGeom prst="rect">
+            <a:avLst/>
+          </a:prstGeom>
+          <a:noFill/>
+          <a:extLst>
+            <a:ext uri="{909E8E84-426E-40DD-AFC4-6F175D3DCCD1}">
+              <a14:hiddenFill xmlns:a14="http://schemas.microsoft.com/office/drawing/2010/main">
+                <a:solidFill>
+                  <a:srgbClr val="FFFFFF"/>
+                </a:solidFill>
+              </a14:hiddenFill>
+            </a:ext>
+          </a:extLst>
+        </p:spPr>
+      </p:pic>
+    </p:spTree>
+    <p:extLst>
+      <p:ext uri="{BB962C8B-B14F-4D97-AF65-F5344CB8AC3E}">
+        <p14:creationId xmlns:p14="http://schemas.microsoft.com/office/powerpoint/2010/main" val="2056664691"/>
+      </p:ext>
+    </p:extLst>
+  </p:cSld>
+  <p:clrMapOvr>
+    <a:masterClrMapping/>
+  </p:clrMapOvr>
+  <mc:AlternateContent xmlns:mc="http://schemas.openxmlformats.org/markup-compatibility/2006" xmlns:p14="http://schemas.microsoft.com/office/powerpoint/2010/main">
+    <mc:Choice Requires="p14">
+      <p:transition/>
+    </mc:Choice>
+    <mc:Fallback xmlns:dsp="http://schemas.microsoft.com/office/drawing/2008/diagram" xmlns:dgm="http://schemas.openxmlformats.org/drawingml/2006/diagram" xmlns:c="http://schemas.openxmlformats.org/drawingml/2006/chart" xmlns="">
+      <p:transition/>
+    </mc:Fallback>
+  </mc:AlternateContent>
+  <p:timing>
+    <p:tnLst>
+      <p:par>
+        <p:cTn id="1" dur="indefinite" restart="never" nodeType="tmRoot"/>
+      </p:par>
+    </p:tnLst>
+  </p:timing>
+</p:sld>
+</file>
+
+<file path=ppt/slides/slide5.xml><?xml version="1.0" encoding="utf-8"?>
+<p:sld xmlns:a="http://schemas.openxmlformats.org/drawingml/2006/main" xmlns:r="http://schemas.openxmlformats.org/officeDocument/2006/relationships" xmlns:p="http://schemas.openxmlformats.org/presentationml/2006/main" showMasterSp="0">
+  <p:cSld>
+    <p:spTree>
+      <p:nvGrpSpPr>
+        <p:cNvPr id="1" name=""/>
+        <p:cNvGrpSpPr/>
+        <p:nvPr/>
+      </p:nvGrpSpPr>
+      <p:grpSpPr>
+        <a:xfrm>
+          <a:off x="0" y="0"/>
+          <a:ext cx="0" cy="0"/>
+          <a:chOff x="0" y="0"/>
+          <a:chExt cx="0" cy="0"/>
+        </a:xfrm>
+      </p:grpSpPr>
+      <p:sp>
+        <p:nvSpPr>
+          <p:cNvPr id="2" name="object 2"/>
+          <p:cNvSpPr txBox="1">
+            <a:spLocks noGrp="1"/>
+          </p:cNvSpPr>
+          <p:nvPr>
+            <p:ph type="title"/>
+          </p:nvPr>
+        </p:nvSpPr>
+        <p:spPr>
+          <a:xfrm>
+            <a:off x="1023917" y="888736"/>
+            <a:ext cx="11618933" cy="1090683"/>
+          </a:xfrm>
+          <a:prstGeom prst="rect">
+            <a:avLst/>
+          </a:prstGeom>
+        </p:spPr>
+        <p:txBody>
+          <a:bodyPr vert="horz" wrap="square" lIns="0" tIns="13335" rIns="0" bIns="0">
+            <a:spAutoFit/>
+          </a:bodyPr>
+          <a:lstStyle/>
+          <a:p>
+            <a:pPr marL="12700">
+              <a:lnSpc>
+                <a:spcPct val="100000"/>
+              </a:lnSpc>
+              <a:spcBef>
+                <a:spcPts val="104"/>
+              </a:spcBef>
+              <a:defRPr/>
+            </a:pPr>
+            <a:r>
+              <a:rPr lang="en-US" b="0" spc="-104" dirty="0"/>
+              <a:t>What data did you use?</a:t>
+            </a:r>
+            <a:endParaRPr b="0" spc="-190" dirty="0"/>
           </a:p>
         </p:txBody>
       </p:sp>
@@ -3996,7 +4262,7 @@
         <p:spPr>
           <a:xfrm>
             <a:off x="1019728" y="1962721"/>
-            <a:ext cx="18176322" cy="7504619"/>
+            <a:ext cx="18176322" cy="5663089"/>
           </a:xfrm>
           <a:prstGeom prst="rect">
             <a:avLst/>
@@ -4019,101 +4285,18 @@
               <a:defRPr/>
             </a:pPr>
             <a:r>
-              <a:rPr lang="ko-KR" altLang="en-US" sz="4350" b="1" spc="-325" dirty="0">
-                <a:latin typeface="나눔고딕OTF ExtraBold"/>
-                <a:cs typeface="나눔고딕OTF ExtraBold"/>
-              </a:rPr>
-              <a:t>학습 </a:t>
-            </a:r>
-            <a:r>
               <a:rPr lang="ko-KR" altLang="en-US" sz="4350" b="1" spc="-325" dirty="0" smtClean="0">
                 <a:latin typeface="나눔고딕OTF ExtraBold"/>
                 <a:cs typeface="나눔고딕OTF ExtraBold"/>
               </a:rPr>
-              <a:t>데이터</a:t>
-            </a:r>
-            <a:endParaRPr lang="en-US" altLang="ko-KR" sz="4350" b="1" spc="-325" dirty="0" smtClean="0">
-              <a:latin typeface="나눔고딕OTF ExtraBold"/>
-              <a:cs typeface="나눔고딕OTF ExtraBold"/>
-            </a:endParaRPr>
-          </a:p>
-          <a:p>
-            <a:pPr marL="12700">
-              <a:spcBef>
-                <a:spcPts val="104"/>
-              </a:spcBef>
-              <a:buClr>
-                <a:schemeClr val="tx1"/>
-              </a:buClr>
-              <a:buNone/>
-              <a:defRPr/>
-            </a:pPr>
-            <a:endParaRPr lang="en-US" sz="4350" b="1" spc="-325" dirty="0">
-              <a:latin typeface="나눔고딕OTF ExtraBold"/>
-              <a:cs typeface="나눔고딕OTF ExtraBold"/>
-            </a:endParaRPr>
-          </a:p>
-          <a:p>
-            <a:pPr marL="12700">
-              <a:spcBef>
-                <a:spcPts val="104"/>
-              </a:spcBef>
-              <a:buClr>
-                <a:schemeClr val="tx1"/>
-              </a:buClr>
-              <a:buNone/>
-              <a:defRPr/>
-            </a:pPr>
-            <a:r>
-              <a:rPr lang="ko-KR" altLang="en-US" sz="4350" b="1" spc="-325" dirty="0" err="1" smtClean="0">
-                <a:latin typeface="나눔고딕OTF ExtraBold"/>
-                <a:cs typeface="나눔고딕OTF ExtraBold"/>
-              </a:rPr>
-              <a:t>뭐뭐를</a:t>
-            </a:r>
-            <a:r>
-              <a:rPr lang="ko-KR" altLang="en-US" sz="4350" b="1" spc="-325" dirty="0" smtClean="0">
-                <a:latin typeface="나눔고딕OTF ExtraBold"/>
-                <a:cs typeface="나눔고딕OTF ExtraBold"/>
-              </a:rPr>
-              <a:t> 사용했다 출처</a:t>
-            </a:r>
-            <a:endParaRPr lang="en-US" altLang="ko-KR" sz="4350" b="1" spc="-325" dirty="0">
-              <a:latin typeface="나눔고딕OTF ExtraBold"/>
-              <a:cs typeface="나눔고딕OTF ExtraBold"/>
-            </a:endParaRPr>
-          </a:p>
-          <a:p>
-            <a:pPr marL="12700">
-              <a:spcBef>
-                <a:spcPts val="104"/>
-              </a:spcBef>
-              <a:buClr>
-                <a:schemeClr val="tx1"/>
-              </a:buClr>
-              <a:buNone/>
-              <a:defRPr/>
-            </a:pPr>
-            <a:r>
-              <a:rPr lang="ko-KR" altLang="en-US" sz="4350" b="1" spc="-325" dirty="0" smtClean="0">
-                <a:latin typeface="나눔고딕OTF ExtraBold"/>
-                <a:cs typeface="나눔고딕OTF ExtraBold"/>
-              </a:rPr>
-              <a:t>구조 설명</a:t>
+              <a:t>사용한 데이터는 무엇인가</a:t>
             </a:r>
             <a:r>
               <a:rPr lang="en-US" altLang="ko-KR" sz="4350" b="1" spc="-325" dirty="0" smtClean="0">
                 <a:latin typeface="나눔고딕OTF ExtraBold"/>
                 <a:cs typeface="나눔고딕OTF ExtraBold"/>
               </a:rPr>
-              <a:t>, </a:t>
-            </a:r>
-            <a:r>
-              <a:rPr lang="ko-KR" altLang="en-US" sz="4350" b="1" spc="-325" dirty="0" smtClean="0">
-                <a:latin typeface="나눔고딕OTF ExtraBold"/>
-                <a:cs typeface="나눔고딕OTF ExtraBold"/>
-              </a:rPr>
-              <a:t>예시 이미지</a:t>
+              <a:t>?</a:t>
             </a:r>
             <a:endParaRPr lang="en-US" altLang="ko-KR" sz="4350" b="1" spc="-325" dirty="0" smtClean="0">
               <a:latin typeface="나눔고딕OTF ExtraBold"/>
@@ -4148,29 +4331,102 @@
               <a:defRPr/>
             </a:pPr>
             <a:r>
-              <a:rPr lang="en-US" altLang="ko-KR" sz="4350" b="1" spc="-325" dirty="0">
+              <a:rPr lang="en-US" altLang="ko-KR" sz="4350" b="1" spc="-325" dirty="0" smtClean="0">
+                <a:latin typeface="나눔고딕OTF ExtraBold"/>
+                <a:cs typeface="나눔고딕OTF ExtraBold"/>
+              </a:rPr>
+              <a:t>X-ray </a:t>
+            </a:r>
+            <a:r>
+              <a:rPr lang="ko-KR" altLang="en-US" sz="4350" b="1" spc="-325" dirty="0" smtClean="0">
+                <a:latin typeface="나눔고딕OTF ExtraBold"/>
+                <a:cs typeface="나눔고딕OTF ExtraBold"/>
+              </a:rPr>
+              <a:t>이미지를 </a:t>
+            </a:r>
+            <a:r>
+              <a:rPr lang="en-US" altLang="ko-KR" sz="4350" b="1" spc="-325" dirty="0" smtClean="0">
+                <a:latin typeface="나눔고딕OTF ExtraBold"/>
+                <a:cs typeface="나눔고딕OTF ExtraBold"/>
+              </a:rPr>
+              <a:t>YoloV2</a:t>
+            </a:r>
+            <a:r>
+              <a:rPr lang="ko-KR" altLang="en-US" sz="4350" b="1" spc="-325" dirty="0" smtClean="0">
+                <a:latin typeface="나눔고딕OTF ExtraBold"/>
+                <a:cs typeface="나눔고딕OTF ExtraBold"/>
+              </a:rPr>
+              <a:t>로 </a:t>
+            </a:r>
+            <a:r>
+              <a:rPr lang="en-US" altLang="ko-KR" sz="4350" b="1" spc="-325" dirty="0" smtClean="0">
+                <a:latin typeface="나눔고딕OTF ExtraBold"/>
+                <a:cs typeface="나눔고딕OTF ExtraBold"/>
+              </a:rPr>
+              <a:t>Detection</a:t>
+            </a:r>
+            <a:r>
+              <a:rPr lang="ko-KR" altLang="en-US" sz="4350" b="1" spc="-325" dirty="0" smtClean="0">
+                <a:latin typeface="나눔고딕OTF ExtraBold"/>
+                <a:cs typeface="나눔고딕OTF ExtraBold"/>
+              </a:rPr>
+              <a:t>된 결과 이미지를 </a:t>
+            </a:r>
+            <a:r>
+              <a:rPr lang="ko-KR" altLang="en-US" sz="4350" b="1" spc="-325" dirty="0" smtClean="0">
+                <a:latin typeface="나눔고딕OTF ExtraBold"/>
+                <a:cs typeface="나눔고딕OTF ExtraBold"/>
+              </a:rPr>
+              <a:t>학습 </a:t>
+            </a:r>
+            <a:r>
+              <a:rPr lang="ko-KR" altLang="en-US" sz="4350" b="1" spc="-325" dirty="0" smtClean="0">
+                <a:latin typeface="나눔고딕OTF ExtraBold"/>
+                <a:cs typeface="나눔고딕OTF ExtraBold"/>
+              </a:rPr>
+              <a:t>데이터셋으로 사용</a:t>
+            </a:r>
+            <a:endParaRPr lang="en-US" altLang="ko-KR" sz="4350" b="1" spc="-325" dirty="0" smtClean="0">
+              <a:latin typeface="나눔고딕OTF ExtraBold"/>
+              <a:cs typeface="나눔고딕OTF ExtraBold"/>
+            </a:endParaRPr>
+          </a:p>
+          <a:p>
+            <a:pPr marL="12700">
+              <a:spcBef>
+                <a:spcPts val="104"/>
+              </a:spcBef>
+              <a:buClr>
+                <a:schemeClr val="tx1"/>
+              </a:buClr>
+              <a:buNone/>
+              <a:defRPr/>
+            </a:pPr>
+            <a:r>
+              <a:rPr lang="ko-KR" altLang="en-US" sz="2800" b="1" spc="-325" dirty="0" smtClean="0">
                 <a:latin typeface="나눔고딕OTF ExtraBold"/>
                 <a:cs typeface="나눔고딕OTF ExtraBold"/>
                 <a:hlinkClick r:id="rId2"/>
               </a:rPr>
-              <a:t>https://</a:t>
-            </a:r>
-            <a:r>
-              <a:rPr lang="en-US" altLang="ko-KR" sz="4350" b="1" spc="-325" dirty="0" smtClean="0">
+              <a:t>출처 </a:t>
+            </a:r>
+            <a:r>
+              <a:rPr lang="en-US" altLang="ko-KR" sz="2800" b="1" spc="-325" dirty="0" smtClean="0">
                 <a:latin typeface="나눔고딕OTF ExtraBold"/>
                 <a:cs typeface="나눔고딕OTF ExtraBold"/>
                 <a:hlinkClick r:id="rId2"/>
               </a:rPr>
-              <a:t>github.com/PingjunChen/GradingKneeOA</a:t>
-            </a:r>
-            <a:r>
-              <a:rPr lang="ko-KR" altLang="en-US" sz="4350" b="1" spc="-325" dirty="0" smtClean="0">
+              <a:t>: https</a:t>
+            </a:r>
+            <a:r>
+              <a:rPr lang="en-US" altLang="ko-KR" sz="2800" b="1" spc="-325" dirty="0">
                 <a:latin typeface="나눔고딕OTF ExtraBold"/>
                 <a:cs typeface="나눔고딕OTF ExtraBold"/>
-              </a:rPr>
-              <a:t>를 학습 데이터로</a:t>
-            </a:r>
-            <a:endParaRPr lang="en-US" altLang="ko-KR" sz="4350" b="1" spc="-325" dirty="0" smtClean="0">
+                <a:hlinkClick r:id="rId2"/>
+              </a:rPr>
+              <a:t>://github.com/PingjunChen/GradingKneeOA</a:t>
+            </a:r>
+            <a:endParaRPr lang="en-US" altLang="ko-KR" sz="2800" b="1" spc="-325" dirty="0" smtClean="0">
               <a:latin typeface="나눔고딕OTF ExtraBold"/>
               <a:cs typeface="나눔고딕OTF ExtraBold"/>
             </a:endParaRPr>
@@ -4214,21 +4470,35 @@
                 <a:latin typeface="나눔고딕OTF ExtraBold"/>
                 <a:cs typeface="나눔고딕OTF ExtraBold"/>
               </a:rPr>
-              <a:t>에서 제공하는 </a:t>
-            </a:r>
-            <a:r>
-              <a:rPr lang="ko-KR" altLang="en-US" sz="4350" b="1" spc="-325" dirty="0" err="1" smtClean="0">
-                <a:latin typeface="나눔고딕OTF ExtraBold"/>
-                <a:cs typeface="나눔고딕OTF ExtraBold"/>
-              </a:rPr>
-              <a:t>데이터셋을</a:t>
+              <a:t>에서 </a:t>
             </a:r>
             <a:r>
               <a:rPr lang="ko-KR" altLang="en-US" sz="4350" b="1" spc="-325" dirty="0" smtClean="0">
                 <a:latin typeface="나눔고딕OTF ExtraBold"/>
                 <a:cs typeface="나눔고딕OTF ExtraBold"/>
               </a:rPr>
-              <a:t> 검증데이터셋으로 사용</a:t>
+              <a:t>제공하는 학습데이터셋을 검증</a:t>
+            </a:r>
+            <a:r>
+              <a:rPr lang="en-US" altLang="ko-KR" sz="4350" b="1" spc="-325" dirty="0" smtClean="0">
+                <a:latin typeface="나눔고딕OTF ExtraBold"/>
+                <a:cs typeface="나눔고딕OTF ExtraBold"/>
+              </a:rPr>
+              <a:t>, </a:t>
+            </a:r>
+            <a:r>
+              <a:rPr lang="ko-KR" altLang="en-US" sz="4350" b="1" spc="-325" dirty="0" smtClean="0">
+                <a:latin typeface="나눔고딕OTF ExtraBold"/>
+                <a:cs typeface="나눔고딕OTF ExtraBold"/>
+              </a:rPr>
+              <a:t>테스트 데이터셋으로 나누어 </a:t>
+            </a:r>
+            <a:r>
+              <a:rPr lang="ko-KR" altLang="en-US" sz="4350" b="1" spc="-325" dirty="0" smtClean="0">
+                <a:latin typeface="나눔고딕OTF ExtraBold"/>
+                <a:cs typeface="나눔고딕OTF ExtraBold"/>
+              </a:rPr>
+              <a:t>사용</a:t>
             </a:r>
             <a:endParaRPr lang="en-US" altLang="ko-KR" sz="4350" b="1" spc="-325" dirty="0" smtClean="0">
               <a:latin typeface="나눔고딕OTF ExtraBold"/>
@@ -4247,13 +4517,27 @@
               <a:defRPr/>
             </a:pPr>
             <a:r>
-              <a:rPr lang="en-US" altLang="ko-KR" sz="4350" b="1" spc="-325" dirty="0">
+              <a:rPr lang="ko-KR" altLang="en-US" sz="2800" b="1" spc="-325" dirty="0" smtClean="0">
                 <a:latin typeface="나눔고딕OTF ExtraBold"/>
                 <a:cs typeface="나눔고딕OTF ExtraBold"/>
               </a:rPr>
-              <a:t>https://drive.google.com/file/d/1NdDqPK4NLn2aV8ZdF5ilux1sfG6IyebC/view</a:t>
-            </a:r>
-            <a:endParaRPr lang="en-US" altLang="ko-KR" sz="4350" b="1" spc="-325" dirty="0" smtClean="0">
+              <a:t>출처 </a:t>
+            </a:r>
+            <a:r>
+              <a:rPr lang="en-US" altLang="ko-KR" sz="2800" b="1" spc="-325" dirty="0" smtClean="0">
+                <a:latin typeface="나눔고딕OTF ExtraBold"/>
+                <a:cs typeface="나눔고딕OTF ExtraBold"/>
+              </a:rPr>
+              <a:t>: https</a:t>
+            </a:r>
+            <a:r>
+              <a:rPr lang="en-US" altLang="ko-KR" sz="2800" b="1" spc="-325" dirty="0">
+                <a:latin typeface="나눔고딕OTF ExtraBold"/>
+                <a:cs typeface="나눔고딕OTF ExtraBold"/>
+              </a:rPr>
+              <a:t>://drive.google.com/file/d/1NdDqPK4NLn2aV8ZdF5ilux1sfG6IyebC/view</a:t>
+            </a:r>
+            <a:endParaRPr lang="en-US" altLang="ko-KR" sz="2800" b="1" spc="-325" dirty="0" smtClean="0">
               <a:latin typeface="나눔고딕OTF ExtraBold"/>
               <a:cs typeface="나눔고딕OTF ExtraBold"/>
             </a:endParaRPr>
@@ -4293,18 +4577,11 @@
               <a:t>추후 </a:t>
             </a:r>
             <a:r>
-              <a:rPr lang="en-US" altLang="ko-KR" sz="4350" b="1" spc="-325" dirty="0" err="1" smtClean="0">
-                <a:latin typeface="나눔고딕OTF ExtraBold"/>
-                <a:cs typeface="나눔고딕OTF ExtraBold"/>
-              </a:rPr>
-              <a:t>Dphi</a:t>
-            </a:r>
-            <a:r>
               <a:rPr lang="ko-KR" altLang="en-US" sz="4350" b="1" spc="-325" dirty="0" smtClean="0">
                 <a:latin typeface="나눔고딕OTF ExtraBold"/>
                 <a:cs typeface="나눔고딕OTF ExtraBold"/>
               </a:rPr>
-              <a:t>에서 제공하는 </a:t>
+              <a:t>검증 </a:t>
             </a:r>
             <a:r>
               <a:rPr lang="ko-KR" altLang="en-US" sz="4350" b="1" spc="-325" dirty="0" err="1" smtClean="0">
@@ -4318,7 +4595,14 @@
                 <a:latin typeface="나눔고딕OTF ExtraBold"/>
                 <a:cs typeface="나눔고딕OTF ExtraBold"/>
               </a:rPr>
-              <a:t> 추가 학습</a:t>
+              <a:t> </a:t>
+            </a:r>
+            <a:r>
+              <a:rPr lang="ko-KR" altLang="en-US" sz="4350" b="1" spc="-325" dirty="0" smtClean="0">
+                <a:latin typeface="나눔고딕OTF ExtraBold"/>
+                <a:cs typeface="나눔고딕OTF ExtraBold"/>
+              </a:rPr>
+              <a:t>추가 학습</a:t>
             </a:r>
             <a:endParaRPr lang="en-US" altLang="ko-KR" sz="4350" b="1" spc="-325" dirty="0" smtClean="0">
               <a:latin typeface="나눔고딕OTF ExtraBold"/>
@@ -4417,7 +4701,7 @@
 </p:sld>
 </file>
 
-<file path=ppt/slides/slide5.xml><?xml version="1.0" encoding="utf-8"?>
+<file path=ppt/slides/slide6.xml><?xml version="1.0" encoding="utf-8"?>
 <p:sld xmlns:a="http://schemas.openxmlformats.org/drawingml/2006/main" xmlns:r="http://schemas.openxmlformats.org/officeDocument/2006/relationships" xmlns:p="http://schemas.openxmlformats.org/presentationml/2006/main" showMasterSp="0">
   <p:cSld>
     <p:spTree>
@@ -4434,91 +4718,6 @@
           <a:chExt cx="0" cy="0"/>
         </a:xfrm>
       </p:grpSpPr>
-      <p:sp>
-        <p:nvSpPr>
-          <p:cNvPr id="2" name="object 2"/>
-          <p:cNvSpPr txBox="1">
-            <a:spLocks noGrp="1"/>
-          </p:cNvSpPr>
-          <p:nvPr>
-            <p:ph type="ctrTitle"/>
-          </p:nvPr>
-        </p:nvSpPr>
-        <p:spPr>
-          <a:xfrm>
-            <a:off x="1023916" y="888736"/>
-            <a:ext cx="14895534" cy="1073414"/>
-          </a:xfrm>
-          <a:prstGeom prst="rect">
-            <a:avLst/>
-          </a:prstGeom>
-        </p:spPr>
-        <p:txBody>
-          <a:bodyPr vert="horz" wrap="square" lIns="0" tIns="13335" rIns="0" bIns="0">
-            <a:spAutoFit/>
-          </a:bodyPr>
-          <a:lstStyle/>
-          <a:p>
-            <a:pPr marL="12700">
-              <a:lnSpc>
-                <a:spcPct val="100000"/>
-              </a:lnSpc>
-              <a:spcBef>
-                <a:spcPts val="104"/>
-              </a:spcBef>
-              <a:defRPr/>
-            </a:pPr>
-            <a:r>
-              <a:rPr b="0" spc="-104"/>
-              <a:t>Wha</a:t>
-            </a:r>
-            <a:r>
-              <a:rPr b="0" spc="20"/>
-              <a:t>t</a:t>
-            </a:r>
-            <a:r>
-              <a:rPr b="0" spc="-280"/>
-              <a:t> </a:t>
-            </a:r>
-            <a:r>
-              <a:rPr b="0" spc="-234"/>
-              <a:t>i</a:t>
-            </a:r>
-            <a:r>
-              <a:rPr b="0" spc="-180"/>
-              <a:t>s</a:t>
-            </a:r>
-            <a:r>
-              <a:rPr b="0" spc="-280"/>
-              <a:t> </a:t>
-            </a:r>
-            <a:r>
-              <a:rPr b="0" spc="-100"/>
-              <a:t>th</a:t>
-            </a:r>
-            <a:r>
-              <a:rPr b="0" spc="50"/>
-              <a:t>e</a:t>
-            </a:r>
-            <a:r>
-              <a:rPr b="0" spc="-280"/>
-              <a:t> </a:t>
-            </a:r>
-            <a:r>
-              <a:rPr b="0" spc="-140"/>
-              <a:t>p</a:t>
-            </a:r>
-            <a:r>
-              <a:rPr b="0" spc="-270"/>
-              <a:t>r</a:t>
-            </a:r>
-            <a:r>
-              <a:rPr b="0" spc="-190"/>
-              <a:t>oblem?</a:t>
-            </a:r>
-          </a:p>
-        </p:txBody>
-      </p:sp>
       <p:sp>
         <p:nvSpPr>
           <p:cNvPr id="3" name="object 3"/>
@@ -4550,36 +4749,44 @@
               <a:defRPr/>
             </a:pPr>
             <a:r>
-              <a:rPr lang="ko-KR" altLang="en-US" sz="4350" b="1" spc="80" dirty="0">
+              <a:rPr lang="ko-KR" altLang="en-US" sz="4350" b="1" spc="80" dirty="0" smtClean="0">
                 <a:latin typeface="Arial"/>
                 <a:ea typeface="+mj-ea"/>
                 <a:cs typeface="Arial"/>
               </a:rPr>
-              <a:t>데이터</a:t>
-            </a:r>
-            <a:r>
-              <a:rPr sz="4350" b="1" spc="80" dirty="0">
+              <a:t>학습</a:t>
+            </a:r>
+            <a:r>
+              <a:rPr lang="en-US" altLang="ko-KR" sz="4350" b="1" spc="80" dirty="0" smtClean="0">
                 <a:latin typeface="Arial"/>
                 <a:ea typeface="+mj-ea"/>
                 <a:cs typeface="Arial"/>
               </a:rPr>
-              <a:t> </a:t>
-            </a:r>
-            <a:r>
-              <a:rPr lang="ko-KR" altLang="en-US" sz="4350" b="1" spc="80" dirty="0">
+              <a:t>, </a:t>
+            </a:r>
+            <a:r>
+              <a:rPr lang="ko-KR" altLang="en-US" sz="4350" b="1" spc="80" dirty="0" smtClean="0">
                 <a:latin typeface="Arial"/>
                 <a:ea typeface="+mj-ea"/>
                 <a:cs typeface="Arial"/>
               </a:rPr>
-              <a:t>분포</a:t>
-            </a:r>
-            <a:r>
-              <a:rPr lang="en-US" altLang="ko-KR" sz="4350" b="1" spc="80" dirty="0">
+              <a:t>검증 데이터</a:t>
+            </a:r>
+            <a:r>
+              <a:rPr sz="4350" b="1" spc="80" dirty="0" smtClean="0">
                 <a:latin typeface="Arial"/>
                 <a:ea typeface="+mj-ea"/>
                 <a:cs typeface="Arial"/>
               </a:rPr>
-              <a:t> (0~9, A~Z)</a:t>
+              <a:t> </a:t>
+            </a:r>
+            <a:r>
+              <a:rPr lang="ko-KR" altLang="en-US" sz="4350" b="1" spc="80" dirty="0" smtClean="0">
+                <a:latin typeface="Arial"/>
+                <a:ea typeface="+mj-ea"/>
+                <a:cs typeface="Arial"/>
+              </a:rPr>
+              <a:t>분포</a:t>
             </a:r>
             <a:endParaRPr sz="4350" dirty="0">
               <a:latin typeface="Arial"/>
@@ -4725,7 +4932,7 @@
         <p:spPr>
           <a:xfrm>
             <a:off x="3117850" y="7712075"/>
-            <a:ext cx="643318" cy="369332"/>
+            <a:ext cx="8100294" cy="646331"/>
           </a:xfrm>
           <a:prstGeom prst="rect">
             <a:avLst/>
@@ -4740,7 +4947,21 @@
           <a:p>
             <a:r>
               <a:rPr lang="en-US" altLang="ko-KR" dirty="0" smtClean="0"/>
-              <a:t>Train</a:t>
+              <a:t>Train 9628</a:t>
+            </a:r>
+          </a:p>
+          <a:p>
+            <a:r>
+              <a:rPr lang="ko-KR" altLang="en-US" dirty="0" smtClean="0"/>
+              <a:t>데이터 분포에 대한 평등한 학습을 위해서 적은 </a:t>
+            </a:r>
+            <a:r>
+              <a:rPr lang="ko-KR" altLang="en-US" dirty="0" err="1" smtClean="0"/>
+              <a:t>데이터셋에</a:t>
+            </a:r>
+            <a:r>
+              <a:rPr lang="ko-KR" altLang="en-US" dirty="0" smtClean="0"/>
+              <a:t> 대한 가중치를 부여</a:t>
             </a:r>
             <a:endParaRPr lang="ko-KR" altLang="en-US" dirty="0"/>
           </a:p>
@@ -4755,7 +4976,7 @@
         <p:spPr>
           <a:xfrm>
             <a:off x="11652250" y="7712075"/>
-            <a:ext cx="1123513" cy="369332"/>
+            <a:ext cx="7266541" cy="646331"/>
           </a:xfrm>
           <a:prstGeom prst="rect">
             <a:avLst/>
@@ -4770,65 +4991,46 @@
           <a:p>
             <a:r>
               <a:rPr lang="en-US" altLang="ko-KR" dirty="0" smtClean="0"/>
-              <a:t>Validation</a:t>
-            </a:r>
+              <a:t>Validation 7828</a:t>
+            </a:r>
+          </a:p>
+          <a:p>
+            <a:r>
+              <a:rPr lang="ko-KR" altLang="en-US" dirty="0" smtClean="0"/>
+              <a:t>추가 학습을 위해서 </a:t>
+            </a:r>
+            <a:r>
+              <a:rPr lang="en-US" altLang="ko-KR" dirty="0" smtClean="0"/>
+              <a:t>7828</a:t>
+            </a:r>
+            <a:r>
+              <a:rPr lang="ko-KR" altLang="en-US" dirty="0" smtClean="0"/>
+              <a:t>을 </a:t>
+            </a:r>
+            <a:r>
+              <a:rPr lang="en-US" altLang="ko-KR" dirty="0" smtClean="0"/>
+              <a:t>7045(plus train), 783(test)</a:t>
+            </a:r>
+            <a:r>
+              <a:rPr lang="ko-KR" altLang="en-US" dirty="0" smtClean="0"/>
+              <a:t>개로 나누어서 사용</a:t>
+            </a:r>
+            <a:endParaRPr lang="en-US" altLang="ko-KR" dirty="0"/>
           </a:p>
         </p:txBody>
       </p:sp>
-    </p:spTree>
-  </p:cSld>
-  <p:clrMapOvr>
-    <a:masterClrMapping/>
-  </p:clrMapOvr>
-  <mc:AlternateContent xmlns:mc="http://schemas.openxmlformats.org/markup-compatibility/2006" xmlns:p14="http://schemas.microsoft.com/office/powerpoint/2010/main">
-    <mc:Choice Requires="p14">
-      <p:transition/>
-    </mc:Choice>
-    <mc:Fallback xmlns:dsp="http://schemas.microsoft.com/office/drawing/2008/diagram" xmlns:dgm="http://schemas.openxmlformats.org/drawingml/2006/diagram" xmlns:c="http://schemas.openxmlformats.org/drawingml/2006/chart" xmlns="">
-      <p:transition/>
-    </mc:Fallback>
-  </mc:AlternateContent>
-  <p:timing>
-    <p:tnLst>
-      <p:par>
-        <p:cTn id="1" dur="indefinite" restart="never" nodeType="tmRoot"/>
-      </p:par>
-    </p:tnLst>
-  </p:timing>
-</p:sld>
-</file>
-
-<file path=ppt/slides/slide6.xml><?xml version="1.0" encoding="utf-8"?>
-<p:sld xmlns:a="http://schemas.openxmlformats.org/drawingml/2006/main" xmlns:r="http://schemas.openxmlformats.org/officeDocument/2006/relationships" xmlns:p="http://schemas.openxmlformats.org/presentationml/2006/main" showMasterSp="0">
-  <p:cSld>
-    <p:spTree>
-      <p:nvGrpSpPr>
-        <p:cNvPr id="1" name=""/>
-        <p:cNvGrpSpPr/>
-        <p:nvPr/>
-      </p:nvGrpSpPr>
-      <p:grpSpPr>
-        <a:xfrm>
-          <a:off x="0" y="0"/>
-          <a:ext cx="0" cy="0"/>
-          <a:chOff x="0" y="0"/>
-          <a:chExt cx="0" cy="0"/>
-        </a:xfrm>
-      </p:grpSpPr>
       <p:sp>
         <p:nvSpPr>
-          <p:cNvPr id="2" name="object 2"/>
+          <p:cNvPr id="11" name="object 2"/>
           <p:cNvSpPr txBox="1">
-            <a:spLocks noGrp="1"/>
+            <a:spLocks/>
           </p:cNvSpPr>
-          <p:nvPr>
-            <p:ph type="title"/>
-          </p:nvPr>
+          <p:nvPr/>
         </p:nvSpPr>
         <p:spPr>
           <a:xfrm>
             <a:off x="1023917" y="888736"/>
-            <a:ext cx="8672195" cy="1090683"/>
+            <a:ext cx="11618933" cy="1090683"/>
           </a:xfrm>
           <a:prstGeom prst="rect">
             <a:avLst/>
@@ -4838,397 +5040,33 @@
           <a:bodyPr vert="horz" wrap="square" lIns="0" tIns="13335" rIns="0" bIns="0">
             <a:spAutoFit/>
           </a:bodyPr>
-          <a:lstStyle/>
+          <a:lstStyle>
+            <a:lvl1pPr>
+              <a:defRPr sz="7000" b="1" i="0">
+                <a:solidFill>
+                  <a:schemeClr val="tx1"/>
+                </a:solidFill>
+                <a:latin typeface="Arial"/>
+                <a:ea typeface="+mj-ea"/>
+                <a:cs typeface="Arial"/>
+              </a:defRPr>
+            </a:lvl1pPr>
+          </a:lstStyle>
           <a:p>
-            <a:pPr marL="12700">
-              <a:lnSpc>
-                <a:spcPct val="100000"/>
-              </a:lnSpc>
+            <a:pPr marL="12700" latinLnBrk="0">
               <a:spcBef>
                 <a:spcPts val="104"/>
               </a:spcBef>
               <a:defRPr/>
             </a:pPr>
             <a:r>
-              <a:rPr lang="en-US" altLang="ko-KR" b="0" spc="-285" dirty="0"/>
-              <a:t>Wh</a:t>
-            </a:r>
-            <a:r>
-              <a:rPr lang="en-US" altLang="ko-KR" b="0" spc="-100" dirty="0"/>
-              <a:t>y</a:t>
-            </a:r>
-            <a:r>
-              <a:rPr lang="en-US" altLang="ko-KR" b="0" spc="-280" dirty="0"/>
-              <a:t> </a:t>
-            </a:r>
-            <a:r>
-              <a:rPr lang="en-US" altLang="ko-KR" b="0" spc="-233" dirty="0"/>
-              <a:t>i</a:t>
-            </a:r>
-            <a:r>
-              <a:rPr lang="en-US" altLang="ko-KR" b="0" spc="-180" dirty="0"/>
-              <a:t>s</a:t>
-            </a:r>
-            <a:r>
-              <a:rPr lang="en-US" altLang="ko-KR" b="0" spc="-280" dirty="0"/>
-              <a:t> </a:t>
-            </a:r>
-            <a:r>
-              <a:rPr lang="en-US" altLang="ko-KR" b="0" spc="-70" dirty="0"/>
-              <a:t>tha</a:t>
-            </a:r>
-            <a:r>
-              <a:rPr lang="en-US" altLang="ko-KR" b="0" spc="50" dirty="0"/>
-              <a:t>t</a:t>
-            </a:r>
-            <a:r>
-              <a:rPr lang="en-US" altLang="ko-KR" b="0" spc="-280" dirty="0"/>
-              <a:t> </a:t>
-            </a:r>
-            <a:r>
-              <a:rPr lang="en-US" altLang="ko-KR" b="0" spc="125" dirty="0"/>
-              <a:t>a</a:t>
-            </a:r>
-            <a:r>
-              <a:rPr lang="en-US" altLang="ko-KR" b="0" spc="-280" dirty="0"/>
-              <a:t> </a:t>
-            </a:r>
-            <a:r>
-              <a:rPr lang="en-US" altLang="ko-KR" b="0" spc="-140" dirty="0"/>
-              <a:t>p</a:t>
-            </a:r>
-            <a:r>
-              <a:rPr lang="en-US" altLang="ko-KR" b="0" spc="-270" dirty="0"/>
-              <a:t>r</a:t>
-            </a:r>
-            <a:r>
-              <a:rPr lang="en-US" altLang="ko-KR" b="0" spc="-190" dirty="0"/>
-              <a:t>oblem?</a:t>
-            </a:r>
-            <a:endParaRPr b="0" spc="-190" dirty="0"/>
+              <a:rPr lang="en-US" b="0" kern="0" spc="-104" smtClean="0"/>
+              <a:t>What data did you use?</a:t>
+            </a:r>
+            <a:endParaRPr lang="en-US" b="0" kern="0" spc="-190" dirty="0"/>
           </a:p>
         </p:txBody>
       </p:sp>
-      <p:sp>
-        <p:nvSpPr>
-          <p:cNvPr id="6" name="object 3"/>
-          <p:cNvSpPr txBox="1"/>
-          <p:nvPr/>
-        </p:nvSpPr>
-        <p:spPr>
-          <a:xfrm>
-            <a:off x="1007029" y="1962721"/>
-            <a:ext cx="18073156" cy="5668218"/>
-          </a:xfrm>
-          <a:prstGeom prst="rect">
-            <a:avLst/>
-          </a:prstGeom>
-        </p:spPr>
-        <p:txBody>
-          <a:bodyPr vert="horz" wrap="square" lIns="0" tIns="12700" rIns="0" bIns="0">
-            <a:spAutoFit/>
-          </a:bodyPr>
-          <a:lstStyle/>
-          <a:p>
-            <a:pPr marL="12700">
-              <a:lnSpc>
-                <a:spcPct val="100000"/>
-              </a:lnSpc>
-              <a:spcBef>
-                <a:spcPts val="100"/>
-              </a:spcBef>
-              <a:defRPr/>
-            </a:pPr>
-            <a:r>
-              <a:rPr lang="ko-KR" altLang="en-US" sz="4350" b="1" spc="-325" dirty="0">
-                <a:latin typeface="나눔고딕OTF ExtraBold"/>
-              </a:rPr>
-              <a:t>해당 문제를 왜 진행 하였는가</a:t>
-            </a:r>
-            <a:r>
-              <a:rPr lang="en-US" altLang="ko-KR" sz="4350" b="1" spc="-325" dirty="0">
-                <a:latin typeface="나눔고딕OTF ExtraBold"/>
-              </a:rPr>
-              <a:t>?</a:t>
-            </a:r>
-            <a:endParaRPr lang="ko-KR" altLang="en-US" sz="4350" b="1" spc="-325" dirty="0">
-              <a:latin typeface="나눔고딕OTF ExtraBold"/>
-            </a:endParaRPr>
-          </a:p>
-          <a:p>
-            <a:pPr marL="28575">
-              <a:lnSpc>
-                <a:spcPct val="100000"/>
-              </a:lnSpc>
-              <a:spcBef>
-                <a:spcPts val="4485"/>
-              </a:spcBef>
-              <a:buSzPct val="122000"/>
-              <a:tabLst>
-                <a:tab pos="532130" algn="l"/>
-                <a:tab pos="532765" algn="l"/>
-              </a:tabLst>
-              <a:defRPr/>
-            </a:pPr>
-            <a:r>
-              <a:rPr lang="en-US" sz="4350" spc="-405" dirty="0">
-                <a:latin typeface="Arial"/>
-                <a:ea typeface="+mj-ea"/>
-                <a:cs typeface="Arial"/>
-              </a:rPr>
-              <a:t>MNIST</a:t>
-            </a:r>
-            <a:r>
-              <a:rPr lang="ko-KR" altLang="en-US" sz="4350" spc="-405" dirty="0">
-                <a:latin typeface="Arial"/>
-                <a:ea typeface="+mj-ea"/>
-                <a:cs typeface="Arial"/>
-              </a:rPr>
-              <a:t>의 이미지 분류 대회의 필기체 분류 문제 사람의 분류 </a:t>
-            </a:r>
-            <a:r>
-              <a:rPr lang="en-US" altLang="ko-KR" sz="4350" spc="-405" dirty="0">
-                <a:latin typeface="Arial"/>
-                <a:ea typeface="+mj-ea"/>
-                <a:cs typeface="Arial"/>
-              </a:rPr>
-              <a:t>95%</a:t>
-            </a:r>
-          </a:p>
-          <a:p>
-            <a:pPr marL="28575">
-              <a:lnSpc>
-                <a:spcPct val="100000"/>
-              </a:lnSpc>
-              <a:spcBef>
-                <a:spcPts val="4485"/>
-              </a:spcBef>
-              <a:buSzPct val="122000"/>
-              <a:tabLst>
-                <a:tab pos="532130" algn="l"/>
-                <a:tab pos="532765" algn="l"/>
-              </a:tabLst>
-              <a:defRPr/>
-            </a:pPr>
-            <a:r>
-              <a:rPr lang="ko-KR" altLang="en-US" sz="4350" spc="-405" dirty="0">
-                <a:latin typeface="Arial"/>
-                <a:ea typeface="+mj-ea"/>
-                <a:cs typeface="Arial"/>
-              </a:rPr>
-              <a:t>최신 분류 모델의 성능은 </a:t>
-            </a:r>
-            <a:r>
-              <a:rPr lang="en-US" altLang="ko-KR" sz="4350" spc="-405" dirty="0">
-                <a:latin typeface="Arial"/>
-                <a:ea typeface="+mj-ea"/>
-                <a:cs typeface="Arial"/>
-              </a:rPr>
-              <a:t>99.87%, </a:t>
-            </a:r>
-            <a:r>
-              <a:rPr lang="ko-KR" altLang="en-US" sz="4350" spc="-405" dirty="0">
-                <a:latin typeface="Arial"/>
-                <a:ea typeface="+mj-ea"/>
-                <a:cs typeface="Arial"/>
-              </a:rPr>
-              <a:t>약 </a:t>
-            </a:r>
-            <a:r>
-              <a:rPr lang="en-US" altLang="ko-KR" sz="4350" spc="-405" dirty="0">
-                <a:latin typeface="Arial"/>
-                <a:ea typeface="+mj-ea"/>
-                <a:cs typeface="Arial"/>
-              </a:rPr>
-              <a:t>4.8% </a:t>
-            </a:r>
-            <a:r>
-              <a:rPr lang="ko-KR" altLang="en-US" sz="4350" spc="-405" dirty="0">
-                <a:latin typeface="Arial"/>
-                <a:ea typeface="+mj-ea"/>
-                <a:cs typeface="Arial"/>
-              </a:rPr>
-              <a:t>이상 앞서는 것을 알 수 있음</a:t>
-            </a:r>
-            <a:r>
-              <a:rPr lang="en-US" altLang="ko-KR" sz="4350" spc="-405" dirty="0">
-                <a:latin typeface="Arial"/>
-                <a:ea typeface="+mj-ea"/>
-                <a:cs typeface="Arial"/>
-              </a:rPr>
-              <a:t>.</a:t>
-            </a:r>
-          </a:p>
-          <a:p>
-            <a:pPr marL="28575">
-              <a:lnSpc>
-                <a:spcPct val="100000"/>
-              </a:lnSpc>
-              <a:spcBef>
-                <a:spcPts val="4485"/>
-              </a:spcBef>
-              <a:buSzPct val="122000"/>
-              <a:tabLst>
-                <a:tab pos="532130" algn="l"/>
-                <a:tab pos="532765" algn="l"/>
-              </a:tabLst>
-              <a:defRPr/>
-            </a:pPr>
-            <a:r>
-              <a:rPr lang="ko-KR" altLang="en-US" sz="4350" spc="-405" dirty="0">
-                <a:latin typeface="Arial"/>
-                <a:ea typeface="+mj-ea"/>
-                <a:cs typeface="Arial"/>
-              </a:rPr>
-              <a:t>하지만</a:t>
-            </a:r>
-            <a:r>
-              <a:rPr lang="en-US" altLang="ko-KR" sz="4350" spc="-405" dirty="0">
-                <a:latin typeface="Arial"/>
-                <a:ea typeface="+mj-ea"/>
-                <a:cs typeface="Arial"/>
-              </a:rPr>
-              <a:t>, </a:t>
-            </a:r>
-            <a:r>
-              <a:rPr lang="ko-KR" altLang="en-US" sz="4350" spc="-405" dirty="0">
-                <a:latin typeface="Arial"/>
-                <a:ea typeface="+mj-ea"/>
-                <a:cs typeface="Arial"/>
-              </a:rPr>
-              <a:t>필기체 문제가 아닌 그보다 더 어렵다고 볼 수 있는 문제에 대한</a:t>
-            </a:r>
-          </a:p>
-          <a:p>
-            <a:pPr marL="28575">
-              <a:lnSpc>
-                <a:spcPct val="100000"/>
-              </a:lnSpc>
-              <a:spcBef>
-                <a:spcPts val="4485"/>
-              </a:spcBef>
-              <a:buSzPct val="122000"/>
-              <a:tabLst>
-                <a:tab pos="532130" algn="l"/>
-                <a:tab pos="532765" algn="l"/>
-              </a:tabLst>
-              <a:defRPr/>
-            </a:pPr>
-            <a:r>
-              <a:rPr lang="ko-KR" altLang="en-US" sz="4350" spc="-405" dirty="0">
-                <a:latin typeface="Arial"/>
-                <a:ea typeface="+mj-ea"/>
-                <a:cs typeface="Arial"/>
-              </a:rPr>
-              <a:t>기존의 저명한 </a:t>
-            </a:r>
-            <a:r>
-              <a:rPr lang="ko-KR" altLang="en-US" sz="4350" spc="-405" dirty="0" err="1">
-                <a:latin typeface="Arial"/>
-                <a:ea typeface="+mj-ea"/>
-                <a:cs typeface="Arial"/>
-              </a:rPr>
-              <a:t>합성곱</a:t>
-            </a:r>
-            <a:r>
-              <a:rPr lang="ko-KR" altLang="en-US" sz="4350" spc="-405" dirty="0">
-                <a:latin typeface="Arial"/>
-                <a:ea typeface="+mj-ea"/>
-                <a:cs typeface="Arial"/>
-              </a:rPr>
-              <a:t> 신경망 모델의 성능 파악이 필요</a:t>
-            </a:r>
-            <a:r>
-              <a:rPr lang="en-US" altLang="ko-KR" sz="4350" spc="-405" dirty="0">
-                <a:latin typeface="Arial"/>
-                <a:ea typeface="+mj-ea"/>
-                <a:cs typeface="Arial"/>
-              </a:rPr>
-              <a:t>.</a:t>
-            </a:r>
-            <a:r>
-              <a:rPr lang="ko-KR" altLang="en-US" sz="4350" spc="-405" dirty="0">
-                <a:latin typeface="Arial"/>
-                <a:ea typeface="+mj-ea"/>
-                <a:cs typeface="Arial"/>
-              </a:rPr>
-              <a:t> </a:t>
-            </a:r>
-            <a:endParaRPr lang="en-US" altLang="ko-KR" sz="4350" spc="-405" dirty="0">
-              <a:latin typeface="Arial"/>
-              <a:ea typeface="+mj-ea"/>
-              <a:cs typeface="Arial"/>
-            </a:endParaRPr>
-          </a:p>
-        </p:txBody>
-      </p:sp>
-      <p:pic>
-        <p:nvPicPr>
-          <p:cNvPr id="7" name="object 4"/>
-          <p:cNvPicPr/>
-          <p:nvPr userDrawn="1"/>
-        </p:nvPicPr>
-        <p:blipFill rotWithShape="1">
-          <a:blip r:embed="rId2"/>
-          <a:stretch>
-            <a:fillRect/>
-          </a:stretch>
-        </p:blipFill>
-        <p:spPr>
-          <a:xfrm>
-            <a:off x="16224250" y="324598"/>
-            <a:ext cx="3578068" cy="834278"/>
-          </a:xfrm>
-          <a:prstGeom prst="rect">
-            <a:avLst/>
-          </a:prstGeom>
-        </p:spPr>
-      </p:pic>
-      <p:pic>
-        <p:nvPicPr>
-          <p:cNvPr id="5" name="Picture 2">
-            <a:extLst>
-              <a:ext uri="{FF2B5EF4-FFF2-40B4-BE49-F238E27FC236}">
-                <a16:creationId xmlns:a16="http://schemas.microsoft.com/office/drawing/2014/main" id="{085368CC-E621-49C4-837F-B69E2AD89082}"/>
-              </a:ext>
-            </a:extLst>
-          </p:cNvPr>
-          <p:cNvPicPr>
-            <a:picLocks noChangeAspect="1" noChangeArrowheads="1"/>
-          </p:cNvPicPr>
-          <p:nvPr/>
-        </p:nvPicPr>
-        <p:blipFill rotWithShape="1">
-          <a:blip r:embed="rId3">
-            <a:extLst>
-              <a:ext uri="{28A0092B-C50C-407E-A947-70E740481C1C}">
-                <a14:useLocalDpi xmlns:a14="http://schemas.microsoft.com/office/drawing/2010/main" val="0"/>
-              </a:ext>
-            </a:extLst>
-          </a:blip>
-          <a:srcRect t="10591" b="61823"/>
-          <a:stretch/>
-        </p:blipFill>
-        <p:spPr bwMode="auto">
-          <a:xfrm>
-            <a:off x="16683065" y="10107490"/>
-            <a:ext cx="3119253" cy="882213"/>
-          </a:xfrm>
-          <a:prstGeom prst="rect">
-            <a:avLst/>
-          </a:prstGeom>
-          <a:noFill/>
-          <a:extLst>
-            <a:ext uri="{909E8E84-426E-40DD-AFC4-6F175D3DCCD1}">
-              <a14:hiddenFill xmlns:a14="http://schemas.microsoft.com/office/drawing/2010/main">
-                <a:solidFill>
-                  <a:srgbClr val="FFFFFF"/>
-                </a:solidFill>
-              </a14:hiddenFill>
-            </a:ext>
-          </a:extLst>
-        </p:spPr>
-      </p:pic>
     </p:spTree>
   </p:cSld>
   <p:clrMapOvr>
@@ -5397,7 +5235,19 @@
               <a:rPr lang="ko-KR" altLang="en-US" sz="4350" b="1" spc="-325" dirty="0">
                 <a:latin typeface="나눔고딕OTF ExtraBold"/>
               </a:rPr>
-              <a:t>해당 문제를 왜 진행 하였는가</a:t>
+              <a:t>해당 문제를 </a:t>
+            </a:r>
+            <a:r>
+              <a:rPr lang="ko-KR" altLang="en-US" sz="4350" b="1" spc="-325" dirty="0" smtClean="0">
+                <a:latin typeface="나눔고딕OTF ExtraBold"/>
+              </a:rPr>
+              <a:t>어떻게 </a:t>
+            </a:r>
+            <a:r>
+              <a:rPr lang="ko-KR" altLang="en-US" sz="4350" b="1" spc="-325" dirty="0">
+                <a:latin typeface="나눔고딕OTF ExtraBold"/>
+              </a:rPr>
+              <a:t>진행 하였는가</a:t>
             </a:r>
             <a:r>
               <a:rPr lang="en-US" altLang="ko-KR" sz="4350" b="1" spc="-325" dirty="0">
@@ -5689,8 +5539,8 @@
         </p:nvSpPr>
         <p:spPr>
           <a:xfrm>
-            <a:off x="1023917" y="888736"/>
-            <a:ext cx="11542733" cy="1090683"/>
+            <a:off x="1023915" y="888736"/>
+            <a:ext cx="14971733" cy="1090683"/>
           </a:xfrm>
           <a:prstGeom prst="rect">
             <a:avLst/>
@@ -5712,23 +5562,83 @@
               <a:defRPr/>
             </a:pPr>
             <a:r>
-              <a:rPr lang="en-US" altLang="ko-KR" b="0" spc="-285" dirty="0"/>
-              <a:t>What are some related studies?</a:t>
-            </a:r>
-            <a:endParaRPr b="0" spc="-190" dirty="0"/>
+              <a:rPr b="0" spc="-20" dirty="0"/>
+              <a:t>Ho</a:t>
+            </a:r>
+            <a:r>
+              <a:rPr b="0" spc="145" dirty="0"/>
+              <a:t>w</a:t>
+            </a:r>
+            <a:r>
+              <a:rPr b="0" spc="-280" dirty="0"/>
+              <a:t> </a:t>
+            </a:r>
+            <a:r>
+              <a:rPr b="0" spc="-95" dirty="0"/>
+              <a:t>t</a:t>
+            </a:r>
+            <a:r>
+              <a:rPr b="0" spc="90" dirty="0"/>
+              <a:t>o</a:t>
+            </a:r>
+            <a:r>
+              <a:rPr b="0" spc="-280" dirty="0"/>
+              <a:t> </a:t>
+            </a:r>
+            <a:r>
+              <a:rPr b="0" spc="-220" dirty="0"/>
+              <a:t>solv</a:t>
+            </a:r>
+            <a:r>
+              <a:rPr b="0" spc="-85" dirty="0"/>
+              <a:t>e</a:t>
+            </a:r>
+            <a:r>
+              <a:rPr b="0" spc="-280" dirty="0"/>
+              <a:t> </a:t>
+            </a:r>
+            <a:r>
+              <a:rPr b="0" spc="-100" dirty="0"/>
+              <a:t>th</a:t>
+            </a:r>
+            <a:r>
+              <a:rPr b="0" spc="50" dirty="0"/>
+              <a:t>e</a:t>
+            </a:r>
+            <a:r>
+              <a:rPr b="0" spc="-280" dirty="0"/>
+              <a:t> </a:t>
+            </a:r>
+            <a:r>
+              <a:rPr b="0" spc="-140" dirty="0"/>
+              <a:t>p</a:t>
+            </a:r>
+            <a:r>
+              <a:rPr b="0" spc="-270" dirty="0"/>
+              <a:t>r</a:t>
+            </a:r>
+            <a:r>
+              <a:rPr b="0" spc="-120" dirty="0"/>
+              <a:t>oblem</a:t>
+            </a:r>
+            <a:r>
+              <a:rPr lang="en-US" b="0" spc="-120" dirty="0"/>
+              <a:t>?</a:t>
+            </a:r>
+            <a:endParaRPr b="0" spc="-120" dirty="0"/>
           </a:p>
         </p:txBody>
       </p:sp>
       <p:sp>
         <p:nvSpPr>
-          <p:cNvPr id="6" name="object 3"/>
+          <p:cNvPr id="3" name="object 3"/>
           <p:cNvSpPr txBox="1"/>
           <p:nvPr/>
         </p:nvSpPr>
         <p:spPr>
           <a:xfrm>
-            <a:off x="1007029" y="1962721"/>
-            <a:ext cx="18073156" cy="5432256"/>
+            <a:off x="1019728" y="1962721"/>
+            <a:ext cx="18328722" cy="682238"/>
           </a:xfrm>
           <a:prstGeom prst="rect">
             <a:avLst/>
@@ -5750,171 +5660,48 @@
               <a:defRPr/>
             </a:pPr>
             <a:r>
-              <a:rPr lang="ko-KR" altLang="en-US" sz="4350" b="1" spc="-325" dirty="0" smtClean="0">
-                <a:latin typeface="나눔고딕OTF ExtraBold"/>
-              </a:rPr>
-              <a:t>관련 연구는 어떠한 것들이 </a:t>
-            </a:r>
-            <a:r>
-              <a:rPr lang="ko-KR" altLang="en-US" sz="4350" b="1" spc="-325" dirty="0" smtClean="0">
-                <a:latin typeface="나눔고딕OTF ExtraBold"/>
-              </a:rPr>
-              <a:t>있나</a:t>
-            </a:r>
-            <a:r>
-              <a:rPr lang="en-US" altLang="ko-KR" sz="4350" b="1" spc="-325" dirty="0" smtClean="0">
-                <a:latin typeface="나눔고딕OTF ExtraBold"/>
-              </a:rPr>
-              <a:t>?</a:t>
-            </a:r>
-          </a:p>
-          <a:p>
-            <a:pPr marL="12700">
-              <a:lnSpc>
-                <a:spcPct val="100000"/>
-              </a:lnSpc>
-              <a:spcBef>
-                <a:spcPts val="100"/>
-              </a:spcBef>
-              <a:defRPr/>
-            </a:pPr>
-            <a:endParaRPr lang="en-US" altLang="ko-KR" sz="4350" b="1" spc="-325" dirty="0" smtClean="0">
-              <a:latin typeface="나눔고딕OTF ExtraBold"/>
-            </a:endParaRPr>
-          </a:p>
-          <a:p>
-            <a:pPr marL="12700">
-              <a:spcBef>
-                <a:spcPts val="100"/>
-              </a:spcBef>
-              <a:defRPr/>
-            </a:pPr>
-            <a:r>
-              <a:rPr lang="en-US" altLang="ko-KR" sz="4350" b="1" spc="-325" dirty="0" err="1" smtClean="0">
-                <a:latin typeface="나눔고딕OTF ExtraBold"/>
-              </a:rPr>
-              <a:t>CheXNet</a:t>
-            </a:r>
-            <a:r>
-              <a:rPr lang="en-US" altLang="ko-KR" sz="4350" b="1" spc="-325" dirty="0" smtClean="0">
-                <a:latin typeface="나눔고딕OTF ExtraBold"/>
-              </a:rPr>
-              <a:t> : </a:t>
-            </a:r>
-            <a:r>
-              <a:rPr lang="en-US" altLang="ko-KR" sz="4350" b="1" spc="-325" dirty="0">
-                <a:latin typeface="나눔고딕OTF ExtraBold"/>
-              </a:rPr>
-              <a:t>Radiologist-Level Pneumonia Detection on Chest X-Rays with Deep </a:t>
-            </a:r>
-            <a:r>
-              <a:rPr lang="en-US" altLang="ko-KR" sz="4350" b="1" spc="-325" dirty="0" smtClean="0">
-                <a:latin typeface="나눔고딕OTF ExtraBold"/>
-              </a:rPr>
-              <a:t>Learning -&gt; </a:t>
-            </a:r>
-            <a:r>
-              <a:rPr lang="en-US" altLang="ko-KR" sz="4350" b="1" spc="-325" dirty="0">
-                <a:latin typeface="나눔고딕OTF ExtraBold"/>
-              </a:rPr>
-              <a:t>DenseNet121 + </a:t>
-            </a:r>
-            <a:r>
-              <a:rPr lang="en-US" altLang="ko-KR" sz="4350" b="1" spc="-325" dirty="0">
-                <a:latin typeface="나눔고딕OTF ExtraBold"/>
-              </a:rPr>
-              <a:t>Sigmoid</a:t>
-            </a:r>
-          </a:p>
-          <a:p>
-            <a:pPr marL="12700">
-              <a:spcBef>
-                <a:spcPts val="100"/>
-              </a:spcBef>
-              <a:defRPr/>
-            </a:pPr>
-            <a:endParaRPr lang="en-US" altLang="ko-KR" sz="4350" b="1" spc="-325" dirty="0" smtClean="0">
-              <a:latin typeface="나눔고딕OTF ExtraBold"/>
-            </a:endParaRPr>
-          </a:p>
-          <a:p>
-            <a:pPr marL="12700">
-              <a:lnSpc>
-                <a:spcPct val="100000"/>
-              </a:lnSpc>
-              <a:spcBef>
-                <a:spcPts val="100"/>
-              </a:spcBef>
-              <a:defRPr/>
-            </a:pPr>
-            <a:r>
-              <a:rPr lang="en-US" altLang="ko-KR" sz="4350" b="1" spc="-325" dirty="0">
-                <a:latin typeface="나눔고딕OTF ExtraBold"/>
-              </a:rPr>
-              <a:t>Fully automatic knee osteoarthritis severity grading using deep </a:t>
-            </a:r>
-            <a:r>
-              <a:rPr lang="en-US" altLang="ko-KR" sz="4350" b="1" spc="-325" dirty="0" err="1">
-                <a:latin typeface="나눔고딕OTF ExtraBold"/>
-              </a:rPr>
-              <a:t>neuralnetworks</a:t>
-            </a:r>
-            <a:r>
-              <a:rPr lang="en-US" altLang="ko-KR" sz="4350" b="1" spc="-325" dirty="0">
-                <a:latin typeface="나눔고딕OTF ExtraBold"/>
-              </a:rPr>
-              <a:t> with a novel ordinal </a:t>
-            </a:r>
-            <a:r>
-              <a:rPr lang="en-US" altLang="ko-KR" sz="4350" b="1" spc="-325" dirty="0" smtClean="0">
-                <a:latin typeface="나눔고딕OTF ExtraBold"/>
-              </a:rPr>
-              <a:t>loss</a:t>
-            </a:r>
-          </a:p>
-          <a:p>
-            <a:pPr marL="12700">
-              <a:lnSpc>
-                <a:spcPct val="100000"/>
-              </a:lnSpc>
-              <a:spcBef>
-                <a:spcPts val="100"/>
-              </a:spcBef>
-              <a:defRPr/>
-            </a:pPr>
-            <a:r>
-              <a:rPr lang="en-US" altLang="ko-KR" sz="4350" b="1" spc="-325" dirty="0" smtClean="0">
-                <a:latin typeface="나눔고딕OTF ExtraBold"/>
-              </a:rPr>
-              <a:t>-&gt; YoloV2(detection</a:t>
-            </a:r>
-            <a:r>
-              <a:rPr lang="en-US" altLang="ko-KR" sz="4350" b="1" spc="-325" dirty="0" smtClean="0">
-                <a:latin typeface="나눔고딕OTF ExtraBold"/>
-              </a:rPr>
-              <a:t>) + VGG19(</a:t>
-            </a:r>
-            <a:r>
-              <a:rPr lang="en-US" altLang="ko-KR" sz="4350" b="1" spc="-325" dirty="0" err="1" smtClean="0">
-                <a:latin typeface="나눔고딕OTF ExtraBold"/>
-              </a:rPr>
-              <a:t>predition</a:t>
-            </a:r>
-            <a:r>
-              <a:rPr lang="en-US" altLang="ko-KR" sz="4350" b="1" spc="-325" dirty="0">
-                <a:latin typeface="나눔고딕OTF ExtraBold"/>
-              </a:rPr>
-              <a:t>)</a:t>
-            </a:r>
-            <a:endParaRPr lang="ko-KR" altLang="en-US" sz="4350" b="1" spc="-325" dirty="0">
-              <a:latin typeface="나눔고딕OTF ExtraBold"/>
+              <a:rPr lang="en-US" altLang="ko-KR" sz="4350" b="1" spc="-270" dirty="0" err="1" smtClean="0">
+                <a:latin typeface="Arial"/>
+                <a:ea typeface="+mj-ea"/>
+                <a:cs typeface="Arial"/>
+              </a:rPr>
+              <a:t>Hyperparameter</a:t>
+            </a:r>
+            <a:r>
+              <a:rPr lang="en-US" altLang="ko-KR" sz="4350" b="1" spc="-270" dirty="0" smtClean="0">
+                <a:latin typeface="Arial"/>
+                <a:ea typeface="+mj-ea"/>
+                <a:cs typeface="Arial"/>
+              </a:rPr>
+              <a:t> </a:t>
+            </a:r>
+            <a:r>
+              <a:rPr lang="ko-KR" altLang="en-US" sz="4350" b="1" spc="-270" dirty="0" smtClean="0">
+                <a:latin typeface="Arial"/>
+                <a:ea typeface="+mj-ea"/>
+                <a:cs typeface="Arial"/>
+              </a:rPr>
+              <a:t>최적화 결과</a:t>
+            </a:r>
+            <a:r>
+              <a:rPr sz="4350" b="1" spc="-270" dirty="0" smtClean="0">
+                <a:latin typeface="Arial"/>
+                <a:ea typeface="+mj-ea"/>
+                <a:cs typeface="Arial"/>
+              </a:rPr>
+              <a:t>.</a:t>
+            </a:r>
+            <a:endParaRPr sz="4350" b="1" spc="-270" dirty="0">
+              <a:latin typeface="Arial"/>
+              <a:ea typeface="+mj-ea"/>
+              <a:cs typeface="Arial"/>
             </a:endParaRPr>
           </a:p>
         </p:txBody>
       </p:sp>
       <p:pic>
         <p:nvPicPr>
-          <p:cNvPr id="7" name="object 4"/>
+          <p:cNvPr id="4" name="object 4"/>
           <p:cNvPicPr/>
           <p:nvPr userDrawn="1"/>
         </p:nvPicPr>
@@ -5934,12 +5721,762 @@
           </a:prstGeom>
         </p:spPr>
       </p:pic>
+      <p:graphicFrame>
+        <p:nvGraphicFramePr>
+          <p:cNvPr id="5" name="표 5">
+            <a:extLst>
+              <a:ext uri="{FF2B5EF4-FFF2-40B4-BE49-F238E27FC236}">
+                <a16:creationId xmlns:a16="http://schemas.microsoft.com/office/drawing/2014/main" id="{28F3E9E8-F7EB-48E4-A824-E8CDD27A963F}"/>
+              </a:ext>
+            </a:extLst>
+          </p:cNvPr>
+          <p:cNvGraphicFramePr>
+            <a:graphicFrameLocks noGrp="1"/>
+          </p:cNvGraphicFramePr>
+          <p:nvPr>
+            <p:extLst>
+              <p:ext uri="{D42A27DB-BD31-4B8C-83A1-F6EECF244321}">
+                <p14:modId xmlns:p14="http://schemas.microsoft.com/office/powerpoint/2010/main" val="3442732225"/>
+              </p:ext>
+            </p:extLst>
+          </p:nvPr>
+        </p:nvGraphicFramePr>
+        <p:xfrm>
+          <a:off x="9594850" y="3216275"/>
+          <a:ext cx="9525000" cy="4745355"/>
+        </p:xfrm>
+        <a:graphic>
+          <a:graphicData uri="http://schemas.openxmlformats.org/drawingml/2006/table">
+            <a:tbl>
+              <a:tblPr firstRow="1" bandRow="1">
+                <a:tableStyleId>{5940675A-B579-460E-94D1-54222C63F5DA}</a:tableStyleId>
+              </a:tblPr>
+              <a:tblGrid>
+                <a:gridCol w="4762500">
+                  <a:extLst>
+                    <a:ext uri="{9D8B030D-6E8A-4147-A177-3AD203B41FA5}">
+                      <a16:colId xmlns:a16="http://schemas.microsoft.com/office/drawing/2014/main" val="1008403007"/>
+                    </a:ext>
+                  </a:extLst>
+                </a:gridCol>
+                <a:gridCol w="4762500">
+                  <a:extLst>
+                    <a:ext uri="{9D8B030D-6E8A-4147-A177-3AD203B41FA5}">
+                      <a16:colId xmlns:a16="http://schemas.microsoft.com/office/drawing/2014/main" val="47198248"/>
+                    </a:ext>
+                  </a:extLst>
+                </a:gridCol>
+              </a:tblGrid>
+              <a:tr h="542925">
+                <a:tc gridSpan="2">
+                  <a:txBody>
+                    <a:bodyPr/>
+                    <a:lstStyle/>
+                    <a:p>
+                      <a:pPr algn="ctr" latinLnBrk="1"/>
+                      <a:r>
+                        <a:rPr lang="en-US" altLang="ko-KR" sz="2800" b="1" kern="1200" spc="0" dirty="0">
+                          <a:solidFill>
+                            <a:schemeClr val="tx1"/>
+                          </a:solidFill>
+                          <a:latin typeface="Arial"/>
+                          <a:ea typeface="+mj-ea"/>
+                          <a:cs typeface="Arial"/>
+                        </a:rPr>
+                        <a:t>Hyperparameter</a:t>
+                      </a:r>
+                      <a:endParaRPr lang="ko-KR" altLang="en-US" sz="2800" b="1" kern="1200" spc="0" dirty="0">
+                        <a:solidFill>
+                          <a:schemeClr val="tx1"/>
+                        </a:solidFill>
+                        <a:latin typeface="Arial"/>
+                        <a:ea typeface="+mj-ea"/>
+                        <a:cs typeface="Arial"/>
+                      </a:endParaRPr>
+                    </a:p>
+                  </a:txBody>
+                  <a:tcPr/>
+                </a:tc>
+                <a:tc hMerge="1">
+                  <a:txBody>
+                    <a:bodyPr/>
+                    <a:lstStyle/>
+                    <a:p>
+                      <a:pPr latinLnBrk="1"/>
+                      <a:endParaRPr lang="ko-KR" altLang="en-US" dirty="0"/>
+                    </a:p>
+                  </a:txBody>
+                  <a:tcPr/>
+                </a:tc>
+                <a:extLst>
+                  <a:ext uri="{0D108BD9-81ED-4DB2-BD59-A6C34878D82A}">
+                    <a16:rowId xmlns:a16="http://schemas.microsoft.com/office/drawing/2014/main" val="2171647226"/>
+                  </a:ext>
+                </a:extLst>
+              </a:tr>
+              <a:tr h="542925">
+                <a:tc>
+                  <a:txBody>
+                    <a:bodyPr/>
+                    <a:lstStyle/>
+                    <a:p>
+                      <a:pPr latinLnBrk="1"/>
+                      <a:r>
+                        <a:rPr lang="en-US" altLang="ko-KR" sz="2800" b="1" kern="1200" spc="0" dirty="0" smtClean="0">
+                          <a:solidFill>
+                            <a:schemeClr val="tx1"/>
+                          </a:solidFill>
+                          <a:latin typeface="Arial"/>
+                          <a:ea typeface="+mj-ea"/>
+                          <a:cs typeface="Arial"/>
+                        </a:rPr>
+                        <a:t>Model</a:t>
+                      </a:r>
+                      <a:endParaRPr lang="ko-KR" altLang="en-US" sz="2800" b="1" kern="1200" spc="0" dirty="0">
+                        <a:solidFill>
+                          <a:schemeClr val="tx1"/>
+                        </a:solidFill>
+                        <a:latin typeface="Arial"/>
+                        <a:ea typeface="+mj-ea"/>
+                        <a:cs typeface="Arial"/>
+                      </a:endParaRPr>
+                    </a:p>
+                  </a:txBody>
+                  <a:tcPr/>
+                </a:tc>
+                <a:tc>
+                  <a:txBody>
+                    <a:bodyPr/>
+                    <a:lstStyle/>
+                    <a:p>
+                      <a:pPr latinLnBrk="1"/>
+                      <a:r>
+                        <a:rPr lang="en-US" altLang="ko-KR" sz="2800" b="1" kern="1200" spc="0" dirty="0" err="1" smtClean="0">
+                          <a:solidFill>
+                            <a:schemeClr val="tx1"/>
+                          </a:solidFill>
+                          <a:latin typeface="Arial"/>
+                          <a:ea typeface="+mj-ea"/>
+                          <a:cs typeface="Arial"/>
+                        </a:rPr>
+                        <a:t>Xception</a:t>
+                      </a:r>
+                      <a:endParaRPr lang="ko-KR" altLang="en-US" sz="2800" b="1" kern="1200" spc="0" dirty="0">
+                        <a:solidFill>
+                          <a:schemeClr val="tx1"/>
+                        </a:solidFill>
+                        <a:latin typeface="Arial"/>
+                        <a:ea typeface="+mj-ea"/>
+                        <a:cs typeface="Arial"/>
+                      </a:endParaRPr>
+                    </a:p>
+                  </a:txBody>
+                  <a:tcPr/>
+                </a:tc>
+                <a:extLst>
+                  <a:ext uri="{0D108BD9-81ED-4DB2-BD59-A6C34878D82A}">
+                    <a16:rowId xmlns:a16="http://schemas.microsoft.com/office/drawing/2014/main" val="372776353"/>
+                  </a:ext>
+                </a:extLst>
+              </a:tr>
+              <a:tr h="542925">
+                <a:tc>
+                  <a:txBody>
+                    <a:bodyPr/>
+                    <a:lstStyle/>
+                    <a:p>
+                      <a:pPr latinLnBrk="1"/>
+                      <a:r>
+                        <a:rPr lang="en-US" altLang="ko-KR" sz="2800" b="1" kern="1200" spc="0" dirty="0">
+                          <a:solidFill>
+                            <a:schemeClr val="tx1"/>
+                          </a:solidFill>
+                          <a:latin typeface="Arial"/>
+                          <a:ea typeface="+mj-ea"/>
+                          <a:cs typeface="Arial"/>
+                        </a:rPr>
+                        <a:t>Batch</a:t>
+                      </a:r>
+                      <a:r>
+                        <a:rPr lang="ko-KR" altLang="en-US" sz="2800" b="1" kern="1200" spc="0" dirty="0">
+                          <a:solidFill>
+                            <a:schemeClr val="tx1"/>
+                          </a:solidFill>
+                          <a:latin typeface="Arial"/>
+                          <a:ea typeface="+mj-ea"/>
+                          <a:cs typeface="Arial"/>
+                        </a:rPr>
+                        <a:t> </a:t>
+                      </a:r>
+                      <a:r>
+                        <a:rPr lang="en-US" altLang="ko-KR" sz="2800" b="1" kern="1200" spc="0" dirty="0">
+                          <a:solidFill>
+                            <a:schemeClr val="tx1"/>
+                          </a:solidFill>
+                          <a:latin typeface="Arial"/>
+                          <a:ea typeface="+mj-ea"/>
+                          <a:cs typeface="Arial"/>
+                        </a:rPr>
+                        <a:t>size</a:t>
+                      </a:r>
+                      <a:endParaRPr lang="ko-KR" altLang="en-US" sz="2800" b="1" kern="1200" spc="0" dirty="0">
+                        <a:solidFill>
+                          <a:schemeClr val="tx1"/>
+                        </a:solidFill>
+                        <a:latin typeface="Arial"/>
+                        <a:ea typeface="+mj-ea"/>
+                        <a:cs typeface="Arial"/>
+                      </a:endParaRPr>
+                    </a:p>
+                  </a:txBody>
+                  <a:tcPr/>
+                </a:tc>
+                <a:tc>
+                  <a:txBody>
+                    <a:bodyPr/>
+                    <a:lstStyle/>
+                    <a:p>
+                      <a:pPr latinLnBrk="1"/>
+                      <a:r>
+                        <a:rPr lang="en-US" altLang="ko-KR" sz="2800" b="1" kern="1200" spc="0" dirty="0" smtClean="0">
+                          <a:solidFill>
+                            <a:schemeClr val="tx1"/>
+                          </a:solidFill>
+                          <a:latin typeface="Arial"/>
+                          <a:ea typeface="+mj-ea"/>
+                          <a:cs typeface="Arial"/>
+                        </a:rPr>
+                        <a:t>8</a:t>
+                      </a:r>
+                      <a:endParaRPr lang="ko-KR" altLang="en-US" sz="2800" b="1" kern="1200" spc="0" dirty="0">
+                        <a:solidFill>
+                          <a:schemeClr val="tx1"/>
+                        </a:solidFill>
+                        <a:latin typeface="Arial"/>
+                        <a:ea typeface="+mj-ea"/>
+                        <a:cs typeface="Arial"/>
+                      </a:endParaRPr>
+                    </a:p>
+                  </a:txBody>
+                  <a:tcPr/>
+                </a:tc>
+                <a:extLst>
+                  <a:ext uri="{0D108BD9-81ED-4DB2-BD59-A6C34878D82A}">
+                    <a16:rowId xmlns:a16="http://schemas.microsoft.com/office/drawing/2014/main" val="2299266545"/>
+                  </a:ext>
+                </a:extLst>
+              </a:tr>
+              <a:tr h="542925">
+                <a:tc>
+                  <a:txBody>
+                    <a:bodyPr/>
+                    <a:lstStyle/>
+                    <a:p>
+                      <a:pPr latinLnBrk="1"/>
+                      <a:r>
+                        <a:rPr lang="en-US" altLang="ko-KR" sz="2800" b="1" kern="1200" spc="0" dirty="0">
+                          <a:solidFill>
+                            <a:schemeClr val="tx1"/>
+                          </a:solidFill>
+                          <a:latin typeface="Arial"/>
+                          <a:ea typeface="+mj-ea"/>
+                          <a:cs typeface="Arial"/>
+                        </a:rPr>
+                        <a:t>Optimizer</a:t>
+                      </a:r>
+                      <a:endParaRPr lang="ko-KR" altLang="en-US" sz="2800" b="1" kern="1200" spc="0" dirty="0">
+                        <a:solidFill>
+                          <a:schemeClr val="tx1"/>
+                        </a:solidFill>
+                        <a:latin typeface="Arial"/>
+                        <a:ea typeface="+mj-ea"/>
+                        <a:cs typeface="Arial"/>
+                      </a:endParaRPr>
+                    </a:p>
+                  </a:txBody>
+                  <a:tcPr/>
+                </a:tc>
+                <a:tc>
+                  <a:txBody>
+                    <a:bodyPr/>
+                    <a:lstStyle/>
+                    <a:p>
+                      <a:pPr latinLnBrk="1"/>
+                      <a:r>
+                        <a:rPr lang="en-US" altLang="ko-KR" sz="2800" b="1" kern="1200" spc="0" dirty="0" smtClean="0">
+                          <a:solidFill>
+                            <a:schemeClr val="tx1"/>
+                          </a:solidFill>
+                          <a:latin typeface="Arial"/>
+                          <a:ea typeface="+mj-ea"/>
+                          <a:cs typeface="Arial"/>
+                        </a:rPr>
+                        <a:t>Adam (</a:t>
+                      </a:r>
+                      <a:r>
+                        <a:rPr lang="en-US" altLang="ko-KR" sz="2800" b="1" kern="1200" spc="0" dirty="0" err="1" smtClean="0">
+                          <a:solidFill>
+                            <a:schemeClr val="tx1"/>
+                          </a:solidFill>
+                          <a:latin typeface="Arial"/>
+                          <a:ea typeface="+mj-ea"/>
+                          <a:cs typeface="Arial"/>
+                        </a:rPr>
+                        <a:t>lr</a:t>
+                      </a:r>
+                      <a:r>
+                        <a:rPr lang="en-US" altLang="ko-KR" sz="2800" b="1" kern="1200" spc="0" dirty="0" smtClean="0">
+                          <a:solidFill>
+                            <a:schemeClr val="tx1"/>
+                          </a:solidFill>
+                          <a:latin typeface="Arial"/>
+                          <a:ea typeface="+mj-ea"/>
+                          <a:cs typeface="Arial"/>
+                        </a:rPr>
+                        <a:t> </a:t>
+                      </a:r>
+                      <a:r>
+                        <a:rPr lang="en-US" altLang="ko-KR" sz="2800" b="1" kern="1200" spc="0" dirty="0">
+                          <a:solidFill>
+                            <a:schemeClr val="tx1"/>
+                          </a:solidFill>
+                          <a:latin typeface="Arial"/>
+                          <a:ea typeface="+mj-ea"/>
+                          <a:cs typeface="Arial"/>
+                        </a:rPr>
+                        <a:t>= </a:t>
+                      </a:r>
+                      <a:r>
+                        <a:rPr lang="en-US" altLang="ko-KR" sz="2800" b="1" kern="1200" spc="0" dirty="0" smtClean="0">
+                          <a:solidFill>
+                            <a:schemeClr val="tx1"/>
+                          </a:solidFill>
+                          <a:latin typeface="Arial"/>
+                          <a:ea typeface="+mj-ea"/>
+                          <a:cs typeface="Arial"/>
+                        </a:rPr>
+                        <a:t>0.00001, </a:t>
+                      </a:r>
+                      <a:r>
+                        <a:rPr lang="en-US" altLang="ko-KR" sz="2800" b="1" kern="1200" spc="0" dirty="0" smtClean="0">
+                          <a:solidFill>
+                            <a:schemeClr val="tx1"/>
+                          </a:solidFill>
+                          <a:latin typeface="Arial"/>
+                          <a:ea typeface="+mj-ea"/>
+                          <a:cs typeface="Arial"/>
+                        </a:rPr>
+                        <a:t/>
+                      </a:r>
+                      <a:br>
+                        <a:rPr lang="en-US" altLang="ko-KR" sz="2800" b="1" kern="1200" spc="0" dirty="0" smtClean="0">
+                          <a:solidFill>
+                            <a:schemeClr val="tx1"/>
+                          </a:solidFill>
+                          <a:latin typeface="Arial"/>
+                          <a:ea typeface="+mj-ea"/>
+                          <a:cs typeface="Arial"/>
+                        </a:rPr>
+                      </a:br>
+                      <a:r>
+                        <a:rPr lang="en-US" altLang="ko-KR" sz="2800" b="1" kern="1200" spc="0" dirty="0" smtClean="0">
+                          <a:solidFill>
+                            <a:schemeClr val="tx1"/>
+                          </a:solidFill>
+                          <a:latin typeface="Arial"/>
+                          <a:ea typeface="+mj-ea"/>
+                          <a:cs typeface="Arial"/>
+                        </a:rPr>
+                        <a:t>decay </a:t>
+                      </a:r>
+                      <a:r>
+                        <a:rPr lang="en-US" altLang="ko-KR" sz="2800" b="1" kern="1200" spc="0" dirty="0" smtClean="0">
+                          <a:solidFill>
+                            <a:schemeClr val="tx1"/>
+                          </a:solidFill>
+                          <a:latin typeface="Arial"/>
+                          <a:ea typeface="+mj-ea"/>
+                          <a:cs typeface="Arial"/>
+                        </a:rPr>
+                        <a:t>= </a:t>
+                      </a:r>
+                      <a:r>
+                        <a:rPr lang="en-US" altLang="ko-KR" sz="2800" b="1" dirty="0" smtClean="0">
+                          <a:solidFill>
+                            <a:schemeClr val="tx1"/>
+                          </a:solidFill>
+                          <a:effectLst/>
+                          <a:latin typeface="+mn-lt"/>
+                          <a:ea typeface="+mn-ea"/>
+                          <a:cs typeface="+mn-cs"/>
+                        </a:rPr>
+                        <a:t>0.0001</a:t>
+                      </a:r>
+                      <a:r>
+                        <a:rPr lang="en-US" altLang="ko-KR" sz="2800" b="1" kern="1200" spc="0" dirty="0" smtClean="0">
+                          <a:solidFill>
+                            <a:schemeClr val="tx1"/>
+                          </a:solidFill>
+                          <a:latin typeface="Arial"/>
+                          <a:ea typeface="+mj-ea"/>
+                          <a:cs typeface="Arial"/>
+                        </a:rPr>
+                        <a:t>)</a:t>
+                      </a:r>
+                      <a:endParaRPr lang="ko-KR" altLang="en-US" sz="2800" b="1" kern="1200" spc="0" dirty="0">
+                        <a:solidFill>
+                          <a:schemeClr val="tx1"/>
+                        </a:solidFill>
+                        <a:latin typeface="Arial"/>
+                        <a:ea typeface="+mj-ea"/>
+                        <a:cs typeface="Arial"/>
+                      </a:endParaRPr>
+                    </a:p>
+                  </a:txBody>
+                  <a:tcPr/>
+                </a:tc>
+                <a:extLst>
+                  <a:ext uri="{0D108BD9-81ED-4DB2-BD59-A6C34878D82A}">
+                    <a16:rowId xmlns:a16="http://schemas.microsoft.com/office/drawing/2014/main" val="1863487432"/>
+                  </a:ext>
+                </a:extLst>
+              </a:tr>
+              <a:tr h="542925">
+                <a:tc>
+                  <a:txBody>
+                    <a:bodyPr/>
+                    <a:lstStyle/>
+                    <a:p>
+                      <a:pPr latinLnBrk="1"/>
+                      <a:r>
+                        <a:rPr lang="en-US" altLang="ko-KR" sz="2800" b="1" kern="1200" spc="0" dirty="0" smtClean="0">
+                          <a:solidFill>
+                            <a:schemeClr val="tx1"/>
+                          </a:solidFill>
+                          <a:latin typeface="Arial"/>
+                          <a:ea typeface="+mj-ea"/>
+                          <a:cs typeface="Arial"/>
+                        </a:rPr>
+                        <a:t>Train</a:t>
+                      </a:r>
+                      <a:r>
+                        <a:rPr lang="en-US" altLang="ko-KR" sz="2800" b="1" kern="1200" spc="0" baseline="0" dirty="0" smtClean="0">
+                          <a:solidFill>
+                            <a:schemeClr val="tx1"/>
+                          </a:solidFill>
+                          <a:latin typeface="Arial"/>
+                          <a:ea typeface="+mj-ea"/>
+                          <a:cs typeface="Arial"/>
+                        </a:rPr>
+                        <a:t> </a:t>
+                      </a:r>
+                      <a:r>
+                        <a:rPr lang="en-US" altLang="ko-KR" sz="2800" b="1" kern="1200" spc="0" dirty="0" smtClean="0">
+                          <a:solidFill>
+                            <a:schemeClr val="tx1"/>
+                          </a:solidFill>
+                          <a:latin typeface="Arial"/>
+                          <a:ea typeface="+mj-ea"/>
+                          <a:cs typeface="Arial"/>
+                        </a:rPr>
+                        <a:t>Epochs</a:t>
+                      </a:r>
+                      <a:endParaRPr lang="ko-KR" altLang="en-US" sz="2800" b="1" kern="1200" spc="0" dirty="0">
+                        <a:solidFill>
+                          <a:schemeClr val="tx1"/>
+                        </a:solidFill>
+                        <a:latin typeface="Arial"/>
+                        <a:ea typeface="+mj-ea"/>
+                        <a:cs typeface="Arial"/>
+                      </a:endParaRPr>
+                    </a:p>
+                  </a:txBody>
+                  <a:tcPr/>
+                </a:tc>
+                <a:tc>
+                  <a:txBody>
+                    <a:bodyPr/>
+                    <a:lstStyle/>
+                    <a:p>
+                      <a:pPr latinLnBrk="1"/>
+                      <a:r>
+                        <a:rPr lang="en-US" altLang="ko-KR" sz="2800" b="1" kern="1200" spc="0" dirty="0" smtClean="0">
+                          <a:solidFill>
+                            <a:schemeClr val="tx1"/>
+                          </a:solidFill>
+                          <a:latin typeface="Arial"/>
+                          <a:ea typeface="+mj-ea"/>
+                          <a:cs typeface="Arial"/>
+                        </a:rPr>
+                        <a:t>121 (Early</a:t>
+                      </a:r>
+                      <a:r>
+                        <a:rPr lang="en-US" altLang="ko-KR" sz="2800" b="1" kern="1200" spc="0" baseline="0" dirty="0" smtClean="0">
+                          <a:solidFill>
+                            <a:schemeClr val="tx1"/>
+                          </a:solidFill>
+                          <a:latin typeface="Arial"/>
+                          <a:ea typeface="+mj-ea"/>
+                          <a:cs typeface="Arial"/>
+                        </a:rPr>
+                        <a:t> stopping)</a:t>
+                      </a:r>
+                      <a:endParaRPr lang="ko-KR" altLang="en-US" sz="2800" b="1" kern="1200" spc="0" dirty="0">
+                        <a:solidFill>
+                          <a:schemeClr val="tx1"/>
+                        </a:solidFill>
+                        <a:latin typeface="Arial"/>
+                        <a:ea typeface="+mj-ea"/>
+                        <a:cs typeface="Arial"/>
+                      </a:endParaRPr>
+                    </a:p>
+                  </a:txBody>
+                  <a:tcPr/>
+                </a:tc>
+                <a:extLst>
+                  <a:ext uri="{0D108BD9-81ED-4DB2-BD59-A6C34878D82A}">
+                    <a16:rowId xmlns:a16="http://schemas.microsoft.com/office/drawing/2014/main" val="1065156233"/>
+                  </a:ext>
+                </a:extLst>
+              </a:tr>
+              <a:tr h="542925">
+                <a:tc>
+                  <a:txBody>
+                    <a:bodyPr/>
+                    <a:lstStyle/>
+                    <a:p>
+                      <a:pPr latinLnBrk="1"/>
+                      <a:r>
+                        <a:rPr lang="en-US" altLang="ko-KR" sz="2800" b="1" kern="1200" spc="0" dirty="0" smtClean="0">
+                          <a:solidFill>
+                            <a:schemeClr val="tx1"/>
+                          </a:solidFill>
+                          <a:latin typeface="Arial"/>
+                          <a:ea typeface="+mj-ea"/>
+                          <a:cs typeface="Arial"/>
+                        </a:rPr>
+                        <a:t>Plus Train Epochs</a:t>
+                      </a:r>
+                      <a:endParaRPr lang="ko-KR" altLang="en-US" sz="2800" b="1" kern="1200" spc="0" dirty="0">
+                        <a:solidFill>
+                          <a:schemeClr val="tx1"/>
+                        </a:solidFill>
+                        <a:latin typeface="Arial"/>
+                        <a:ea typeface="+mj-ea"/>
+                        <a:cs typeface="Arial"/>
+                      </a:endParaRPr>
+                    </a:p>
+                  </a:txBody>
+                  <a:tcPr/>
+                </a:tc>
+                <a:tc>
+                  <a:txBody>
+                    <a:bodyPr/>
+                    <a:lstStyle/>
+                    <a:p>
+                      <a:pPr latinLnBrk="1"/>
+                      <a:r>
+                        <a:rPr lang="en-US" altLang="ko-KR" sz="2800" b="1" kern="1200" spc="0" dirty="0" smtClean="0">
+                          <a:solidFill>
+                            <a:schemeClr val="tx1"/>
+                          </a:solidFill>
+                          <a:latin typeface="Arial"/>
+                          <a:ea typeface="+mj-ea"/>
+                          <a:cs typeface="Arial"/>
+                        </a:rPr>
+                        <a:t>23 (Early stopping)</a:t>
+                      </a:r>
+                      <a:endParaRPr lang="ko-KR" altLang="en-US" sz="2800" b="1" kern="1200" spc="0" dirty="0">
+                        <a:solidFill>
+                          <a:schemeClr val="tx1"/>
+                        </a:solidFill>
+                        <a:latin typeface="Arial"/>
+                        <a:ea typeface="+mj-ea"/>
+                        <a:cs typeface="Arial"/>
+                      </a:endParaRPr>
+                    </a:p>
+                  </a:txBody>
+                  <a:tcPr/>
+                </a:tc>
+                <a:extLst>
+                  <a:ext uri="{0D108BD9-81ED-4DB2-BD59-A6C34878D82A}">
+                    <a16:rowId xmlns:a16="http://schemas.microsoft.com/office/drawing/2014/main" val="4210039736"/>
+                  </a:ext>
+                </a:extLst>
+              </a:tr>
+              <a:tr h="542925">
+                <a:tc>
+                  <a:txBody>
+                    <a:bodyPr/>
+                    <a:lstStyle/>
+                    <a:p>
+                      <a:pPr latinLnBrk="1"/>
+                      <a:r>
+                        <a:rPr lang="en-US" altLang="ko-KR" sz="2800" b="1" kern="1200" spc="0" dirty="0" err="1">
+                          <a:solidFill>
+                            <a:schemeClr val="tx1"/>
+                          </a:solidFill>
+                          <a:latin typeface="Arial"/>
+                          <a:ea typeface="+mj-ea"/>
+                          <a:cs typeface="Arial"/>
+                        </a:rPr>
+                        <a:t>ImageDataGenerator</a:t>
+                      </a:r>
+                      <a:endParaRPr lang="ko-KR" altLang="en-US" sz="2800" b="1" kern="1200" spc="0" dirty="0">
+                        <a:solidFill>
+                          <a:schemeClr val="tx1"/>
+                        </a:solidFill>
+                        <a:latin typeface="Arial"/>
+                        <a:ea typeface="+mj-ea"/>
+                        <a:cs typeface="Arial"/>
+                      </a:endParaRPr>
+                    </a:p>
+                  </a:txBody>
+                  <a:tcPr/>
+                </a:tc>
+                <a:tc>
+                  <a:txBody>
+                    <a:bodyPr/>
+                    <a:lstStyle/>
+                    <a:p>
+                      <a:pPr latinLnBrk="1"/>
+                      <a:r>
+                        <a:rPr lang="en-US" altLang="ko-KR" sz="2800" b="1" kern="1200" spc="0" dirty="0">
+                          <a:solidFill>
+                            <a:schemeClr val="tx1"/>
+                          </a:solidFill>
+                          <a:latin typeface="Arial"/>
+                          <a:ea typeface="+mj-ea"/>
+                          <a:cs typeface="Arial"/>
+                        </a:rPr>
+                        <a:t>Rescale = 1./</a:t>
+                      </a:r>
+                      <a:r>
+                        <a:rPr lang="en-US" altLang="ko-KR" sz="2800" b="1" kern="1200" spc="0" dirty="0" smtClean="0">
+                          <a:solidFill>
+                            <a:schemeClr val="tx1"/>
+                          </a:solidFill>
+                          <a:latin typeface="Arial"/>
+                          <a:ea typeface="+mj-ea"/>
+                          <a:cs typeface="Arial"/>
+                        </a:rPr>
+                        <a:t>255</a:t>
+                      </a:r>
+                      <a:endParaRPr lang="en-US" altLang="ko-KR" sz="2800" b="1" kern="1200" spc="0" dirty="0">
+                        <a:solidFill>
+                          <a:schemeClr val="tx1"/>
+                        </a:solidFill>
+                        <a:latin typeface="Arial"/>
+                        <a:ea typeface="+mj-ea"/>
+                        <a:cs typeface="Arial"/>
+                      </a:endParaRPr>
+                    </a:p>
+                  </a:txBody>
+                  <a:tcPr/>
+                </a:tc>
+                <a:extLst>
+                  <a:ext uri="{0D108BD9-81ED-4DB2-BD59-A6C34878D82A}">
+                    <a16:rowId xmlns:a16="http://schemas.microsoft.com/office/drawing/2014/main" val="1339183819"/>
+                  </a:ext>
+                </a:extLst>
+              </a:tr>
+              <a:tr h="542925">
+                <a:tc>
+                  <a:txBody>
+                    <a:bodyPr/>
+                    <a:lstStyle/>
+                    <a:p>
+                      <a:pPr latinLnBrk="1"/>
+                      <a:r>
+                        <a:rPr lang="en-US" altLang="ko-KR" sz="2800" b="1" kern="1200" spc="0" dirty="0" smtClean="0">
+                          <a:solidFill>
+                            <a:schemeClr val="tx1"/>
+                          </a:solidFill>
+                          <a:latin typeface="Arial"/>
+                          <a:ea typeface="+mj-ea"/>
+                          <a:cs typeface="Arial"/>
+                        </a:rPr>
+                        <a:t>Image</a:t>
+                      </a:r>
+                      <a:r>
+                        <a:rPr lang="en-US" altLang="ko-KR" sz="2800" b="1" kern="1200" spc="0" baseline="0" dirty="0" smtClean="0">
+                          <a:solidFill>
+                            <a:schemeClr val="tx1"/>
+                          </a:solidFill>
+                          <a:latin typeface="Arial"/>
+                          <a:ea typeface="+mj-ea"/>
+                          <a:cs typeface="Arial"/>
+                        </a:rPr>
+                        <a:t> size</a:t>
+                      </a:r>
+                      <a:endParaRPr lang="ko-KR" altLang="en-US" sz="2800" b="1" kern="1200" spc="0" dirty="0">
+                        <a:solidFill>
+                          <a:schemeClr val="tx1"/>
+                        </a:solidFill>
+                        <a:latin typeface="Arial"/>
+                        <a:ea typeface="+mj-ea"/>
+                        <a:cs typeface="Arial"/>
+                      </a:endParaRPr>
+                    </a:p>
+                  </a:txBody>
+                  <a:tcPr/>
+                </a:tc>
+                <a:tc>
+                  <a:txBody>
+                    <a:bodyPr/>
+                    <a:lstStyle/>
+                    <a:p>
+                      <a:pPr latinLnBrk="1"/>
+                      <a:r>
+                        <a:rPr lang="en-US" altLang="ko-KR" sz="2800" b="1" kern="1200" spc="0" dirty="0" smtClean="0">
+                          <a:solidFill>
+                            <a:schemeClr val="tx1"/>
+                          </a:solidFill>
+                          <a:latin typeface="Arial"/>
+                          <a:ea typeface="+mj-ea"/>
+                          <a:cs typeface="Arial"/>
+                        </a:rPr>
+                        <a:t>224</a:t>
+                      </a:r>
+                      <a:r>
+                        <a:rPr lang="en-US" altLang="ko-KR" sz="2800" b="1" kern="1200" spc="0" baseline="0" dirty="0" smtClean="0">
+                          <a:solidFill>
+                            <a:schemeClr val="tx1"/>
+                          </a:solidFill>
+                          <a:latin typeface="Arial"/>
+                          <a:ea typeface="+mj-ea"/>
+                          <a:cs typeface="Arial"/>
+                        </a:rPr>
+                        <a:t>x224</a:t>
+                      </a:r>
+                      <a:endParaRPr lang="en-US" altLang="ko-KR" sz="2800" b="1" kern="1200" spc="0" dirty="0">
+                        <a:solidFill>
+                          <a:schemeClr val="tx1"/>
+                        </a:solidFill>
+                        <a:latin typeface="Arial"/>
+                        <a:ea typeface="+mj-ea"/>
+                        <a:cs typeface="Arial"/>
+                      </a:endParaRPr>
+                    </a:p>
+                  </a:txBody>
+                  <a:tcPr/>
+                </a:tc>
+                <a:extLst>
+                  <a:ext uri="{0D108BD9-81ED-4DB2-BD59-A6C34878D82A}">
+                    <a16:rowId xmlns:a16="http://schemas.microsoft.com/office/drawing/2014/main" val="798727153"/>
+                  </a:ext>
+                </a:extLst>
+              </a:tr>
+            </a:tbl>
+          </a:graphicData>
+        </a:graphic>
+      </p:graphicFrame>
       <p:pic>
         <p:nvPicPr>
-          <p:cNvPr id="5" name="Picture 2">
+          <p:cNvPr id="9" name="Picture 2">
             <a:extLst>
               <a:ext uri="{FF2B5EF4-FFF2-40B4-BE49-F238E27FC236}">
-                <a16:creationId xmlns:a16="http://schemas.microsoft.com/office/drawing/2014/main" id="{B2EFD4E8-BF16-4E13-8193-877AD1965668}"/>
+                <a16:creationId xmlns:a16="http://schemas.microsoft.com/office/drawing/2014/main" id="{CD40EFB1-B4D9-4202-9D90-DE59D9C1DB4B}"/>
               </a:ext>
             </a:extLst>
           </p:cNvPr>
@@ -5979,12 +6516,700 @@
           </a:extLst>
         </p:spPr>
       </p:pic>
+      <p:graphicFrame>
+        <p:nvGraphicFramePr>
+          <p:cNvPr id="7" name="표 5">
+            <a:extLst>
+              <a:ext uri="{FF2B5EF4-FFF2-40B4-BE49-F238E27FC236}">
+                <a16:creationId xmlns:a16="http://schemas.microsoft.com/office/drawing/2014/main" id="{28F3E9E8-F7EB-48E4-A824-E8CDD27A963F}"/>
+              </a:ext>
+            </a:extLst>
+          </p:cNvPr>
+          <p:cNvGraphicFramePr>
+            <a:graphicFrameLocks noGrp="1"/>
+          </p:cNvGraphicFramePr>
+          <p:nvPr>
+            <p:extLst>
+              <p:ext uri="{D42A27DB-BD31-4B8C-83A1-F6EECF244321}">
+                <p14:modId xmlns:p14="http://schemas.microsoft.com/office/powerpoint/2010/main" val="3915989723"/>
+              </p:ext>
+            </p:extLst>
+          </p:nvPr>
+        </p:nvGraphicFramePr>
+        <p:xfrm>
+          <a:off x="1019728" y="3216275"/>
+          <a:ext cx="7785558" cy="5181600"/>
+        </p:xfrm>
+        <a:graphic>
+          <a:graphicData uri="http://schemas.openxmlformats.org/drawingml/2006/table">
+            <a:tbl>
+              <a:tblPr firstRow="1" bandRow="1">
+                <a:tableStyleId>{5940675A-B579-460E-94D1-54222C63F5DA}</a:tableStyleId>
+              </a:tblPr>
+              <a:tblGrid>
+                <a:gridCol w="3892779">
+                  <a:extLst>
+                    <a:ext uri="{9D8B030D-6E8A-4147-A177-3AD203B41FA5}">
+                      <a16:colId xmlns:a16="http://schemas.microsoft.com/office/drawing/2014/main" val="1008403007"/>
+                    </a:ext>
+                  </a:extLst>
+                </a:gridCol>
+                <a:gridCol w="3892779">
+                  <a:extLst>
+                    <a:ext uri="{9D8B030D-6E8A-4147-A177-3AD203B41FA5}">
+                      <a16:colId xmlns:a16="http://schemas.microsoft.com/office/drawing/2014/main" val="47198248"/>
+                    </a:ext>
+                  </a:extLst>
+                </a:gridCol>
+              </a:tblGrid>
+              <a:tr h="376238">
+                <a:tc gridSpan="2">
+                  <a:txBody>
+                    <a:bodyPr/>
+                    <a:lstStyle/>
+                    <a:p>
+                      <a:pPr algn="ctr" latinLnBrk="1"/>
+                      <a:r>
+                        <a:rPr lang="en-US" altLang="ko-KR" sz="2800" b="1" kern="1200" spc="0" dirty="0" smtClean="0">
+                          <a:solidFill>
+                            <a:schemeClr val="tx1"/>
+                          </a:solidFill>
+                          <a:latin typeface="Arial"/>
+                          <a:ea typeface="+mj-ea"/>
+                          <a:cs typeface="Arial"/>
+                        </a:rPr>
+                        <a:t>Experiment</a:t>
+                      </a:r>
+                      <a:endParaRPr lang="ko-KR" altLang="en-US" sz="2800" b="1" kern="1200" spc="0" dirty="0">
+                        <a:solidFill>
+                          <a:schemeClr val="tx1"/>
+                        </a:solidFill>
+                        <a:latin typeface="Arial"/>
+                        <a:ea typeface="+mj-ea"/>
+                        <a:cs typeface="Arial"/>
+                      </a:endParaRPr>
+                    </a:p>
+                  </a:txBody>
+                  <a:tcPr/>
+                </a:tc>
+                <a:tc hMerge="1">
+                  <a:txBody>
+                    <a:bodyPr/>
+                    <a:lstStyle/>
+                    <a:p>
+                      <a:pPr latinLnBrk="1"/>
+                      <a:endParaRPr lang="ko-KR" altLang="en-US" dirty="0"/>
+                    </a:p>
+                  </a:txBody>
+                  <a:tcPr/>
+                </a:tc>
+                <a:extLst>
+                  <a:ext uri="{0D108BD9-81ED-4DB2-BD59-A6C34878D82A}">
+                    <a16:rowId xmlns:a16="http://schemas.microsoft.com/office/drawing/2014/main" val="2171647226"/>
+                  </a:ext>
+                </a:extLst>
+              </a:tr>
+              <a:tr h="376238">
+                <a:tc>
+                  <a:txBody>
+                    <a:bodyPr/>
+                    <a:lstStyle/>
+                    <a:p>
+                      <a:pPr latinLnBrk="1"/>
+                      <a:r>
+                        <a:rPr lang="en-US" altLang="ko-KR" sz="2800" b="1" kern="1200" spc="0" dirty="0" smtClean="0">
+                          <a:solidFill>
+                            <a:schemeClr val="tx1"/>
+                          </a:solidFill>
+                          <a:latin typeface="Arial"/>
+                          <a:ea typeface="+mj-ea"/>
+                          <a:cs typeface="Arial"/>
+                        </a:rPr>
+                        <a:t>OS</a:t>
+                      </a:r>
+                      <a:endParaRPr lang="ko-KR" altLang="en-US" sz="2800" b="1" kern="1200" spc="0" dirty="0">
+                        <a:solidFill>
+                          <a:schemeClr val="tx1"/>
+                        </a:solidFill>
+                        <a:latin typeface="Arial"/>
+                        <a:ea typeface="+mj-ea"/>
+                        <a:cs typeface="Arial"/>
+                      </a:endParaRPr>
+                    </a:p>
+                  </a:txBody>
+                  <a:tcPr/>
+                </a:tc>
+                <a:tc>
+                  <a:txBody>
+                    <a:bodyPr/>
+                    <a:lstStyle/>
+                    <a:p>
+                      <a:pPr latinLnBrk="1"/>
+                      <a:r>
+                        <a:rPr lang="en-US" altLang="ko-KR" sz="2800" b="1" kern="1200" spc="0" dirty="0" smtClean="0">
+                          <a:solidFill>
+                            <a:schemeClr val="tx1"/>
+                          </a:solidFill>
+                          <a:latin typeface="Arial"/>
+                          <a:ea typeface="+mj-ea"/>
+                          <a:cs typeface="Arial"/>
+                        </a:rPr>
+                        <a:t>Windows</a:t>
+                      </a:r>
+                      <a:r>
+                        <a:rPr lang="en-US" altLang="ko-KR" sz="2800" b="1" kern="1200" spc="0" baseline="0" dirty="0" smtClean="0">
+                          <a:solidFill>
+                            <a:schemeClr val="tx1"/>
+                          </a:solidFill>
+                          <a:latin typeface="Arial"/>
+                          <a:ea typeface="+mj-ea"/>
+                          <a:cs typeface="Arial"/>
+                        </a:rPr>
+                        <a:t> 10</a:t>
+                      </a:r>
+                      <a:endParaRPr lang="ko-KR" altLang="en-US" sz="2800" b="1" kern="1200" spc="0" dirty="0">
+                        <a:solidFill>
+                          <a:schemeClr val="tx1"/>
+                        </a:solidFill>
+                        <a:latin typeface="Arial"/>
+                        <a:ea typeface="+mj-ea"/>
+                        <a:cs typeface="Arial"/>
+                      </a:endParaRPr>
+                    </a:p>
+                  </a:txBody>
+                  <a:tcPr/>
+                </a:tc>
+                <a:extLst>
+                  <a:ext uri="{0D108BD9-81ED-4DB2-BD59-A6C34878D82A}">
+                    <a16:rowId xmlns:a16="http://schemas.microsoft.com/office/drawing/2014/main" val="372776353"/>
+                  </a:ext>
+                </a:extLst>
+              </a:tr>
+              <a:tr h="376238">
+                <a:tc>
+                  <a:txBody>
+                    <a:bodyPr/>
+                    <a:lstStyle/>
+                    <a:p>
+                      <a:pPr latinLnBrk="1"/>
+                      <a:r>
+                        <a:rPr lang="en-US" altLang="ko-KR" sz="2800" b="1" kern="1200" spc="0" dirty="0" smtClean="0">
+                          <a:solidFill>
+                            <a:schemeClr val="tx1"/>
+                          </a:solidFill>
+                          <a:latin typeface="Arial"/>
+                          <a:ea typeface="+mj-ea"/>
+                          <a:cs typeface="Arial"/>
+                        </a:rPr>
+                        <a:t>GPU</a:t>
+                      </a:r>
+                      <a:endParaRPr lang="ko-KR" altLang="en-US" sz="2800" b="1" kern="1200" spc="0" dirty="0">
+                        <a:solidFill>
+                          <a:schemeClr val="tx1"/>
+                        </a:solidFill>
+                        <a:latin typeface="Arial"/>
+                        <a:ea typeface="+mj-ea"/>
+                        <a:cs typeface="Arial"/>
+                      </a:endParaRPr>
+                    </a:p>
+                  </a:txBody>
+                  <a:tcPr/>
+                </a:tc>
+                <a:tc>
+                  <a:txBody>
+                    <a:bodyPr/>
+                    <a:lstStyle/>
+                    <a:p>
+                      <a:pPr latinLnBrk="1"/>
+                      <a:r>
+                        <a:rPr lang="en-US" altLang="ko-KR" sz="2800" b="1" kern="1200" spc="0" dirty="0" smtClean="0">
+                          <a:solidFill>
+                            <a:schemeClr val="tx1"/>
+                          </a:solidFill>
+                          <a:latin typeface="Arial"/>
+                          <a:ea typeface="+mj-ea"/>
+                          <a:cs typeface="Arial"/>
+                        </a:rPr>
+                        <a:t>GeForce RTX 3090</a:t>
+                      </a:r>
+                      <a:endParaRPr lang="ko-KR" altLang="en-US" sz="2800" b="1" kern="1200" spc="0" dirty="0">
+                        <a:solidFill>
+                          <a:schemeClr val="tx1"/>
+                        </a:solidFill>
+                        <a:latin typeface="Arial"/>
+                        <a:ea typeface="+mj-ea"/>
+                        <a:cs typeface="Arial"/>
+                      </a:endParaRPr>
+                    </a:p>
+                  </a:txBody>
+                  <a:tcPr/>
+                </a:tc>
+                <a:extLst>
+                  <a:ext uri="{0D108BD9-81ED-4DB2-BD59-A6C34878D82A}">
+                    <a16:rowId xmlns:a16="http://schemas.microsoft.com/office/drawing/2014/main" val="2299266545"/>
+                  </a:ext>
+                </a:extLst>
+              </a:tr>
+              <a:tr h="376238">
+                <a:tc>
+                  <a:txBody>
+                    <a:bodyPr/>
+                    <a:lstStyle/>
+                    <a:p>
+                      <a:pPr latinLnBrk="1"/>
+                      <a:r>
+                        <a:rPr lang="en-US" altLang="ko-KR" sz="2800" b="1" kern="1200" spc="0" dirty="0" smtClean="0">
+                          <a:solidFill>
+                            <a:schemeClr val="tx1"/>
+                          </a:solidFill>
+                          <a:latin typeface="Arial"/>
+                          <a:ea typeface="+mj-ea"/>
+                          <a:cs typeface="Arial"/>
+                        </a:rPr>
+                        <a:t>CUDA</a:t>
+                      </a:r>
+                      <a:endParaRPr lang="ko-KR" altLang="en-US" sz="2800" b="1" kern="1200" spc="0" dirty="0">
+                        <a:solidFill>
+                          <a:schemeClr val="tx1"/>
+                        </a:solidFill>
+                        <a:latin typeface="Arial"/>
+                        <a:ea typeface="+mj-ea"/>
+                        <a:cs typeface="Arial"/>
+                      </a:endParaRPr>
+                    </a:p>
+                  </a:txBody>
+                  <a:tcPr/>
+                </a:tc>
+                <a:tc>
+                  <a:txBody>
+                    <a:bodyPr/>
+                    <a:lstStyle/>
+                    <a:p>
+                      <a:pPr latinLnBrk="1"/>
+                      <a:r>
+                        <a:rPr lang="en-US" altLang="ko-KR" sz="2800" b="1" kern="1200" spc="0" dirty="0" smtClean="0">
+                          <a:solidFill>
+                            <a:schemeClr val="tx1"/>
+                          </a:solidFill>
+                          <a:latin typeface="Arial"/>
+                          <a:ea typeface="+mj-ea"/>
+                          <a:cs typeface="Arial"/>
+                        </a:rPr>
+                        <a:t>11.2</a:t>
+                      </a:r>
+                      <a:endParaRPr lang="ko-KR" altLang="en-US" sz="2800" b="1" kern="1200" spc="0" dirty="0">
+                        <a:solidFill>
+                          <a:schemeClr val="tx1"/>
+                        </a:solidFill>
+                        <a:latin typeface="Arial"/>
+                        <a:ea typeface="+mj-ea"/>
+                        <a:cs typeface="Arial"/>
+                      </a:endParaRPr>
+                    </a:p>
+                  </a:txBody>
+                  <a:tcPr/>
+                </a:tc>
+                <a:extLst>
+                  <a:ext uri="{0D108BD9-81ED-4DB2-BD59-A6C34878D82A}">
+                    <a16:rowId xmlns:a16="http://schemas.microsoft.com/office/drawing/2014/main" val="3019954709"/>
+                  </a:ext>
+                </a:extLst>
+              </a:tr>
+              <a:tr h="376238">
+                <a:tc>
+                  <a:txBody>
+                    <a:bodyPr/>
+                    <a:lstStyle/>
+                    <a:p>
+                      <a:pPr latinLnBrk="1"/>
+                      <a:r>
+                        <a:rPr lang="en-US" altLang="ko-KR" sz="2800" b="1" kern="1200" spc="0" dirty="0" err="1" smtClean="0">
+                          <a:solidFill>
+                            <a:schemeClr val="tx1"/>
+                          </a:solidFill>
+                          <a:latin typeface="Arial"/>
+                          <a:ea typeface="+mj-ea"/>
+                          <a:cs typeface="Arial"/>
+                        </a:rPr>
+                        <a:t>cuDNN</a:t>
+                      </a:r>
+                      <a:endParaRPr lang="ko-KR" altLang="en-US" sz="2800" b="1" kern="1200" spc="0" dirty="0">
+                        <a:solidFill>
+                          <a:schemeClr val="tx1"/>
+                        </a:solidFill>
+                        <a:latin typeface="Arial"/>
+                        <a:ea typeface="+mj-ea"/>
+                        <a:cs typeface="Arial"/>
+                      </a:endParaRPr>
+                    </a:p>
+                  </a:txBody>
+                  <a:tcPr/>
+                </a:tc>
+                <a:tc>
+                  <a:txBody>
+                    <a:bodyPr/>
+                    <a:lstStyle/>
+                    <a:p>
+                      <a:pPr latinLnBrk="1"/>
+                      <a:r>
+                        <a:rPr lang="en-US" altLang="ko-KR" sz="2800" b="1" kern="1200" spc="0" dirty="0" smtClean="0">
+                          <a:solidFill>
+                            <a:schemeClr val="tx1"/>
+                          </a:solidFill>
+                          <a:latin typeface="Arial"/>
+                          <a:ea typeface="+mj-ea"/>
+                          <a:cs typeface="Arial"/>
+                        </a:rPr>
+                        <a:t>8.1</a:t>
+                      </a:r>
+                      <a:endParaRPr lang="ko-KR" altLang="en-US" sz="2800" b="1" kern="1200" spc="0" dirty="0">
+                        <a:solidFill>
+                          <a:schemeClr val="tx1"/>
+                        </a:solidFill>
+                        <a:latin typeface="Arial"/>
+                        <a:ea typeface="+mj-ea"/>
+                        <a:cs typeface="Arial"/>
+                      </a:endParaRPr>
+                    </a:p>
+                  </a:txBody>
+                  <a:tcPr/>
+                </a:tc>
+                <a:extLst>
+                  <a:ext uri="{0D108BD9-81ED-4DB2-BD59-A6C34878D82A}">
+                    <a16:rowId xmlns:a16="http://schemas.microsoft.com/office/drawing/2014/main" val="3575430832"/>
+                  </a:ext>
+                </a:extLst>
+              </a:tr>
+              <a:tr h="376238">
+                <a:tc>
+                  <a:txBody>
+                    <a:bodyPr/>
+                    <a:lstStyle/>
+                    <a:p>
+                      <a:pPr latinLnBrk="1"/>
+                      <a:r>
+                        <a:rPr lang="en-US" altLang="ko-KR" sz="2800" b="1" kern="1200" spc="0" dirty="0" err="1" smtClean="0">
+                          <a:solidFill>
+                            <a:schemeClr val="tx1"/>
+                          </a:solidFill>
+                          <a:latin typeface="Arial"/>
+                          <a:ea typeface="+mj-ea"/>
+                          <a:cs typeface="Arial"/>
+                        </a:rPr>
+                        <a:t>Tensorflow</a:t>
+                      </a:r>
+                      <a:endParaRPr lang="ko-KR" altLang="en-US" sz="2800" b="1" kern="1200" spc="0" dirty="0">
+                        <a:solidFill>
+                          <a:schemeClr val="tx1"/>
+                        </a:solidFill>
+                        <a:latin typeface="Arial"/>
+                        <a:ea typeface="+mj-ea"/>
+                        <a:cs typeface="Arial"/>
+                      </a:endParaRPr>
+                    </a:p>
+                  </a:txBody>
+                  <a:tcPr/>
+                </a:tc>
+                <a:tc>
+                  <a:txBody>
+                    <a:bodyPr/>
+                    <a:lstStyle/>
+                    <a:p>
+                      <a:pPr latinLnBrk="1"/>
+                      <a:r>
+                        <a:rPr lang="en-US" altLang="ko-KR" sz="2800" b="1" kern="1200" spc="0" dirty="0" smtClean="0">
+                          <a:solidFill>
+                            <a:schemeClr val="tx1"/>
+                          </a:solidFill>
+                          <a:latin typeface="Arial"/>
+                          <a:ea typeface="+mj-ea"/>
+                          <a:cs typeface="Arial"/>
+                        </a:rPr>
+                        <a:t>2.6.0</a:t>
+                      </a:r>
+                      <a:endParaRPr lang="ko-KR" altLang="en-US" sz="2800" b="1" kern="1200" spc="0" dirty="0">
+                        <a:solidFill>
+                          <a:schemeClr val="tx1"/>
+                        </a:solidFill>
+                        <a:latin typeface="Arial"/>
+                        <a:ea typeface="+mj-ea"/>
+                        <a:cs typeface="Arial"/>
+                      </a:endParaRPr>
+                    </a:p>
+                  </a:txBody>
+                  <a:tcPr/>
+                </a:tc>
+                <a:extLst>
+                  <a:ext uri="{0D108BD9-81ED-4DB2-BD59-A6C34878D82A}">
+                    <a16:rowId xmlns:a16="http://schemas.microsoft.com/office/drawing/2014/main" val="2255358178"/>
+                  </a:ext>
+                </a:extLst>
+              </a:tr>
+              <a:tr h="376238">
+                <a:tc>
+                  <a:txBody>
+                    <a:bodyPr/>
+                    <a:lstStyle/>
+                    <a:p>
+                      <a:pPr latinLnBrk="1"/>
+                      <a:r>
+                        <a:rPr lang="en-US" altLang="ko-KR" sz="2800" b="1" kern="1200" spc="0" dirty="0" err="1" smtClean="0">
+                          <a:solidFill>
+                            <a:schemeClr val="tx1"/>
+                          </a:solidFill>
+                          <a:latin typeface="Arial"/>
+                          <a:ea typeface="+mj-ea"/>
+                          <a:cs typeface="Arial"/>
+                        </a:rPr>
+                        <a:t>Tensorflow-gpu</a:t>
+                      </a:r>
+                      <a:endParaRPr lang="ko-KR" altLang="en-US" sz="2800" b="1" kern="1200" spc="0" dirty="0">
+                        <a:solidFill>
+                          <a:schemeClr val="tx1"/>
+                        </a:solidFill>
+                        <a:latin typeface="Arial"/>
+                        <a:ea typeface="+mj-ea"/>
+                        <a:cs typeface="Arial"/>
+                      </a:endParaRPr>
+                    </a:p>
+                  </a:txBody>
+                  <a:tcPr/>
+                </a:tc>
+                <a:tc>
+                  <a:txBody>
+                    <a:bodyPr/>
+                    <a:lstStyle/>
+                    <a:p>
+                      <a:pPr latinLnBrk="1"/>
+                      <a:r>
+                        <a:rPr lang="en-US" altLang="ko-KR" sz="2800" b="1" kern="1200" spc="0" dirty="0" smtClean="0">
+                          <a:solidFill>
+                            <a:schemeClr val="tx1"/>
+                          </a:solidFill>
+                          <a:latin typeface="Arial"/>
+                          <a:ea typeface="+mj-ea"/>
+                          <a:cs typeface="Arial"/>
+                        </a:rPr>
+                        <a:t>2.6.0</a:t>
+                      </a:r>
+                      <a:endParaRPr lang="ko-KR" altLang="en-US" sz="2800" b="1" kern="1200" spc="0" dirty="0">
+                        <a:solidFill>
+                          <a:schemeClr val="tx1"/>
+                        </a:solidFill>
+                        <a:latin typeface="Arial"/>
+                        <a:ea typeface="+mj-ea"/>
+                        <a:cs typeface="Arial"/>
+                      </a:endParaRPr>
+                    </a:p>
+                  </a:txBody>
+                  <a:tcPr/>
+                </a:tc>
+                <a:extLst>
+                  <a:ext uri="{0D108BD9-81ED-4DB2-BD59-A6C34878D82A}">
+                    <a16:rowId xmlns:a16="http://schemas.microsoft.com/office/drawing/2014/main" val="1863487432"/>
+                  </a:ext>
+                </a:extLst>
+              </a:tr>
+              <a:tr h="376238">
+                <a:tc>
+                  <a:txBody>
+                    <a:bodyPr/>
+                    <a:lstStyle/>
+                    <a:p>
+                      <a:pPr latinLnBrk="1"/>
+                      <a:r>
+                        <a:rPr lang="en-US" altLang="ko-KR" sz="2800" b="1" kern="1200" spc="0" dirty="0" err="1" smtClean="0">
+                          <a:solidFill>
+                            <a:schemeClr val="tx1"/>
+                          </a:solidFill>
+                          <a:latin typeface="Arial"/>
+                          <a:ea typeface="+mj-ea"/>
+                          <a:cs typeface="Arial"/>
+                        </a:rPr>
+                        <a:t>Numpy</a:t>
+                      </a:r>
+                      <a:endParaRPr lang="ko-KR" altLang="en-US" sz="2800" b="1" kern="1200" spc="0" dirty="0">
+                        <a:solidFill>
+                          <a:schemeClr val="tx1"/>
+                        </a:solidFill>
+                        <a:latin typeface="Arial"/>
+                        <a:ea typeface="+mj-ea"/>
+                        <a:cs typeface="Arial"/>
+                      </a:endParaRPr>
+                    </a:p>
+                  </a:txBody>
+                  <a:tcPr/>
+                </a:tc>
+                <a:tc>
+                  <a:txBody>
+                    <a:bodyPr/>
+                    <a:lstStyle/>
+                    <a:p>
+                      <a:pPr latinLnBrk="1"/>
+                      <a:r>
+                        <a:rPr lang="en-US" altLang="ko-KR" sz="2800" b="1" kern="1200" spc="0" dirty="0" smtClean="0">
+                          <a:solidFill>
+                            <a:schemeClr val="tx1"/>
+                          </a:solidFill>
+                          <a:latin typeface="Arial"/>
+                          <a:ea typeface="+mj-ea"/>
+                          <a:cs typeface="Arial"/>
+                        </a:rPr>
+                        <a:t>1.19.5</a:t>
+                      </a:r>
+                      <a:endParaRPr lang="ko-KR" altLang="en-US" sz="2800" b="1" kern="1200" spc="0" dirty="0">
+                        <a:solidFill>
+                          <a:schemeClr val="tx1"/>
+                        </a:solidFill>
+                        <a:latin typeface="Arial"/>
+                        <a:ea typeface="+mj-ea"/>
+                        <a:cs typeface="Arial"/>
+                      </a:endParaRPr>
+                    </a:p>
+                  </a:txBody>
+                  <a:tcPr/>
+                </a:tc>
+                <a:extLst>
+                  <a:ext uri="{0D108BD9-81ED-4DB2-BD59-A6C34878D82A}">
+                    <a16:rowId xmlns:a16="http://schemas.microsoft.com/office/drawing/2014/main" val="1065156233"/>
+                  </a:ext>
+                </a:extLst>
+              </a:tr>
+              <a:tr h="376238">
+                <a:tc>
+                  <a:txBody>
+                    <a:bodyPr/>
+                    <a:lstStyle/>
+                    <a:p>
+                      <a:pPr latinLnBrk="1"/>
+                      <a:r>
+                        <a:rPr lang="en-US" altLang="ko-KR" sz="2800" b="1" kern="1200" spc="0" dirty="0" err="1" smtClean="0">
+                          <a:solidFill>
+                            <a:schemeClr val="tx1"/>
+                          </a:solidFill>
+                          <a:latin typeface="Arial"/>
+                          <a:ea typeface="+mj-ea"/>
+                          <a:cs typeface="Arial"/>
+                        </a:rPr>
+                        <a:t>Keras</a:t>
+                      </a:r>
+                      <a:endParaRPr lang="ko-KR" altLang="en-US" sz="2800" b="1" kern="1200" spc="0" dirty="0">
+                        <a:solidFill>
+                          <a:schemeClr val="tx1"/>
+                        </a:solidFill>
+                        <a:latin typeface="Arial"/>
+                        <a:ea typeface="+mj-ea"/>
+                        <a:cs typeface="Arial"/>
+                      </a:endParaRPr>
+                    </a:p>
+                  </a:txBody>
+                  <a:tcPr/>
+                </a:tc>
+                <a:tc>
+                  <a:txBody>
+                    <a:bodyPr/>
+                    <a:lstStyle/>
+                    <a:p>
+                      <a:pPr latinLnBrk="1"/>
+                      <a:r>
+                        <a:rPr lang="en-US" altLang="ko-KR" sz="2800" b="1" kern="1200" spc="0" dirty="0" smtClean="0">
+                          <a:solidFill>
+                            <a:schemeClr val="tx1"/>
+                          </a:solidFill>
+                          <a:latin typeface="Arial"/>
+                          <a:ea typeface="+mj-ea"/>
+                          <a:cs typeface="Arial"/>
+                        </a:rPr>
+                        <a:t>2.6.0</a:t>
+                      </a:r>
+                      <a:endParaRPr lang="en-US" altLang="ko-KR" sz="2800" b="1" kern="1200" spc="0" dirty="0">
+                        <a:solidFill>
+                          <a:schemeClr val="tx1"/>
+                        </a:solidFill>
+                        <a:latin typeface="Arial"/>
+                        <a:ea typeface="+mj-ea"/>
+                        <a:cs typeface="Arial"/>
+                      </a:endParaRPr>
+                    </a:p>
+                  </a:txBody>
+                  <a:tcPr/>
+                </a:tc>
+                <a:extLst>
+                  <a:ext uri="{0D108BD9-81ED-4DB2-BD59-A6C34878D82A}">
+                    <a16:rowId xmlns:a16="http://schemas.microsoft.com/office/drawing/2014/main" val="1339183819"/>
+                  </a:ext>
+                </a:extLst>
+              </a:tr>
+              <a:tr h="376238">
+                <a:tc>
+                  <a:txBody>
+                    <a:bodyPr/>
+                    <a:lstStyle/>
+                    <a:p>
+                      <a:pPr latinLnBrk="1"/>
+                      <a:r>
+                        <a:rPr lang="en-US" altLang="ko-KR" sz="2800" b="1" kern="1200" spc="0" dirty="0" err="1" smtClean="0">
+                          <a:solidFill>
+                            <a:schemeClr val="tx1"/>
+                          </a:solidFill>
+                          <a:latin typeface="Arial"/>
+                          <a:ea typeface="+mj-ea"/>
+                          <a:cs typeface="Arial"/>
+                        </a:rPr>
+                        <a:t>Keras_preprocessing</a:t>
+                      </a:r>
+                      <a:endParaRPr lang="ko-KR" altLang="en-US" sz="2800" b="1" kern="1200" spc="0" dirty="0">
+                        <a:solidFill>
+                          <a:schemeClr val="tx1"/>
+                        </a:solidFill>
+                        <a:latin typeface="Arial"/>
+                        <a:ea typeface="+mj-ea"/>
+                        <a:cs typeface="Arial"/>
+                      </a:endParaRPr>
+                    </a:p>
+                  </a:txBody>
+                  <a:tcPr/>
+                </a:tc>
+                <a:tc>
+                  <a:txBody>
+                    <a:bodyPr/>
+                    <a:lstStyle/>
+                    <a:p>
+                      <a:pPr latinLnBrk="1"/>
+                      <a:r>
+                        <a:rPr lang="en-US" altLang="ko-KR" sz="2800" b="1" kern="1200" spc="0" dirty="0" smtClean="0">
+                          <a:solidFill>
+                            <a:schemeClr val="tx1"/>
+                          </a:solidFill>
+                          <a:latin typeface="Arial"/>
+                          <a:ea typeface="+mj-ea"/>
+                          <a:cs typeface="Arial"/>
+                        </a:rPr>
+                        <a:t>1.1.2</a:t>
+                      </a:r>
+                      <a:endParaRPr lang="en-US" altLang="ko-KR" sz="2800" b="1" kern="1200" spc="0" dirty="0">
+                        <a:solidFill>
+                          <a:schemeClr val="tx1"/>
+                        </a:solidFill>
+                        <a:latin typeface="Arial"/>
+                        <a:ea typeface="+mj-ea"/>
+                        <a:cs typeface="Arial"/>
+                      </a:endParaRPr>
+                    </a:p>
+                  </a:txBody>
+                  <a:tcPr/>
+                </a:tc>
+                <a:extLst>
+                  <a:ext uri="{0D108BD9-81ED-4DB2-BD59-A6C34878D82A}">
+                    <a16:rowId xmlns:a16="http://schemas.microsoft.com/office/drawing/2014/main" val="798727153"/>
+                  </a:ext>
+                </a:extLst>
+              </a:tr>
+            </a:tbl>
+          </a:graphicData>
+        </a:graphic>
+      </p:graphicFrame>
     </p:spTree>
-    <p:extLst>
-      <p:ext uri="{BB962C8B-B14F-4D97-AF65-F5344CB8AC3E}">
-        <p14:creationId xmlns:p14="http://schemas.microsoft.com/office/powerpoint/2010/main" val="2056664691"/>
-      </p:ext>
-    </p:extLst>
   </p:cSld>
   <p:clrMapOvr>
     <a:masterClrMapping/>
@@ -6135,7 +7360,7 @@
         <p:spPr>
           <a:xfrm>
             <a:off x="1019728" y="1962721"/>
-            <a:ext cx="18328722" cy="3403817"/>
+            <a:ext cx="18328722" cy="682238"/>
           </a:xfrm>
           <a:prstGeom prst="rect">
             <a:avLst/>
@@ -6157,423 +7382,48 @@
               <a:defRPr/>
             </a:pPr>
             <a:r>
-              <a:rPr sz="4350" b="1" spc="-325" dirty="0" err="1">
+              <a:rPr lang="en-US" altLang="ko-KR" sz="4350" b="1" spc="-325" dirty="0" smtClean="0">
                 <a:latin typeface="나눔고딕OTF ExtraBold"/>
-                <a:cs typeface="나눔고딕OTF ExtraBold"/>
-              </a:rPr>
-              <a:t>기존</a:t>
-            </a:r>
-            <a:r>
-              <a:rPr sz="4350" b="1" spc="-10" dirty="0">
+                <a:cs typeface="Arial"/>
+              </a:rPr>
+              <a:t>Feature </a:t>
+            </a:r>
+            <a:r>
+              <a:rPr lang="en-US" sz="4350" b="1" spc="-325" dirty="0" smtClean="0">
                 <a:latin typeface="나눔고딕OTF ExtraBold"/>
-                <a:cs typeface="나눔고딕OTF ExtraBold"/>
+                <a:cs typeface="Arial"/>
+              </a:rPr>
+              <a:t>Layer </a:t>
+            </a:r>
+            <a:r>
+              <a:rPr lang="ko-KR" altLang="en-US" sz="4350" b="1" spc="-325" dirty="0" smtClean="0">
+                <a:latin typeface="나눔고딕OTF ExtraBold"/>
+                <a:cs typeface="Arial"/>
+              </a:rPr>
+              <a:t>추가를</a:t>
+            </a:r>
+            <a:r>
+              <a:rPr lang="en-US" altLang="ko-KR" sz="4350" b="1" spc="-325" dirty="0" smtClean="0">
+                <a:latin typeface="나눔고딕OTF ExtraBold"/>
+                <a:cs typeface="Arial"/>
               </a:rPr>
               <a:t> </a:t>
             </a:r>
             <a:r>
-              <a:rPr sz="4350" b="1" spc="60" dirty="0">
-                <a:latin typeface="Arial"/>
-                <a:ea typeface="+mj-ea"/>
+              <a:rPr lang="ko-KR" altLang="en-US" sz="4350" b="1" spc="-325" dirty="0" smtClean="0">
+                <a:latin typeface="나눔고딕OTF ExtraBold"/>
                 <a:cs typeface="Arial"/>
               </a:rPr>
-              <a:t>Image</a:t>
-            </a:r>
-            <a:r>
-              <a:rPr sz="4350" b="1" dirty="0">
-                <a:latin typeface="Arial"/>
-                <a:ea typeface="+mj-ea"/>
+              <a:t>통한 특징 </a:t>
+            </a:r>
+            <a:r>
+              <a:rPr lang="ko-KR" altLang="en-US" sz="4350" b="1" spc="-325" dirty="0" smtClean="0">
+                <a:latin typeface="나눔고딕OTF ExtraBold"/>
                 <a:cs typeface="Arial"/>
               </a:rPr>
-              <a:t> </a:t>
-            </a:r>
-            <a:r>
-              <a:rPr sz="4350" b="1" spc="-10" dirty="0">
-                <a:latin typeface="Arial"/>
-                <a:ea typeface="+mj-ea"/>
-                <a:cs typeface="Arial"/>
-              </a:rPr>
-              <a:t>Classification</a:t>
-            </a:r>
-            <a:r>
-              <a:rPr sz="4350" b="1" dirty="0">
-                <a:latin typeface="Arial"/>
-                <a:ea typeface="+mj-ea"/>
-                <a:cs typeface="Arial"/>
-              </a:rPr>
-              <a:t> </a:t>
-            </a:r>
-            <a:r>
-              <a:rPr sz="4350" b="1" spc="-85" dirty="0" err="1">
-                <a:latin typeface="Arial"/>
-                <a:ea typeface="+mj-ea"/>
-                <a:cs typeface="Arial"/>
-              </a:rPr>
-              <a:t>model</a:t>
-            </a:r>
-            <a:r>
-              <a:rPr sz="4350" b="1" spc="-85" dirty="0" err="1">
-                <a:latin typeface="나눔고딕OTF ExtraBold"/>
-                <a:cs typeface="나눔고딕OTF ExtraBold"/>
-              </a:rPr>
-              <a:t>들을</a:t>
-            </a:r>
-            <a:r>
-              <a:rPr sz="4350" b="1" spc="-10" dirty="0">
-                <a:latin typeface="나눔고딕OTF ExtraBold"/>
-                <a:cs typeface="나눔고딕OTF ExtraBold"/>
-              </a:rPr>
-              <a:t> </a:t>
-            </a:r>
-            <a:r>
-              <a:rPr sz="4350" b="1" spc="-270" dirty="0" err="1">
-                <a:latin typeface="나눔고딕OTF ExtraBold"/>
-                <a:cs typeface="나눔고딕OTF ExtraBold"/>
-              </a:rPr>
-              <a:t>사용해보자</a:t>
-            </a:r>
-            <a:r>
-              <a:rPr sz="4350" b="1" spc="-270" dirty="0">
-                <a:latin typeface="Arial"/>
-                <a:ea typeface="+mj-ea"/>
-                <a:cs typeface="Arial"/>
-              </a:rPr>
-              <a:t>.</a:t>
-            </a:r>
-          </a:p>
-          <a:p>
-            <a:pPr marL="459105" indent="-443230">
-              <a:lnSpc>
-                <a:spcPct val="100000"/>
-              </a:lnSpc>
-              <a:spcBef>
-                <a:spcPts val="4660"/>
-              </a:spcBef>
-              <a:buSzPct val="123000"/>
-              <a:buChar char="•"/>
-              <a:tabLst>
-                <a:tab pos="459105" algn="l"/>
-                <a:tab pos="459740" algn="l"/>
-              </a:tabLst>
-              <a:defRPr/>
-            </a:pPr>
-            <a:r>
-              <a:rPr lang="ko-KR" altLang="en-US" sz="3600" spc="-405" dirty="0">
-                <a:latin typeface="Arial"/>
-                <a:ea typeface="+mj-ea"/>
-                <a:cs typeface="Arial"/>
-              </a:rPr>
-              <a:t>학습 데이터</a:t>
-            </a:r>
-            <a:r>
-              <a:rPr sz="3600" spc="-405" dirty="0">
-                <a:latin typeface="Arial"/>
-                <a:ea typeface="+mj-ea"/>
-                <a:cs typeface="Arial"/>
-              </a:rPr>
-              <a:t> 2048개 &gt; </a:t>
-            </a:r>
-            <a:r>
-              <a:rPr sz="3600" spc="-405" dirty="0" err="1">
-                <a:latin typeface="Arial"/>
-                <a:ea typeface="+mj-ea"/>
-                <a:cs typeface="Arial"/>
-              </a:rPr>
-              <a:t>학습</a:t>
-            </a:r>
-            <a:r>
-              <a:rPr lang="en-US" sz="3600" spc="-405" dirty="0">
-                <a:latin typeface="Arial"/>
-                <a:ea typeface="+mj-ea"/>
-                <a:cs typeface="Arial"/>
-              </a:rPr>
-              <a:t> </a:t>
-            </a:r>
-            <a:r>
-              <a:rPr lang="ko-KR" altLang="en-US" sz="3600" spc="-405" dirty="0">
-                <a:latin typeface="Arial"/>
-                <a:ea typeface="+mj-ea"/>
-                <a:cs typeface="Arial"/>
-              </a:rPr>
-              <a:t>이미지</a:t>
-            </a:r>
-            <a:r>
-              <a:rPr sz="3600" spc="-405" dirty="0">
-                <a:latin typeface="Arial"/>
-                <a:ea typeface="+mj-ea"/>
-                <a:cs typeface="Arial"/>
-              </a:rPr>
-              <a:t>(1642개), </a:t>
-            </a:r>
-            <a:r>
-              <a:rPr sz="3600" spc="-405" dirty="0" err="1">
-                <a:latin typeface="Arial"/>
-                <a:ea typeface="+mj-ea"/>
-                <a:cs typeface="Arial"/>
-              </a:rPr>
-              <a:t>검증</a:t>
-            </a:r>
-            <a:r>
-              <a:rPr lang="en-US" sz="3600" spc="-405" dirty="0">
-                <a:latin typeface="Arial"/>
-                <a:ea typeface="+mj-ea"/>
-                <a:cs typeface="Arial"/>
-              </a:rPr>
-              <a:t> </a:t>
-            </a:r>
-            <a:r>
-              <a:rPr lang="ko-KR" altLang="en-US" sz="3600" spc="-405" dirty="0">
-                <a:latin typeface="Arial"/>
-                <a:ea typeface="+mj-ea"/>
-                <a:cs typeface="Arial"/>
-              </a:rPr>
-              <a:t>이미지</a:t>
-            </a:r>
-            <a:r>
-              <a:rPr sz="3600" spc="-405" dirty="0">
-                <a:latin typeface="Arial"/>
-                <a:ea typeface="+mj-ea"/>
-                <a:cs typeface="Arial"/>
-              </a:rPr>
-              <a:t>(406개)로 </a:t>
-            </a:r>
-            <a:r>
-              <a:rPr sz="3600" spc="-405" dirty="0" err="1">
-                <a:latin typeface="Arial"/>
-                <a:ea typeface="+mj-ea"/>
-                <a:cs typeface="Arial"/>
-              </a:rPr>
-              <a:t>나누어</a:t>
-            </a:r>
-            <a:r>
-              <a:rPr sz="3600" spc="-405" dirty="0">
-                <a:latin typeface="Arial"/>
-                <a:ea typeface="+mj-ea"/>
-                <a:cs typeface="Arial"/>
-              </a:rPr>
-              <a:t> </a:t>
-            </a:r>
-            <a:r>
-              <a:rPr sz="3600" spc="-405" dirty="0" err="1">
-                <a:latin typeface="Arial"/>
-                <a:ea typeface="+mj-ea"/>
-                <a:cs typeface="Arial"/>
-              </a:rPr>
-              <a:t>학습</a:t>
-            </a:r>
-            <a:endParaRPr sz="3600" spc="-405" dirty="0">
-              <a:latin typeface="Arial"/>
-              <a:ea typeface="+mj-ea"/>
-              <a:cs typeface="Arial"/>
-            </a:endParaRPr>
-          </a:p>
-          <a:p>
-            <a:pPr marL="459105" marR="1131570" indent="-442595">
-              <a:lnSpc>
-                <a:spcPct val="106900"/>
-              </a:lnSpc>
-              <a:spcBef>
-                <a:spcPts val="3265"/>
-              </a:spcBef>
-              <a:buSzPct val="123000"/>
-              <a:buChar char="•"/>
-              <a:tabLst>
-                <a:tab pos="459105" algn="l"/>
-                <a:tab pos="459740" algn="l"/>
-              </a:tabLst>
-              <a:defRPr/>
-            </a:pPr>
-            <a:r>
-              <a:rPr lang="ko-KR" altLang="en-US" sz="3600" spc="-405" dirty="0">
-                <a:latin typeface="Arial"/>
-                <a:ea typeface="+mj-ea"/>
-                <a:cs typeface="Arial"/>
-              </a:rPr>
-              <a:t>테스트 데이터</a:t>
-            </a:r>
-            <a:r>
-              <a:rPr sz="3600" spc="-405" dirty="0">
-                <a:latin typeface="Arial"/>
-                <a:ea typeface="+mj-ea"/>
-                <a:cs typeface="Arial"/>
-              </a:rPr>
-              <a:t> </a:t>
-            </a:r>
-            <a:r>
-              <a:rPr lang="ko-KR" altLang="en-US" sz="3600" spc="-405" dirty="0">
-                <a:latin typeface="Arial"/>
-                <a:ea typeface="+mj-ea"/>
-                <a:cs typeface="Arial"/>
-              </a:rPr>
-              <a:t>예측하기 위한 학습 데이터</a:t>
-            </a:r>
-            <a:r>
-              <a:rPr sz="3600" spc="-405" dirty="0">
-                <a:latin typeface="Arial"/>
-                <a:ea typeface="+mj-ea"/>
-                <a:cs typeface="Arial"/>
-              </a:rPr>
-              <a:t> </a:t>
-            </a:r>
-            <a:r>
-              <a:rPr sz="3600" spc="-405" dirty="0" err="1">
-                <a:latin typeface="Arial"/>
-                <a:ea typeface="+mj-ea"/>
-                <a:cs typeface="Arial"/>
-              </a:rPr>
-              <a:t>부족을</a:t>
-            </a:r>
-            <a:r>
-              <a:rPr sz="3600" spc="-405" dirty="0">
-                <a:latin typeface="Arial"/>
-                <a:ea typeface="+mj-ea"/>
-                <a:cs typeface="Arial"/>
-              </a:rPr>
-              <a:t> </a:t>
-            </a:r>
-            <a:r>
-              <a:rPr sz="3600" spc="-405" dirty="0" err="1">
-                <a:latin typeface="Arial"/>
-                <a:ea typeface="+mj-ea"/>
-                <a:cs typeface="Arial"/>
-              </a:rPr>
-              <a:t>해결하기</a:t>
-            </a:r>
-            <a:r>
-              <a:rPr sz="3600" spc="-405" dirty="0">
-                <a:latin typeface="Arial"/>
-                <a:ea typeface="+mj-ea"/>
-                <a:cs typeface="Arial"/>
-              </a:rPr>
-              <a:t> </a:t>
-            </a:r>
-            <a:r>
-              <a:rPr sz="3600" spc="-405" dirty="0" err="1">
-                <a:latin typeface="Arial"/>
-                <a:ea typeface="+mj-ea"/>
-                <a:cs typeface="Arial"/>
-              </a:rPr>
-              <a:t>위해서</a:t>
-            </a:r>
-            <a:r>
-              <a:rPr sz="3600" spc="-405" dirty="0">
-                <a:latin typeface="Arial"/>
-                <a:ea typeface="+mj-ea"/>
-                <a:cs typeface="Arial"/>
-              </a:rPr>
-              <a:t> </a:t>
-            </a:r>
-            <a:r>
-              <a:rPr lang="ko-KR" altLang="en-US" sz="3600" spc="-405" dirty="0">
-                <a:latin typeface="Arial"/>
-                <a:ea typeface="+mj-ea"/>
-                <a:cs typeface="Arial"/>
-              </a:rPr>
-              <a:t>데이터 증강</a:t>
-            </a:r>
-            <a:r>
-              <a:rPr sz="3600" spc="-405" dirty="0">
-                <a:latin typeface="Arial"/>
-                <a:ea typeface="+mj-ea"/>
-                <a:cs typeface="Arial"/>
-              </a:rPr>
-              <a:t>을  </a:t>
-            </a:r>
-            <a:r>
-              <a:rPr sz="3600" spc="-405" dirty="0" err="1">
-                <a:latin typeface="Arial"/>
-                <a:ea typeface="+mj-ea"/>
-                <a:cs typeface="Arial"/>
-              </a:rPr>
-              <a:t>진행</a:t>
-            </a:r>
-            <a:r>
-              <a:rPr lang="en-US" altLang="ko-KR" sz="3600" spc="-405" dirty="0">
-                <a:latin typeface="Arial"/>
-                <a:ea typeface="+mj-ea"/>
-                <a:cs typeface="Arial"/>
-              </a:rPr>
-              <a:t>,</a:t>
-            </a:r>
-            <a:r>
-              <a:rPr sz="3600" spc="-405" dirty="0">
-                <a:latin typeface="Arial"/>
-                <a:ea typeface="+mj-ea"/>
-                <a:cs typeface="Arial"/>
-              </a:rPr>
-              <a:t> </a:t>
-            </a:r>
-            <a:r>
-              <a:rPr lang="en-US" sz="3600" spc="-405" dirty="0">
-                <a:latin typeface="Arial"/>
-                <a:ea typeface="+mj-ea"/>
-                <a:cs typeface="Arial"/>
-              </a:rPr>
-              <a:t/>
-            </a:r>
-            <a:br>
-              <a:rPr lang="en-US" sz="3600" spc="-405" dirty="0">
-                <a:latin typeface="Arial"/>
-                <a:ea typeface="+mj-ea"/>
-                <a:cs typeface="Arial"/>
-              </a:rPr>
-            </a:br>
-            <a:r>
-              <a:rPr sz="3600" spc="-405" dirty="0" err="1">
-                <a:latin typeface="Arial"/>
-                <a:ea typeface="+mj-ea"/>
-                <a:cs typeface="Arial"/>
-              </a:rPr>
-              <a:t>학습에는</a:t>
-            </a:r>
-            <a:r>
-              <a:rPr sz="3600" spc="-405" dirty="0">
-                <a:latin typeface="Arial"/>
-                <a:ea typeface="+mj-ea"/>
-                <a:cs typeface="Arial"/>
-              </a:rPr>
-              <a:t>  </a:t>
-            </a:r>
-            <a:r>
-              <a:rPr lang="ko-KR" altLang="en-US" sz="3600" spc="-405" dirty="0">
-                <a:latin typeface="Arial"/>
-                <a:ea typeface="+mj-ea"/>
-                <a:cs typeface="Arial"/>
-              </a:rPr>
-              <a:t>학습 이미지</a:t>
-            </a:r>
-            <a:r>
-              <a:rPr sz="3600" spc="-405" dirty="0">
-                <a:latin typeface="Arial"/>
-                <a:ea typeface="+mj-ea"/>
-                <a:cs typeface="Arial"/>
-              </a:rPr>
-              <a:t> = 52544, </a:t>
-            </a:r>
-            <a:r>
-              <a:rPr lang="ko-KR" altLang="en-US" sz="3600" spc="-405" dirty="0">
-                <a:latin typeface="Arial"/>
-                <a:ea typeface="+mj-ea"/>
-                <a:cs typeface="Arial"/>
-              </a:rPr>
-              <a:t>검증 이미지</a:t>
-            </a:r>
-            <a:r>
-              <a:rPr sz="3600" spc="-405" dirty="0">
-                <a:latin typeface="Arial"/>
-                <a:ea typeface="+mj-ea"/>
-                <a:cs typeface="Arial"/>
-              </a:rPr>
-              <a:t> = 12992가 </a:t>
-            </a:r>
-            <a:r>
-              <a:rPr sz="3600" spc="-405" dirty="0" err="1">
-                <a:latin typeface="Arial"/>
-                <a:ea typeface="+mj-ea"/>
-                <a:cs typeface="Arial"/>
-              </a:rPr>
-              <a:t>사용</a:t>
-            </a:r>
-            <a:endParaRPr sz="3600" spc="-405" dirty="0">
+              <a:t>응집</a:t>
+            </a:r>
+            <a:endParaRPr sz="4350" b="1" spc="-270" dirty="0">
               <a:latin typeface="Arial"/>
               <a:ea typeface="+mj-ea"/>
               <a:cs typeface="Arial"/>
@@ -6603,538 +7453,6 @@
           </a:prstGeom>
         </p:spPr>
       </p:pic>
-      <p:graphicFrame>
-        <p:nvGraphicFramePr>
-          <p:cNvPr id="5" name="표 5">
-            <a:extLst>
-              <a:ext uri="{FF2B5EF4-FFF2-40B4-BE49-F238E27FC236}">
-                <a16:creationId xmlns:a16="http://schemas.microsoft.com/office/drawing/2014/main" id="{28F3E9E8-F7EB-48E4-A824-E8CDD27A963F}"/>
-              </a:ext>
-            </a:extLst>
-          </p:cNvPr>
-          <p:cNvGraphicFramePr>
-            <a:graphicFrameLocks noGrp="1"/>
-          </p:cNvGraphicFramePr>
-          <p:nvPr>
-            <p:extLst>
-              <p:ext uri="{D42A27DB-BD31-4B8C-83A1-F6EECF244321}">
-                <p14:modId xmlns:p14="http://schemas.microsoft.com/office/powerpoint/2010/main" val="844381203"/>
-              </p:ext>
-            </p:extLst>
-          </p:nvPr>
-        </p:nvGraphicFramePr>
-        <p:xfrm>
-          <a:off x="1611588" y="6035675"/>
-          <a:ext cx="7951916" cy="2743200"/>
-        </p:xfrm>
-        <a:graphic>
-          <a:graphicData uri="http://schemas.openxmlformats.org/drawingml/2006/table">
-            <a:tbl>
-              <a:tblPr firstRow="1" bandRow="1">
-                <a:tableStyleId>{5940675A-B579-460E-94D1-54222C63F5DA}</a:tableStyleId>
-              </a:tblPr>
-              <a:tblGrid>
-                <a:gridCol w="3975958">
-                  <a:extLst>
-                    <a:ext uri="{9D8B030D-6E8A-4147-A177-3AD203B41FA5}">
-                      <a16:colId xmlns:a16="http://schemas.microsoft.com/office/drawing/2014/main" val="1008403007"/>
-                    </a:ext>
-                  </a:extLst>
-                </a:gridCol>
-                <a:gridCol w="3975958">
-                  <a:extLst>
-                    <a:ext uri="{9D8B030D-6E8A-4147-A177-3AD203B41FA5}">
-                      <a16:colId xmlns:a16="http://schemas.microsoft.com/office/drawing/2014/main" val="47198248"/>
-                    </a:ext>
-                  </a:extLst>
-                </a:gridCol>
-              </a:tblGrid>
-              <a:tr h="370840">
-                <a:tc gridSpan="2">
-                  <a:txBody>
-                    <a:bodyPr/>
-                    <a:lstStyle/>
-                    <a:p>
-                      <a:pPr algn="ctr" latinLnBrk="1"/>
-                      <a:r>
-                        <a:rPr lang="en-US" altLang="ko-KR" sz="2400" kern="1200" spc="0" dirty="0">
-                          <a:solidFill>
-                            <a:schemeClr val="tx1"/>
-                          </a:solidFill>
-                          <a:latin typeface="Arial"/>
-                          <a:ea typeface="+mj-ea"/>
-                          <a:cs typeface="Arial"/>
-                        </a:rPr>
-                        <a:t>Hyperparameter</a:t>
-                      </a:r>
-                      <a:endParaRPr lang="ko-KR" altLang="en-US" sz="2400" kern="1200" spc="0" dirty="0">
-                        <a:solidFill>
-                          <a:schemeClr val="tx1"/>
-                        </a:solidFill>
-                        <a:latin typeface="Arial"/>
-                        <a:ea typeface="+mj-ea"/>
-                        <a:cs typeface="Arial"/>
-                      </a:endParaRPr>
-                    </a:p>
-                  </a:txBody>
-                  <a:tcPr/>
-                </a:tc>
-                <a:tc hMerge="1">
-                  <a:txBody>
-                    <a:bodyPr/>
-                    <a:lstStyle/>
-                    <a:p>
-                      <a:pPr latinLnBrk="1"/>
-                      <a:endParaRPr lang="ko-KR" altLang="en-US" dirty="0"/>
-                    </a:p>
-                  </a:txBody>
-                  <a:tcPr/>
-                </a:tc>
-                <a:extLst>
-                  <a:ext uri="{0D108BD9-81ED-4DB2-BD59-A6C34878D82A}">
-                    <a16:rowId xmlns:a16="http://schemas.microsoft.com/office/drawing/2014/main" val="2171647226"/>
-                  </a:ext>
-                </a:extLst>
-              </a:tr>
-              <a:tr h="370840">
-                <a:tc>
-                  <a:txBody>
-                    <a:bodyPr/>
-                    <a:lstStyle/>
-                    <a:p>
-                      <a:pPr latinLnBrk="1"/>
-                      <a:r>
-                        <a:rPr lang="en-US" altLang="ko-KR" sz="2400" kern="1200" spc="0" dirty="0">
-                          <a:solidFill>
-                            <a:schemeClr val="tx1"/>
-                          </a:solidFill>
-                          <a:latin typeface="Arial"/>
-                          <a:ea typeface="+mj-ea"/>
-                          <a:cs typeface="Arial"/>
-                        </a:rPr>
-                        <a:t>Batch</a:t>
-                      </a:r>
-                      <a:r>
-                        <a:rPr lang="ko-KR" altLang="en-US" sz="2400" kern="1200" spc="0" dirty="0">
-                          <a:solidFill>
-                            <a:schemeClr val="tx1"/>
-                          </a:solidFill>
-                          <a:latin typeface="Arial"/>
-                          <a:ea typeface="+mj-ea"/>
-                          <a:cs typeface="Arial"/>
-                        </a:rPr>
-                        <a:t> </a:t>
-                      </a:r>
-                      <a:r>
-                        <a:rPr lang="en-US" altLang="ko-KR" sz="2400" kern="1200" spc="0" dirty="0">
-                          <a:solidFill>
-                            <a:schemeClr val="tx1"/>
-                          </a:solidFill>
-                          <a:latin typeface="Arial"/>
-                          <a:ea typeface="+mj-ea"/>
-                          <a:cs typeface="Arial"/>
-                        </a:rPr>
-                        <a:t>size</a:t>
-                      </a:r>
-                      <a:endParaRPr lang="ko-KR" altLang="en-US" sz="2400" kern="1200" spc="0" dirty="0">
-                        <a:solidFill>
-                          <a:schemeClr val="tx1"/>
-                        </a:solidFill>
-                        <a:latin typeface="Arial"/>
-                        <a:ea typeface="+mj-ea"/>
-                        <a:cs typeface="Arial"/>
-                      </a:endParaRPr>
-                    </a:p>
-                  </a:txBody>
-                  <a:tcPr/>
-                </a:tc>
-                <a:tc>
-                  <a:txBody>
-                    <a:bodyPr/>
-                    <a:lstStyle/>
-                    <a:p>
-                      <a:pPr latinLnBrk="1"/>
-                      <a:r>
-                        <a:rPr lang="en-US" altLang="ko-KR" sz="2400" kern="1200" spc="0" dirty="0" smtClean="0">
-                          <a:solidFill>
-                            <a:schemeClr val="tx1"/>
-                          </a:solidFill>
-                          <a:latin typeface="Arial"/>
-                          <a:ea typeface="+mj-ea"/>
-                          <a:cs typeface="Arial"/>
-                        </a:rPr>
-                        <a:t>16</a:t>
-                      </a:r>
-                      <a:endParaRPr lang="ko-KR" altLang="en-US" sz="2400" kern="1200" spc="0" dirty="0">
-                        <a:solidFill>
-                          <a:schemeClr val="tx1"/>
-                        </a:solidFill>
-                        <a:latin typeface="Arial"/>
-                        <a:ea typeface="+mj-ea"/>
-                        <a:cs typeface="Arial"/>
-                      </a:endParaRPr>
-                    </a:p>
-                  </a:txBody>
-                  <a:tcPr/>
-                </a:tc>
-                <a:extLst>
-                  <a:ext uri="{0D108BD9-81ED-4DB2-BD59-A6C34878D82A}">
-                    <a16:rowId xmlns:a16="http://schemas.microsoft.com/office/drawing/2014/main" val="2299266545"/>
-                  </a:ext>
-                </a:extLst>
-              </a:tr>
-              <a:tr h="370840">
-                <a:tc>
-                  <a:txBody>
-                    <a:bodyPr/>
-                    <a:lstStyle/>
-                    <a:p>
-                      <a:pPr latinLnBrk="1"/>
-                      <a:r>
-                        <a:rPr lang="en-US" altLang="ko-KR" sz="2400" kern="1200" spc="0" dirty="0">
-                          <a:solidFill>
-                            <a:schemeClr val="tx1"/>
-                          </a:solidFill>
-                          <a:latin typeface="Arial"/>
-                          <a:ea typeface="+mj-ea"/>
-                          <a:cs typeface="Arial"/>
-                        </a:rPr>
-                        <a:t>Optimizer</a:t>
-                      </a:r>
-                      <a:endParaRPr lang="ko-KR" altLang="en-US" sz="2400" kern="1200" spc="0" dirty="0">
-                        <a:solidFill>
-                          <a:schemeClr val="tx1"/>
-                        </a:solidFill>
-                        <a:latin typeface="Arial"/>
-                        <a:ea typeface="+mj-ea"/>
-                        <a:cs typeface="Arial"/>
-                      </a:endParaRPr>
-                    </a:p>
-                  </a:txBody>
-                  <a:tcPr/>
-                </a:tc>
-                <a:tc>
-                  <a:txBody>
-                    <a:bodyPr/>
-                    <a:lstStyle/>
-                    <a:p>
-                      <a:pPr latinLnBrk="1"/>
-                      <a:r>
-                        <a:rPr lang="en-US" altLang="ko-KR" sz="2400" kern="1200" spc="0" dirty="0" smtClean="0">
-                          <a:solidFill>
-                            <a:schemeClr val="tx1"/>
-                          </a:solidFill>
-                          <a:latin typeface="Arial"/>
-                          <a:ea typeface="+mj-ea"/>
-                          <a:cs typeface="Arial"/>
-                        </a:rPr>
-                        <a:t>Adam (</a:t>
-                      </a:r>
-                      <a:r>
-                        <a:rPr lang="en-US" altLang="ko-KR" sz="2400" kern="1200" spc="0" dirty="0" err="1" smtClean="0">
-                          <a:solidFill>
-                            <a:schemeClr val="tx1"/>
-                          </a:solidFill>
-                          <a:latin typeface="Arial"/>
-                          <a:ea typeface="+mj-ea"/>
-                          <a:cs typeface="Arial"/>
-                        </a:rPr>
-                        <a:t>lr</a:t>
-                      </a:r>
-                      <a:r>
-                        <a:rPr lang="en-US" altLang="ko-KR" sz="2400" kern="1200" spc="0" dirty="0" smtClean="0">
-                          <a:solidFill>
-                            <a:schemeClr val="tx1"/>
-                          </a:solidFill>
-                          <a:latin typeface="Arial"/>
-                          <a:ea typeface="+mj-ea"/>
-                          <a:cs typeface="Arial"/>
-                        </a:rPr>
-                        <a:t> </a:t>
-                      </a:r>
-                      <a:r>
-                        <a:rPr lang="en-US" altLang="ko-KR" sz="2400" kern="1200" spc="0" dirty="0">
-                          <a:solidFill>
-                            <a:schemeClr val="tx1"/>
-                          </a:solidFill>
-                          <a:latin typeface="Arial"/>
-                          <a:ea typeface="+mj-ea"/>
-                          <a:cs typeface="Arial"/>
-                        </a:rPr>
-                        <a:t>= </a:t>
-                      </a:r>
-                      <a:r>
-                        <a:rPr lang="en-US" altLang="ko-KR" sz="2400" kern="1200" spc="0" dirty="0" smtClean="0">
-                          <a:solidFill>
-                            <a:schemeClr val="tx1"/>
-                          </a:solidFill>
-                          <a:latin typeface="Arial"/>
-                          <a:ea typeface="+mj-ea"/>
-                          <a:cs typeface="Arial"/>
-                        </a:rPr>
-                        <a:t>0.00001)</a:t>
-                      </a:r>
-                      <a:endParaRPr lang="ko-KR" altLang="en-US" sz="2400" kern="1200" spc="0" dirty="0">
-                        <a:solidFill>
-                          <a:schemeClr val="tx1"/>
-                        </a:solidFill>
-                        <a:latin typeface="Arial"/>
-                        <a:ea typeface="+mj-ea"/>
-                        <a:cs typeface="Arial"/>
-                      </a:endParaRPr>
-                    </a:p>
-                  </a:txBody>
-                  <a:tcPr/>
-                </a:tc>
-                <a:extLst>
-                  <a:ext uri="{0D108BD9-81ED-4DB2-BD59-A6C34878D82A}">
-                    <a16:rowId xmlns:a16="http://schemas.microsoft.com/office/drawing/2014/main" val="1863487432"/>
-                  </a:ext>
-                </a:extLst>
-              </a:tr>
-              <a:tr h="370840">
-                <a:tc>
-                  <a:txBody>
-                    <a:bodyPr/>
-                    <a:lstStyle/>
-                    <a:p>
-                      <a:pPr latinLnBrk="1"/>
-                      <a:r>
-                        <a:rPr lang="en-US" altLang="ko-KR" sz="2400" kern="1200" spc="0" dirty="0">
-                          <a:solidFill>
-                            <a:schemeClr val="tx1"/>
-                          </a:solidFill>
-                          <a:latin typeface="Arial"/>
-                          <a:ea typeface="+mj-ea"/>
-                          <a:cs typeface="Arial"/>
-                        </a:rPr>
-                        <a:t>Epochs</a:t>
-                      </a:r>
-                      <a:endParaRPr lang="ko-KR" altLang="en-US" sz="2400" kern="1200" spc="0" dirty="0">
-                        <a:solidFill>
-                          <a:schemeClr val="tx1"/>
-                        </a:solidFill>
-                        <a:latin typeface="Arial"/>
-                        <a:ea typeface="+mj-ea"/>
-                        <a:cs typeface="Arial"/>
-                      </a:endParaRPr>
-                    </a:p>
-                  </a:txBody>
-                  <a:tcPr/>
-                </a:tc>
-                <a:tc>
-                  <a:txBody>
-                    <a:bodyPr/>
-                    <a:lstStyle/>
-                    <a:p>
-                      <a:pPr latinLnBrk="1"/>
-                      <a:r>
-                        <a:rPr lang="en-US" altLang="ko-KR" sz="2400" kern="1200" spc="0" dirty="0" smtClean="0">
-                          <a:solidFill>
-                            <a:schemeClr val="tx1"/>
-                          </a:solidFill>
-                          <a:latin typeface="Arial"/>
-                          <a:ea typeface="+mj-ea"/>
-                          <a:cs typeface="Arial"/>
-                        </a:rPr>
-                        <a:t>221 (Early</a:t>
-                      </a:r>
-                      <a:r>
-                        <a:rPr lang="en-US" altLang="ko-KR" sz="2400" kern="1200" spc="0" baseline="0" dirty="0" smtClean="0">
-                          <a:solidFill>
-                            <a:schemeClr val="tx1"/>
-                          </a:solidFill>
-                          <a:latin typeface="Arial"/>
-                          <a:ea typeface="+mj-ea"/>
-                          <a:cs typeface="Arial"/>
-                        </a:rPr>
-                        <a:t> stopping)</a:t>
-                      </a:r>
-                      <a:endParaRPr lang="ko-KR" altLang="en-US" sz="2400" kern="1200" spc="0" dirty="0">
-                        <a:solidFill>
-                          <a:schemeClr val="tx1"/>
-                        </a:solidFill>
-                        <a:latin typeface="Arial"/>
-                        <a:ea typeface="+mj-ea"/>
-                        <a:cs typeface="Arial"/>
-                      </a:endParaRPr>
-                    </a:p>
-                  </a:txBody>
-                  <a:tcPr/>
-                </a:tc>
-                <a:extLst>
-                  <a:ext uri="{0D108BD9-81ED-4DB2-BD59-A6C34878D82A}">
-                    <a16:rowId xmlns:a16="http://schemas.microsoft.com/office/drawing/2014/main" val="1065156233"/>
-                  </a:ext>
-                </a:extLst>
-              </a:tr>
-              <a:tr h="370840">
-                <a:tc>
-                  <a:txBody>
-                    <a:bodyPr/>
-                    <a:lstStyle/>
-                    <a:p>
-                      <a:pPr latinLnBrk="1"/>
-                      <a:r>
-                        <a:rPr lang="en-US" altLang="ko-KR" sz="2400" kern="1200" spc="0" dirty="0" err="1">
-                          <a:solidFill>
-                            <a:schemeClr val="tx1"/>
-                          </a:solidFill>
-                          <a:latin typeface="Arial"/>
-                          <a:ea typeface="+mj-ea"/>
-                          <a:cs typeface="Arial"/>
-                        </a:rPr>
-                        <a:t>ImageDataGenerator</a:t>
-                      </a:r>
-                      <a:endParaRPr lang="ko-KR" altLang="en-US" sz="2400" kern="1200" spc="0" dirty="0">
-                        <a:solidFill>
-                          <a:schemeClr val="tx1"/>
-                        </a:solidFill>
-                        <a:latin typeface="Arial"/>
-                        <a:ea typeface="+mj-ea"/>
-                        <a:cs typeface="Arial"/>
-                      </a:endParaRPr>
-                    </a:p>
-                  </a:txBody>
-                  <a:tcPr/>
-                </a:tc>
-                <a:tc>
-                  <a:txBody>
-                    <a:bodyPr/>
-                    <a:lstStyle/>
-                    <a:p>
-                      <a:pPr latinLnBrk="1"/>
-                      <a:r>
-                        <a:rPr lang="en-US" altLang="ko-KR" sz="2400" kern="1200" spc="0" dirty="0">
-                          <a:solidFill>
-                            <a:schemeClr val="tx1"/>
-                          </a:solidFill>
-                          <a:latin typeface="Arial"/>
-                          <a:ea typeface="+mj-ea"/>
-                          <a:cs typeface="Arial"/>
-                        </a:rPr>
-                        <a:t>Rescale = 1./</a:t>
-                      </a:r>
-                      <a:r>
-                        <a:rPr lang="en-US" altLang="ko-KR" sz="2400" kern="1200" spc="0" dirty="0" smtClean="0">
-                          <a:solidFill>
-                            <a:schemeClr val="tx1"/>
-                          </a:solidFill>
-                          <a:latin typeface="Arial"/>
-                          <a:ea typeface="+mj-ea"/>
-                          <a:cs typeface="Arial"/>
-                        </a:rPr>
-                        <a:t>255</a:t>
-                      </a:r>
-                      <a:endParaRPr lang="en-US" altLang="ko-KR" sz="2400" kern="1200" spc="0" dirty="0">
-                        <a:solidFill>
-                          <a:schemeClr val="tx1"/>
-                        </a:solidFill>
-                        <a:latin typeface="Arial"/>
-                        <a:ea typeface="+mj-ea"/>
-                        <a:cs typeface="Arial"/>
-                      </a:endParaRPr>
-                    </a:p>
-                  </a:txBody>
-                  <a:tcPr/>
-                </a:tc>
-                <a:extLst>
-                  <a:ext uri="{0D108BD9-81ED-4DB2-BD59-A6C34878D82A}">
-                    <a16:rowId xmlns:a16="http://schemas.microsoft.com/office/drawing/2014/main" val="1339183819"/>
-                  </a:ext>
-                </a:extLst>
-              </a:tr>
-              <a:tr h="370840">
-                <a:tc>
-                  <a:txBody>
-                    <a:bodyPr/>
-                    <a:lstStyle/>
-                    <a:p>
-                      <a:pPr latinLnBrk="1"/>
-                      <a:r>
-                        <a:rPr lang="en-US" altLang="ko-KR" sz="2400" kern="1200" spc="0" dirty="0" smtClean="0">
-                          <a:solidFill>
-                            <a:schemeClr val="tx1"/>
-                          </a:solidFill>
-                          <a:latin typeface="Arial"/>
-                          <a:ea typeface="+mj-ea"/>
-                          <a:cs typeface="Arial"/>
-                        </a:rPr>
-                        <a:t>Image</a:t>
-                      </a:r>
-                      <a:r>
-                        <a:rPr lang="en-US" altLang="ko-KR" sz="2400" kern="1200" spc="0" baseline="0" dirty="0" smtClean="0">
-                          <a:solidFill>
-                            <a:schemeClr val="tx1"/>
-                          </a:solidFill>
-                          <a:latin typeface="Arial"/>
-                          <a:ea typeface="+mj-ea"/>
-                          <a:cs typeface="Arial"/>
-                        </a:rPr>
-                        <a:t> size</a:t>
-                      </a:r>
-                      <a:endParaRPr lang="ko-KR" altLang="en-US" sz="2400" kern="1200" spc="0" dirty="0">
-                        <a:solidFill>
-                          <a:schemeClr val="tx1"/>
-                        </a:solidFill>
-                        <a:latin typeface="Arial"/>
-                        <a:ea typeface="+mj-ea"/>
-                        <a:cs typeface="Arial"/>
-                      </a:endParaRPr>
-                    </a:p>
-                  </a:txBody>
-                  <a:tcPr/>
-                </a:tc>
-                <a:tc>
-                  <a:txBody>
-                    <a:bodyPr/>
-                    <a:lstStyle/>
-                    <a:p>
-                      <a:pPr latinLnBrk="1"/>
-                      <a:r>
-                        <a:rPr lang="en-US" altLang="ko-KR" sz="2400" kern="1200" spc="0" dirty="0" smtClean="0">
-                          <a:solidFill>
-                            <a:schemeClr val="tx1"/>
-                          </a:solidFill>
-                          <a:latin typeface="Arial"/>
-                          <a:ea typeface="+mj-ea"/>
-                          <a:cs typeface="Arial"/>
-                        </a:rPr>
-                        <a:t>224</a:t>
-                      </a:r>
-                      <a:r>
-                        <a:rPr lang="en-US" altLang="ko-KR" sz="2400" kern="1200" spc="0" baseline="0" dirty="0" smtClean="0">
-                          <a:solidFill>
-                            <a:schemeClr val="tx1"/>
-                          </a:solidFill>
-                          <a:latin typeface="Arial"/>
-                          <a:ea typeface="+mj-ea"/>
-                          <a:cs typeface="Arial"/>
-                        </a:rPr>
-                        <a:t>x224</a:t>
-                      </a:r>
-                      <a:endParaRPr lang="en-US" altLang="ko-KR" sz="2400" kern="1200" spc="0" dirty="0">
-                        <a:solidFill>
-                          <a:schemeClr val="tx1"/>
-                        </a:solidFill>
-                        <a:latin typeface="Arial"/>
-                        <a:ea typeface="+mj-ea"/>
-                        <a:cs typeface="Arial"/>
-                      </a:endParaRPr>
-                    </a:p>
-                  </a:txBody>
-                  <a:tcPr/>
-                </a:tc>
-                <a:extLst>
-                  <a:ext uri="{0D108BD9-81ED-4DB2-BD59-A6C34878D82A}">
-                    <a16:rowId xmlns:a16="http://schemas.microsoft.com/office/drawing/2014/main" val="798727153"/>
-                  </a:ext>
-                </a:extLst>
-              </a:tr>
-            </a:tbl>
-          </a:graphicData>
-        </a:graphic>
-      </p:graphicFrame>
       <p:pic>
         <p:nvPicPr>
           <p:cNvPr id="9" name="Picture 2">
@@ -7180,7 +7498,3137 @@
           </a:extLst>
         </p:spPr>
       </p:pic>
+      <p:sp>
+        <p:nvSpPr>
+          <p:cNvPr id="6" name="TextBox 5"/>
+          <p:cNvSpPr txBox="1"/>
+          <p:nvPr/>
+        </p:nvSpPr>
+        <p:spPr>
+          <a:xfrm>
+            <a:off x="2449960" y="3532035"/>
+            <a:ext cx="2021922" cy="369332"/>
+          </a:xfrm>
+          <a:prstGeom prst="rect">
+            <a:avLst/>
+          </a:prstGeom>
+        </p:spPr>
+        <p:style>
+          <a:lnRef idx="2">
+            <a:schemeClr val="dk1"/>
+          </a:lnRef>
+          <a:fillRef idx="1">
+            <a:schemeClr val="lt1"/>
+          </a:fillRef>
+          <a:effectRef idx="0">
+            <a:schemeClr val="dk1"/>
+          </a:effectRef>
+          <a:fontRef idx="minor">
+            <a:schemeClr val="dk1"/>
+          </a:fontRef>
+        </p:style>
+        <p:txBody>
+          <a:bodyPr wrap="square" rtlCol="0">
+            <a:spAutoFit/>
+          </a:bodyPr>
+          <a:lstStyle/>
+          <a:p>
+            <a:pPr algn="ctr"/>
+            <a:r>
+              <a:rPr lang="en-US" altLang="ko-KR" b="1" dirty="0" err="1">
+                <a:solidFill>
+                  <a:schemeClr val="tx1"/>
+                </a:solidFill>
+                <a:latin typeface="+mn-ea"/>
+              </a:rPr>
+              <a:t>Xception</a:t>
+            </a:r>
+            <a:endParaRPr lang="ko-KR" altLang="en-US" b="1" dirty="0">
+              <a:solidFill>
+                <a:schemeClr val="tx1"/>
+              </a:solidFill>
+              <a:latin typeface="+mn-ea"/>
+            </a:endParaRPr>
+          </a:p>
+        </p:txBody>
+      </p:sp>
+      <p:graphicFrame>
+        <p:nvGraphicFramePr>
+          <p:cNvPr id="7" name="표 6"/>
+          <p:cNvGraphicFramePr>
+            <a:graphicFrameLocks noGrp="1"/>
+          </p:cNvGraphicFramePr>
+          <p:nvPr>
+            <p:extLst>
+              <p:ext uri="{D42A27DB-BD31-4B8C-83A1-F6EECF244321}">
+                <p14:modId xmlns:p14="http://schemas.microsoft.com/office/powerpoint/2010/main" val="478708300"/>
+              </p:ext>
+            </p:extLst>
+          </p:nvPr>
+        </p:nvGraphicFramePr>
+        <p:xfrm>
+          <a:off x="1028618" y="4307627"/>
+          <a:ext cx="4864606" cy="1112520"/>
+        </p:xfrm>
+        <a:graphic>
+          <a:graphicData uri="http://schemas.openxmlformats.org/drawingml/2006/table">
+            <a:tbl>
+              <a:tblPr firstRow="1" bandRow="1">
+                <a:tableStyleId>{5940675A-B579-460E-94D1-54222C63F5DA}</a:tableStyleId>
+              </a:tblPr>
+              <a:tblGrid>
+                <a:gridCol w="2432303">
+                  <a:extLst>
+                    <a:ext uri="{9D8B030D-6E8A-4147-A177-3AD203B41FA5}">
+                      <a16:colId xmlns:a16="http://schemas.microsoft.com/office/drawing/2014/main" val="1821658187"/>
+                    </a:ext>
+                  </a:extLst>
+                </a:gridCol>
+                <a:gridCol w="2432303">
+                  <a:extLst>
+                    <a:ext uri="{9D8B030D-6E8A-4147-A177-3AD203B41FA5}">
+                      <a16:colId xmlns:a16="http://schemas.microsoft.com/office/drawing/2014/main" val="2174507200"/>
+                    </a:ext>
+                  </a:extLst>
+                </a:gridCol>
+              </a:tblGrid>
+              <a:tr h="370840">
+                <a:tc>
+                  <a:txBody>
+                    <a:bodyPr/>
+                    <a:lstStyle/>
+                    <a:p>
+                      <a:pPr latinLnBrk="1"/>
+                      <a:r>
+                        <a:rPr lang="en-US" altLang="ko-KR" b="0" dirty="0" smtClean="0">
+                          <a:latin typeface="+mn-ea"/>
+                          <a:ea typeface="+mn-ea"/>
+                        </a:rPr>
+                        <a:t>Conv2D</a:t>
+                      </a:r>
+                      <a:endParaRPr lang="ko-KR" altLang="en-US" b="0" dirty="0">
+                        <a:latin typeface="+mn-ea"/>
+                        <a:ea typeface="+mn-ea"/>
+                      </a:endParaRPr>
+                    </a:p>
+                  </a:txBody>
+                  <a:tcPr/>
+                </a:tc>
+                <a:tc>
+                  <a:txBody>
+                    <a:bodyPr/>
+                    <a:lstStyle/>
+                    <a:p>
+                      <a:pPr latinLnBrk="1"/>
+                      <a:r>
+                        <a:rPr lang="en-US" altLang="ko-KR" b="0" dirty="0" smtClean="0">
+                          <a:latin typeface="+mn-ea"/>
+                          <a:ea typeface="+mn-ea"/>
+                        </a:rPr>
+                        <a:t>(None, 10, 10, 1536)</a:t>
+                      </a:r>
+                      <a:endParaRPr lang="ko-KR" altLang="en-US" b="0" dirty="0">
+                        <a:latin typeface="+mn-ea"/>
+                        <a:ea typeface="+mn-ea"/>
+                      </a:endParaRPr>
+                    </a:p>
+                  </a:txBody>
+                  <a:tcPr/>
+                </a:tc>
+                <a:extLst>
+                  <a:ext uri="{0D108BD9-81ED-4DB2-BD59-A6C34878D82A}">
+                    <a16:rowId xmlns:a16="http://schemas.microsoft.com/office/drawing/2014/main" val="3648418454"/>
+                  </a:ext>
+                </a:extLst>
+              </a:tr>
+              <a:tr h="370840">
+                <a:tc>
+                  <a:txBody>
+                    <a:bodyPr/>
+                    <a:lstStyle/>
+                    <a:p>
+                      <a:pPr latinLnBrk="1"/>
+                      <a:r>
+                        <a:rPr lang="en-US" altLang="ko-KR" b="0" dirty="0" err="1" smtClean="0">
+                          <a:latin typeface="+mn-ea"/>
+                          <a:ea typeface="+mn-ea"/>
+                        </a:rPr>
+                        <a:t>BatchNormalization</a:t>
+                      </a:r>
+                      <a:endParaRPr lang="ko-KR" altLang="en-US" b="0" dirty="0">
+                        <a:latin typeface="+mn-ea"/>
+                        <a:ea typeface="+mn-ea"/>
+                      </a:endParaRPr>
+                    </a:p>
+                  </a:txBody>
+                  <a:tcPr/>
+                </a:tc>
+                <a:tc>
+                  <a:txBody>
+                    <a:bodyPr/>
+                    <a:lstStyle/>
+                    <a:p>
+                      <a:pPr latinLnBrk="1"/>
+                      <a:r>
+                        <a:rPr lang="en-US" altLang="ko-KR" b="0" dirty="0" smtClean="0">
+                          <a:latin typeface="+mn-ea"/>
+                          <a:ea typeface="+mn-ea"/>
+                        </a:rPr>
+                        <a:t>(None, 10, 10, 1536)</a:t>
+                      </a:r>
+                      <a:endParaRPr lang="ko-KR" altLang="en-US" b="0" dirty="0">
+                        <a:latin typeface="+mn-ea"/>
+                        <a:ea typeface="+mn-ea"/>
+                      </a:endParaRPr>
+                    </a:p>
+                  </a:txBody>
+                  <a:tcPr/>
+                </a:tc>
+                <a:extLst>
+                  <a:ext uri="{0D108BD9-81ED-4DB2-BD59-A6C34878D82A}">
+                    <a16:rowId xmlns:a16="http://schemas.microsoft.com/office/drawing/2014/main" val="3930721210"/>
+                  </a:ext>
+                </a:extLst>
+              </a:tr>
+              <a:tr h="370840">
+                <a:tc>
+                  <a:txBody>
+                    <a:bodyPr/>
+                    <a:lstStyle/>
+                    <a:p>
+                      <a:pPr latinLnBrk="1"/>
+                      <a:r>
+                        <a:rPr lang="en-US" altLang="ko-KR" b="0" dirty="0" smtClean="0">
+                          <a:latin typeface="+mn-ea"/>
+                          <a:ea typeface="+mn-ea"/>
+                        </a:rPr>
+                        <a:t>Activation</a:t>
+                      </a:r>
+                      <a:r>
+                        <a:rPr lang="en-US" altLang="ko-KR" b="0" baseline="0" dirty="0" smtClean="0">
+                          <a:latin typeface="+mn-ea"/>
+                          <a:ea typeface="+mn-ea"/>
+                        </a:rPr>
+                        <a:t>(‘</a:t>
+                      </a:r>
+                      <a:r>
+                        <a:rPr lang="en-US" altLang="ko-KR" b="0" baseline="0" dirty="0" err="1" smtClean="0">
+                          <a:latin typeface="+mn-ea"/>
+                          <a:ea typeface="+mn-ea"/>
+                        </a:rPr>
+                        <a:t>relu</a:t>
+                      </a:r>
+                      <a:r>
+                        <a:rPr lang="en-US" altLang="ko-KR" b="0" baseline="0" dirty="0" smtClean="0">
+                          <a:latin typeface="+mn-ea"/>
+                          <a:ea typeface="+mn-ea"/>
+                        </a:rPr>
+                        <a:t>’)</a:t>
+                      </a:r>
+                      <a:endParaRPr lang="ko-KR" altLang="en-US" b="0" dirty="0">
+                        <a:latin typeface="+mn-ea"/>
+                        <a:ea typeface="+mn-ea"/>
+                      </a:endParaRPr>
+                    </a:p>
+                  </a:txBody>
+                  <a:tcPr/>
+                </a:tc>
+                <a:tc>
+                  <a:txBody>
+                    <a:bodyPr/>
+                    <a:lstStyle/>
+                    <a:p>
+                      <a:pPr latinLnBrk="1"/>
+                      <a:r>
+                        <a:rPr lang="en-US" altLang="ko-KR" b="0" dirty="0" smtClean="0">
+                          <a:latin typeface="+mn-ea"/>
+                          <a:ea typeface="+mn-ea"/>
+                        </a:rPr>
+                        <a:t>(None, 10, 10, 1536)</a:t>
+                      </a:r>
+                      <a:endParaRPr lang="ko-KR" altLang="en-US" b="0" dirty="0">
+                        <a:latin typeface="+mn-ea"/>
+                        <a:ea typeface="+mn-ea"/>
+                      </a:endParaRPr>
+                    </a:p>
+                  </a:txBody>
+                  <a:tcPr/>
+                </a:tc>
+                <a:extLst>
+                  <a:ext uri="{0D108BD9-81ED-4DB2-BD59-A6C34878D82A}">
+                    <a16:rowId xmlns:a16="http://schemas.microsoft.com/office/drawing/2014/main" val="1937806231"/>
+                  </a:ext>
+                </a:extLst>
+              </a:tr>
+            </a:tbl>
+          </a:graphicData>
+        </a:graphic>
+      </p:graphicFrame>
+      <p:graphicFrame>
+        <p:nvGraphicFramePr>
+          <p:cNvPr id="10" name="표 9"/>
+          <p:cNvGraphicFramePr>
+            <a:graphicFrameLocks noGrp="1"/>
+          </p:cNvGraphicFramePr>
+          <p:nvPr>
+            <p:extLst>
+              <p:ext uri="{D42A27DB-BD31-4B8C-83A1-F6EECF244321}">
+                <p14:modId xmlns:p14="http://schemas.microsoft.com/office/powerpoint/2010/main" val="1190191855"/>
+              </p:ext>
+            </p:extLst>
+          </p:nvPr>
+        </p:nvGraphicFramePr>
+        <p:xfrm>
+          <a:off x="1019728" y="5826407"/>
+          <a:ext cx="4864606" cy="1112520"/>
+        </p:xfrm>
+        <a:graphic>
+          <a:graphicData uri="http://schemas.openxmlformats.org/drawingml/2006/table">
+            <a:tbl>
+              <a:tblPr firstRow="1" bandRow="1">
+                <a:tableStyleId>{5940675A-B579-460E-94D1-54222C63F5DA}</a:tableStyleId>
+              </a:tblPr>
+              <a:tblGrid>
+                <a:gridCol w="2432303">
+                  <a:extLst>
+                    <a:ext uri="{9D8B030D-6E8A-4147-A177-3AD203B41FA5}">
+                      <a16:colId xmlns:a16="http://schemas.microsoft.com/office/drawing/2014/main" val="1821658187"/>
+                    </a:ext>
+                  </a:extLst>
+                </a:gridCol>
+                <a:gridCol w="2432303">
+                  <a:extLst>
+                    <a:ext uri="{9D8B030D-6E8A-4147-A177-3AD203B41FA5}">
+                      <a16:colId xmlns:a16="http://schemas.microsoft.com/office/drawing/2014/main" val="2174507200"/>
+                    </a:ext>
+                  </a:extLst>
+                </a:gridCol>
+              </a:tblGrid>
+              <a:tr h="370840">
+                <a:tc>
+                  <a:txBody>
+                    <a:bodyPr/>
+                    <a:lstStyle/>
+                    <a:p>
+                      <a:pPr latinLnBrk="1"/>
+                      <a:r>
+                        <a:rPr lang="en-US" altLang="ko-KR" dirty="0" smtClean="0">
+                          <a:latin typeface="+mn-ea"/>
+                          <a:ea typeface="+mn-ea"/>
+                        </a:rPr>
+                        <a:t>Conv2D</a:t>
+                      </a:r>
+                      <a:endParaRPr lang="ko-KR" altLang="en-US" dirty="0">
+                        <a:latin typeface="+mn-ea"/>
+                        <a:ea typeface="+mn-ea"/>
+                      </a:endParaRPr>
+                    </a:p>
+                  </a:txBody>
+                  <a:tcPr/>
+                </a:tc>
+                <a:tc>
+                  <a:txBody>
+                    <a:bodyPr/>
+                    <a:lstStyle/>
+                    <a:p>
+                      <a:pPr latinLnBrk="1"/>
+                      <a:r>
+                        <a:rPr lang="en-US" altLang="ko-KR" dirty="0" smtClean="0">
+                          <a:latin typeface="+mn-ea"/>
+                          <a:ea typeface="+mn-ea"/>
+                        </a:rPr>
+                        <a:t>(None, 10, 10, 1024)</a:t>
+                      </a:r>
+                      <a:endParaRPr lang="ko-KR" altLang="en-US" dirty="0">
+                        <a:latin typeface="+mn-ea"/>
+                        <a:ea typeface="+mn-ea"/>
+                      </a:endParaRPr>
+                    </a:p>
+                  </a:txBody>
+                  <a:tcPr/>
+                </a:tc>
+                <a:extLst>
+                  <a:ext uri="{0D108BD9-81ED-4DB2-BD59-A6C34878D82A}">
+                    <a16:rowId xmlns:a16="http://schemas.microsoft.com/office/drawing/2014/main" val="3648418454"/>
+                  </a:ext>
+                </a:extLst>
+              </a:tr>
+              <a:tr h="370840">
+                <a:tc>
+                  <a:txBody>
+                    <a:bodyPr/>
+                    <a:lstStyle/>
+                    <a:p>
+                      <a:pPr latinLnBrk="1"/>
+                      <a:r>
+                        <a:rPr lang="en-US" altLang="ko-KR" dirty="0" err="1" smtClean="0">
+                          <a:latin typeface="+mn-ea"/>
+                          <a:ea typeface="+mn-ea"/>
+                        </a:rPr>
+                        <a:t>BatchNormalization</a:t>
+                      </a:r>
+                      <a:endParaRPr lang="ko-KR" altLang="en-US" dirty="0">
+                        <a:latin typeface="+mn-ea"/>
+                        <a:ea typeface="+mn-ea"/>
+                      </a:endParaRPr>
+                    </a:p>
+                  </a:txBody>
+                  <a:tcPr/>
+                </a:tc>
+                <a:tc>
+                  <a:txBody>
+                    <a:bodyPr/>
+                    <a:lstStyle/>
+                    <a:p>
+                      <a:pPr latinLnBrk="1"/>
+                      <a:r>
+                        <a:rPr lang="en-US" altLang="ko-KR" dirty="0" smtClean="0">
+                          <a:latin typeface="+mn-ea"/>
+                          <a:ea typeface="+mn-ea"/>
+                        </a:rPr>
+                        <a:t>(None, 10, 10, 1024)</a:t>
+                      </a:r>
+                      <a:endParaRPr lang="ko-KR" altLang="en-US" dirty="0">
+                        <a:latin typeface="+mn-ea"/>
+                        <a:ea typeface="+mn-ea"/>
+                      </a:endParaRPr>
+                    </a:p>
+                  </a:txBody>
+                  <a:tcPr/>
+                </a:tc>
+                <a:extLst>
+                  <a:ext uri="{0D108BD9-81ED-4DB2-BD59-A6C34878D82A}">
+                    <a16:rowId xmlns:a16="http://schemas.microsoft.com/office/drawing/2014/main" val="3930721210"/>
+                  </a:ext>
+                </a:extLst>
+              </a:tr>
+              <a:tr h="370840">
+                <a:tc>
+                  <a:txBody>
+                    <a:bodyPr/>
+                    <a:lstStyle/>
+                    <a:p>
+                      <a:pPr latinLnBrk="1"/>
+                      <a:r>
+                        <a:rPr lang="en-US" altLang="ko-KR" dirty="0" smtClean="0">
+                          <a:latin typeface="+mn-ea"/>
+                          <a:ea typeface="+mn-ea"/>
+                        </a:rPr>
+                        <a:t>Activation</a:t>
+                      </a:r>
+                      <a:r>
+                        <a:rPr lang="en-US" altLang="ko-KR" baseline="0" dirty="0" smtClean="0">
+                          <a:latin typeface="+mn-ea"/>
+                          <a:ea typeface="+mn-ea"/>
+                        </a:rPr>
+                        <a:t>(‘</a:t>
+                      </a:r>
+                      <a:r>
+                        <a:rPr lang="en-US" altLang="ko-KR" baseline="0" dirty="0" err="1" smtClean="0">
+                          <a:latin typeface="+mn-ea"/>
+                          <a:ea typeface="+mn-ea"/>
+                        </a:rPr>
+                        <a:t>relu</a:t>
+                      </a:r>
+                      <a:r>
+                        <a:rPr lang="en-US" altLang="ko-KR" baseline="0" dirty="0" smtClean="0">
+                          <a:latin typeface="+mn-ea"/>
+                          <a:ea typeface="+mn-ea"/>
+                        </a:rPr>
+                        <a:t>’)</a:t>
+                      </a:r>
+                      <a:endParaRPr lang="ko-KR" altLang="en-US" dirty="0">
+                        <a:latin typeface="+mn-ea"/>
+                        <a:ea typeface="+mn-ea"/>
+                      </a:endParaRPr>
+                    </a:p>
+                  </a:txBody>
+                  <a:tcPr/>
+                </a:tc>
+                <a:tc>
+                  <a:txBody>
+                    <a:bodyPr/>
+                    <a:lstStyle/>
+                    <a:p>
+                      <a:pPr latinLnBrk="1"/>
+                      <a:r>
+                        <a:rPr lang="en-US" altLang="ko-KR" dirty="0" smtClean="0">
+                          <a:latin typeface="+mn-ea"/>
+                          <a:ea typeface="+mn-ea"/>
+                        </a:rPr>
+                        <a:t>(None, 10, 10, 1024)</a:t>
+                      </a:r>
+                      <a:endParaRPr lang="ko-KR" altLang="en-US" dirty="0">
+                        <a:latin typeface="+mn-ea"/>
+                        <a:ea typeface="+mn-ea"/>
+                      </a:endParaRPr>
+                    </a:p>
+                  </a:txBody>
+                  <a:tcPr/>
+                </a:tc>
+                <a:extLst>
+                  <a:ext uri="{0D108BD9-81ED-4DB2-BD59-A6C34878D82A}">
+                    <a16:rowId xmlns:a16="http://schemas.microsoft.com/office/drawing/2014/main" val="1937806231"/>
+                  </a:ext>
+                </a:extLst>
+              </a:tr>
+            </a:tbl>
+          </a:graphicData>
+        </a:graphic>
+      </p:graphicFrame>
+      <p:graphicFrame>
+        <p:nvGraphicFramePr>
+          <p:cNvPr id="11" name="표 10"/>
+          <p:cNvGraphicFramePr>
+            <a:graphicFrameLocks noGrp="1"/>
+          </p:cNvGraphicFramePr>
+          <p:nvPr>
+            <p:extLst>
+              <p:ext uri="{D42A27DB-BD31-4B8C-83A1-F6EECF244321}">
+                <p14:modId xmlns:p14="http://schemas.microsoft.com/office/powerpoint/2010/main" val="33789267"/>
+              </p:ext>
+            </p:extLst>
+          </p:nvPr>
+        </p:nvGraphicFramePr>
+        <p:xfrm>
+          <a:off x="1019728" y="7330538"/>
+          <a:ext cx="4864606" cy="1112520"/>
+        </p:xfrm>
+        <a:graphic>
+          <a:graphicData uri="http://schemas.openxmlformats.org/drawingml/2006/table">
+            <a:tbl>
+              <a:tblPr firstRow="1" bandRow="1">
+                <a:tableStyleId>{5940675A-B579-460E-94D1-54222C63F5DA}</a:tableStyleId>
+              </a:tblPr>
+              <a:tblGrid>
+                <a:gridCol w="2432303">
+                  <a:extLst>
+                    <a:ext uri="{9D8B030D-6E8A-4147-A177-3AD203B41FA5}">
+                      <a16:colId xmlns:a16="http://schemas.microsoft.com/office/drawing/2014/main" val="1821658187"/>
+                    </a:ext>
+                  </a:extLst>
+                </a:gridCol>
+                <a:gridCol w="2432303">
+                  <a:extLst>
+                    <a:ext uri="{9D8B030D-6E8A-4147-A177-3AD203B41FA5}">
+                      <a16:colId xmlns:a16="http://schemas.microsoft.com/office/drawing/2014/main" val="2174507200"/>
+                    </a:ext>
+                  </a:extLst>
+                </a:gridCol>
+              </a:tblGrid>
+              <a:tr h="370840">
+                <a:tc>
+                  <a:txBody>
+                    <a:bodyPr/>
+                    <a:lstStyle/>
+                    <a:p>
+                      <a:pPr latinLnBrk="1"/>
+                      <a:r>
+                        <a:rPr lang="en-US" altLang="ko-KR" dirty="0" smtClean="0">
+                          <a:latin typeface="+mn-ea"/>
+                          <a:ea typeface="+mn-ea"/>
+                        </a:rPr>
+                        <a:t>Conv2D</a:t>
+                      </a:r>
+                      <a:endParaRPr lang="ko-KR" altLang="en-US" dirty="0">
+                        <a:latin typeface="+mn-ea"/>
+                        <a:ea typeface="+mn-ea"/>
+                      </a:endParaRPr>
+                    </a:p>
+                  </a:txBody>
+                  <a:tcPr/>
+                </a:tc>
+                <a:tc>
+                  <a:txBody>
+                    <a:bodyPr/>
+                    <a:lstStyle/>
+                    <a:p>
+                      <a:pPr latinLnBrk="1"/>
+                      <a:r>
+                        <a:rPr lang="en-US" altLang="ko-KR" dirty="0" smtClean="0">
+                          <a:latin typeface="+mn-ea"/>
+                          <a:ea typeface="+mn-ea"/>
+                        </a:rPr>
+                        <a:t>(None, 10, 10, 768)</a:t>
+                      </a:r>
+                      <a:endParaRPr lang="ko-KR" altLang="en-US" dirty="0">
+                        <a:latin typeface="+mn-ea"/>
+                        <a:ea typeface="+mn-ea"/>
+                      </a:endParaRPr>
+                    </a:p>
+                  </a:txBody>
+                  <a:tcPr/>
+                </a:tc>
+                <a:extLst>
+                  <a:ext uri="{0D108BD9-81ED-4DB2-BD59-A6C34878D82A}">
+                    <a16:rowId xmlns:a16="http://schemas.microsoft.com/office/drawing/2014/main" val="3648418454"/>
+                  </a:ext>
+                </a:extLst>
+              </a:tr>
+              <a:tr h="370840">
+                <a:tc>
+                  <a:txBody>
+                    <a:bodyPr/>
+                    <a:lstStyle/>
+                    <a:p>
+                      <a:pPr latinLnBrk="1"/>
+                      <a:r>
+                        <a:rPr lang="en-US" altLang="ko-KR" dirty="0" err="1" smtClean="0">
+                          <a:latin typeface="+mn-ea"/>
+                          <a:ea typeface="+mn-ea"/>
+                        </a:rPr>
+                        <a:t>BatchNormalization</a:t>
+                      </a:r>
+                      <a:endParaRPr lang="ko-KR" altLang="en-US" dirty="0">
+                        <a:latin typeface="+mn-ea"/>
+                        <a:ea typeface="+mn-ea"/>
+                      </a:endParaRPr>
+                    </a:p>
+                  </a:txBody>
+                  <a:tcPr/>
+                </a:tc>
+                <a:tc>
+                  <a:txBody>
+                    <a:bodyPr/>
+                    <a:lstStyle/>
+                    <a:p>
+                      <a:pPr latinLnBrk="1"/>
+                      <a:r>
+                        <a:rPr lang="en-US" altLang="ko-KR" dirty="0" smtClean="0">
+                          <a:latin typeface="+mn-ea"/>
+                          <a:ea typeface="+mn-ea"/>
+                        </a:rPr>
+                        <a:t>(None, 10, 10, 768)</a:t>
+                      </a:r>
+                      <a:endParaRPr lang="ko-KR" altLang="en-US" dirty="0">
+                        <a:latin typeface="+mn-ea"/>
+                        <a:ea typeface="+mn-ea"/>
+                      </a:endParaRPr>
+                    </a:p>
+                  </a:txBody>
+                  <a:tcPr/>
+                </a:tc>
+                <a:extLst>
+                  <a:ext uri="{0D108BD9-81ED-4DB2-BD59-A6C34878D82A}">
+                    <a16:rowId xmlns:a16="http://schemas.microsoft.com/office/drawing/2014/main" val="3930721210"/>
+                  </a:ext>
+                </a:extLst>
+              </a:tr>
+              <a:tr h="370840">
+                <a:tc>
+                  <a:txBody>
+                    <a:bodyPr/>
+                    <a:lstStyle/>
+                    <a:p>
+                      <a:pPr latinLnBrk="1"/>
+                      <a:r>
+                        <a:rPr lang="en-US" altLang="ko-KR" dirty="0" smtClean="0">
+                          <a:latin typeface="+mn-ea"/>
+                          <a:ea typeface="+mn-ea"/>
+                        </a:rPr>
+                        <a:t>Activation</a:t>
+                      </a:r>
+                      <a:r>
+                        <a:rPr lang="en-US" altLang="ko-KR" baseline="0" dirty="0" smtClean="0">
+                          <a:latin typeface="+mn-ea"/>
+                          <a:ea typeface="+mn-ea"/>
+                        </a:rPr>
+                        <a:t>(‘</a:t>
+                      </a:r>
+                      <a:r>
+                        <a:rPr lang="en-US" altLang="ko-KR" baseline="0" dirty="0" err="1" smtClean="0">
+                          <a:latin typeface="+mn-ea"/>
+                          <a:ea typeface="+mn-ea"/>
+                        </a:rPr>
+                        <a:t>relu</a:t>
+                      </a:r>
+                      <a:r>
+                        <a:rPr lang="en-US" altLang="ko-KR" baseline="0" dirty="0" smtClean="0">
+                          <a:latin typeface="+mn-ea"/>
+                          <a:ea typeface="+mn-ea"/>
+                        </a:rPr>
+                        <a:t>’)</a:t>
+                      </a:r>
+                      <a:endParaRPr lang="ko-KR" altLang="en-US" dirty="0">
+                        <a:latin typeface="+mn-ea"/>
+                        <a:ea typeface="+mn-ea"/>
+                      </a:endParaRPr>
+                    </a:p>
+                  </a:txBody>
+                  <a:tcPr/>
+                </a:tc>
+                <a:tc>
+                  <a:txBody>
+                    <a:bodyPr/>
+                    <a:lstStyle/>
+                    <a:p>
+                      <a:pPr latinLnBrk="1"/>
+                      <a:r>
+                        <a:rPr lang="en-US" altLang="ko-KR" dirty="0" smtClean="0">
+                          <a:latin typeface="+mn-ea"/>
+                          <a:ea typeface="+mn-ea"/>
+                        </a:rPr>
+                        <a:t>(None, 10, 10, 768)</a:t>
+                      </a:r>
+                      <a:endParaRPr lang="ko-KR" altLang="en-US" dirty="0">
+                        <a:latin typeface="+mn-ea"/>
+                        <a:ea typeface="+mn-ea"/>
+                      </a:endParaRPr>
+                    </a:p>
+                  </a:txBody>
+                  <a:tcPr/>
+                </a:tc>
+                <a:extLst>
+                  <a:ext uri="{0D108BD9-81ED-4DB2-BD59-A6C34878D82A}">
+                    <a16:rowId xmlns:a16="http://schemas.microsoft.com/office/drawing/2014/main" val="1937806231"/>
+                  </a:ext>
+                </a:extLst>
+              </a:tr>
+            </a:tbl>
+          </a:graphicData>
+        </a:graphic>
+      </p:graphicFrame>
+      <p:graphicFrame>
+        <p:nvGraphicFramePr>
+          <p:cNvPr id="12" name="표 11"/>
+          <p:cNvGraphicFramePr>
+            <a:graphicFrameLocks noGrp="1"/>
+          </p:cNvGraphicFramePr>
+          <p:nvPr>
+            <p:extLst>
+              <p:ext uri="{D42A27DB-BD31-4B8C-83A1-F6EECF244321}">
+                <p14:modId xmlns:p14="http://schemas.microsoft.com/office/powerpoint/2010/main" val="2196074844"/>
+              </p:ext>
+            </p:extLst>
+          </p:nvPr>
+        </p:nvGraphicFramePr>
+        <p:xfrm>
+          <a:off x="1019728" y="8834669"/>
+          <a:ext cx="4864606" cy="1112520"/>
+        </p:xfrm>
+        <a:graphic>
+          <a:graphicData uri="http://schemas.openxmlformats.org/drawingml/2006/table">
+            <a:tbl>
+              <a:tblPr firstRow="1" bandRow="1">
+                <a:tableStyleId>{5940675A-B579-460E-94D1-54222C63F5DA}</a:tableStyleId>
+              </a:tblPr>
+              <a:tblGrid>
+                <a:gridCol w="2432303">
+                  <a:extLst>
+                    <a:ext uri="{9D8B030D-6E8A-4147-A177-3AD203B41FA5}">
+                      <a16:colId xmlns:a16="http://schemas.microsoft.com/office/drawing/2014/main" val="1821658187"/>
+                    </a:ext>
+                  </a:extLst>
+                </a:gridCol>
+                <a:gridCol w="2432303">
+                  <a:extLst>
+                    <a:ext uri="{9D8B030D-6E8A-4147-A177-3AD203B41FA5}">
+                      <a16:colId xmlns:a16="http://schemas.microsoft.com/office/drawing/2014/main" val="2174507200"/>
+                    </a:ext>
+                  </a:extLst>
+                </a:gridCol>
+              </a:tblGrid>
+              <a:tr h="370840">
+                <a:tc>
+                  <a:txBody>
+                    <a:bodyPr/>
+                    <a:lstStyle/>
+                    <a:p>
+                      <a:pPr latinLnBrk="1"/>
+                      <a:r>
+                        <a:rPr lang="en-US" altLang="ko-KR" dirty="0" smtClean="0">
+                          <a:latin typeface="+mn-ea"/>
+                          <a:ea typeface="+mn-ea"/>
+                        </a:rPr>
+                        <a:t>Conv2D</a:t>
+                      </a:r>
+                      <a:endParaRPr lang="ko-KR" altLang="en-US" dirty="0">
+                        <a:latin typeface="+mn-ea"/>
+                        <a:ea typeface="+mn-ea"/>
+                      </a:endParaRPr>
+                    </a:p>
+                  </a:txBody>
+                  <a:tcPr/>
+                </a:tc>
+                <a:tc>
+                  <a:txBody>
+                    <a:bodyPr/>
+                    <a:lstStyle/>
+                    <a:p>
+                      <a:pPr latinLnBrk="1"/>
+                      <a:r>
+                        <a:rPr lang="en-US" altLang="ko-KR" dirty="0" smtClean="0">
+                          <a:latin typeface="+mn-ea"/>
+                          <a:ea typeface="+mn-ea"/>
+                        </a:rPr>
+                        <a:t>(None, 10, 10, 512)</a:t>
+                      </a:r>
+                      <a:endParaRPr lang="ko-KR" altLang="en-US" dirty="0">
+                        <a:latin typeface="+mn-ea"/>
+                        <a:ea typeface="+mn-ea"/>
+                      </a:endParaRPr>
+                    </a:p>
+                  </a:txBody>
+                  <a:tcPr/>
+                </a:tc>
+                <a:extLst>
+                  <a:ext uri="{0D108BD9-81ED-4DB2-BD59-A6C34878D82A}">
+                    <a16:rowId xmlns:a16="http://schemas.microsoft.com/office/drawing/2014/main" val="3648418454"/>
+                  </a:ext>
+                </a:extLst>
+              </a:tr>
+              <a:tr h="370840">
+                <a:tc>
+                  <a:txBody>
+                    <a:bodyPr/>
+                    <a:lstStyle/>
+                    <a:p>
+                      <a:pPr latinLnBrk="1"/>
+                      <a:r>
+                        <a:rPr lang="en-US" altLang="ko-KR" dirty="0" err="1" smtClean="0">
+                          <a:latin typeface="+mn-ea"/>
+                          <a:ea typeface="+mn-ea"/>
+                        </a:rPr>
+                        <a:t>BatchNormalization</a:t>
+                      </a:r>
+                      <a:endParaRPr lang="ko-KR" altLang="en-US" dirty="0">
+                        <a:latin typeface="+mn-ea"/>
+                        <a:ea typeface="+mn-ea"/>
+                      </a:endParaRPr>
+                    </a:p>
+                  </a:txBody>
+                  <a:tcPr/>
+                </a:tc>
+                <a:tc>
+                  <a:txBody>
+                    <a:bodyPr/>
+                    <a:lstStyle/>
+                    <a:p>
+                      <a:pPr latinLnBrk="1"/>
+                      <a:r>
+                        <a:rPr lang="en-US" altLang="ko-KR" dirty="0" smtClean="0">
+                          <a:latin typeface="+mn-ea"/>
+                          <a:ea typeface="+mn-ea"/>
+                        </a:rPr>
+                        <a:t>(None, 10, 10, </a:t>
+                      </a:r>
+                      <a:r>
+                        <a:rPr lang="en-US" altLang="ko-KR" baseline="0" dirty="0" smtClean="0">
+                          <a:latin typeface="+mn-ea"/>
+                          <a:ea typeface="+mn-ea"/>
+                        </a:rPr>
+                        <a:t>512</a:t>
+                      </a:r>
+                      <a:r>
+                        <a:rPr lang="en-US" altLang="ko-KR" dirty="0" smtClean="0">
+                          <a:latin typeface="+mn-ea"/>
+                          <a:ea typeface="+mn-ea"/>
+                        </a:rPr>
+                        <a:t>)</a:t>
+                      </a:r>
+                      <a:endParaRPr lang="ko-KR" altLang="en-US" dirty="0">
+                        <a:latin typeface="+mn-ea"/>
+                        <a:ea typeface="+mn-ea"/>
+                      </a:endParaRPr>
+                    </a:p>
+                  </a:txBody>
+                  <a:tcPr/>
+                </a:tc>
+                <a:extLst>
+                  <a:ext uri="{0D108BD9-81ED-4DB2-BD59-A6C34878D82A}">
+                    <a16:rowId xmlns:a16="http://schemas.microsoft.com/office/drawing/2014/main" val="3930721210"/>
+                  </a:ext>
+                </a:extLst>
+              </a:tr>
+              <a:tr h="370840">
+                <a:tc>
+                  <a:txBody>
+                    <a:bodyPr/>
+                    <a:lstStyle/>
+                    <a:p>
+                      <a:pPr latinLnBrk="1"/>
+                      <a:r>
+                        <a:rPr lang="en-US" altLang="ko-KR" dirty="0" smtClean="0">
+                          <a:latin typeface="+mn-ea"/>
+                          <a:ea typeface="+mn-ea"/>
+                        </a:rPr>
+                        <a:t>Activation</a:t>
+                      </a:r>
+                      <a:r>
+                        <a:rPr lang="en-US" altLang="ko-KR" baseline="0" dirty="0" smtClean="0">
+                          <a:latin typeface="+mn-ea"/>
+                          <a:ea typeface="+mn-ea"/>
+                        </a:rPr>
+                        <a:t>(‘</a:t>
+                      </a:r>
+                      <a:r>
+                        <a:rPr lang="en-US" altLang="ko-KR" baseline="0" dirty="0" err="1" smtClean="0">
+                          <a:latin typeface="+mn-ea"/>
+                          <a:ea typeface="+mn-ea"/>
+                        </a:rPr>
+                        <a:t>relu</a:t>
+                      </a:r>
+                      <a:r>
+                        <a:rPr lang="en-US" altLang="ko-KR" baseline="0" dirty="0" smtClean="0">
+                          <a:latin typeface="+mn-ea"/>
+                          <a:ea typeface="+mn-ea"/>
+                        </a:rPr>
+                        <a:t>’)</a:t>
+                      </a:r>
+                      <a:endParaRPr lang="ko-KR" altLang="en-US" dirty="0">
+                        <a:latin typeface="+mn-ea"/>
+                        <a:ea typeface="+mn-ea"/>
+                      </a:endParaRPr>
+                    </a:p>
+                  </a:txBody>
+                  <a:tcPr/>
+                </a:tc>
+                <a:tc>
+                  <a:txBody>
+                    <a:bodyPr/>
+                    <a:lstStyle/>
+                    <a:p>
+                      <a:pPr latinLnBrk="1"/>
+                      <a:r>
+                        <a:rPr lang="en-US" altLang="ko-KR" dirty="0" smtClean="0">
+                          <a:latin typeface="+mn-ea"/>
+                          <a:ea typeface="+mn-ea"/>
+                        </a:rPr>
+                        <a:t>(None, 10, 10, 512)</a:t>
+                      </a:r>
+                      <a:endParaRPr lang="ko-KR" altLang="en-US" dirty="0">
+                        <a:latin typeface="+mn-ea"/>
+                        <a:ea typeface="+mn-ea"/>
+                      </a:endParaRPr>
+                    </a:p>
+                  </a:txBody>
+                  <a:tcPr/>
+                </a:tc>
+                <a:extLst>
+                  <a:ext uri="{0D108BD9-81ED-4DB2-BD59-A6C34878D82A}">
+                    <a16:rowId xmlns:a16="http://schemas.microsoft.com/office/drawing/2014/main" val="1937806231"/>
+                  </a:ext>
+                </a:extLst>
+              </a:tr>
+            </a:tbl>
+          </a:graphicData>
+        </a:graphic>
+      </p:graphicFrame>
+      <p:graphicFrame>
+        <p:nvGraphicFramePr>
+          <p:cNvPr id="13" name="표 12"/>
+          <p:cNvGraphicFramePr>
+            <a:graphicFrameLocks noGrp="1"/>
+          </p:cNvGraphicFramePr>
+          <p:nvPr>
+            <p:extLst>
+              <p:ext uri="{D42A27DB-BD31-4B8C-83A1-F6EECF244321}">
+                <p14:modId xmlns:p14="http://schemas.microsoft.com/office/powerpoint/2010/main" val="2670452395"/>
+              </p:ext>
+            </p:extLst>
+          </p:nvPr>
+        </p:nvGraphicFramePr>
+        <p:xfrm>
+          <a:off x="6911934" y="4307627"/>
+          <a:ext cx="4864606" cy="1112520"/>
+        </p:xfrm>
+        <a:graphic>
+          <a:graphicData uri="http://schemas.openxmlformats.org/drawingml/2006/table">
+            <a:tbl>
+              <a:tblPr firstRow="1" bandRow="1">
+                <a:tableStyleId>{5940675A-B579-460E-94D1-54222C63F5DA}</a:tableStyleId>
+              </a:tblPr>
+              <a:tblGrid>
+                <a:gridCol w="2432303">
+                  <a:extLst>
+                    <a:ext uri="{9D8B030D-6E8A-4147-A177-3AD203B41FA5}">
+                      <a16:colId xmlns:a16="http://schemas.microsoft.com/office/drawing/2014/main" val="1821658187"/>
+                    </a:ext>
+                  </a:extLst>
+                </a:gridCol>
+                <a:gridCol w="2432303">
+                  <a:extLst>
+                    <a:ext uri="{9D8B030D-6E8A-4147-A177-3AD203B41FA5}">
+                      <a16:colId xmlns:a16="http://schemas.microsoft.com/office/drawing/2014/main" val="2174507200"/>
+                    </a:ext>
+                  </a:extLst>
+                </a:gridCol>
+              </a:tblGrid>
+              <a:tr h="370840">
+                <a:tc>
+                  <a:txBody>
+                    <a:bodyPr/>
+                    <a:lstStyle/>
+                    <a:p>
+                      <a:pPr latinLnBrk="1"/>
+                      <a:r>
+                        <a:rPr lang="en-US" altLang="ko-KR" dirty="0" smtClean="0">
+                          <a:latin typeface="+mn-ea"/>
+                          <a:ea typeface="+mn-ea"/>
+                        </a:rPr>
+                        <a:t>Conv2D</a:t>
+                      </a:r>
+                      <a:endParaRPr lang="ko-KR" altLang="en-US" dirty="0">
+                        <a:latin typeface="+mn-ea"/>
+                        <a:ea typeface="+mn-ea"/>
+                      </a:endParaRPr>
+                    </a:p>
+                  </a:txBody>
+                  <a:tcPr/>
+                </a:tc>
+                <a:tc>
+                  <a:txBody>
+                    <a:bodyPr/>
+                    <a:lstStyle/>
+                    <a:p>
+                      <a:pPr latinLnBrk="1"/>
+                      <a:r>
+                        <a:rPr lang="en-US" altLang="ko-KR" dirty="0" smtClean="0">
+                          <a:latin typeface="+mn-ea"/>
+                          <a:ea typeface="+mn-ea"/>
+                        </a:rPr>
+                        <a:t>(None, 10, 10, 384)</a:t>
+                      </a:r>
+                      <a:endParaRPr lang="ko-KR" altLang="en-US" dirty="0">
+                        <a:latin typeface="+mn-ea"/>
+                        <a:ea typeface="+mn-ea"/>
+                      </a:endParaRPr>
+                    </a:p>
+                  </a:txBody>
+                  <a:tcPr/>
+                </a:tc>
+                <a:extLst>
+                  <a:ext uri="{0D108BD9-81ED-4DB2-BD59-A6C34878D82A}">
+                    <a16:rowId xmlns:a16="http://schemas.microsoft.com/office/drawing/2014/main" val="3648418454"/>
+                  </a:ext>
+                </a:extLst>
+              </a:tr>
+              <a:tr h="370840">
+                <a:tc>
+                  <a:txBody>
+                    <a:bodyPr/>
+                    <a:lstStyle/>
+                    <a:p>
+                      <a:pPr latinLnBrk="1"/>
+                      <a:r>
+                        <a:rPr lang="en-US" altLang="ko-KR" dirty="0" err="1" smtClean="0">
+                          <a:latin typeface="+mn-ea"/>
+                          <a:ea typeface="+mn-ea"/>
+                        </a:rPr>
+                        <a:t>BatchNormalization</a:t>
+                      </a:r>
+                      <a:endParaRPr lang="ko-KR" altLang="en-US" dirty="0">
+                        <a:latin typeface="+mn-ea"/>
+                        <a:ea typeface="+mn-ea"/>
+                      </a:endParaRPr>
+                    </a:p>
+                  </a:txBody>
+                  <a:tcPr/>
+                </a:tc>
+                <a:tc>
+                  <a:txBody>
+                    <a:bodyPr/>
+                    <a:lstStyle/>
+                    <a:p>
+                      <a:pPr latinLnBrk="1"/>
+                      <a:r>
+                        <a:rPr lang="en-US" altLang="ko-KR" dirty="0" smtClean="0">
+                          <a:latin typeface="+mn-ea"/>
+                          <a:ea typeface="+mn-ea"/>
+                        </a:rPr>
+                        <a:t>(None, 10, 10, </a:t>
+                      </a:r>
+                      <a:r>
+                        <a:rPr lang="en-US" altLang="ko-KR" baseline="0" dirty="0" smtClean="0">
+                          <a:latin typeface="+mn-ea"/>
+                          <a:ea typeface="+mn-ea"/>
+                        </a:rPr>
+                        <a:t>384</a:t>
+                      </a:r>
+                      <a:r>
+                        <a:rPr lang="en-US" altLang="ko-KR" dirty="0" smtClean="0">
+                          <a:latin typeface="+mn-ea"/>
+                          <a:ea typeface="+mn-ea"/>
+                        </a:rPr>
+                        <a:t>)</a:t>
+                      </a:r>
+                      <a:endParaRPr lang="ko-KR" altLang="en-US" dirty="0">
+                        <a:latin typeface="+mn-ea"/>
+                        <a:ea typeface="+mn-ea"/>
+                      </a:endParaRPr>
+                    </a:p>
+                  </a:txBody>
+                  <a:tcPr/>
+                </a:tc>
+                <a:extLst>
+                  <a:ext uri="{0D108BD9-81ED-4DB2-BD59-A6C34878D82A}">
+                    <a16:rowId xmlns:a16="http://schemas.microsoft.com/office/drawing/2014/main" val="3930721210"/>
+                  </a:ext>
+                </a:extLst>
+              </a:tr>
+              <a:tr h="370840">
+                <a:tc>
+                  <a:txBody>
+                    <a:bodyPr/>
+                    <a:lstStyle/>
+                    <a:p>
+                      <a:pPr latinLnBrk="1"/>
+                      <a:r>
+                        <a:rPr lang="en-US" altLang="ko-KR" dirty="0" smtClean="0">
+                          <a:latin typeface="+mn-ea"/>
+                          <a:ea typeface="+mn-ea"/>
+                        </a:rPr>
+                        <a:t>Activation</a:t>
+                      </a:r>
+                      <a:r>
+                        <a:rPr lang="en-US" altLang="ko-KR" baseline="0" dirty="0" smtClean="0">
+                          <a:latin typeface="+mn-ea"/>
+                          <a:ea typeface="+mn-ea"/>
+                        </a:rPr>
+                        <a:t>(‘</a:t>
+                      </a:r>
+                      <a:r>
+                        <a:rPr lang="en-US" altLang="ko-KR" baseline="0" dirty="0" err="1" smtClean="0">
+                          <a:latin typeface="+mn-ea"/>
+                          <a:ea typeface="+mn-ea"/>
+                        </a:rPr>
+                        <a:t>relu</a:t>
+                      </a:r>
+                      <a:r>
+                        <a:rPr lang="en-US" altLang="ko-KR" baseline="0" dirty="0" smtClean="0">
+                          <a:latin typeface="+mn-ea"/>
+                          <a:ea typeface="+mn-ea"/>
+                        </a:rPr>
+                        <a:t>’)</a:t>
+                      </a:r>
+                      <a:endParaRPr lang="ko-KR" altLang="en-US" dirty="0">
+                        <a:latin typeface="+mn-ea"/>
+                        <a:ea typeface="+mn-ea"/>
+                      </a:endParaRPr>
+                    </a:p>
+                  </a:txBody>
+                  <a:tcPr/>
+                </a:tc>
+                <a:tc>
+                  <a:txBody>
+                    <a:bodyPr/>
+                    <a:lstStyle/>
+                    <a:p>
+                      <a:pPr latinLnBrk="1"/>
+                      <a:r>
+                        <a:rPr lang="en-US" altLang="ko-KR" dirty="0" smtClean="0">
+                          <a:latin typeface="+mn-ea"/>
+                          <a:ea typeface="+mn-ea"/>
+                        </a:rPr>
+                        <a:t>(None, 10, 10, 384)</a:t>
+                      </a:r>
+                      <a:endParaRPr lang="ko-KR" altLang="en-US" dirty="0">
+                        <a:latin typeface="+mn-ea"/>
+                        <a:ea typeface="+mn-ea"/>
+                      </a:endParaRPr>
+                    </a:p>
+                  </a:txBody>
+                  <a:tcPr/>
+                </a:tc>
+                <a:extLst>
+                  <a:ext uri="{0D108BD9-81ED-4DB2-BD59-A6C34878D82A}">
+                    <a16:rowId xmlns:a16="http://schemas.microsoft.com/office/drawing/2014/main" val="1937806231"/>
+                  </a:ext>
+                </a:extLst>
+              </a:tr>
+            </a:tbl>
+          </a:graphicData>
+        </a:graphic>
+      </p:graphicFrame>
+      <p:graphicFrame>
+        <p:nvGraphicFramePr>
+          <p:cNvPr id="14" name="표 13"/>
+          <p:cNvGraphicFramePr>
+            <a:graphicFrameLocks noGrp="1"/>
+          </p:cNvGraphicFramePr>
+          <p:nvPr>
+            <p:extLst>
+              <p:ext uri="{D42A27DB-BD31-4B8C-83A1-F6EECF244321}">
+                <p14:modId xmlns:p14="http://schemas.microsoft.com/office/powerpoint/2010/main" val="4276198448"/>
+              </p:ext>
+            </p:extLst>
+          </p:nvPr>
+        </p:nvGraphicFramePr>
+        <p:xfrm>
+          <a:off x="6911934" y="5815903"/>
+          <a:ext cx="4864606" cy="1112520"/>
+        </p:xfrm>
+        <a:graphic>
+          <a:graphicData uri="http://schemas.openxmlformats.org/drawingml/2006/table">
+            <a:tbl>
+              <a:tblPr firstRow="1" bandRow="1">
+                <a:tableStyleId>{5940675A-B579-460E-94D1-54222C63F5DA}</a:tableStyleId>
+              </a:tblPr>
+              <a:tblGrid>
+                <a:gridCol w="2432303">
+                  <a:extLst>
+                    <a:ext uri="{9D8B030D-6E8A-4147-A177-3AD203B41FA5}">
+                      <a16:colId xmlns:a16="http://schemas.microsoft.com/office/drawing/2014/main" val="1821658187"/>
+                    </a:ext>
+                  </a:extLst>
+                </a:gridCol>
+                <a:gridCol w="2432303">
+                  <a:extLst>
+                    <a:ext uri="{9D8B030D-6E8A-4147-A177-3AD203B41FA5}">
+                      <a16:colId xmlns:a16="http://schemas.microsoft.com/office/drawing/2014/main" val="2174507200"/>
+                    </a:ext>
+                  </a:extLst>
+                </a:gridCol>
+              </a:tblGrid>
+              <a:tr h="370840">
+                <a:tc>
+                  <a:txBody>
+                    <a:bodyPr/>
+                    <a:lstStyle/>
+                    <a:p>
+                      <a:pPr latinLnBrk="1"/>
+                      <a:r>
+                        <a:rPr lang="en-US" altLang="ko-KR" dirty="0" smtClean="0">
+                          <a:latin typeface="+mn-ea"/>
+                          <a:ea typeface="+mn-ea"/>
+                        </a:rPr>
+                        <a:t>Conv2D</a:t>
+                      </a:r>
+                      <a:endParaRPr lang="ko-KR" altLang="en-US" dirty="0">
+                        <a:latin typeface="+mn-ea"/>
+                        <a:ea typeface="+mn-ea"/>
+                      </a:endParaRPr>
+                    </a:p>
+                  </a:txBody>
+                  <a:tcPr/>
+                </a:tc>
+                <a:tc>
+                  <a:txBody>
+                    <a:bodyPr/>
+                    <a:lstStyle/>
+                    <a:p>
+                      <a:pPr latinLnBrk="1"/>
+                      <a:r>
+                        <a:rPr lang="en-US" altLang="ko-KR" dirty="0" smtClean="0">
+                          <a:latin typeface="+mn-ea"/>
+                          <a:ea typeface="+mn-ea"/>
+                        </a:rPr>
+                        <a:t>(None, 10, 10, 256)</a:t>
+                      </a:r>
+                      <a:endParaRPr lang="ko-KR" altLang="en-US" dirty="0">
+                        <a:latin typeface="+mn-ea"/>
+                        <a:ea typeface="+mn-ea"/>
+                      </a:endParaRPr>
+                    </a:p>
+                  </a:txBody>
+                  <a:tcPr/>
+                </a:tc>
+                <a:extLst>
+                  <a:ext uri="{0D108BD9-81ED-4DB2-BD59-A6C34878D82A}">
+                    <a16:rowId xmlns:a16="http://schemas.microsoft.com/office/drawing/2014/main" val="3648418454"/>
+                  </a:ext>
+                </a:extLst>
+              </a:tr>
+              <a:tr h="370840">
+                <a:tc>
+                  <a:txBody>
+                    <a:bodyPr/>
+                    <a:lstStyle/>
+                    <a:p>
+                      <a:pPr latinLnBrk="1"/>
+                      <a:r>
+                        <a:rPr lang="en-US" altLang="ko-KR" dirty="0" err="1" smtClean="0">
+                          <a:latin typeface="+mn-ea"/>
+                          <a:ea typeface="+mn-ea"/>
+                        </a:rPr>
+                        <a:t>BatchNormalization</a:t>
+                      </a:r>
+                      <a:endParaRPr lang="ko-KR" altLang="en-US" dirty="0">
+                        <a:latin typeface="+mn-ea"/>
+                        <a:ea typeface="+mn-ea"/>
+                      </a:endParaRPr>
+                    </a:p>
+                  </a:txBody>
+                  <a:tcPr/>
+                </a:tc>
+                <a:tc>
+                  <a:txBody>
+                    <a:bodyPr/>
+                    <a:lstStyle/>
+                    <a:p>
+                      <a:pPr latinLnBrk="1"/>
+                      <a:r>
+                        <a:rPr lang="en-US" altLang="ko-KR" dirty="0" smtClean="0">
+                          <a:latin typeface="+mn-ea"/>
+                          <a:ea typeface="+mn-ea"/>
+                        </a:rPr>
+                        <a:t>(None, 10, 10, </a:t>
+                      </a:r>
+                      <a:r>
+                        <a:rPr lang="en-US" altLang="ko-KR" baseline="0" dirty="0" smtClean="0">
+                          <a:latin typeface="+mn-ea"/>
+                          <a:ea typeface="+mn-ea"/>
+                        </a:rPr>
+                        <a:t>256</a:t>
+                      </a:r>
+                      <a:r>
+                        <a:rPr lang="en-US" altLang="ko-KR" dirty="0" smtClean="0">
+                          <a:latin typeface="+mn-ea"/>
+                          <a:ea typeface="+mn-ea"/>
+                        </a:rPr>
+                        <a:t>)</a:t>
+                      </a:r>
+                      <a:endParaRPr lang="ko-KR" altLang="en-US" dirty="0">
+                        <a:latin typeface="+mn-ea"/>
+                        <a:ea typeface="+mn-ea"/>
+                      </a:endParaRPr>
+                    </a:p>
+                  </a:txBody>
+                  <a:tcPr/>
+                </a:tc>
+                <a:extLst>
+                  <a:ext uri="{0D108BD9-81ED-4DB2-BD59-A6C34878D82A}">
+                    <a16:rowId xmlns:a16="http://schemas.microsoft.com/office/drawing/2014/main" val="3930721210"/>
+                  </a:ext>
+                </a:extLst>
+              </a:tr>
+              <a:tr h="370840">
+                <a:tc>
+                  <a:txBody>
+                    <a:bodyPr/>
+                    <a:lstStyle/>
+                    <a:p>
+                      <a:pPr latinLnBrk="1"/>
+                      <a:r>
+                        <a:rPr lang="en-US" altLang="ko-KR" dirty="0" smtClean="0">
+                          <a:latin typeface="+mn-ea"/>
+                          <a:ea typeface="+mn-ea"/>
+                        </a:rPr>
+                        <a:t>Activation</a:t>
+                      </a:r>
+                      <a:r>
+                        <a:rPr lang="en-US" altLang="ko-KR" baseline="0" dirty="0" smtClean="0">
+                          <a:latin typeface="+mn-ea"/>
+                          <a:ea typeface="+mn-ea"/>
+                        </a:rPr>
+                        <a:t>(‘</a:t>
+                      </a:r>
+                      <a:r>
+                        <a:rPr lang="en-US" altLang="ko-KR" baseline="0" dirty="0" err="1" smtClean="0">
+                          <a:latin typeface="+mn-ea"/>
+                          <a:ea typeface="+mn-ea"/>
+                        </a:rPr>
+                        <a:t>relu</a:t>
+                      </a:r>
+                      <a:r>
+                        <a:rPr lang="en-US" altLang="ko-KR" baseline="0" dirty="0" smtClean="0">
+                          <a:latin typeface="+mn-ea"/>
+                          <a:ea typeface="+mn-ea"/>
+                        </a:rPr>
+                        <a:t>’)</a:t>
+                      </a:r>
+                      <a:endParaRPr lang="ko-KR" altLang="en-US" dirty="0">
+                        <a:latin typeface="+mn-ea"/>
+                        <a:ea typeface="+mn-ea"/>
+                      </a:endParaRPr>
+                    </a:p>
+                  </a:txBody>
+                  <a:tcPr/>
+                </a:tc>
+                <a:tc>
+                  <a:txBody>
+                    <a:bodyPr/>
+                    <a:lstStyle/>
+                    <a:p>
+                      <a:pPr latinLnBrk="1"/>
+                      <a:r>
+                        <a:rPr lang="en-US" altLang="ko-KR" dirty="0" smtClean="0">
+                          <a:latin typeface="+mn-ea"/>
+                          <a:ea typeface="+mn-ea"/>
+                        </a:rPr>
+                        <a:t>(None, 10, 10, 256)</a:t>
+                      </a:r>
+                      <a:endParaRPr lang="ko-KR" altLang="en-US" dirty="0">
+                        <a:latin typeface="+mn-ea"/>
+                        <a:ea typeface="+mn-ea"/>
+                      </a:endParaRPr>
+                    </a:p>
+                  </a:txBody>
+                  <a:tcPr/>
+                </a:tc>
+                <a:extLst>
+                  <a:ext uri="{0D108BD9-81ED-4DB2-BD59-A6C34878D82A}">
+                    <a16:rowId xmlns:a16="http://schemas.microsoft.com/office/drawing/2014/main" val="1937806231"/>
+                  </a:ext>
+                </a:extLst>
+              </a:tr>
+            </a:tbl>
+          </a:graphicData>
+        </a:graphic>
+      </p:graphicFrame>
+      <p:graphicFrame>
+        <p:nvGraphicFramePr>
+          <p:cNvPr id="15" name="표 14"/>
+          <p:cNvGraphicFramePr>
+            <a:graphicFrameLocks noGrp="1"/>
+          </p:cNvGraphicFramePr>
+          <p:nvPr>
+            <p:extLst>
+              <p:ext uri="{D42A27DB-BD31-4B8C-83A1-F6EECF244321}">
+                <p14:modId xmlns:p14="http://schemas.microsoft.com/office/powerpoint/2010/main" val="2110287864"/>
+              </p:ext>
+            </p:extLst>
+          </p:nvPr>
+        </p:nvGraphicFramePr>
+        <p:xfrm>
+          <a:off x="6911934" y="7330538"/>
+          <a:ext cx="4864606" cy="1112520"/>
+        </p:xfrm>
+        <a:graphic>
+          <a:graphicData uri="http://schemas.openxmlformats.org/drawingml/2006/table">
+            <a:tbl>
+              <a:tblPr firstRow="1" bandRow="1">
+                <a:tableStyleId>{5940675A-B579-460E-94D1-54222C63F5DA}</a:tableStyleId>
+              </a:tblPr>
+              <a:tblGrid>
+                <a:gridCol w="2432303">
+                  <a:extLst>
+                    <a:ext uri="{9D8B030D-6E8A-4147-A177-3AD203B41FA5}">
+                      <a16:colId xmlns:a16="http://schemas.microsoft.com/office/drawing/2014/main" val="1821658187"/>
+                    </a:ext>
+                  </a:extLst>
+                </a:gridCol>
+                <a:gridCol w="2432303">
+                  <a:extLst>
+                    <a:ext uri="{9D8B030D-6E8A-4147-A177-3AD203B41FA5}">
+                      <a16:colId xmlns:a16="http://schemas.microsoft.com/office/drawing/2014/main" val="2174507200"/>
+                    </a:ext>
+                  </a:extLst>
+                </a:gridCol>
+              </a:tblGrid>
+              <a:tr h="370840">
+                <a:tc>
+                  <a:txBody>
+                    <a:bodyPr/>
+                    <a:lstStyle/>
+                    <a:p>
+                      <a:pPr latinLnBrk="1"/>
+                      <a:r>
+                        <a:rPr lang="en-US" altLang="ko-KR" dirty="0" smtClean="0">
+                          <a:latin typeface="+mn-ea"/>
+                          <a:ea typeface="+mn-ea"/>
+                        </a:rPr>
+                        <a:t>Conv2D</a:t>
+                      </a:r>
+                      <a:endParaRPr lang="ko-KR" altLang="en-US" dirty="0">
+                        <a:latin typeface="+mn-ea"/>
+                        <a:ea typeface="+mn-ea"/>
+                      </a:endParaRPr>
+                    </a:p>
+                  </a:txBody>
+                  <a:tcPr/>
+                </a:tc>
+                <a:tc>
+                  <a:txBody>
+                    <a:bodyPr/>
+                    <a:lstStyle/>
+                    <a:p>
+                      <a:pPr latinLnBrk="1"/>
+                      <a:r>
+                        <a:rPr lang="en-US" altLang="ko-KR" dirty="0" smtClean="0">
+                          <a:latin typeface="+mn-ea"/>
+                          <a:ea typeface="+mn-ea"/>
+                        </a:rPr>
+                        <a:t>(None, 10, 10, 128)</a:t>
+                      </a:r>
+                      <a:endParaRPr lang="ko-KR" altLang="en-US" dirty="0">
+                        <a:latin typeface="+mn-ea"/>
+                        <a:ea typeface="+mn-ea"/>
+                      </a:endParaRPr>
+                    </a:p>
+                  </a:txBody>
+                  <a:tcPr/>
+                </a:tc>
+                <a:extLst>
+                  <a:ext uri="{0D108BD9-81ED-4DB2-BD59-A6C34878D82A}">
+                    <a16:rowId xmlns:a16="http://schemas.microsoft.com/office/drawing/2014/main" val="3648418454"/>
+                  </a:ext>
+                </a:extLst>
+              </a:tr>
+              <a:tr h="370840">
+                <a:tc>
+                  <a:txBody>
+                    <a:bodyPr/>
+                    <a:lstStyle/>
+                    <a:p>
+                      <a:pPr latinLnBrk="1"/>
+                      <a:r>
+                        <a:rPr lang="en-US" altLang="ko-KR" dirty="0" err="1" smtClean="0">
+                          <a:latin typeface="+mn-ea"/>
+                          <a:ea typeface="+mn-ea"/>
+                        </a:rPr>
+                        <a:t>BatchNormalization</a:t>
+                      </a:r>
+                      <a:endParaRPr lang="ko-KR" altLang="en-US" dirty="0">
+                        <a:latin typeface="+mn-ea"/>
+                        <a:ea typeface="+mn-ea"/>
+                      </a:endParaRPr>
+                    </a:p>
+                  </a:txBody>
+                  <a:tcPr/>
+                </a:tc>
+                <a:tc>
+                  <a:txBody>
+                    <a:bodyPr/>
+                    <a:lstStyle/>
+                    <a:p>
+                      <a:pPr latinLnBrk="1"/>
+                      <a:r>
+                        <a:rPr lang="en-US" altLang="ko-KR" dirty="0" smtClean="0">
+                          <a:latin typeface="+mn-ea"/>
+                          <a:ea typeface="+mn-ea"/>
+                        </a:rPr>
+                        <a:t>(None, 10, 10, </a:t>
+                      </a:r>
+                      <a:r>
+                        <a:rPr lang="en-US" altLang="ko-KR" baseline="0" dirty="0" smtClean="0">
+                          <a:latin typeface="+mn-ea"/>
+                          <a:ea typeface="+mn-ea"/>
+                        </a:rPr>
+                        <a:t>128</a:t>
+                      </a:r>
+                      <a:r>
+                        <a:rPr lang="en-US" altLang="ko-KR" dirty="0" smtClean="0">
+                          <a:latin typeface="+mn-ea"/>
+                          <a:ea typeface="+mn-ea"/>
+                        </a:rPr>
+                        <a:t>)</a:t>
+                      </a:r>
+                      <a:endParaRPr lang="ko-KR" altLang="en-US" dirty="0">
+                        <a:latin typeface="+mn-ea"/>
+                        <a:ea typeface="+mn-ea"/>
+                      </a:endParaRPr>
+                    </a:p>
+                  </a:txBody>
+                  <a:tcPr/>
+                </a:tc>
+                <a:extLst>
+                  <a:ext uri="{0D108BD9-81ED-4DB2-BD59-A6C34878D82A}">
+                    <a16:rowId xmlns:a16="http://schemas.microsoft.com/office/drawing/2014/main" val="3930721210"/>
+                  </a:ext>
+                </a:extLst>
+              </a:tr>
+              <a:tr h="370840">
+                <a:tc>
+                  <a:txBody>
+                    <a:bodyPr/>
+                    <a:lstStyle/>
+                    <a:p>
+                      <a:pPr latinLnBrk="1"/>
+                      <a:r>
+                        <a:rPr lang="en-US" altLang="ko-KR" dirty="0" smtClean="0">
+                          <a:latin typeface="+mn-ea"/>
+                          <a:ea typeface="+mn-ea"/>
+                        </a:rPr>
+                        <a:t>Activation</a:t>
+                      </a:r>
+                      <a:r>
+                        <a:rPr lang="en-US" altLang="ko-KR" baseline="0" dirty="0" smtClean="0">
+                          <a:latin typeface="+mn-ea"/>
+                          <a:ea typeface="+mn-ea"/>
+                        </a:rPr>
+                        <a:t>(‘</a:t>
+                      </a:r>
+                      <a:r>
+                        <a:rPr lang="en-US" altLang="ko-KR" baseline="0" dirty="0" err="1" smtClean="0">
+                          <a:latin typeface="+mn-ea"/>
+                          <a:ea typeface="+mn-ea"/>
+                        </a:rPr>
+                        <a:t>relu</a:t>
+                      </a:r>
+                      <a:r>
+                        <a:rPr lang="en-US" altLang="ko-KR" baseline="0" dirty="0" smtClean="0">
+                          <a:latin typeface="+mn-ea"/>
+                          <a:ea typeface="+mn-ea"/>
+                        </a:rPr>
+                        <a:t>’)</a:t>
+                      </a:r>
+                      <a:endParaRPr lang="ko-KR" altLang="en-US" dirty="0">
+                        <a:latin typeface="+mn-ea"/>
+                        <a:ea typeface="+mn-ea"/>
+                      </a:endParaRPr>
+                    </a:p>
+                  </a:txBody>
+                  <a:tcPr/>
+                </a:tc>
+                <a:tc>
+                  <a:txBody>
+                    <a:bodyPr/>
+                    <a:lstStyle/>
+                    <a:p>
+                      <a:pPr latinLnBrk="1"/>
+                      <a:r>
+                        <a:rPr lang="en-US" altLang="ko-KR" dirty="0" smtClean="0">
+                          <a:latin typeface="+mn-ea"/>
+                          <a:ea typeface="+mn-ea"/>
+                        </a:rPr>
+                        <a:t>(None, 10, 10, 128)</a:t>
+                      </a:r>
+                      <a:endParaRPr lang="ko-KR" altLang="en-US" dirty="0">
+                        <a:latin typeface="+mn-ea"/>
+                        <a:ea typeface="+mn-ea"/>
+                      </a:endParaRPr>
+                    </a:p>
+                  </a:txBody>
+                  <a:tcPr/>
+                </a:tc>
+                <a:extLst>
+                  <a:ext uri="{0D108BD9-81ED-4DB2-BD59-A6C34878D82A}">
+                    <a16:rowId xmlns:a16="http://schemas.microsoft.com/office/drawing/2014/main" val="1937806231"/>
+                  </a:ext>
+                </a:extLst>
+              </a:tr>
+            </a:tbl>
+          </a:graphicData>
+        </a:graphic>
+      </p:graphicFrame>
+      <p:graphicFrame>
+        <p:nvGraphicFramePr>
+          <p:cNvPr id="16" name="표 15"/>
+          <p:cNvGraphicFramePr>
+            <a:graphicFrameLocks noGrp="1"/>
+          </p:cNvGraphicFramePr>
+          <p:nvPr>
+            <p:extLst>
+              <p:ext uri="{D42A27DB-BD31-4B8C-83A1-F6EECF244321}">
+                <p14:modId xmlns:p14="http://schemas.microsoft.com/office/powerpoint/2010/main" val="1846438136"/>
+              </p:ext>
+            </p:extLst>
+          </p:nvPr>
+        </p:nvGraphicFramePr>
+        <p:xfrm>
+          <a:off x="6911934" y="8840477"/>
+          <a:ext cx="4864606" cy="1112520"/>
+        </p:xfrm>
+        <a:graphic>
+          <a:graphicData uri="http://schemas.openxmlformats.org/drawingml/2006/table">
+            <a:tbl>
+              <a:tblPr firstRow="1" bandRow="1">
+                <a:tableStyleId>{5940675A-B579-460E-94D1-54222C63F5DA}</a:tableStyleId>
+              </a:tblPr>
+              <a:tblGrid>
+                <a:gridCol w="2432303">
+                  <a:extLst>
+                    <a:ext uri="{9D8B030D-6E8A-4147-A177-3AD203B41FA5}">
+                      <a16:colId xmlns:a16="http://schemas.microsoft.com/office/drawing/2014/main" val="1821658187"/>
+                    </a:ext>
+                  </a:extLst>
+                </a:gridCol>
+                <a:gridCol w="2432303">
+                  <a:extLst>
+                    <a:ext uri="{9D8B030D-6E8A-4147-A177-3AD203B41FA5}">
+                      <a16:colId xmlns:a16="http://schemas.microsoft.com/office/drawing/2014/main" val="2174507200"/>
+                    </a:ext>
+                  </a:extLst>
+                </a:gridCol>
+              </a:tblGrid>
+              <a:tr h="370840">
+                <a:tc>
+                  <a:txBody>
+                    <a:bodyPr/>
+                    <a:lstStyle/>
+                    <a:p>
+                      <a:pPr latinLnBrk="1"/>
+                      <a:r>
+                        <a:rPr lang="en-US" altLang="ko-KR" dirty="0" smtClean="0">
+                          <a:latin typeface="+mn-ea"/>
+                          <a:ea typeface="+mn-ea"/>
+                        </a:rPr>
+                        <a:t>Conv2D</a:t>
+                      </a:r>
+                      <a:endParaRPr lang="ko-KR" altLang="en-US" dirty="0">
+                        <a:latin typeface="+mn-ea"/>
+                        <a:ea typeface="+mn-ea"/>
+                      </a:endParaRPr>
+                    </a:p>
+                  </a:txBody>
+                  <a:tcPr/>
+                </a:tc>
+                <a:tc>
+                  <a:txBody>
+                    <a:bodyPr/>
+                    <a:lstStyle/>
+                    <a:p>
+                      <a:pPr latinLnBrk="1"/>
+                      <a:r>
+                        <a:rPr lang="en-US" altLang="ko-KR" dirty="0" smtClean="0">
+                          <a:latin typeface="+mn-ea"/>
+                          <a:ea typeface="+mn-ea"/>
+                        </a:rPr>
+                        <a:t>(None, 10, 10, 64)</a:t>
+                      </a:r>
+                      <a:endParaRPr lang="ko-KR" altLang="en-US" dirty="0">
+                        <a:latin typeface="+mn-ea"/>
+                        <a:ea typeface="+mn-ea"/>
+                      </a:endParaRPr>
+                    </a:p>
+                  </a:txBody>
+                  <a:tcPr/>
+                </a:tc>
+                <a:extLst>
+                  <a:ext uri="{0D108BD9-81ED-4DB2-BD59-A6C34878D82A}">
+                    <a16:rowId xmlns:a16="http://schemas.microsoft.com/office/drawing/2014/main" val="3648418454"/>
+                  </a:ext>
+                </a:extLst>
+              </a:tr>
+              <a:tr h="370840">
+                <a:tc>
+                  <a:txBody>
+                    <a:bodyPr/>
+                    <a:lstStyle/>
+                    <a:p>
+                      <a:pPr latinLnBrk="1"/>
+                      <a:r>
+                        <a:rPr lang="en-US" altLang="ko-KR" dirty="0" err="1" smtClean="0">
+                          <a:latin typeface="+mn-ea"/>
+                          <a:ea typeface="+mn-ea"/>
+                        </a:rPr>
+                        <a:t>BatchNormalization</a:t>
+                      </a:r>
+                      <a:endParaRPr lang="ko-KR" altLang="en-US" dirty="0">
+                        <a:latin typeface="+mn-ea"/>
+                        <a:ea typeface="+mn-ea"/>
+                      </a:endParaRPr>
+                    </a:p>
+                  </a:txBody>
+                  <a:tcPr/>
+                </a:tc>
+                <a:tc>
+                  <a:txBody>
+                    <a:bodyPr/>
+                    <a:lstStyle/>
+                    <a:p>
+                      <a:pPr latinLnBrk="1"/>
+                      <a:r>
+                        <a:rPr lang="en-US" altLang="ko-KR" dirty="0" smtClean="0">
+                          <a:latin typeface="+mn-ea"/>
+                          <a:ea typeface="+mn-ea"/>
+                        </a:rPr>
+                        <a:t>(None, 10, 10, </a:t>
+                      </a:r>
+                      <a:r>
+                        <a:rPr lang="en-US" altLang="ko-KR" baseline="0" dirty="0" smtClean="0">
+                          <a:latin typeface="+mn-ea"/>
+                          <a:ea typeface="+mn-ea"/>
+                        </a:rPr>
+                        <a:t>64</a:t>
+                      </a:r>
+                      <a:r>
+                        <a:rPr lang="en-US" altLang="ko-KR" dirty="0" smtClean="0">
+                          <a:latin typeface="+mn-ea"/>
+                          <a:ea typeface="+mn-ea"/>
+                        </a:rPr>
+                        <a:t>)</a:t>
+                      </a:r>
+                      <a:endParaRPr lang="ko-KR" altLang="en-US" dirty="0">
+                        <a:latin typeface="+mn-ea"/>
+                        <a:ea typeface="+mn-ea"/>
+                      </a:endParaRPr>
+                    </a:p>
+                  </a:txBody>
+                  <a:tcPr/>
+                </a:tc>
+                <a:extLst>
+                  <a:ext uri="{0D108BD9-81ED-4DB2-BD59-A6C34878D82A}">
+                    <a16:rowId xmlns:a16="http://schemas.microsoft.com/office/drawing/2014/main" val="3930721210"/>
+                  </a:ext>
+                </a:extLst>
+              </a:tr>
+              <a:tr h="370840">
+                <a:tc>
+                  <a:txBody>
+                    <a:bodyPr/>
+                    <a:lstStyle/>
+                    <a:p>
+                      <a:pPr latinLnBrk="1"/>
+                      <a:r>
+                        <a:rPr lang="en-US" altLang="ko-KR" dirty="0" smtClean="0">
+                          <a:latin typeface="+mn-ea"/>
+                          <a:ea typeface="+mn-ea"/>
+                        </a:rPr>
+                        <a:t>Activation</a:t>
+                      </a:r>
+                      <a:r>
+                        <a:rPr lang="en-US" altLang="ko-KR" baseline="0" dirty="0" smtClean="0">
+                          <a:latin typeface="+mn-ea"/>
+                          <a:ea typeface="+mn-ea"/>
+                        </a:rPr>
+                        <a:t>(‘</a:t>
+                      </a:r>
+                      <a:r>
+                        <a:rPr lang="en-US" altLang="ko-KR" baseline="0" dirty="0" err="1" smtClean="0">
+                          <a:latin typeface="+mn-ea"/>
+                          <a:ea typeface="+mn-ea"/>
+                        </a:rPr>
+                        <a:t>relu</a:t>
+                      </a:r>
+                      <a:r>
+                        <a:rPr lang="en-US" altLang="ko-KR" baseline="0" dirty="0" smtClean="0">
+                          <a:latin typeface="+mn-ea"/>
+                          <a:ea typeface="+mn-ea"/>
+                        </a:rPr>
+                        <a:t>’)</a:t>
+                      </a:r>
+                      <a:endParaRPr lang="ko-KR" altLang="en-US" dirty="0">
+                        <a:latin typeface="+mn-ea"/>
+                        <a:ea typeface="+mn-ea"/>
+                      </a:endParaRPr>
+                    </a:p>
+                  </a:txBody>
+                  <a:tcPr/>
+                </a:tc>
+                <a:tc>
+                  <a:txBody>
+                    <a:bodyPr/>
+                    <a:lstStyle/>
+                    <a:p>
+                      <a:pPr latinLnBrk="1"/>
+                      <a:r>
+                        <a:rPr lang="en-US" altLang="ko-KR" dirty="0" smtClean="0">
+                          <a:latin typeface="+mn-ea"/>
+                          <a:ea typeface="+mn-ea"/>
+                        </a:rPr>
+                        <a:t>(None, 10, 10, 64)</a:t>
+                      </a:r>
+                      <a:endParaRPr lang="ko-KR" altLang="en-US" dirty="0">
+                        <a:latin typeface="+mn-ea"/>
+                        <a:ea typeface="+mn-ea"/>
+                      </a:endParaRPr>
+                    </a:p>
+                  </a:txBody>
+                  <a:tcPr/>
+                </a:tc>
+                <a:extLst>
+                  <a:ext uri="{0D108BD9-81ED-4DB2-BD59-A6C34878D82A}">
+                    <a16:rowId xmlns:a16="http://schemas.microsoft.com/office/drawing/2014/main" val="1937806231"/>
+                  </a:ext>
+                </a:extLst>
+              </a:tr>
+            </a:tbl>
+          </a:graphicData>
+        </a:graphic>
+      </p:graphicFrame>
+      <p:graphicFrame>
+        <p:nvGraphicFramePr>
+          <p:cNvPr id="17" name="표 16"/>
+          <p:cNvGraphicFramePr>
+            <a:graphicFrameLocks noGrp="1"/>
+          </p:cNvGraphicFramePr>
+          <p:nvPr>
+            <p:extLst>
+              <p:ext uri="{D42A27DB-BD31-4B8C-83A1-F6EECF244321}">
+                <p14:modId xmlns:p14="http://schemas.microsoft.com/office/powerpoint/2010/main" val="3913727149"/>
+              </p:ext>
+            </p:extLst>
+          </p:nvPr>
+        </p:nvGraphicFramePr>
+        <p:xfrm>
+          <a:off x="12795250" y="4307627"/>
+          <a:ext cx="4864606" cy="1112520"/>
+        </p:xfrm>
+        <a:graphic>
+          <a:graphicData uri="http://schemas.openxmlformats.org/drawingml/2006/table">
+            <a:tbl>
+              <a:tblPr firstRow="1" bandRow="1">
+                <a:tableStyleId>{5940675A-B579-460E-94D1-54222C63F5DA}</a:tableStyleId>
+              </a:tblPr>
+              <a:tblGrid>
+                <a:gridCol w="2432303">
+                  <a:extLst>
+                    <a:ext uri="{9D8B030D-6E8A-4147-A177-3AD203B41FA5}">
+                      <a16:colId xmlns:a16="http://schemas.microsoft.com/office/drawing/2014/main" val="1821658187"/>
+                    </a:ext>
+                  </a:extLst>
+                </a:gridCol>
+                <a:gridCol w="2432303">
+                  <a:extLst>
+                    <a:ext uri="{9D8B030D-6E8A-4147-A177-3AD203B41FA5}">
+                      <a16:colId xmlns:a16="http://schemas.microsoft.com/office/drawing/2014/main" val="2174507200"/>
+                    </a:ext>
+                  </a:extLst>
+                </a:gridCol>
+              </a:tblGrid>
+              <a:tr h="370840">
+                <a:tc>
+                  <a:txBody>
+                    <a:bodyPr/>
+                    <a:lstStyle/>
+                    <a:p>
+                      <a:pPr latinLnBrk="1"/>
+                      <a:r>
+                        <a:rPr lang="en-US" altLang="ko-KR" dirty="0" smtClean="0">
+                          <a:latin typeface="+mn-ea"/>
+                          <a:ea typeface="+mn-ea"/>
+                        </a:rPr>
+                        <a:t>Conv2D</a:t>
+                      </a:r>
+                      <a:endParaRPr lang="ko-KR" altLang="en-US" dirty="0">
+                        <a:latin typeface="+mn-ea"/>
+                        <a:ea typeface="+mn-ea"/>
+                      </a:endParaRPr>
+                    </a:p>
+                  </a:txBody>
+                  <a:tcPr/>
+                </a:tc>
+                <a:tc>
+                  <a:txBody>
+                    <a:bodyPr/>
+                    <a:lstStyle/>
+                    <a:p>
+                      <a:pPr latinLnBrk="1"/>
+                      <a:r>
+                        <a:rPr lang="en-US" altLang="ko-KR" dirty="0" smtClean="0">
+                          <a:latin typeface="+mn-ea"/>
+                          <a:ea typeface="+mn-ea"/>
+                        </a:rPr>
+                        <a:t>(None, 10, 10, 32)</a:t>
+                      </a:r>
+                      <a:endParaRPr lang="ko-KR" altLang="en-US" dirty="0">
+                        <a:latin typeface="+mn-ea"/>
+                        <a:ea typeface="+mn-ea"/>
+                      </a:endParaRPr>
+                    </a:p>
+                  </a:txBody>
+                  <a:tcPr/>
+                </a:tc>
+                <a:extLst>
+                  <a:ext uri="{0D108BD9-81ED-4DB2-BD59-A6C34878D82A}">
+                    <a16:rowId xmlns:a16="http://schemas.microsoft.com/office/drawing/2014/main" val="3648418454"/>
+                  </a:ext>
+                </a:extLst>
+              </a:tr>
+              <a:tr h="370840">
+                <a:tc>
+                  <a:txBody>
+                    <a:bodyPr/>
+                    <a:lstStyle/>
+                    <a:p>
+                      <a:pPr latinLnBrk="1"/>
+                      <a:r>
+                        <a:rPr lang="en-US" altLang="ko-KR" dirty="0" err="1" smtClean="0">
+                          <a:latin typeface="+mn-ea"/>
+                          <a:ea typeface="+mn-ea"/>
+                        </a:rPr>
+                        <a:t>BatchNormalization</a:t>
+                      </a:r>
+                      <a:endParaRPr lang="ko-KR" altLang="en-US" dirty="0">
+                        <a:latin typeface="+mn-ea"/>
+                        <a:ea typeface="+mn-ea"/>
+                      </a:endParaRPr>
+                    </a:p>
+                  </a:txBody>
+                  <a:tcPr/>
+                </a:tc>
+                <a:tc>
+                  <a:txBody>
+                    <a:bodyPr/>
+                    <a:lstStyle/>
+                    <a:p>
+                      <a:pPr latinLnBrk="1"/>
+                      <a:r>
+                        <a:rPr lang="en-US" altLang="ko-KR" dirty="0" smtClean="0">
+                          <a:latin typeface="+mn-ea"/>
+                          <a:ea typeface="+mn-ea"/>
+                        </a:rPr>
+                        <a:t>(None, 10, 10, </a:t>
+                      </a:r>
+                      <a:r>
+                        <a:rPr lang="en-US" altLang="ko-KR" baseline="0" dirty="0" smtClean="0">
+                          <a:latin typeface="+mn-ea"/>
+                          <a:ea typeface="+mn-ea"/>
+                        </a:rPr>
+                        <a:t>32</a:t>
+                      </a:r>
+                      <a:r>
+                        <a:rPr lang="en-US" altLang="ko-KR" dirty="0" smtClean="0">
+                          <a:latin typeface="+mn-ea"/>
+                          <a:ea typeface="+mn-ea"/>
+                        </a:rPr>
+                        <a:t>)</a:t>
+                      </a:r>
+                      <a:endParaRPr lang="ko-KR" altLang="en-US" dirty="0">
+                        <a:latin typeface="+mn-ea"/>
+                        <a:ea typeface="+mn-ea"/>
+                      </a:endParaRPr>
+                    </a:p>
+                  </a:txBody>
+                  <a:tcPr/>
+                </a:tc>
+                <a:extLst>
+                  <a:ext uri="{0D108BD9-81ED-4DB2-BD59-A6C34878D82A}">
+                    <a16:rowId xmlns:a16="http://schemas.microsoft.com/office/drawing/2014/main" val="3930721210"/>
+                  </a:ext>
+                </a:extLst>
+              </a:tr>
+              <a:tr h="370840">
+                <a:tc>
+                  <a:txBody>
+                    <a:bodyPr/>
+                    <a:lstStyle/>
+                    <a:p>
+                      <a:pPr latinLnBrk="1"/>
+                      <a:r>
+                        <a:rPr lang="en-US" altLang="ko-KR" dirty="0" smtClean="0">
+                          <a:latin typeface="+mn-ea"/>
+                          <a:ea typeface="+mn-ea"/>
+                        </a:rPr>
+                        <a:t>Activation</a:t>
+                      </a:r>
+                      <a:r>
+                        <a:rPr lang="en-US" altLang="ko-KR" baseline="0" dirty="0" smtClean="0">
+                          <a:latin typeface="+mn-ea"/>
+                          <a:ea typeface="+mn-ea"/>
+                        </a:rPr>
+                        <a:t>(‘</a:t>
+                      </a:r>
+                      <a:r>
+                        <a:rPr lang="en-US" altLang="ko-KR" baseline="0" dirty="0" err="1" smtClean="0">
+                          <a:latin typeface="+mn-ea"/>
+                          <a:ea typeface="+mn-ea"/>
+                        </a:rPr>
+                        <a:t>relu</a:t>
+                      </a:r>
+                      <a:r>
+                        <a:rPr lang="en-US" altLang="ko-KR" baseline="0" dirty="0" smtClean="0">
+                          <a:latin typeface="+mn-ea"/>
+                          <a:ea typeface="+mn-ea"/>
+                        </a:rPr>
+                        <a:t>’)</a:t>
+                      </a:r>
+                      <a:endParaRPr lang="ko-KR" altLang="en-US" dirty="0">
+                        <a:latin typeface="+mn-ea"/>
+                        <a:ea typeface="+mn-ea"/>
+                      </a:endParaRPr>
+                    </a:p>
+                  </a:txBody>
+                  <a:tcPr/>
+                </a:tc>
+                <a:tc>
+                  <a:txBody>
+                    <a:bodyPr/>
+                    <a:lstStyle/>
+                    <a:p>
+                      <a:pPr latinLnBrk="1"/>
+                      <a:r>
+                        <a:rPr lang="en-US" altLang="ko-KR" dirty="0" smtClean="0">
+                          <a:latin typeface="+mn-ea"/>
+                          <a:ea typeface="+mn-ea"/>
+                        </a:rPr>
+                        <a:t>(None, 10, 10, 32)</a:t>
+                      </a:r>
+                      <a:endParaRPr lang="ko-KR" altLang="en-US" dirty="0">
+                        <a:latin typeface="+mn-ea"/>
+                        <a:ea typeface="+mn-ea"/>
+                      </a:endParaRPr>
+                    </a:p>
+                  </a:txBody>
+                  <a:tcPr/>
+                </a:tc>
+                <a:extLst>
+                  <a:ext uri="{0D108BD9-81ED-4DB2-BD59-A6C34878D82A}">
+                    <a16:rowId xmlns:a16="http://schemas.microsoft.com/office/drawing/2014/main" val="1937806231"/>
+                  </a:ext>
+                </a:extLst>
+              </a:tr>
+            </a:tbl>
+          </a:graphicData>
+        </a:graphic>
+      </p:graphicFrame>
+      <p:graphicFrame>
+        <p:nvGraphicFramePr>
+          <p:cNvPr id="18" name="표 17"/>
+          <p:cNvGraphicFramePr>
+            <a:graphicFrameLocks noGrp="1"/>
+          </p:cNvGraphicFramePr>
+          <p:nvPr>
+            <p:extLst>
+              <p:ext uri="{D42A27DB-BD31-4B8C-83A1-F6EECF244321}">
+                <p14:modId xmlns:p14="http://schemas.microsoft.com/office/powerpoint/2010/main" val="2119540604"/>
+              </p:ext>
+            </p:extLst>
+          </p:nvPr>
+        </p:nvGraphicFramePr>
+        <p:xfrm>
+          <a:off x="12789893" y="5815903"/>
+          <a:ext cx="4864606" cy="1112520"/>
+        </p:xfrm>
+        <a:graphic>
+          <a:graphicData uri="http://schemas.openxmlformats.org/drawingml/2006/table">
+            <a:tbl>
+              <a:tblPr firstRow="1" bandRow="1">
+                <a:tableStyleId>{5940675A-B579-460E-94D1-54222C63F5DA}</a:tableStyleId>
+              </a:tblPr>
+              <a:tblGrid>
+                <a:gridCol w="2432303">
+                  <a:extLst>
+                    <a:ext uri="{9D8B030D-6E8A-4147-A177-3AD203B41FA5}">
+                      <a16:colId xmlns:a16="http://schemas.microsoft.com/office/drawing/2014/main" val="1821658187"/>
+                    </a:ext>
+                  </a:extLst>
+                </a:gridCol>
+                <a:gridCol w="2432303">
+                  <a:extLst>
+                    <a:ext uri="{9D8B030D-6E8A-4147-A177-3AD203B41FA5}">
+                      <a16:colId xmlns:a16="http://schemas.microsoft.com/office/drawing/2014/main" val="2174507200"/>
+                    </a:ext>
+                  </a:extLst>
+                </a:gridCol>
+              </a:tblGrid>
+              <a:tr h="370840">
+                <a:tc>
+                  <a:txBody>
+                    <a:bodyPr/>
+                    <a:lstStyle/>
+                    <a:p>
+                      <a:pPr latinLnBrk="1"/>
+                      <a:r>
+                        <a:rPr lang="en-US" altLang="ko-KR" dirty="0" smtClean="0">
+                          <a:latin typeface="+mn-ea"/>
+                          <a:ea typeface="+mn-ea"/>
+                        </a:rPr>
+                        <a:t>Conv2D</a:t>
+                      </a:r>
+                      <a:endParaRPr lang="ko-KR" altLang="en-US" dirty="0">
+                        <a:latin typeface="+mn-ea"/>
+                        <a:ea typeface="+mn-ea"/>
+                      </a:endParaRPr>
+                    </a:p>
+                  </a:txBody>
+                  <a:tcPr/>
+                </a:tc>
+                <a:tc>
+                  <a:txBody>
+                    <a:bodyPr/>
+                    <a:lstStyle/>
+                    <a:p>
+                      <a:pPr latinLnBrk="1"/>
+                      <a:r>
+                        <a:rPr lang="en-US" altLang="ko-KR" dirty="0" smtClean="0">
+                          <a:latin typeface="+mn-ea"/>
+                          <a:ea typeface="+mn-ea"/>
+                        </a:rPr>
+                        <a:t>(None, 10, 10, 16)</a:t>
+                      </a:r>
+                      <a:endParaRPr lang="ko-KR" altLang="en-US" dirty="0">
+                        <a:latin typeface="+mn-ea"/>
+                        <a:ea typeface="+mn-ea"/>
+                      </a:endParaRPr>
+                    </a:p>
+                  </a:txBody>
+                  <a:tcPr/>
+                </a:tc>
+                <a:extLst>
+                  <a:ext uri="{0D108BD9-81ED-4DB2-BD59-A6C34878D82A}">
+                    <a16:rowId xmlns:a16="http://schemas.microsoft.com/office/drawing/2014/main" val="3648418454"/>
+                  </a:ext>
+                </a:extLst>
+              </a:tr>
+              <a:tr h="370840">
+                <a:tc>
+                  <a:txBody>
+                    <a:bodyPr/>
+                    <a:lstStyle/>
+                    <a:p>
+                      <a:pPr latinLnBrk="1"/>
+                      <a:r>
+                        <a:rPr lang="en-US" altLang="ko-KR" dirty="0" err="1" smtClean="0">
+                          <a:latin typeface="+mn-ea"/>
+                          <a:ea typeface="+mn-ea"/>
+                        </a:rPr>
+                        <a:t>BatchNormalization</a:t>
+                      </a:r>
+                      <a:endParaRPr lang="ko-KR" altLang="en-US" dirty="0">
+                        <a:latin typeface="+mn-ea"/>
+                        <a:ea typeface="+mn-ea"/>
+                      </a:endParaRPr>
+                    </a:p>
+                  </a:txBody>
+                  <a:tcPr/>
+                </a:tc>
+                <a:tc>
+                  <a:txBody>
+                    <a:bodyPr/>
+                    <a:lstStyle/>
+                    <a:p>
+                      <a:pPr latinLnBrk="1"/>
+                      <a:r>
+                        <a:rPr lang="en-US" altLang="ko-KR" dirty="0" smtClean="0">
+                          <a:latin typeface="+mn-ea"/>
+                          <a:ea typeface="+mn-ea"/>
+                        </a:rPr>
+                        <a:t>(None, 10, 10, </a:t>
+                      </a:r>
+                      <a:r>
+                        <a:rPr lang="en-US" altLang="ko-KR" baseline="0" dirty="0" smtClean="0">
+                          <a:latin typeface="+mn-ea"/>
+                          <a:ea typeface="+mn-ea"/>
+                        </a:rPr>
+                        <a:t>16</a:t>
+                      </a:r>
+                      <a:r>
+                        <a:rPr lang="en-US" altLang="ko-KR" dirty="0" smtClean="0">
+                          <a:latin typeface="+mn-ea"/>
+                          <a:ea typeface="+mn-ea"/>
+                        </a:rPr>
+                        <a:t>)</a:t>
+                      </a:r>
+                      <a:endParaRPr lang="ko-KR" altLang="en-US" dirty="0">
+                        <a:latin typeface="+mn-ea"/>
+                        <a:ea typeface="+mn-ea"/>
+                      </a:endParaRPr>
+                    </a:p>
+                  </a:txBody>
+                  <a:tcPr/>
+                </a:tc>
+                <a:extLst>
+                  <a:ext uri="{0D108BD9-81ED-4DB2-BD59-A6C34878D82A}">
+                    <a16:rowId xmlns:a16="http://schemas.microsoft.com/office/drawing/2014/main" val="3930721210"/>
+                  </a:ext>
+                </a:extLst>
+              </a:tr>
+              <a:tr h="370840">
+                <a:tc>
+                  <a:txBody>
+                    <a:bodyPr/>
+                    <a:lstStyle/>
+                    <a:p>
+                      <a:pPr latinLnBrk="1"/>
+                      <a:r>
+                        <a:rPr lang="en-US" altLang="ko-KR" dirty="0" smtClean="0">
+                          <a:latin typeface="+mn-ea"/>
+                          <a:ea typeface="+mn-ea"/>
+                        </a:rPr>
+                        <a:t>Activation</a:t>
+                      </a:r>
+                      <a:r>
+                        <a:rPr lang="en-US" altLang="ko-KR" baseline="0" dirty="0" smtClean="0">
+                          <a:latin typeface="+mn-ea"/>
+                          <a:ea typeface="+mn-ea"/>
+                        </a:rPr>
+                        <a:t>(‘</a:t>
+                      </a:r>
+                      <a:r>
+                        <a:rPr lang="en-US" altLang="ko-KR" baseline="0" dirty="0" err="1" smtClean="0">
+                          <a:latin typeface="+mn-ea"/>
+                          <a:ea typeface="+mn-ea"/>
+                        </a:rPr>
+                        <a:t>relu</a:t>
+                      </a:r>
+                      <a:r>
+                        <a:rPr lang="en-US" altLang="ko-KR" baseline="0" dirty="0" smtClean="0">
+                          <a:latin typeface="+mn-ea"/>
+                          <a:ea typeface="+mn-ea"/>
+                        </a:rPr>
+                        <a:t>’)</a:t>
+                      </a:r>
+                      <a:endParaRPr lang="ko-KR" altLang="en-US" dirty="0">
+                        <a:latin typeface="+mn-ea"/>
+                        <a:ea typeface="+mn-ea"/>
+                      </a:endParaRPr>
+                    </a:p>
+                  </a:txBody>
+                  <a:tcPr/>
+                </a:tc>
+                <a:tc>
+                  <a:txBody>
+                    <a:bodyPr/>
+                    <a:lstStyle/>
+                    <a:p>
+                      <a:pPr latinLnBrk="1"/>
+                      <a:r>
+                        <a:rPr lang="en-US" altLang="ko-KR" dirty="0" smtClean="0">
+                          <a:latin typeface="+mn-ea"/>
+                          <a:ea typeface="+mn-ea"/>
+                        </a:rPr>
+                        <a:t>(None, 10, 10, 16)</a:t>
+                      </a:r>
+                      <a:endParaRPr lang="ko-KR" altLang="en-US" dirty="0">
+                        <a:latin typeface="+mn-ea"/>
+                        <a:ea typeface="+mn-ea"/>
+                      </a:endParaRPr>
+                    </a:p>
+                  </a:txBody>
+                  <a:tcPr/>
+                </a:tc>
+                <a:extLst>
+                  <a:ext uri="{0D108BD9-81ED-4DB2-BD59-A6C34878D82A}">
+                    <a16:rowId xmlns:a16="http://schemas.microsoft.com/office/drawing/2014/main" val="1937806231"/>
+                  </a:ext>
+                </a:extLst>
+              </a:tr>
+            </a:tbl>
+          </a:graphicData>
+        </a:graphic>
+      </p:graphicFrame>
+      <p:graphicFrame>
+        <p:nvGraphicFramePr>
+          <p:cNvPr id="20" name="표 19"/>
+          <p:cNvGraphicFramePr>
+            <a:graphicFrameLocks noGrp="1"/>
+          </p:cNvGraphicFramePr>
+          <p:nvPr>
+            <p:extLst>
+              <p:ext uri="{D42A27DB-BD31-4B8C-83A1-F6EECF244321}">
+                <p14:modId xmlns:p14="http://schemas.microsoft.com/office/powerpoint/2010/main" val="2020873024"/>
+              </p:ext>
+            </p:extLst>
+          </p:nvPr>
+        </p:nvGraphicFramePr>
+        <p:xfrm>
+          <a:off x="12789893" y="7330538"/>
+          <a:ext cx="4864606" cy="1112520"/>
+        </p:xfrm>
+        <a:graphic>
+          <a:graphicData uri="http://schemas.openxmlformats.org/drawingml/2006/table">
+            <a:tbl>
+              <a:tblPr firstRow="1" bandRow="1">
+                <a:tableStyleId>{5940675A-B579-460E-94D1-54222C63F5DA}</a:tableStyleId>
+              </a:tblPr>
+              <a:tblGrid>
+                <a:gridCol w="2432303">
+                  <a:extLst>
+                    <a:ext uri="{9D8B030D-6E8A-4147-A177-3AD203B41FA5}">
+                      <a16:colId xmlns:a16="http://schemas.microsoft.com/office/drawing/2014/main" val="1821658187"/>
+                    </a:ext>
+                  </a:extLst>
+                </a:gridCol>
+                <a:gridCol w="2432303">
+                  <a:extLst>
+                    <a:ext uri="{9D8B030D-6E8A-4147-A177-3AD203B41FA5}">
+                      <a16:colId xmlns:a16="http://schemas.microsoft.com/office/drawing/2014/main" val="2174507200"/>
+                    </a:ext>
+                  </a:extLst>
+                </a:gridCol>
+              </a:tblGrid>
+              <a:tr h="370840">
+                <a:tc>
+                  <a:txBody>
+                    <a:bodyPr/>
+                    <a:lstStyle/>
+                    <a:p>
+                      <a:pPr latinLnBrk="1"/>
+                      <a:r>
+                        <a:rPr lang="en-US" altLang="ko-KR" dirty="0" smtClean="0">
+                          <a:latin typeface="+mn-ea"/>
+                          <a:ea typeface="+mn-ea"/>
+                        </a:rPr>
+                        <a:t>Conv2D</a:t>
+                      </a:r>
+                      <a:endParaRPr lang="ko-KR" altLang="en-US" dirty="0">
+                        <a:latin typeface="+mn-ea"/>
+                        <a:ea typeface="+mn-ea"/>
+                      </a:endParaRPr>
+                    </a:p>
+                  </a:txBody>
+                  <a:tcPr/>
+                </a:tc>
+                <a:tc>
+                  <a:txBody>
+                    <a:bodyPr/>
+                    <a:lstStyle/>
+                    <a:p>
+                      <a:pPr latinLnBrk="1"/>
+                      <a:r>
+                        <a:rPr lang="en-US" altLang="ko-KR" dirty="0" smtClean="0">
+                          <a:latin typeface="+mn-ea"/>
+                          <a:ea typeface="+mn-ea"/>
+                        </a:rPr>
+                        <a:t>(None, 10, 10, 5)</a:t>
+                      </a:r>
+                      <a:endParaRPr lang="ko-KR" altLang="en-US" dirty="0">
+                        <a:latin typeface="+mn-ea"/>
+                        <a:ea typeface="+mn-ea"/>
+                      </a:endParaRPr>
+                    </a:p>
+                  </a:txBody>
+                  <a:tcPr/>
+                </a:tc>
+                <a:extLst>
+                  <a:ext uri="{0D108BD9-81ED-4DB2-BD59-A6C34878D82A}">
+                    <a16:rowId xmlns:a16="http://schemas.microsoft.com/office/drawing/2014/main" val="3648418454"/>
+                  </a:ext>
+                </a:extLst>
+              </a:tr>
+              <a:tr h="370840">
+                <a:tc>
+                  <a:txBody>
+                    <a:bodyPr/>
+                    <a:lstStyle/>
+                    <a:p>
+                      <a:pPr latinLnBrk="1"/>
+                      <a:r>
+                        <a:rPr lang="en-US" altLang="ko-KR" dirty="0" err="1" smtClean="0">
+                          <a:latin typeface="+mn-ea"/>
+                          <a:ea typeface="+mn-ea"/>
+                        </a:rPr>
+                        <a:t>BatchNormalization</a:t>
+                      </a:r>
+                      <a:endParaRPr lang="ko-KR" altLang="en-US" dirty="0">
+                        <a:latin typeface="+mn-ea"/>
+                        <a:ea typeface="+mn-ea"/>
+                      </a:endParaRPr>
+                    </a:p>
+                  </a:txBody>
+                  <a:tcPr/>
+                </a:tc>
+                <a:tc>
+                  <a:txBody>
+                    <a:bodyPr/>
+                    <a:lstStyle/>
+                    <a:p>
+                      <a:pPr latinLnBrk="1"/>
+                      <a:r>
+                        <a:rPr lang="en-US" altLang="ko-KR" dirty="0" smtClean="0">
+                          <a:latin typeface="+mn-ea"/>
+                          <a:ea typeface="+mn-ea"/>
+                        </a:rPr>
+                        <a:t>(None, 10, 10, 5)</a:t>
+                      </a:r>
+                      <a:endParaRPr lang="ko-KR" altLang="en-US" dirty="0">
+                        <a:latin typeface="+mn-ea"/>
+                        <a:ea typeface="+mn-ea"/>
+                      </a:endParaRPr>
+                    </a:p>
+                  </a:txBody>
+                  <a:tcPr/>
+                </a:tc>
+                <a:extLst>
+                  <a:ext uri="{0D108BD9-81ED-4DB2-BD59-A6C34878D82A}">
+                    <a16:rowId xmlns:a16="http://schemas.microsoft.com/office/drawing/2014/main" val="3930721210"/>
+                  </a:ext>
+                </a:extLst>
+              </a:tr>
+              <a:tr h="370840">
+                <a:tc>
+                  <a:txBody>
+                    <a:bodyPr/>
+                    <a:lstStyle/>
+                    <a:p>
+                      <a:pPr latinLnBrk="1"/>
+                      <a:r>
+                        <a:rPr lang="en-US" altLang="ko-KR" dirty="0" smtClean="0">
+                          <a:latin typeface="+mn-ea"/>
+                          <a:ea typeface="+mn-ea"/>
+                        </a:rPr>
+                        <a:t>Activation</a:t>
+                      </a:r>
+                      <a:r>
+                        <a:rPr lang="en-US" altLang="ko-KR" baseline="0" dirty="0" smtClean="0">
+                          <a:latin typeface="+mn-ea"/>
+                          <a:ea typeface="+mn-ea"/>
+                        </a:rPr>
+                        <a:t>(‘</a:t>
+                      </a:r>
+                      <a:r>
+                        <a:rPr lang="en-US" altLang="ko-KR" baseline="0" dirty="0" err="1" smtClean="0">
+                          <a:latin typeface="+mn-ea"/>
+                          <a:ea typeface="+mn-ea"/>
+                        </a:rPr>
+                        <a:t>relu</a:t>
+                      </a:r>
+                      <a:r>
+                        <a:rPr lang="en-US" altLang="ko-KR" baseline="0" dirty="0" smtClean="0">
+                          <a:latin typeface="+mn-ea"/>
+                          <a:ea typeface="+mn-ea"/>
+                        </a:rPr>
+                        <a:t>’)</a:t>
+                      </a:r>
+                      <a:endParaRPr lang="ko-KR" altLang="en-US" dirty="0">
+                        <a:latin typeface="+mn-ea"/>
+                        <a:ea typeface="+mn-ea"/>
+                      </a:endParaRPr>
+                    </a:p>
+                  </a:txBody>
+                  <a:tcPr/>
+                </a:tc>
+                <a:tc>
+                  <a:txBody>
+                    <a:bodyPr/>
+                    <a:lstStyle/>
+                    <a:p>
+                      <a:pPr latinLnBrk="1"/>
+                      <a:r>
+                        <a:rPr lang="en-US" altLang="ko-KR" dirty="0" smtClean="0">
+                          <a:latin typeface="+mn-ea"/>
+                          <a:ea typeface="+mn-ea"/>
+                        </a:rPr>
+                        <a:t>(None, 10, 10, 5)</a:t>
+                      </a:r>
+                      <a:endParaRPr lang="ko-KR" altLang="en-US" dirty="0">
+                        <a:latin typeface="+mn-ea"/>
+                        <a:ea typeface="+mn-ea"/>
+                      </a:endParaRPr>
+                    </a:p>
+                  </a:txBody>
+                  <a:tcPr/>
+                </a:tc>
+                <a:extLst>
+                  <a:ext uri="{0D108BD9-81ED-4DB2-BD59-A6C34878D82A}">
+                    <a16:rowId xmlns:a16="http://schemas.microsoft.com/office/drawing/2014/main" val="1937806231"/>
+                  </a:ext>
+                </a:extLst>
+              </a:tr>
+            </a:tbl>
+          </a:graphicData>
+        </a:graphic>
+      </p:graphicFrame>
+      <p:graphicFrame>
+        <p:nvGraphicFramePr>
+          <p:cNvPr id="21" name="표 20"/>
+          <p:cNvGraphicFramePr>
+            <a:graphicFrameLocks noGrp="1"/>
+          </p:cNvGraphicFramePr>
+          <p:nvPr>
+            <p:extLst>
+              <p:ext uri="{D42A27DB-BD31-4B8C-83A1-F6EECF244321}">
+                <p14:modId xmlns:p14="http://schemas.microsoft.com/office/powerpoint/2010/main" val="1564030575"/>
+              </p:ext>
+            </p:extLst>
+          </p:nvPr>
+        </p:nvGraphicFramePr>
+        <p:xfrm>
+          <a:off x="12775612" y="8865235"/>
+          <a:ext cx="4896438" cy="370840"/>
+        </p:xfrm>
+        <a:graphic>
+          <a:graphicData uri="http://schemas.openxmlformats.org/drawingml/2006/table">
+            <a:tbl>
+              <a:tblPr firstRow="1" bandRow="1">
+                <a:tableStyleId>{5940675A-B579-460E-94D1-54222C63F5DA}</a:tableStyleId>
+              </a:tblPr>
+              <a:tblGrid>
+                <a:gridCol w="4896438">
+                  <a:extLst>
+                    <a:ext uri="{9D8B030D-6E8A-4147-A177-3AD203B41FA5}">
+                      <a16:colId xmlns:a16="http://schemas.microsoft.com/office/drawing/2014/main" val="1560614615"/>
+                    </a:ext>
+                  </a:extLst>
+                </a:gridCol>
+              </a:tblGrid>
+              <a:tr h="370840">
+                <a:tc>
+                  <a:txBody>
+                    <a:bodyPr/>
+                    <a:lstStyle/>
+                    <a:p>
+                      <a:pPr latinLnBrk="1"/>
+                      <a:r>
+                        <a:rPr lang="en-US" altLang="ko-KR" dirty="0" smtClean="0">
+                          <a:latin typeface="+mn-ea"/>
+                          <a:ea typeface="+mn-ea"/>
+                        </a:rPr>
+                        <a:t>GlobalAveragePooling2D</a:t>
+                      </a:r>
+                      <a:endParaRPr lang="ko-KR" altLang="en-US" dirty="0">
+                        <a:latin typeface="+mn-ea"/>
+                        <a:ea typeface="+mn-ea"/>
+                      </a:endParaRPr>
+                    </a:p>
+                  </a:txBody>
+                  <a:tcPr/>
+                </a:tc>
+                <a:extLst>
+                  <a:ext uri="{0D108BD9-81ED-4DB2-BD59-A6C34878D82A}">
+                    <a16:rowId xmlns:a16="http://schemas.microsoft.com/office/drawing/2014/main" val="1997672981"/>
+                  </a:ext>
+                </a:extLst>
+              </a:tr>
+            </a:tbl>
+          </a:graphicData>
+        </a:graphic>
+      </p:graphicFrame>
+      <p:graphicFrame>
+        <p:nvGraphicFramePr>
+          <p:cNvPr id="22" name="표 21"/>
+          <p:cNvGraphicFramePr>
+            <a:graphicFrameLocks noGrp="1"/>
+          </p:cNvGraphicFramePr>
+          <p:nvPr>
+            <p:extLst>
+              <p:ext uri="{D42A27DB-BD31-4B8C-83A1-F6EECF244321}">
+                <p14:modId xmlns:p14="http://schemas.microsoft.com/office/powerpoint/2010/main" val="1417349934"/>
+              </p:ext>
+            </p:extLst>
+          </p:nvPr>
+        </p:nvGraphicFramePr>
+        <p:xfrm>
+          <a:off x="12758061" y="9545125"/>
+          <a:ext cx="4896438" cy="370840"/>
+        </p:xfrm>
+        <a:graphic>
+          <a:graphicData uri="http://schemas.openxmlformats.org/drawingml/2006/table">
+            <a:tbl>
+              <a:tblPr firstRow="1" bandRow="1">
+                <a:tableStyleId>{5940675A-B579-460E-94D1-54222C63F5DA}</a:tableStyleId>
+              </a:tblPr>
+              <a:tblGrid>
+                <a:gridCol w="4896438">
+                  <a:extLst>
+                    <a:ext uri="{9D8B030D-6E8A-4147-A177-3AD203B41FA5}">
+                      <a16:colId xmlns:a16="http://schemas.microsoft.com/office/drawing/2014/main" val="1560614615"/>
+                    </a:ext>
+                  </a:extLst>
+                </a:gridCol>
+              </a:tblGrid>
+              <a:tr h="370840">
+                <a:tc>
+                  <a:txBody>
+                    <a:bodyPr/>
+                    <a:lstStyle/>
+                    <a:p>
+                      <a:pPr latinLnBrk="1"/>
+                      <a:r>
+                        <a:rPr lang="en-US" altLang="ko-KR" dirty="0" err="1" smtClean="0">
+                          <a:latin typeface="+mn-ea"/>
+                          <a:ea typeface="+mn-ea"/>
+                        </a:rPr>
+                        <a:t>softmax</a:t>
+                      </a:r>
+                      <a:endParaRPr lang="ko-KR" altLang="en-US" dirty="0">
+                        <a:latin typeface="+mn-ea"/>
+                        <a:ea typeface="+mn-ea"/>
+                      </a:endParaRPr>
+                    </a:p>
+                  </a:txBody>
+                  <a:tcPr/>
+                </a:tc>
+                <a:extLst>
+                  <a:ext uri="{0D108BD9-81ED-4DB2-BD59-A6C34878D82A}">
+                    <a16:rowId xmlns:a16="http://schemas.microsoft.com/office/drawing/2014/main" val="1997672981"/>
+                  </a:ext>
+                </a:extLst>
+              </a:tr>
+            </a:tbl>
+          </a:graphicData>
+        </a:graphic>
+      </p:graphicFrame>
+      <p:cxnSp>
+        <p:nvCxnSpPr>
+          <p:cNvPr id="24" name="직선 화살표 연결선 23"/>
+          <p:cNvCxnSpPr>
+            <a:stCxn id="6" idx="2"/>
+            <a:endCxn id="7" idx="0"/>
+          </p:cNvCxnSpPr>
+          <p:nvPr/>
+        </p:nvCxnSpPr>
+        <p:spPr>
+          <a:xfrm>
+            <a:off x="3460921" y="3901367"/>
+            <a:ext cx="0" cy="406260"/>
+          </a:xfrm>
+          <a:prstGeom prst="straightConnector1">
+            <a:avLst/>
+          </a:prstGeom>
+          <a:ln w="38100">
+            <a:solidFill>
+              <a:srgbClr val="C00000"/>
+            </a:solidFill>
+            <a:tailEnd type="triangle"/>
+          </a:ln>
+        </p:spPr>
+        <p:style>
+          <a:lnRef idx="1">
+            <a:schemeClr val="accent1"/>
+          </a:lnRef>
+          <a:fillRef idx="0">
+            <a:schemeClr val="accent1"/>
+          </a:fillRef>
+          <a:effectRef idx="0">
+            <a:schemeClr val="accent1"/>
+          </a:effectRef>
+          <a:fontRef idx="minor">
+            <a:schemeClr val="tx1"/>
+          </a:fontRef>
+        </p:style>
+      </p:cxnSp>
+      <p:cxnSp>
+        <p:nvCxnSpPr>
+          <p:cNvPr id="31" name="직선 화살표 연결선 30"/>
+          <p:cNvCxnSpPr>
+            <a:stCxn id="7" idx="2"/>
+            <a:endCxn id="10" idx="0"/>
+          </p:cNvCxnSpPr>
+          <p:nvPr/>
+        </p:nvCxnSpPr>
+        <p:spPr>
+          <a:xfrm flipH="1">
+            <a:off x="3452031" y="5420147"/>
+            <a:ext cx="8890" cy="406260"/>
+          </a:xfrm>
+          <a:prstGeom prst="straightConnector1">
+            <a:avLst/>
+          </a:prstGeom>
+          <a:ln w="38100">
+            <a:solidFill>
+              <a:srgbClr val="C00000"/>
+            </a:solidFill>
+            <a:tailEnd type="triangle"/>
+          </a:ln>
+        </p:spPr>
+        <p:style>
+          <a:lnRef idx="1">
+            <a:schemeClr val="accent1"/>
+          </a:lnRef>
+          <a:fillRef idx="0">
+            <a:schemeClr val="accent1"/>
+          </a:fillRef>
+          <a:effectRef idx="0">
+            <a:schemeClr val="accent1"/>
+          </a:effectRef>
+          <a:fontRef idx="minor">
+            <a:schemeClr val="tx1"/>
+          </a:fontRef>
+        </p:style>
+      </p:cxnSp>
+      <p:cxnSp>
+        <p:nvCxnSpPr>
+          <p:cNvPr id="34" name="직선 화살표 연결선 33"/>
+          <p:cNvCxnSpPr>
+            <a:endCxn id="11" idx="0"/>
+          </p:cNvCxnSpPr>
+          <p:nvPr/>
+        </p:nvCxnSpPr>
+        <p:spPr>
+          <a:xfrm>
+            <a:off x="3452031" y="6928423"/>
+            <a:ext cx="0" cy="402115"/>
+          </a:xfrm>
+          <a:prstGeom prst="straightConnector1">
+            <a:avLst/>
+          </a:prstGeom>
+          <a:ln w="38100">
+            <a:solidFill>
+              <a:srgbClr val="C00000"/>
+            </a:solidFill>
+            <a:tailEnd type="triangle"/>
+          </a:ln>
+        </p:spPr>
+        <p:style>
+          <a:lnRef idx="1">
+            <a:schemeClr val="accent1"/>
+          </a:lnRef>
+          <a:fillRef idx="0">
+            <a:schemeClr val="accent1"/>
+          </a:fillRef>
+          <a:effectRef idx="0">
+            <a:schemeClr val="accent1"/>
+          </a:effectRef>
+          <a:fontRef idx="minor">
+            <a:schemeClr val="tx1"/>
+          </a:fontRef>
+        </p:style>
+      </p:cxnSp>
+      <p:cxnSp>
+        <p:nvCxnSpPr>
+          <p:cNvPr id="36" name="직선 화살표 연결선 35"/>
+          <p:cNvCxnSpPr>
+            <a:stCxn id="11" idx="2"/>
+            <a:endCxn id="12" idx="0"/>
+          </p:cNvCxnSpPr>
+          <p:nvPr/>
+        </p:nvCxnSpPr>
+        <p:spPr>
+          <a:xfrm>
+            <a:off x="3452031" y="8443058"/>
+            <a:ext cx="0" cy="391611"/>
+          </a:xfrm>
+          <a:prstGeom prst="straightConnector1">
+            <a:avLst/>
+          </a:prstGeom>
+          <a:ln w="38100">
+            <a:solidFill>
+              <a:srgbClr val="C00000"/>
+            </a:solidFill>
+            <a:tailEnd type="triangle"/>
+          </a:ln>
+        </p:spPr>
+        <p:style>
+          <a:lnRef idx="1">
+            <a:schemeClr val="accent1"/>
+          </a:lnRef>
+          <a:fillRef idx="0">
+            <a:schemeClr val="accent1"/>
+          </a:fillRef>
+          <a:effectRef idx="0">
+            <a:schemeClr val="accent1"/>
+          </a:effectRef>
+          <a:fontRef idx="minor">
+            <a:schemeClr val="tx1"/>
+          </a:fontRef>
+        </p:style>
+      </p:cxnSp>
+      <p:cxnSp>
+        <p:nvCxnSpPr>
+          <p:cNvPr id="41" name="꺾인 연결선 40"/>
+          <p:cNvCxnSpPr>
+            <a:stCxn id="12" idx="3"/>
+            <a:endCxn id="13" idx="0"/>
+          </p:cNvCxnSpPr>
+          <p:nvPr/>
+        </p:nvCxnSpPr>
+        <p:spPr>
+          <a:xfrm flipV="1">
+            <a:off x="5884334" y="4307627"/>
+            <a:ext cx="3459903" cy="5083302"/>
+          </a:xfrm>
+          <a:prstGeom prst="bentConnector4">
+            <a:avLst>
+              <a:gd name="adj1" fmla="val 14850"/>
+              <a:gd name="adj2" fmla="val 104497"/>
+            </a:avLst>
+          </a:prstGeom>
+          <a:ln w="38100">
+            <a:solidFill>
+              <a:srgbClr val="C00000"/>
+            </a:solidFill>
+            <a:tailEnd type="triangle"/>
+          </a:ln>
+        </p:spPr>
+        <p:style>
+          <a:lnRef idx="1">
+            <a:schemeClr val="accent1"/>
+          </a:lnRef>
+          <a:fillRef idx="0">
+            <a:schemeClr val="accent1"/>
+          </a:fillRef>
+          <a:effectRef idx="0">
+            <a:schemeClr val="accent1"/>
+          </a:effectRef>
+          <a:fontRef idx="minor">
+            <a:schemeClr val="tx1"/>
+          </a:fontRef>
+        </p:style>
+      </p:cxnSp>
+      <p:cxnSp>
+        <p:nvCxnSpPr>
+          <p:cNvPr id="52" name="직선 화살표 연결선 51"/>
+          <p:cNvCxnSpPr>
+            <a:endCxn id="14" idx="0"/>
+          </p:cNvCxnSpPr>
+          <p:nvPr/>
+        </p:nvCxnSpPr>
+        <p:spPr>
+          <a:xfrm>
+            <a:off x="9344237" y="5413788"/>
+            <a:ext cx="0" cy="402115"/>
+          </a:xfrm>
+          <a:prstGeom prst="straightConnector1">
+            <a:avLst/>
+          </a:prstGeom>
+          <a:ln w="38100">
+            <a:solidFill>
+              <a:srgbClr val="C00000"/>
+            </a:solidFill>
+            <a:tailEnd type="triangle"/>
+          </a:ln>
+        </p:spPr>
+        <p:style>
+          <a:lnRef idx="1">
+            <a:schemeClr val="accent1"/>
+          </a:lnRef>
+          <a:fillRef idx="0">
+            <a:schemeClr val="accent1"/>
+          </a:fillRef>
+          <a:effectRef idx="0">
+            <a:schemeClr val="accent1"/>
+          </a:effectRef>
+          <a:fontRef idx="minor">
+            <a:schemeClr val="tx1"/>
+          </a:fontRef>
+        </p:style>
+      </p:cxnSp>
+      <p:cxnSp>
+        <p:nvCxnSpPr>
+          <p:cNvPr id="53" name="직선 화살표 연결선 52"/>
+          <p:cNvCxnSpPr>
+            <a:stCxn id="14" idx="2"/>
+            <a:endCxn id="15" idx="0"/>
+          </p:cNvCxnSpPr>
+          <p:nvPr/>
+        </p:nvCxnSpPr>
+        <p:spPr>
+          <a:xfrm>
+            <a:off x="9344237" y="6928423"/>
+            <a:ext cx="0" cy="402115"/>
+          </a:xfrm>
+          <a:prstGeom prst="straightConnector1">
+            <a:avLst/>
+          </a:prstGeom>
+          <a:ln w="38100">
+            <a:solidFill>
+              <a:srgbClr val="C00000"/>
+            </a:solidFill>
+            <a:tailEnd type="triangle"/>
+          </a:ln>
+        </p:spPr>
+        <p:style>
+          <a:lnRef idx="1">
+            <a:schemeClr val="accent1"/>
+          </a:lnRef>
+          <a:fillRef idx="0">
+            <a:schemeClr val="accent1"/>
+          </a:fillRef>
+          <a:effectRef idx="0">
+            <a:schemeClr val="accent1"/>
+          </a:effectRef>
+          <a:fontRef idx="minor">
+            <a:schemeClr val="tx1"/>
+          </a:fontRef>
+        </p:style>
+      </p:cxnSp>
+      <p:cxnSp>
+        <p:nvCxnSpPr>
+          <p:cNvPr id="56" name="직선 화살표 연결선 55"/>
+          <p:cNvCxnSpPr>
+            <a:stCxn id="15" idx="2"/>
+            <a:endCxn id="16" idx="0"/>
+          </p:cNvCxnSpPr>
+          <p:nvPr/>
+        </p:nvCxnSpPr>
+        <p:spPr>
+          <a:xfrm>
+            <a:off x="9344237" y="8443058"/>
+            <a:ext cx="0" cy="397419"/>
+          </a:xfrm>
+          <a:prstGeom prst="straightConnector1">
+            <a:avLst/>
+          </a:prstGeom>
+          <a:ln w="38100">
+            <a:solidFill>
+              <a:srgbClr val="C00000"/>
+            </a:solidFill>
+            <a:tailEnd type="triangle"/>
+          </a:ln>
+        </p:spPr>
+        <p:style>
+          <a:lnRef idx="1">
+            <a:schemeClr val="accent1"/>
+          </a:lnRef>
+          <a:fillRef idx="0">
+            <a:schemeClr val="accent1"/>
+          </a:fillRef>
+          <a:effectRef idx="0">
+            <a:schemeClr val="accent1"/>
+          </a:effectRef>
+          <a:fontRef idx="minor">
+            <a:schemeClr val="tx1"/>
+          </a:fontRef>
+        </p:style>
+      </p:cxnSp>
+      <p:cxnSp>
+        <p:nvCxnSpPr>
+          <p:cNvPr id="59" name="꺾인 연결선 58"/>
+          <p:cNvCxnSpPr>
+            <a:stCxn id="16" idx="3"/>
+            <a:endCxn id="17" idx="0"/>
+          </p:cNvCxnSpPr>
+          <p:nvPr/>
+        </p:nvCxnSpPr>
+        <p:spPr>
+          <a:xfrm flipV="1">
+            <a:off x="11776540" y="4307627"/>
+            <a:ext cx="3451013" cy="5089110"/>
+          </a:xfrm>
+          <a:prstGeom prst="bentConnector4">
+            <a:avLst>
+              <a:gd name="adj1" fmla="val 14760"/>
+              <a:gd name="adj2" fmla="val 104492"/>
+            </a:avLst>
+          </a:prstGeom>
+          <a:ln w="38100">
+            <a:solidFill>
+              <a:srgbClr val="C00000"/>
+            </a:solidFill>
+            <a:tailEnd type="triangle"/>
+          </a:ln>
+        </p:spPr>
+        <p:style>
+          <a:lnRef idx="1">
+            <a:schemeClr val="accent1"/>
+          </a:lnRef>
+          <a:fillRef idx="0">
+            <a:schemeClr val="accent1"/>
+          </a:fillRef>
+          <a:effectRef idx="0">
+            <a:schemeClr val="accent1"/>
+          </a:effectRef>
+          <a:fontRef idx="minor">
+            <a:schemeClr val="tx1"/>
+          </a:fontRef>
+        </p:style>
+      </p:cxnSp>
+      <p:cxnSp>
+        <p:nvCxnSpPr>
+          <p:cNvPr id="62" name="직선 화살표 연결선 61"/>
+          <p:cNvCxnSpPr>
+            <a:stCxn id="17" idx="2"/>
+            <a:endCxn id="18" idx="0"/>
+          </p:cNvCxnSpPr>
+          <p:nvPr/>
+        </p:nvCxnSpPr>
+        <p:spPr>
+          <a:xfrm flipH="1">
+            <a:off x="15222196" y="5420147"/>
+            <a:ext cx="5357" cy="395756"/>
+          </a:xfrm>
+          <a:prstGeom prst="straightConnector1">
+            <a:avLst/>
+          </a:prstGeom>
+          <a:ln w="38100">
+            <a:solidFill>
+              <a:srgbClr val="C00000"/>
+            </a:solidFill>
+            <a:tailEnd type="triangle"/>
+          </a:ln>
+        </p:spPr>
+        <p:style>
+          <a:lnRef idx="1">
+            <a:schemeClr val="accent1"/>
+          </a:lnRef>
+          <a:fillRef idx="0">
+            <a:schemeClr val="accent1"/>
+          </a:fillRef>
+          <a:effectRef idx="0">
+            <a:schemeClr val="accent1"/>
+          </a:effectRef>
+          <a:fontRef idx="minor">
+            <a:schemeClr val="tx1"/>
+          </a:fontRef>
+        </p:style>
+      </p:cxnSp>
+      <p:cxnSp>
+        <p:nvCxnSpPr>
+          <p:cNvPr id="67" name="직선 화살표 연결선 66"/>
+          <p:cNvCxnSpPr>
+            <a:stCxn id="18" idx="2"/>
+            <a:endCxn id="20" idx="0"/>
+          </p:cNvCxnSpPr>
+          <p:nvPr/>
+        </p:nvCxnSpPr>
+        <p:spPr>
+          <a:xfrm>
+            <a:off x="15222196" y="6928423"/>
+            <a:ext cx="0" cy="402115"/>
+          </a:xfrm>
+          <a:prstGeom prst="straightConnector1">
+            <a:avLst/>
+          </a:prstGeom>
+          <a:ln w="38100">
+            <a:solidFill>
+              <a:srgbClr val="C00000"/>
+            </a:solidFill>
+            <a:tailEnd type="triangle"/>
+          </a:ln>
+        </p:spPr>
+        <p:style>
+          <a:lnRef idx="1">
+            <a:schemeClr val="accent1"/>
+          </a:lnRef>
+          <a:fillRef idx="0">
+            <a:schemeClr val="accent1"/>
+          </a:fillRef>
+          <a:effectRef idx="0">
+            <a:schemeClr val="accent1"/>
+          </a:effectRef>
+          <a:fontRef idx="minor">
+            <a:schemeClr val="tx1"/>
+          </a:fontRef>
+        </p:style>
+      </p:cxnSp>
+      <p:cxnSp>
+        <p:nvCxnSpPr>
+          <p:cNvPr id="70" name="직선 화살표 연결선 69"/>
+          <p:cNvCxnSpPr>
+            <a:stCxn id="20" idx="2"/>
+            <a:endCxn id="21" idx="0"/>
+          </p:cNvCxnSpPr>
+          <p:nvPr/>
+        </p:nvCxnSpPr>
+        <p:spPr>
+          <a:xfrm>
+            <a:off x="15222196" y="8443058"/>
+            <a:ext cx="1635" cy="422177"/>
+          </a:xfrm>
+          <a:prstGeom prst="straightConnector1">
+            <a:avLst/>
+          </a:prstGeom>
+          <a:ln w="38100">
+            <a:solidFill>
+              <a:srgbClr val="C00000"/>
+            </a:solidFill>
+            <a:tailEnd type="triangle"/>
+          </a:ln>
+        </p:spPr>
+        <p:style>
+          <a:lnRef idx="1">
+            <a:schemeClr val="accent1"/>
+          </a:lnRef>
+          <a:fillRef idx="0">
+            <a:schemeClr val="accent1"/>
+          </a:fillRef>
+          <a:effectRef idx="0">
+            <a:schemeClr val="accent1"/>
+          </a:effectRef>
+          <a:fontRef idx="minor">
+            <a:schemeClr val="tx1"/>
+          </a:fontRef>
+        </p:style>
+      </p:cxnSp>
+      <p:cxnSp>
+        <p:nvCxnSpPr>
+          <p:cNvPr id="73" name="직선 화살표 연결선 72"/>
+          <p:cNvCxnSpPr>
+            <a:stCxn id="21" idx="2"/>
+            <a:endCxn id="22" idx="0"/>
+          </p:cNvCxnSpPr>
+          <p:nvPr/>
+        </p:nvCxnSpPr>
+        <p:spPr>
+          <a:xfrm flipH="1">
+            <a:off x="15206280" y="9236075"/>
+            <a:ext cx="17551" cy="309050"/>
+          </a:xfrm>
+          <a:prstGeom prst="straightConnector1">
+            <a:avLst/>
+          </a:prstGeom>
+          <a:ln w="38100">
+            <a:solidFill>
+              <a:srgbClr val="C00000"/>
+            </a:solidFill>
+            <a:tailEnd type="triangle"/>
+          </a:ln>
+        </p:spPr>
+        <p:style>
+          <a:lnRef idx="1">
+            <a:schemeClr val="accent1"/>
+          </a:lnRef>
+          <a:fillRef idx="0">
+            <a:schemeClr val="accent1"/>
+          </a:fillRef>
+          <a:effectRef idx="0">
+            <a:schemeClr val="accent1"/>
+          </a:effectRef>
+          <a:fontRef idx="minor">
+            <a:schemeClr val="tx1"/>
+          </a:fontRef>
+        </p:style>
+      </p:cxnSp>
     </p:spTree>
+    <p:extLst>
+      <p:ext uri="{BB962C8B-B14F-4D97-AF65-F5344CB8AC3E}">
+        <p14:creationId xmlns:p14="http://schemas.microsoft.com/office/powerpoint/2010/main" val="676251261"/>
+      </p:ext>
+    </p:extLst>
   </p:cSld>
   <p:clrMapOvr>
     <a:masterClrMapping/>

--- a/TermProject_중간보고/MDL.pptx
+++ b/TermProject_중간보고/MDL.pptx
@@ -2276,7 +2276,7 @@
     <mc:Choice Requires="p14">
       <p:transition/>
     </mc:Choice>
-    <mc:Fallback xmlns:dsp="http://schemas.microsoft.com/office/drawing/2008/diagram" xmlns:dgm="http://schemas.openxmlformats.org/drawingml/2006/diagram" xmlns:c="http://schemas.openxmlformats.org/drawingml/2006/chart" xmlns="">
+    <mc:Fallback xmlns="" xmlns:c="http://schemas.openxmlformats.org/drawingml/2006/chart" xmlns:dgm="http://schemas.openxmlformats.org/drawingml/2006/diagram" xmlns:dsp="http://schemas.microsoft.com/office/drawing/2008/diagram">
       <p:transition/>
     </mc:Fallback>
   </mc:AlternateContent>
@@ -2587,7 +2587,7 @@
     <mc:Choice Requires="p14">
       <p:transition/>
     </mc:Choice>
-    <mc:Fallback xmlns:dsp="http://schemas.microsoft.com/office/drawing/2008/diagram" xmlns:dgm="http://schemas.openxmlformats.org/drawingml/2006/diagram" xmlns:c="http://schemas.openxmlformats.org/drawingml/2006/chart" xmlns="">
+    <mc:Fallback xmlns="" xmlns:c="http://schemas.openxmlformats.org/drawingml/2006/chart" xmlns:dgm="http://schemas.openxmlformats.org/drawingml/2006/diagram" xmlns:dsp="http://schemas.microsoft.com/office/drawing/2008/diagram">
       <p:transition/>
     </mc:Fallback>
   </mc:AlternateContent>
@@ -2935,7 +2935,7 @@
     <mc:Choice Requires="p14">
       <p:transition/>
     </mc:Choice>
-    <mc:Fallback xmlns:dsp="http://schemas.microsoft.com/office/drawing/2008/diagram" xmlns:dgm="http://schemas.openxmlformats.org/drawingml/2006/diagram" xmlns:c="http://schemas.openxmlformats.org/drawingml/2006/chart" xmlns="">
+    <mc:Fallback xmlns="" xmlns:c="http://schemas.openxmlformats.org/drawingml/2006/chart" xmlns:dgm="http://schemas.openxmlformats.org/drawingml/2006/diagram" xmlns:dsp="http://schemas.microsoft.com/office/drawing/2008/diagram">
       <p:transition/>
     </mc:Fallback>
   </mc:AlternateContent>
@@ -3134,7 +3134,7 @@
     <mc:Choice Requires="p14">
       <p:transition/>
     </mc:Choice>
-    <mc:Fallback xmlns:dsp="http://schemas.microsoft.com/office/drawing/2008/diagram" xmlns:dgm="http://schemas.openxmlformats.org/drawingml/2006/diagram" xmlns:c="http://schemas.openxmlformats.org/drawingml/2006/chart" xmlns="">
+    <mc:Fallback xmlns="" xmlns:c="http://schemas.openxmlformats.org/drawingml/2006/chart" xmlns:dgm="http://schemas.openxmlformats.org/drawingml/2006/diagram" xmlns:dsp="http://schemas.microsoft.com/office/drawing/2008/diagram">
       <p:transition/>
     </mc:Fallback>
   </mc:AlternateContent>
@@ -3403,7 +3403,7 @@
     <mc:Choice Requires="p14">
       <p:transition/>
     </mc:Choice>
-    <mc:Fallback xmlns:dsp="http://schemas.microsoft.com/office/drawing/2008/diagram" xmlns:dgm="http://schemas.openxmlformats.org/drawingml/2006/diagram" xmlns:c="http://schemas.openxmlformats.org/drawingml/2006/chart" xmlns="">
+    <mc:Fallback xmlns="" xmlns:c="http://schemas.openxmlformats.org/drawingml/2006/chart" xmlns:dgm="http://schemas.openxmlformats.org/drawingml/2006/diagram" xmlns:dsp="http://schemas.microsoft.com/office/drawing/2008/diagram">
       <p:transition/>
     </mc:Fallback>
   </mc:AlternateContent>
@@ -3837,7 +3837,7 @@
     <mc:Choice Requires="p14">
       <p:transition/>
     </mc:Choice>
-    <mc:Fallback xmlns:dsp="http://schemas.microsoft.com/office/drawing/2008/diagram" xmlns:dgm="http://schemas.openxmlformats.org/drawingml/2006/diagram" xmlns:c="http://schemas.openxmlformats.org/drawingml/2006/chart" xmlns="">
+    <mc:Fallback xmlns="" xmlns:c="http://schemas.openxmlformats.org/drawingml/2006/chart" xmlns:dgm="http://schemas.openxmlformats.org/drawingml/2006/diagram" xmlns:dsp="http://schemas.microsoft.com/office/drawing/2008/diagram">
       <p:transition/>
     </mc:Fallback>
   </mc:AlternateContent>
@@ -3919,7 +3919,7 @@
         <p:spPr>
           <a:xfrm>
             <a:off x="1007029" y="1962721"/>
-            <a:ext cx="18073156" cy="5432256"/>
+            <a:ext cx="18073156" cy="8148384"/>
           </a:xfrm>
           <a:prstGeom prst="rect">
             <a:avLst/>
@@ -4085,14 +4085,62 @@
               <a:rPr lang="en-US" altLang="ko-KR" sz="4350" b="1" spc="-325" dirty="0" smtClean="0">
                 <a:latin typeface="나눔고딕OTF ExtraBold"/>
               </a:rPr>
-              <a:t>-&gt; YoloV2(detection) + </a:t>
+              <a:t>-&gt; YoloV2(detection) + VGG19(train</a:t>
             </a:r>
             <a:r>
               <a:rPr lang="en-US" altLang="ko-KR" sz="4350" b="1" spc="-325" dirty="0" smtClean="0">
                 <a:latin typeface="나눔고딕OTF ExtraBold"/>
               </a:rPr>
-              <a:t>VGG19(train)</a:t>
-            </a:r>
+              <a:t>)</a:t>
+            </a:r>
+          </a:p>
+          <a:p>
+            <a:pPr marL="12700">
+              <a:lnSpc>
+                <a:spcPct val="100000"/>
+              </a:lnSpc>
+              <a:spcBef>
+                <a:spcPts val="100"/>
+              </a:spcBef>
+              <a:defRPr/>
+            </a:pPr>
+            <a:endParaRPr lang="en-US" altLang="ko-KR" sz="4350" b="1" spc="-325" dirty="0">
+              <a:latin typeface="나눔고딕OTF ExtraBold"/>
+            </a:endParaRPr>
+          </a:p>
+          <a:p>
+            <a:pPr marL="12700">
+              <a:lnSpc>
+                <a:spcPct val="100000"/>
+              </a:lnSpc>
+              <a:spcBef>
+                <a:spcPts val="100"/>
+              </a:spcBef>
+              <a:defRPr/>
+            </a:pPr>
+            <a:r>
+              <a:rPr lang="en-US" altLang="ko-KR" sz="4350" b="1" spc="-325" dirty="0">
+                <a:latin typeface="나눔고딕OTF ExtraBold"/>
+              </a:rPr>
+              <a:t>Automatic Detection of Knee Joints and Quantiﬁcation of Knee Osteoarthritis </a:t>
+            </a:r>
+            <a:r>
+              <a:rPr lang="en-US" altLang="ko-KR" sz="4350" b="1" spc="-325" dirty="0" smtClean="0">
+                <a:latin typeface="나눔고딕OTF ExtraBold"/>
+              </a:rPr>
+              <a:t>Severity</a:t>
+            </a:r>
+          </a:p>
+          <a:p>
+            <a:pPr marL="12700">
+              <a:lnSpc>
+                <a:spcPct val="100000"/>
+              </a:lnSpc>
+              <a:spcBef>
+                <a:spcPts val="100"/>
+              </a:spcBef>
+              <a:defRPr/>
+            </a:pPr>
             <a:endParaRPr lang="ko-KR" altLang="en-US" sz="4350" b="1" spc="-325" dirty="0">
               <a:latin typeface="나눔고딕OTF ExtraBold"/>
             </a:endParaRPr>
@@ -4180,7 +4228,7 @@
     <mc:Choice Requires="p14">
       <p:transition/>
     </mc:Choice>
-    <mc:Fallback xmlns:dsp="http://schemas.microsoft.com/office/drawing/2008/diagram" xmlns:dgm="http://schemas.openxmlformats.org/drawingml/2006/diagram" xmlns:c="http://schemas.openxmlformats.org/drawingml/2006/chart" xmlns="">
+    <mc:Fallback xmlns="" xmlns:c="http://schemas.openxmlformats.org/drawingml/2006/chart" xmlns:dgm="http://schemas.openxmlformats.org/drawingml/2006/diagram" xmlns:dsp="http://schemas.microsoft.com/office/drawing/2008/diagram">
       <p:transition/>
     </mc:Fallback>
   </mc:AlternateContent>
@@ -4298,10 +4346,6 @@
               </a:rPr>
               <a:t>?</a:t>
             </a:r>
-            <a:endParaRPr lang="en-US" altLang="ko-KR" sz="4350" b="1" spc="-325" dirty="0" smtClean="0">
-              <a:latin typeface="나눔고딕OTF ExtraBold"/>
-              <a:cs typeface="나눔고딕OTF ExtraBold"/>
-            </a:endParaRPr>
           </a:p>
           <a:p>
             <a:pPr marL="12700">
@@ -4370,21 +4414,7 @@
                 <a:latin typeface="나눔고딕OTF ExtraBold"/>
                 <a:cs typeface="나눔고딕OTF ExtraBold"/>
               </a:rPr>
-              <a:t>된 결과 이미지를 </a:t>
-            </a:r>
-            <a:r>
-              <a:rPr lang="ko-KR" altLang="en-US" sz="4350" b="1" spc="-325" dirty="0" smtClean="0">
-                <a:latin typeface="나눔고딕OTF ExtraBold"/>
-                <a:cs typeface="나눔고딕OTF ExtraBold"/>
-              </a:rPr>
-              <a:t>학습 </a:t>
-            </a:r>
-            <a:r>
-              <a:rPr lang="ko-KR" altLang="en-US" sz="4350" b="1" spc="-325" dirty="0" smtClean="0">
-                <a:latin typeface="나눔고딕OTF ExtraBold"/>
-                <a:cs typeface="나눔고딕OTF ExtraBold"/>
-              </a:rPr>
-              <a:t>데이터셋으로 사용</a:t>
+              <a:t>된 결과 이미지를 학습 데이터셋으로 사용</a:t>
             </a:r>
             <a:endParaRPr lang="en-US" altLang="ko-KR" sz="4350" b="1" spc="-325" dirty="0" smtClean="0">
               <a:latin typeface="나눔고딕OTF ExtraBold"/>
@@ -4470,14 +4500,7 @@
                 <a:latin typeface="나눔고딕OTF ExtraBold"/>
                 <a:cs typeface="나눔고딕OTF ExtraBold"/>
               </a:rPr>
-              <a:t>에서 </a:t>
-            </a:r>
-            <a:r>
-              <a:rPr lang="ko-KR" altLang="en-US" sz="4350" b="1" spc="-325" dirty="0" smtClean="0">
-                <a:latin typeface="나눔고딕OTF ExtraBold"/>
-                <a:cs typeface="나눔고딕OTF ExtraBold"/>
-              </a:rPr>
-              <a:t>제공하는 학습데이터셋을 검증</a:t>
+              <a:t>에서 제공하는 학습데이터셋을 검증</a:t>
             </a:r>
             <a:r>
               <a:rPr lang="en-US" altLang="ko-KR" sz="4350" b="1" spc="-325" dirty="0" smtClean="0">
@@ -4491,14 +4514,7 @@
                 <a:latin typeface="나눔고딕OTF ExtraBold"/>
                 <a:cs typeface="나눔고딕OTF ExtraBold"/>
               </a:rPr>
-              <a:t>테스트 데이터셋으로 나누어 </a:t>
-            </a:r>
-            <a:r>
-              <a:rPr lang="ko-KR" altLang="en-US" sz="4350" b="1" spc="-325" dirty="0" smtClean="0">
-                <a:latin typeface="나눔고딕OTF ExtraBold"/>
-                <a:cs typeface="나눔고딕OTF ExtraBold"/>
-              </a:rPr>
-              <a:t>사용</a:t>
+              <a:t>테스트 데이터셋으로 나누어 사용</a:t>
             </a:r>
             <a:endParaRPr lang="en-US" altLang="ko-KR" sz="4350" b="1" spc="-325" dirty="0" smtClean="0">
               <a:latin typeface="나눔고딕OTF ExtraBold"/>
@@ -4574,14 +4590,7 @@
                 <a:latin typeface="나눔고딕OTF ExtraBold"/>
                 <a:cs typeface="나눔고딕OTF ExtraBold"/>
               </a:rPr>
-              <a:t>추후 </a:t>
-            </a:r>
-            <a:r>
-              <a:rPr lang="ko-KR" altLang="en-US" sz="4350" b="1" spc="-325" dirty="0" smtClean="0">
-                <a:latin typeface="나눔고딕OTF ExtraBold"/>
-                <a:cs typeface="나눔고딕OTF ExtraBold"/>
-              </a:rPr>
-              <a:t>검증 </a:t>
+              <a:t>추후 검증 </a:t>
             </a:r>
             <a:r>
               <a:rPr lang="ko-KR" altLang="en-US" sz="4350" b="1" spc="-325" dirty="0" err="1" smtClean="0">
@@ -4595,14 +4604,7 @@
                 <a:latin typeface="나눔고딕OTF ExtraBold"/>
                 <a:cs typeface="나눔고딕OTF ExtraBold"/>
               </a:rPr>
-              <a:t> </a:t>
-            </a:r>
-            <a:r>
-              <a:rPr lang="ko-KR" altLang="en-US" sz="4350" b="1" spc="-325" dirty="0" smtClean="0">
-                <a:latin typeface="나눔고딕OTF ExtraBold"/>
-                <a:cs typeface="나눔고딕OTF ExtraBold"/>
-              </a:rPr>
-              <a:t>추가 학습</a:t>
+              <a:t> 추가 학습</a:t>
             </a:r>
             <a:endParaRPr lang="en-US" altLang="ko-KR" sz="4350" b="1" spc="-325" dirty="0" smtClean="0">
               <a:latin typeface="나눔고딕OTF ExtraBold"/>
@@ -4687,7 +4689,7 @@
     <mc:Choice Requires="p14">
       <p:transition/>
     </mc:Choice>
-    <mc:Fallback xmlns:dsp="http://schemas.microsoft.com/office/drawing/2008/diagram" xmlns:dgm="http://schemas.openxmlformats.org/drawingml/2006/diagram" xmlns:c="http://schemas.openxmlformats.org/drawingml/2006/chart" xmlns="">
+    <mc:Fallback xmlns="" xmlns:c="http://schemas.openxmlformats.org/drawingml/2006/chart" xmlns:dgm="http://schemas.openxmlformats.org/drawingml/2006/diagram" xmlns:dsp="http://schemas.microsoft.com/office/drawing/2008/diagram">
       <p:transition/>
     </mc:Fallback>
   </mc:AlternateContent>
@@ -5076,7 +5078,7 @@
     <mc:Choice Requires="p14">
       <p:transition/>
     </mc:Choice>
-    <mc:Fallback xmlns:dsp="http://schemas.microsoft.com/office/drawing/2008/diagram" xmlns:dgm="http://schemas.openxmlformats.org/drawingml/2006/diagram" xmlns:c="http://schemas.openxmlformats.org/drawingml/2006/chart" xmlns="">
+    <mc:Fallback xmlns="" xmlns:c="http://schemas.openxmlformats.org/drawingml/2006/chart" xmlns:dgm="http://schemas.openxmlformats.org/drawingml/2006/diagram" xmlns:dsp="http://schemas.microsoft.com/office/drawing/2008/diagram">
       <p:transition/>
     </mc:Fallback>
   </mc:AlternateContent>
@@ -5496,7 +5498,7 @@
     <mc:Choice Requires="p14">
       <p:transition/>
     </mc:Choice>
-    <mc:Fallback xmlns:dsp="http://schemas.microsoft.com/office/drawing/2008/diagram" xmlns:dgm="http://schemas.openxmlformats.org/drawingml/2006/diagram" xmlns:c="http://schemas.openxmlformats.org/drawingml/2006/chart" xmlns="">
+    <mc:Fallback xmlns="" xmlns:c="http://schemas.openxmlformats.org/drawingml/2006/chart" xmlns:dgm="http://schemas.openxmlformats.org/drawingml/2006/diagram" xmlns:dsp="http://schemas.microsoft.com/office/drawing/2008/diagram">
       <p:transition/>
     </mc:Fallback>
   </mc:AlternateContent>
@@ -6057,17 +6059,6 @@
                         </a:rPr>
                         <a:t>0.00001, </a:t>
                       </a:r>
-                      <a:r>
-                        <a:rPr lang="en-US" altLang="ko-KR" sz="2800" b="1" kern="1200" spc="0" dirty="0" smtClean="0">
-                          <a:solidFill>
-                            <a:schemeClr val="tx1"/>
-                          </a:solidFill>
-                          <a:latin typeface="Arial"/>
-                          <a:ea typeface="+mj-ea"/>
-                          <a:cs typeface="Arial"/>
-                        </a:rPr>
-                        <a:t/>
-                      </a:r>
                       <a:br>
                         <a:rPr lang="en-US" altLang="ko-KR" sz="2800" b="1" kern="1200" spc="0" dirty="0" smtClean="0">
                           <a:solidFill>
@@ -6087,18 +6078,7 @@
                           <a:ea typeface="+mj-ea"/>
                           <a:cs typeface="Arial"/>
                         </a:rPr>
-                        <a:t>decay </a:t>
-                      </a:r>
-                      <a:r>
-                        <a:rPr lang="en-US" altLang="ko-KR" sz="2800" b="1" kern="1200" spc="0" dirty="0" smtClean="0">
-                          <a:solidFill>
-                            <a:schemeClr val="tx1"/>
-                          </a:solidFill>
-                          <a:latin typeface="Arial"/>
-                          <a:ea typeface="+mj-ea"/>
-                          <a:cs typeface="Arial"/>
-                        </a:rPr>
-                        <a:t>= </a:t>
+                        <a:t>decay = </a:t>
                       </a:r>
                       <a:r>
                         <a:rPr lang="en-US" altLang="ko-KR" sz="2800" b="1" dirty="0" smtClean="0">
@@ -7218,7 +7198,7 @@
     <mc:Choice Requires="p14">
       <p:transition/>
     </mc:Choice>
-    <mc:Fallback xmlns:dsp="http://schemas.microsoft.com/office/drawing/2008/diagram" xmlns:dgm="http://schemas.openxmlformats.org/drawingml/2006/diagram" xmlns:c="http://schemas.openxmlformats.org/drawingml/2006/chart" xmlns="">
+    <mc:Fallback xmlns="" xmlns:c="http://schemas.openxmlformats.org/drawingml/2006/chart" xmlns:dgm="http://schemas.openxmlformats.org/drawingml/2006/diagram" xmlns:dsp="http://schemas.microsoft.com/office/drawing/2008/diagram">
       <p:transition/>
     </mc:Fallback>
   </mc:AlternateContent>
@@ -7414,14 +7394,7 @@
                 <a:latin typeface="나눔고딕OTF ExtraBold"/>
                 <a:cs typeface="Arial"/>
               </a:rPr>
-              <a:t>통한 특징 </a:t>
-            </a:r>
-            <a:r>
-              <a:rPr lang="ko-KR" altLang="en-US" sz="4350" b="1" spc="-325" dirty="0" smtClean="0">
-                <a:latin typeface="나눔고딕OTF ExtraBold"/>
-                <a:cs typeface="Arial"/>
-              </a:rPr>
-              <a:t>응집</a:t>
+              <a:t>통한 특징 응집</a:t>
             </a:r>
             <a:endParaRPr sz="4350" b="1" spc="-270" dirty="0">
               <a:latin typeface="Arial"/>
@@ -7561,7 +7534,7 @@
           <p:nvPr>
             <p:extLst>
               <p:ext uri="{D42A27DB-BD31-4B8C-83A1-F6EECF244321}">
-                <p14:modId xmlns:p14="http://schemas.microsoft.com/office/powerpoint/2010/main" val="478708300"/>
+                <p14:modId xmlns:p14="http://schemas.microsoft.com/office/powerpoint/2010/main" val="2728834847"/>
               </p:ext>
             </p:extLst>
           </p:nvPr>
@@ -10637,7 +10610,7 @@
     <mc:Choice Requires="p14">
       <p:transition/>
     </mc:Choice>
-    <mc:Fallback xmlns:dsp="http://schemas.microsoft.com/office/drawing/2008/diagram" xmlns:dgm="http://schemas.openxmlformats.org/drawingml/2006/diagram" xmlns:c="http://schemas.openxmlformats.org/drawingml/2006/chart" xmlns="">
+    <mc:Fallback xmlns="" xmlns:c="http://schemas.openxmlformats.org/drawingml/2006/chart" xmlns:dgm="http://schemas.openxmlformats.org/drawingml/2006/diagram" xmlns:dsp="http://schemas.microsoft.com/office/drawing/2008/diagram">
       <p:transition/>
     </mc:Fallback>
   </mc:AlternateContent>

--- a/TermProject_중간보고/MDL.pptx
+++ b/TermProject_중간보고/MDL.pptx
@@ -5,21 +5,27 @@
     <p:sldMasterId id="2147483668" r:id="rId1"/>
   </p:sldMasterIdLst>
   <p:notesMasterIdLst>
-    <p:notesMasterId r:id="rId14"/>
+    <p:notesMasterId r:id="rId20"/>
   </p:notesMasterIdLst>
   <p:sldIdLst>
     <p:sldId id="256" r:id="rId2"/>
     <p:sldId id="258" r:id="rId3"/>
     <p:sldId id="257" r:id="rId4"/>
     <p:sldId id="275" r:id="rId5"/>
-    <p:sldId id="263" r:id="rId6"/>
-    <p:sldId id="262" r:id="rId7"/>
-    <p:sldId id="277" r:id="rId8"/>
-    <p:sldId id="265" r:id="rId9"/>
-    <p:sldId id="276" r:id="rId10"/>
-    <p:sldId id="267" r:id="rId11"/>
-    <p:sldId id="273" r:id="rId12"/>
-    <p:sldId id="274" r:id="rId13"/>
+    <p:sldId id="279" r:id="rId6"/>
+    <p:sldId id="278" r:id="rId7"/>
+    <p:sldId id="280" r:id="rId8"/>
+    <p:sldId id="281" r:id="rId9"/>
+    <p:sldId id="282" r:id="rId10"/>
+    <p:sldId id="283" r:id="rId11"/>
+    <p:sldId id="263" r:id="rId12"/>
+    <p:sldId id="262" r:id="rId13"/>
+    <p:sldId id="277" r:id="rId14"/>
+    <p:sldId id="265" r:id="rId15"/>
+    <p:sldId id="276" r:id="rId16"/>
+    <p:sldId id="267" r:id="rId17"/>
+    <p:sldId id="273" r:id="rId18"/>
+    <p:sldId id="274" r:id="rId19"/>
   </p:sldIdLst>
   <p:sldSz cx="20104100" cy="11309350"/>
   <p:notesSz cx="20104100" cy="11309350"/>
@@ -242,7 +248,7 @@
               <a:pPr lvl="0">
                 <a:defRPr/>
               </a:pPr>
-              <a:t>2021-11-08</a:t>
+              <a:t>2021-11-09</a:t>
             </a:fld>
             <a:endParaRPr lang="ko-KR" altLang="en-US"/>
           </a:p>
@@ -777,7 +783,7 @@
           <a:p>
             <a:fld id="{1D8BD707-D9CF-40AE-B4C6-C98DA3205C09}" type="datetimeFigureOut">
               <a:rPr lang="en-US"/>
-              <a:t>11/8/2021</a:t>
+              <a:t>11/9/2021</a:t>
             </a:fld>
             <a:endParaRPr lang="en-US"/>
           </a:p>
@@ -952,7 +958,7 @@
           <a:p>
             <a:fld id="{1D8BD707-D9CF-40AE-B4C6-C98DA3205C09}" type="datetimeFigureOut">
               <a:rPr lang="en-US"/>
-              <a:t>11/8/2021</a:t>
+              <a:t>11/9/2021</a:t>
             </a:fld>
             <a:endParaRPr lang="en-US"/>
           </a:p>
@@ -1166,7 +1172,7 @@
           <a:p>
             <a:fld id="{1D8BD707-D9CF-40AE-B4C6-C98DA3205C09}" type="datetimeFigureOut">
               <a:rPr lang="en-US"/>
-              <a:t>11/8/2021</a:t>
+              <a:t>11/9/2021</a:t>
             </a:fld>
             <a:endParaRPr lang="en-US"/>
           </a:p>
@@ -1314,7 +1320,7 @@
           <a:p>
             <a:fld id="{1D8BD707-D9CF-40AE-B4C6-C98DA3205C09}" type="datetimeFigureOut">
               <a:rPr lang="en-US"/>
-              <a:t>11/8/2021</a:t>
+              <a:t>11/9/2021</a:t>
             </a:fld>
             <a:endParaRPr lang="en-US"/>
           </a:p>
@@ -1433,7 +1439,7 @@
           <a:p>
             <a:fld id="{1D8BD707-D9CF-40AE-B4C6-C98DA3205C09}" type="datetimeFigureOut">
               <a:rPr lang="en-US"/>
-              <a:t>11/8/2021</a:t>
+              <a:t>11/9/2021</a:t>
             </a:fld>
             <a:endParaRPr lang="en-US"/>
           </a:p>
@@ -1656,7 +1662,7 @@
           <a:p>
             <a:fld id="{1D8BD707-D9CF-40AE-B4C6-C98DA3205C09}" type="datetimeFigureOut">
               <a:rPr lang="en-US"/>
-              <a:t>11/8/2021</a:t>
+              <a:t>11/9/2021</a:t>
             </a:fld>
             <a:endParaRPr lang="en-US"/>
           </a:p>
@@ -2276,7 +2282,7 @@
     <mc:Choice Requires="p14">
       <p:transition/>
     </mc:Choice>
-    <mc:Fallback xmlns="" xmlns:c="http://schemas.openxmlformats.org/drawingml/2006/chart" xmlns:dgm="http://schemas.openxmlformats.org/drawingml/2006/diagram" xmlns:dsp="http://schemas.microsoft.com/office/drawing/2008/diagram">
+    <mc:Fallback xmlns:dsp="http://schemas.microsoft.com/office/drawing/2008/diagram" xmlns:dgm="http://schemas.openxmlformats.org/drawingml/2006/diagram" xmlns:c="http://schemas.openxmlformats.org/drawingml/2006/chart" xmlns="">
       <p:transition/>
     </mc:Fallback>
   </mc:AlternateContent>
@@ -2319,1611 +2325,6 @@
         </p:nvSpPr>
         <p:spPr>
           <a:xfrm>
-            <a:off x="1023915" y="888736"/>
-            <a:ext cx="14971733" cy="1090683"/>
-          </a:xfrm>
-          <a:prstGeom prst="rect">
-            <a:avLst/>
-          </a:prstGeom>
-        </p:spPr>
-        <p:txBody>
-          <a:bodyPr vert="horz" wrap="square" lIns="0" tIns="13335" rIns="0" bIns="0">
-            <a:spAutoFit/>
-          </a:bodyPr>
-          <a:lstStyle/>
-          <a:p>
-            <a:pPr marL="12700">
-              <a:lnSpc>
-                <a:spcPct val="100000"/>
-              </a:lnSpc>
-              <a:spcBef>
-                <a:spcPts val="104"/>
-              </a:spcBef>
-              <a:defRPr/>
-            </a:pPr>
-            <a:r>
-              <a:rPr lang="en-US" b="0" spc="-120" dirty="0"/>
-              <a:t>What are the results of model learning?</a:t>
-            </a:r>
-            <a:endParaRPr b="0" spc="-120" dirty="0"/>
-          </a:p>
-        </p:txBody>
-      </p:sp>
-      <p:pic>
-        <p:nvPicPr>
-          <p:cNvPr id="1027" name="object 4"/>
-          <p:cNvPicPr/>
-          <p:nvPr userDrawn="1"/>
-        </p:nvPicPr>
-        <p:blipFill rotWithShape="1">
-          <a:blip r:embed="rId2"/>
-          <a:stretch>
-            <a:fillRect/>
-          </a:stretch>
-        </p:blipFill>
-        <p:spPr>
-          <a:xfrm>
-            <a:off x="16224250" y="324598"/>
-            <a:ext cx="3578068" cy="834278"/>
-          </a:xfrm>
-          <a:prstGeom prst="rect">
-            <a:avLst/>
-          </a:prstGeom>
-        </p:spPr>
-      </p:pic>
-      <p:sp>
-        <p:nvSpPr>
-          <p:cNvPr id="8" name="object 3">
-            <a:extLst>
-              <a:ext uri="{FF2B5EF4-FFF2-40B4-BE49-F238E27FC236}">
-                <a16:creationId xmlns:a16="http://schemas.microsoft.com/office/drawing/2014/main" id="{E7F9CD68-F918-415E-AD3A-977A30DA8D50}"/>
-              </a:ext>
-            </a:extLst>
-          </p:cNvPr>
-          <p:cNvSpPr txBox="1"/>
-          <p:nvPr/>
-        </p:nvSpPr>
-        <p:spPr>
-          <a:xfrm>
-            <a:off x="1007028" y="1962718"/>
-            <a:ext cx="9045022" cy="682238"/>
-          </a:xfrm>
-          <a:prstGeom prst="rect">
-            <a:avLst/>
-          </a:prstGeom>
-        </p:spPr>
-        <p:txBody>
-          <a:bodyPr vert="horz" wrap="square" lIns="0" tIns="12700" rIns="0" bIns="0">
-            <a:spAutoFit/>
-          </a:bodyPr>
-          <a:lstStyle/>
-          <a:p>
-            <a:pPr marL="25400">
-              <a:lnSpc>
-                <a:spcPct val="100000"/>
-              </a:lnSpc>
-              <a:spcBef>
-                <a:spcPts val="100"/>
-              </a:spcBef>
-              <a:defRPr/>
-            </a:pPr>
-            <a:r>
-              <a:rPr lang="ko-KR" altLang="en-US" sz="4350" b="1" dirty="0">
-                <a:latin typeface="Arial"/>
-                <a:ea typeface="+mj-ea"/>
-                <a:cs typeface="Arial"/>
-              </a:rPr>
-              <a:t>모델 학습의 결과는 무엇입니까</a:t>
-            </a:r>
-            <a:r>
-              <a:rPr lang="en-US" altLang="ko-KR" sz="4350" b="1" dirty="0">
-                <a:latin typeface="Arial"/>
-                <a:ea typeface="+mj-ea"/>
-                <a:cs typeface="Arial"/>
-              </a:rPr>
-              <a:t>?</a:t>
-            </a:r>
-            <a:endParaRPr sz="4350" b="1" dirty="0">
-              <a:latin typeface="Arial"/>
-              <a:ea typeface="+mj-ea"/>
-              <a:cs typeface="Arial"/>
-            </a:endParaRPr>
-          </a:p>
-        </p:txBody>
-      </p:sp>
-      <p:pic>
-        <p:nvPicPr>
-          <p:cNvPr id="13" name="Picture 2">
-            <a:extLst>
-              <a:ext uri="{FF2B5EF4-FFF2-40B4-BE49-F238E27FC236}">
-                <a16:creationId xmlns:a16="http://schemas.microsoft.com/office/drawing/2014/main" id="{CD40EFB1-B4D9-4202-9D90-DE59D9C1DB4B}"/>
-              </a:ext>
-            </a:extLst>
-          </p:cNvPr>
-          <p:cNvPicPr>
-            <a:picLocks noChangeAspect="1" noChangeArrowheads="1"/>
-          </p:cNvPicPr>
-          <p:nvPr/>
-        </p:nvPicPr>
-        <p:blipFill rotWithShape="1">
-          <a:blip r:embed="rId3">
-            <a:extLst>
-              <a:ext uri="{28A0092B-C50C-407E-A947-70E740481C1C}">
-                <a14:useLocalDpi xmlns:a14="http://schemas.microsoft.com/office/drawing/2010/main" val="0"/>
-              </a:ext>
-            </a:extLst>
-          </a:blip>
-          <a:srcRect t="10591" b="61823"/>
-          <a:stretch/>
-        </p:blipFill>
-        <p:spPr bwMode="auto">
-          <a:xfrm>
-            <a:off x="16683065" y="10107490"/>
-            <a:ext cx="3119253" cy="882213"/>
-          </a:xfrm>
-          <a:prstGeom prst="rect">
-            <a:avLst/>
-          </a:prstGeom>
-          <a:noFill/>
-          <a:extLst>
-            <a:ext uri="{909E8E84-426E-40DD-AFC4-6F175D3DCCD1}">
-              <a14:hiddenFill xmlns:a14="http://schemas.microsoft.com/office/drawing/2010/main">
-                <a:solidFill>
-                  <a:srgbClr val="FFFFFF"/>
-                </a:solidFill>
-              </a14:hiddenFill>
-            </a:ext>
-          </a:extLst>
-        </p:spPr>
-      </p:pic>
-      <p:pic>
-        <p:nvPicPr>
-          <p:cNvPr id="5" name="그림 4"/>
-          <p:cNvPicPr>
-            <a:picLocks noChangeAspect="1"/>
-          </p:cNvPicPr>
-          <p:nvPr/>
-        </p:nvPicPr>
-        <p:blipFill>
-          <a:blip r:embed="rId4">
-            <a:extLst>
-              <a:ext uri="{28A0092B-C50C-407E-A947-70E740481C1C}">
-                <a14:useLocalDpi xmlns:a14="http://schemas.microsoft.com/office/drawing/2010/main" val="0"/>
-              </a:ext>
-            </a:extLst>
-          </a:blip>
-          <a:stretch>
-            <a:fillRect/>
-          </a:stretch>
-        </p:blipFill>
-        <p:spPr>
-          <a:xfrm>
-            <a:off x="1023915" y="3246282"/>
-            <a:ext cx="6455155" cy="5420674"/>
-          </a:xfrm>
-          <a:prstGeom prst="rect">
-            <a:avLst/>
-          </a:prstGeom>
-        </p:spPr>
-      </p:pic>
-      <p:pic>
-        <p:nvPicPr>
-          <p:cNvPr id="6" name="그림 5"/>
-          <p:cNvPicPr>
-            <a:picLocks noChangeAspect="1"/>
-          </p:cNvPicPr>
-          <p:nvPr/>
-        </p:nvPicPr>
-        <p:blipFill rotWithShape="1">
-          <a:blip r:embed="rId5"/>
-          <a:srcRect r="13333"/>
-          <a:stretch/>
-        </p:blipFill>
-        <p:spPr>
-          <a:xfrm>
-            <a:off x="8223250" y="3215800"/>
-            <a:ext cx="11156367" cy="5481638"/>
-          </a:xfrm>
-          <a:prstGeom prst="rect">
-            <a:avLst/>
-          </a:prstGeom>
-        </p:spPr>
-      </p:pic>
-      <p:sp>
-        <p:nvSpPr>
-          <p:cNvPr id="3" name="TextBox 2"/>
-          <p:cNvSpPr txBox="1"/>
-          <p:nvPr/>
-        </p:nvSpPr>
-        <p:spPr>
-          <a:xfrm>
-            <a:off x="1728878" y="8852783"/>
-            <a:ext cx="5045227" cy="830997"/>
-          </a:xfrm>
-          <a:prstGeom prst="rect">
-            <a:avLst/>
-          </a:prstGeom>
-          <a:noFill/>
-        </p:spPr>
-        <p:txBody>
-          <a:bodyPr wrap="none" rtlCol="0">
-            <a:spAutoFit/>
-          </a:bodyPr>
-          <a:lstStyle/>
-          <a:p>
-            <a:r>
-              <a:rPr lang="en-US" altLang="ko-KR" sz="2400" b="1" dirty="0" smtClean="0">
-                <a:latin typeface="+mn-ea"/>
-              </a:rPr>
-              <a:t>Validation(7828)</a:t>
-            </a:r>
-            <a:r>
-              <a:rPr lang="ko-KR" altLang="en-US" sz="2400" b="1" dirty="0" smtClean="0">
-                <a:latin typeface="+mn-ea"/>
-              </a:rPr>
-              <a:t>에서 나누어진 </a:t>
-            </a:r>
-            <a:endParaRPr lang="en-US" altLang="ko-KR" sz="2400" b="1" dirty="0" smtClean="0">
-              <a:latin typeface="+mn-ea"/>
-            </a:endParaRPr>
-          </a:p>
-          <a:p>
-            <a:r>
-              <a:rPr lang="en-US" altLang="ko-KR" sz="2400" b="1" dirty="0" smtClean="0">
-                <a:latin typeface="+mn-ea"/>
-              </a:rPr>
-              <a:t>test dataset(783)</a:t>
-            </a:r>
-            <a:r>
-              <a:rPr lang="ko-KR" altLang="en-US" sz="2400" b="1" dirty="0" smtClean="0">
-                <a:latin typeface="+mn-ea"/>
-              </a:rPr>
-              <a:t>에 </a:t>
-            </a:r>
-            <a:r>
-              <a:rPr lang="ko-KR" altLang="en-US" sz="2400" b="1" dirty="0" smtClean="0">
-                <a:latin typeface="+mn-ea"/>
-              </a:rPr>
-              <a:t>대한 매트릭스</a:t>
-            </a:r>
-            <a:endParaRPr lang="ko-KR" altLang="en-US" sz="2400" b="1" dirty="0">
-              <a:latin typeface="+mn-ea"/>
-            </a:endParaRPr>
-          </a:p>
-        </p:txBody>
-      </p:sp>
-    </p:spTree>
-  </p:cSld>
-  <p:clrMapOvr>
-    <a:masterClrMapping/>
-  </p:clrMapOvr>
-  <mc:AlternateContent xmlns:mc="http://schemas.openxmlformats.org/markup-compatibility/2006" xmlns:p14="http://schemas.microsoft.com/office/powerpoint/2010/main">
-    <mc:Choice Requires="p14">
-      <p:transition/>
-    </mc:Choice>
-    <mc:Fallback xmlns="" xmlns:c="http://schemas.openxmlformats.org/drawingml/2006/chart" xmlns:dgm="http://schemas.openxmlformats.org/drawingml/2006/diagram" xmlns:dsp="http://schemas.microsoft.com/office/drawing/2008/diagram">
-      <p:transition/>
-    </mc:Fallback>
-  </mc:AlternateContent>
-  <p:timing>
-    <p:tnLst>
-      <p:par>
-        <p:cTn id="1" dur="indefinite" restart="never" nodeType="tmRoot"/>
-      </p:par>
-    </p:tnLst>
-  </p:timing>
-</p:sld>
-</file>
-
-<file path=ppt/slides/slide11.xml><?xml version="1.0" encoding="utf-8"?>
-<p:sld xmlns:a="http://schemas.openxmlformats.org/drawingml/2006/main" xmlns:r="http://schemas.openxmlformats.org/officeDocument/2006/relationships" xmlns:p="http://schemas.openxmlformats.org/presentationml/2006/main" showMasterSp="0">
-  <p:cSld>
-    <p:spTree>
-      <p:nvGrpSpPr>
-        <p:cNvPr id="1" name=""/>
-        <p:cNvGrpSpPr/>
-        <p:nvPr/>
-      </p:nvGrpSpPr>
-      <p:grpSpPr>
-        <a:xfrm>
-          <a:off x="0" y="0"/>
-          <a:ext cx="0" cy="0"/>
-          <a:chOff x="0" y="0"/>
-          <a:chExt cx="0" cy="0"/>
-        </a:xfrm>
-      </p:grpSpPr>
-      <p:sp>
-        <p:nvSpPr>
-          <p:cNvPr id="3" name="object 3"/>
-          <p:cNvSpPr txBox="1"/>
-          <p:nvPr/>
-        </p:nvSpPr>
-        <p:spPr>
-          <a:xfrm>
-            <a:off x="1019729" y="1975902"/>
-            <a:ext cx="17795321" cy="686726"/>
-          </a:xfrm>
-          <a:prstGeom prst="rect">
-            <a:avLst/>
-          </a:prstGeom>
-        </p:spPr>
-        <p:txBody>
-          <a:bodyPr vert="horz" wrap="square" lIns="0" tIns="17145" rIns="0" bIns="0">
-            <a:spAutoFit/>
-          </a:bodyPr>
-          <a:lstStyle/>
-          <a:p>
-            <a:pPr marL="12700">
-              <a:spcBef>
-                <a:spcPts val="135"/>
-              </a:spcBef>
-              <a:defRPr/>
-            </a:pPr>
-            <a:r>
-              <a:rPr lang="en-US" altLang="ko-KR" sz="4350" b="1" dirty="0">
-                <a:latin typeface="Arial"/>
-                <a:ea typeface="+mj-ea"/>
-                <a:cs typeface="Arial"/>
-              </a:rPr>
-              <a:t>Attention</a:t>
-            </a:r>
-            <a:r>
-              <a:rPr lang="ko-KR" altLang="en-US" sz="4350" b="1" dirty="0">
-                <a:latin typeface="Arial"/>
-                <a:ea typeface="+mj-ea"/>
-                <a:cs typeface="Arial"/>
-              </a:rPr>
-              <a:t>을</a:t>
-            </a:r>
-            <a:r>
-              <a:rPr lang="en-US" altLang="ko-KR" sz="4350" b="1" dirty="0">
-                <a:latin typeface="Arial"/>
-                <a:ea typeface="+mj-ea"/>
-                <a:cs typeface="Arial"/>
-              </a:rPr>
-              <a:t> </a:t>
-            </a:r>
-            <a:r>
-              <a:rPr lang="ko-KR" altLang="en-US" sz="4350" b="1" dirty="0">
-                <a:latin typeface="Arial"/>
-                <a:ea typeface="+mj-ea"/>
-                <a:cs typeface="Arial"/>
-              </a:rPr>
-              <a:t>활용한 주요 특징 부각</a:t>
-            </a:r>
-            <a:endParaRPr lang="en-US" altLang="ko-KR" sz="4350" b="1" dirty="0">
-              <a:latin typeface="Arial"/>
-              <a:ea typeface="+mj-ea"/>
-              <a:cs typeface="Arial"/>
-            </a:endParaRPr>
-          </a:p>
-        </p:txBody>
-      </p:sp>
-      <p:pic>
-        <p:nvPicPr>
-          <p:cNvPr id="12" name="object 4"/>
-          <p:cNvPicPr/>
-          <p:nvPr userDrawn="1"/>
-        </p:nvPicPr>
-        <p:blipFill rotWithShape="1">
-          <a:blip r:embed="rId2"/>
-          <a:stretch>
-            <a:fillRect/>
-          </a:stretch>
-        </p:blipFill>
-        <p:spPr>
-          <a:xfrm>
-            <a:off x="16224250" y="324598"/>
-            <a:ext cx="3578068" cy="834278"/>
-          </a:xfrm>
-          <a:prstGeom prst="rect">
-            <a:avLst/>
-          </a:prstGeom>
-        </p:spPr>
-      </p:pic>
-      <p:sp>
-        <p:nvSpPr>
-          <p:cNvPr id="14" name="object 2"/>
-          <p:cNvSpPr txBox="1"/>
-          <p:nvPr/>
-        </p:nvSpPr>
-        <p:spPr>
-          <a:xfrm>
-            <a:off x="1023917" y="888736"/>
-            <a:ext cx="4827270" cy="1090683"/>
-          </a:xfrm>
-          <a:prstGeom prst="rect">
-            <a:avLst/>
-          </a:prstGeom>
-        </p:spPr>
-        <p:txBody>
-          <a:bodyPr vert="horz" wrap="square" lIns="0" tIns="13335" rIns="0" bIns="0">
-            <a:spAutoFit/>
-          </a:bodyPr>
-          <a:lstStyle/>
-          <a:p>
-            <a:pPr marL="12700">
-              <a:lnSpc>
-                <a:spcPct val="100000"/>
-              </a:lnSpc>
-              <a:spcBef>
-                <a:spcPts val="104"/>
-              </a:spcBef>
-              <a:defRPr/>
-            </a:pPr>
-            <a:r>
-              <a:rPr sz="7000" spc="-20" dirty="0">
-                <a:latin typeface="Arial"/>
-                <a:ea typeface="+mj-ea"/>
-                <a:cs typeface="Arial"/>
-              </a:rPr>
-              <a:t>What's left?</a:t>
-            </a:r>
-          </a:p>
-        </p:txBody>
-      </p:sp>
-      <p:pic>
-        <p:nvPicPr>
-          <p:cNvPr id="6" name="Picture 2">
-            <a:extLst>
-              <a:ext uri="{FF2B5EF4-FFF2-40B4-BE49-F238E27FC236}">
-                <a16:creationId xmlns:a16="http://schemas.microsoft.com/office/drawing/2014/main" id="{3FAF5B3B-E6F6-4C31-BD22-B2AF995485AB}"/>
-              </a:ext>
-            </a:extLst>
-          </p:cNvPr>
-          <p:cNvPicPr>
-            <a:picLocks noChangeAspect="1" noChangeArrowheads="1"/>
-          </p:cNvPicPr>
-          <p:nvPr/>
-        </p:nvPicPr>
-        <p:blipFill rotWithShape="1">
-          <a:blip r:embed="rId3">
-            <a:extLst>
-              <a:ext uri="{28A0092B-C50C-407E-A947-70E740481C1C}">
-                <a14:useLocalDpi xmlns:a14="http://schemas.microsoft.com/office/drawing/2010/main" val="0"/>
-              </a:ext>
-            </a:extLst>
-          </a:blip>
-          <a:srcRect t="10591" b="61823"/>
-          <a:stretch/>
-        </p:blipFill>
-        <p:spPr bwMode="auto">
-          <a:xfrm>
-            <a:off x="16683065" y="10107490"/>
-            <a:ext cx="3119253" cy="882213"/>
-          </a:xfrm>
-          <a:prstGeom prst="rect">
-            <a:avLst/>
-          </a:prstGeom>
-          <a:noFill/>
-          <a:extLst>
-            <a:ext uri="{909E8E84-426E-40DD-AFC4-6F175D3DCCD1}">
-              <a14:hiddenFill xmlns:a14="http://schemas.microsoft.com/office/drawing/2010/main">
-                <a:solidFill>
-                  <a:srgbClr val="FFFFFF"/>
-                </a:solidFill>
-              </a14:hiddenFill>
-            </a:ext>
-          </a:extLst>
-        </p:spPr>
-      </p:pic>
-      <p:pic>
-        <p:nvPicPr>
-          <p:cNvPr id="1026" name="Picture 2" descr="img"/>
-          <p:cNvPicPr>
-            <a:picLocks noChangeAspect="1" noChangeArrowheads="1"/>
-          </p:cNvPicPr>
-          <p:nvPr/>
-        </p:nvPicPr>
-        <p:blipFill>
-          <a:blip r:embed="rId4">
-            <a:extLst>
-              <a:ext uri="{28A0092B-C50C-407E-A947-70E740481C1C}">
-                <a14:useLocalDpi xmlns:a14="http://schemas.microsoft.com/office/drawing/2010/main" val="0"/>
-              </a:ext>
-            </a:extLst>
-          </a:blip>
-          <a:srcRect/>
-          <a:stretch>
-            <a:fillRect/>
-          </a:stretch>
-        </p:blipFill>
-        <p:spPr bwMode="auto">
-          <a:xfrm>
-            <a:off x="3641387" y="2911475"/>
-            <a:ext cx="4419600" cy="7338205"/>
-          </a:xfrm>
-          <a:prstGeom prst="rect">
-            <a:avLst/>
-          </a:prstGeom>
-          <a:noFill/>
-          <a:extLst>
-            <a:ext uri="{909E8E84-426E-40DD-AFC4-6F175D3DCCD1}">
-              <a14:hiddenFill xmlns:a14="http://schemas.microsoft.com/office/drawing/2010/main">
-                <a:solidFill>
-                  <a:srgbClr val="FFFFFF"/>
-                </a:solidFill>
-              </a14:hiddenFill>
-            </a:ext>
-          </a:extLst>
-        </p:spPr>
-      </p:pic>
-      <p:pic>
-        <p:nvPicPr>
-          <p:cNvPr id="2" name="그림 1"/>
-          <p:cNvPicPr>
-            <a:picLocks noChangeAspect="1"/>
-          </p:cNvPicPr>
-          <p:nvPr/>
-        </p:nvPicPr>
-        <p:blipFill>
-          <a:blip r:embed="rId5">
-            <a:extLst>
-              <a:ext uri="{28A0092B-C50C-407E-A947-70E740481C1C}">
-                <a14:useLocalDpi xmlns:a14="http://schemas.microsoft.com/office/drawing/2010/main" val="0"/>
-              </a:ext>
-            </a:extLst>
-          </a:blip>
-          <a:stretch>
-            <a:fillRect/>
-          </a:stretch>
-        </p:blipFill>
-        <p:spPr>
-          <a:xfrm>
-            <a:off x="11042650" y="4009791"/>
-            <a:ext cx="4800600" cy="4800600"/>
-          </a:xfrm>
-          <a:prstGeom prst="rect">
-            <a:avLst/>
-          </a:prstGeom>
-        </p:spPr>
-      </p:pic>
-      <p:sp>
-        <p:nvSpPr>
-          <p:cNvPr id="4" name="오른쪽 화살표 3"/>
-          <p:cNvSpPr/>
-          <p:nvPr/>
-        </p:nvSpPr>
-        <p:spPr>
-          <a:xfrm>
-            <a:off x="8332618" y="6199577"/>
-            <a:ext cx="2438400" cy="762000"/>
-          </a:xfrm>
-          <a:prstGeom prst="rightArrow">
-            <a:avLst/>
-          </a:prstGeom>
-          <a:solidFill>
-            <a:srgbClr val="C00000"/>
-          </a:solidFill>
-          <a:ln>
-            <a:noFill/>
-          </a:ln>
-        </p:spPr>
-        <p:style>
-          <a:lnRef idx="2">
-            <a:schemeClr val="accent1">
-              <a:shade val="50000"/>
-            </a:schemeClr>
-          </a:lnRef>
-          <a:fillRef idx="1">
-            <a:schemeClr val="accent1"/>
-          </a:fillRef>
-          <a:effectRef idx="0">
-            <a:schemeClr val="accent1"/>
-          </a:effectRef>
-          <a:fontRef idx="minor">
-            <a:schemeClr val="lt1"/>
-          </a:fontRef>
-        </p:style>
-        <p:txBody>
-          <a:bodyPr rtlCol="0" anchor="ctr"/>
-          <a:lstStyle/>
-          <a:p>
-            <a:pPr algn="ctr"/>
-            <a:endParaRPr lang="ko-KR" altLang="en-US"/>
-          </a:p>
-        </p:txBody>
-      </p:sp>
-      <p:sp>
-        <p:nvSpPr>
-          <p:cNvPr id="5" name="직사각형 4"/>
-          <p:cNvSpPr/>
-          <p:nvPr/>
-        </p:nvSpPr>
-        <p:spPr>
-          <a:xfrm>
-            <a:off x="11042650" y="5426075"/>
-            <a:ext cx="4800600" cy="2819400"/>
-          </a:xfrm>
-          <a:prstGeom prst="rect">
-            <a:avLst/>
-          </a:prstGeom>
-          <a:noFill/>
-          <a:ln w="76200">
-            <a:solidFill>
-              <a:srgbClr val="C00000"/>
-            </a:solidFill>
-          </a:ln>
-        </p:spPr>
-        <p:style>
-          <a:lnRef idx="2">
-            <a:schemeClr val="accent1">
-              <a:shade val="50000"/>
-            </a:schemeClr>
-          </a:lnRef>
-          <a:fillRef idx="1">
-            <a:schemeClr val="accent1"/>
-          </a:fillRef>
-          <a:effectRef idx="0">
-            <a:schemeClr val="accent1"/>
-          </a:effectRef>
-          <a:fontRef idx="minor">
-            <a:schemeClr val="lt1"/>
-          </a:fontRef>
-        </p:style>
-        <p:txBody>
-          <a:bodyPr rtlCol="0" anchor="ctr"/>
-          <a:lstStyle/>
-          <a:p>
-            <a:pPr algn="ctr"/>
-            <a:endParaRPr lang="ko-KR" altLang="en-US" sz="2400"/>
-          </a:p>
-        </p:txBody>
-      </p:sp>
-    </p:spTree>
-  </p:cSld>
-  <p:clrMapOvr>
-    <a:masterClrMapping/>
-  </p:clrMapOvr>
-  <mc:AlternateContent xmlns:mc="http://schemas.openxmlformats.org/markup-compatibility/2006" xmlns:p14="http://schemas.microsoft.com/office/powerpoint/2010/main">
-    <mc:Choice Requires="p14">
-      <p:transition/>
-    </mc:Choice>
-    <mc:Fallback xmlns="" xmlns:c="http://schemas.openxmlformats.org/drawingml/2006/chart" xmlns:dgm="http://schemas.openxmlformats.org/drawingml/2006/diagram" xmlns:dsp="http://schemas.microsoft.com/office/drawing/2008/diagram">
-      <p:transition/>
-    </mc:Fallback>
-  </mc:AlternateContent>
-  <p:timing>
-    <p:tnLst>
-      <p:par>
-        <p:cTn id="1" dur="indefinite" restart="never" nodeType="tmRoot"/>
-      </p:par>
-    </p:tnLst>
-  </p:timing>
-</p:sld>
-</file>
-
-<file path=ppt/slides/slide12.xml><?xml version="1.0" encoding="utf-8"?>
-<p:sld xmlns:a="http://schemas.openxmlformats.org/drawingml/2006/main" xmlns:r="http://schemas.openxmlformats.org/officeDocument/2006/relationships" xmlns:p="http://schemas.openxmlformats.org/presentationml/2006/main" showMasterSp="0">
-  <p:cSld>
-    <p:spTree>
-      <p:nvGrpSpPr>
-        <p:cNvPr id="1" name=""/>
-        <p:cNvGrpSpPr/>
-        <p:nvPr/>
-      </p:nvGrpSpPr>
-      <p:grpSpPr>
-        <a:xfrm>
-          <a:off x="0" y="0"/>
-          <a:ext cx="0" cy="0"/>
-          <a:chOff x="0" y="0"/>
-          <a:chExt cx="0" cy="0"/>
-        </a:xfrm>
-      </p:grpSpPr>
-      <p:pic>
-        <p:nvPicPr>
-          <p:cNvPr id="12" name="object 4"/>
-          <p:cNvPicPr/>
-          <p:nvPr userDrawn="1"/>
-        </p:nvPicPr>
-        <p:blipFill rotWithShape="1">
-          <a:blip r:embed="rId2"/>
-          <a:stretch>
-            <a:fillRect/>
-          </a:stretch>
-        </p:blipFill>
-        <p:spPr>
-          <a:xfrm>
-            <a:off x="16224250" y="324598"/>
-            <a:ext cx="3578068" cy="834278"/>
-          </a:xfrm>
-          <a:prstGeom prst="rect">
-            <a:avLst/>
-          </a:prstGeom>
-        </p:spPr>
-      </p:pic>
-      <p:sp>
-        <p:nvSpPr>
-          <p:cNvPr id="14" name="object 2"/>
-          <p:cNvSpPr txBox="1"/>
-          <p:nvPr/>
-        </p:nvSpPr>
-        <p:spPr>
-          <a:xfrm>
-            <a:off x="1023917" y="888736"/>
-            <a:ext cx="4827270" cy="1090683"/>
-          </a:xfrm>
-          <a:prstGeom prst="rect">
-            <a:avLst/>
-          </a:prstGeom>
-        </p:spPr>
-        <p:txBody>
-          <a:bodyPr vert="horz" wrap="square" lIns="0" tIns="13335" rIns="0" bIns="0">
-            <a:spAutoFit/>
-          </a:bodyPr>
-          <a:lstStyle/>
-          <a:p>
-            <a:pPr marL="12700">
-              <a:lnSpc>
-                <a:spcPct val="100000"/>
-              </a:lnSpc>
-              <a:spcBef>
-                <a:spcPts val="104"/>
-              </a:spcBef>
-              <a:defRPr/>
-            </a:pPr>
-            <a:r>
-              <a:rPr lang="en-US" sz="7000" spc="-20" dirty="0" smtClean="0">
-                <a:latin typeface="Arial"/>
-                <a:ea typeface="+mj-ea"/>
-                <a:cs typeface="Arial"/>
-              </a:rPr>
-              <a:t>Question</a:t>
-            </a:r>
-            <a:endParaRPr sz="7000" spc="-20" dirty="0">
-              <a:latin typeface="Arial"/>
-              <a:ea typeface="+mj-ea"/>
-              <a:cs typeface="Arial"/>
-            </a:endParaRPr>
-          </a:p>
-        </p:txBody>
-      </p:sp>
-      <p:pic>
-        <p:nvPicPr>
-          <p:cNvPr id="6" name="Picture 2">
-            <a:extLst>
-              <a:ext uri="{FF2B5EF4-FFF2-40B4-BE49-F238E27FC236}">
-                <a16:creationId xmlns:a16="http://schemas.microsoft.com/office/drawing/2014/main" id="{3FAF5B3B-E6F6-4C31-BD22-B2AF995485AB}"/>
-              </a:ext>
-            </a:extLst>
-          </p:cNvPr>
-          <p:cNvPicPr>
-            <a:picLocks noChangeAspect="1" noChangeArrowheads="1"/>
-          </p:cNvPicPr>
-          <p:nvPr/>
-        </p:nvPicPr>
-        <p:blipFill rotWithShape="1">
-          <a:blip r:embed="rId3">
-            <a:extLst>
-              <a:ext uri="{28A0092B-C50C-407E-A947-70E740481C1C}">
-                <a14:useLocalDpi xmlns:a14="http://schemas.microsoft.com/office/drawing/2010/main" val="0"/>
-              </a:ext>
-            </a:extLst>
-          </a:blip>
-          <a:srcRect t="10591" b="61823"/>
-          <a:stretch/>
-        </p:blipFill>
-        <p:spPr bwMode="auto">
-          <a:xfrm>
-            <a:off x="16683065" y="10107490"/>
-            <a:ext cx="3119253" cy="882213"/>
-          </a:xfrm>
-          <a:prstGeom prst="rect">
-            <a:avLst/>
-          </a:prstGeom>
-          <a:noFill/>
-          <a:extLst>
-            <a:ext uri="{909E8E84-426E-40DD-AFC4-6F175D3DCCD1}">
-              <a14:hiddenFill xmlns:a14="http://schemas.microsoft.com/office/drawing/2010/main">
-                <a:solidFill>
-                  <a:srgbClr val="FFFFFF"/>
-                </a:solidFill>
-              </a14:hiddenFill>
-            </a:ext>
-          </a:extLst>
-        </p:spPr>
-      </p:pic>
-      <p:pic>
-        <p:nvPicPr>
-          <p:cNvPr id="2050" name="Picture 2" descr="감사합니다, thankyou, 감정표현, 고맙습니다, calligraphy, 사진,이미지,일러스트,캘리그라피 - 복주머니작가"/>
-          <p:cNvPicPr>
-            <a:picLocks noChangeAspect="1" noChangeArrowheads="1"/>
-          </p:cNvPicPr>
-          <p:nvPr/>
-        </p:nvPicPr>
-        <p:blipFill>
-          <a:blip r:embed="rId4">
-            <a:extLst>
-              <a:ext uri="{28A0092B-C50C-407E-A947-70E740481C1C}">
-                <a14:useLocalDpi xmlns:a14="http://schemas.microsoft.com/office/drawing/2010/main" val="0"/>
-              </a:ext>
-            </a:extLst>
-          </a:blip>
-          <a:srcRect/>
-          <a:stretch>
-            <a:fillRect/>
-          </a:stretch>
-        </p:blipFill>
-        <p:spPr bwMode="auto">
-          <a:xfrm>
-            <a:off x="5251450" y="2454275"/>
-            <a:ext cx="8763000" cy="6191250"/>
-          </a:xfrm>
-          <a:prstGeom prst="rect">
-            <a:avLst/>
-          </a:prstGeom>
-          <a:noFill/>
-          <a:extLst>
-            <a:ext uri="{909E8E84-426E-40DD-AFC4-6F175D3DCCD1}">
-              <a14:hiddenFill xmlns:a14="http://schemas.microsoft.com/office/drawing/2010/main">
-                <a:solidFill>
-                  <a:srgbClr val="FFFFFF"/>
-                </a:solidFill>
-              </a14:hiddenFill>
-            </a:ext>
-          </a:extLst>
-        </p:spPr>
-      </p:pic>
-    </p:spTree>
-    <p:extLst>
-      <p:ext uri="{BB962C8B-B14F-4D97-AF65-F5344CB8AC3E}">
-        <p14:creationId xmlns:p14="http://schemas.microsoft.com/office/powerpoint/2010/main" val="1656445244"/>
-      </p:ext>
-    </p:extLst>
-  </p:cSld>
-  <p:clrMapOvr>
-    <a:masterClrMapping/>
-  </p:clrMapOvr>
-  <mc:AlternateContent xmlns:mc="http://schemas.openxmlformats.org/markup-compatibility/2006" xmlns:p14="http://schemas.microsoft.com/office/powerpoint/2010/main">
-    <mc:Choice Requires="p14">
-      <p:transition/>
-    </mc:Choice>
-    <mc:Fallback xmlns="" xmlns:c="http://schemas.openxmlformats.org/drawingml/2006/chart" xmlns:dgm="http://schemas.openxmlformats.org/drawingml/2006/diagram" xmlns:dsp="http://schemas.microsoft.com/office/drawing/2008/diagram">
-      <p:transition/>
-    </mc:Fallback>
-  </mc:AlternateContent>
-  <p:timing>
-    <p:tnLst>
-      <p:par>
-        <p:cTn id="1" dur="indefinite" restart="never" nodeType="tmRoot"/>
-      </p:par>
-    </p:tnLst>
-  </p:timing>
-</p:sld>
-</file>
-
-<file path=ppt/slides/slide2.xml><?xml version="1.0" encoding="utf-8"?>
-<p:sld xmlns:a="http://schemas.openxmlformats.org/drawingml/2006/main" xmlns:r="http://schemas.openxmlformats.org/officeDocument/2006/relationships" xmlns:p="http://schemas.openxmlformats.org/presentationml/2006/main" showMasterSp="0">
-  <p:cSld>
-    <p:spTree>
-      <p:nvGrpSpPr>
-        <p:cNvPr id="1" name=""/>
-        <p:cNvGrpSpPr/>
-        <p:nvPr/>
-      </p:nvGrpSpPr>
-      <p:grpSpPr>
-        <a:xfrm>
-          <a:off x="0" y="0"/>
-          <a:ext cx="0" cy="0"/>
-          <a:chOff x="0" y="0"/>
-          <a:chExt cx="0" cy="0"/>
-        </a:xfrm>
-      </p:grpSpPr>
-      <p:sp>
-        <p:nvSpPr>
-          <p:cNvPr id="2" name="object 2"/>
-          <p:cNvSpPr txBox="1">
-            <a:spLocks noGrp="1"/>
-          </p:cNvSpPr>
-          <p:nvPr>
-            <p:ph type="title"/>
-          </p:nvPr>
-        </p:nvSpPr>
-        <p:spPr>
-          <a:xfrm>
-            <a:off x="1023917" y="888736"/>
-            <a:ext cx="8672195" cy="1073414"/>
-          </a:xfrm>
-          <a:prstGeom prst="rect">
-            <a:avLst/>
-          </a:prstGeom>
-        </p:spPr>
-        <p:txBody>
-          <a:bodyPr vert="horz" wrap="square" lIns="0" tIns="13335" rIns="0" bIns="0">
-            <a:spAutoFit/>
-          </a:bodyPr>
-          <a:lstStyle/>
-          <a:p>
-            <a:pPr marL="12700">
-              <a:lnSpc>
-                <a:spcPct val="100000"/>
-              </a:lnSpc>
-              <a:spcBef>
-                <a:spcPts val="104"/>
-              </a:spcBef>
-              <a:defRPr/>
-            </a:pPr>
-            <a:r>
-              <a:rPr b="0" spc="-104" dirty="0"/>
-              <a:t>Wha</a:t>
-            </a:r>
-            <a:r>
-              <a:rPr b="0" spc="20" dirty="0"/>
-              <a:t>t</a:t>
-            </a:r>
-            <a:r>
-              <a:rPr b="0" spc="-280" dirty="0"/>
-              <a:t> </a:t>
-            </a:r>
-            <a:r>
-              <a:rPr b="0" spc="-233" dirty="0"/>
-              <a:t>i</a:t>
-            </a:r>
-            <a:r>
-              <a:rPr b="0" spc="-180" dirty="0"/>
-              <a:t>s</a:t>
-            </a:r>
-            <a:r>
-              <a:rPr b="0" spc="-280" dirty="0"/>
-              <a:t> </a:t>
-            </a:r>
-            <a:r>
-              <a:rPr b="0" spc="-100" dirty="0"/>
-              <a:t>th</a:t>
-            </a:r>
-            <a:r>
-              <a:rPr b="0" spc="50" dirty="0"/>
-              <a:t>e</a:t>
-            </a:r>
-            <a:r>
-              <a:rPr b="0" spc="-280" dirty="0"/>
-              <a:t> </a:t>
-            </a:r>
-            <a:r>
-              <a:rPr b="0" spc="-140" dirty="0"/>
-              <a:t>p</a:t>
-            </a:r>
-            <a:r>
-              <a:rPr b="0" spc="-270" dirty="0"/>
-              <a:t>r</a:t>
-            </a:r>
-            <a:r>
-              <a:rPr b="0" spc="-190" dirty="0"/>
-              <a:t>oblem?</a:t>
-            </a:r>
-          </a:p>
-        </p:txBody>
-      </p:sp>
-      <p:pic>
-        <p:nvPicPr>
-          <p:cNvPr id="6" name="object 4"/>
-          <p:cNvPicPr/>
-          <p:nvPr userDrawn="1"/>
-        </p:nvPicPr>
-        <p:blipFill rotWithShape="1">
-          <a:blip r:embed="rId2"/>
-          <a:stretch>
-            <a:fillRect/>
-          </a:stretch>
-        </p:blipFill>
-        <p:spPr>
-          <a:xfrm>
-            <a:off x="16224250" y="324598"/>
-            <a:ext cx="3578068" cy="834278"/>
-          </a:xfrm>
-          <a:prstGeom prst="rect">
-            <a:avLst/>
-          </a:prstGeom>
-        </p:spPr>
-      </p:pic>
-      <p:pic>
-        <p:nvPicPr>
-          <p:cNvPr id="7" name="Picture 2">
-            <a:extLst>
-              <a:ext uri="{FF2B5EF4-FFF2-40B4-BE49-F238E27FC236}">
-                <a16:creationId xmlns:a16="http://schemas.microsoft.com/office/drawing/2014/main" id="{4BAA89C9-96BB-4C71-B0F3-884580164D01}"/>
-              </a:ext>
-            </a:extLst>
-          </p:cNvPr>
-          <p:cNvPicPr>
-            <a:picLocks noChangeAspect="1" noChangeArrowheads="1"/>
-          </p:cNvPicPr>
-          <p:nvPr/>
-        </p:nvPicPr>
-        <p:blipFill rotWithShape="1">
-          <a:blip r:embed="rId3">
-            <a:extLst>
-              <a:ext uri="{28A0092B-C50C-407E-A947-70E740481C1C}">
-                <a14:useLocalDpi xmlns:a14="http://schemas.microsoft.com/office/drawing/2010/main" val="0"/>
-              </a:ext>
-            </a:extLst>
-          </a:blip>
-          <a:srcRect t="10591" b="61823"/>
-          <a:stretch/>
-        </p:blipFill>
-        <p:spPr bwMode="auto">
-          <a:xfrm>
-            <a:off x="16683065" y="10107490"/>
-            <a:ext cx="3119253" cy="882213"/>
-          </a:xfrm>
-          <a:prstGeom prst="rect">
-            <a:avLst/>
-          </a:prstGeom>
-          <a:noFill/>
-          <a:extLst>
-            <a:ext uri="{909E8E84-426E-40DD-AFC4-6F175D3DCCD1}">
-              <a14:hiddenFill xmlns:a14="http://schemas.microsoft.com/office/drawing/2010/main">
-                <a:solidFill>
-                  <a:srgbClr val="FFFFFF"/>
-                </a:solidFill>
-              </a14:hiddenFill>
-            </a:ext>
-          </a:extLst>
-        </p:spPr>
-      </p:pic>
-      <p:sp>
-        <p:nvSpPr>
-          <p:cNvPr id="8" name="object 3">
-            <a:extLst>
-              <a:ext uri="{FF2B5EF4-FFF2-40B4-BE49-F238E27FC236}">
-                <a16:creationId xmlns:a16="http://schemas.microsoft.com/office/drawing/2014/main" id="{AAC6AC91-FA45-47B8-ACA6-7FB9D875D732}"/>
-              </a:ext>
-            </a:extLst>
-          </p:cNvPr>
-          <p:cNvSpPr txBox="1"/>
-          <p:nvPr/>
-        </p:nvSpPr>
-        <p:spPr>
-          <a:xfrm>
-            <a:off x="1019729" y="1962721"/>
-            <a:ext cx="11242121" cy="675704"/>
-          </a:xfrm>
-          <a:prstGeom prst="rect">
-            <a:avLst/>
-          </a:prstGeom>
-        </p:spPr>
-        <p:txBody>
-          <a:bodyPr vert="horz" wrap="square" lIns="0" tIns="12700" rIns="0" bIns="0">
-            <a:spAutoFit/>
-          </a:bodyPr>
-          <a:lstStyle/>
-          <a:p>
-            <a:pPr marL="12700">
-              <a:lnSpc>
-                <a:spcPct val="100000"/>
-              </a:lnSpc>
-              <a:spcBef>
-                <a:spcPts val="100"/>
-              </a:spcBef>
-              <a:defRPr/>
-            </a:pPr>
-            <a:r>
-              <a:rPr lang="ko-KR" altLang="en-US" sz="4350" b="1" spc="-325" dirty="0">
-                <a:latin typeface="나눔고딕OTF ExtraBold"/>
-              </a:rPr>
-              <a:t>어떠한 문제인가</a:t>
-            </a:r>
-            <a:r>
-              <a:rPr lang="en-US" altLang="ko-KR" sz="4350" b="1" spc="-325" dirty="0">
-                <a:latin typeface="나눔고딕OTF ExtraBold"/>
-              </a:rPr>
-              <a:t>?</a:t>
-            </a:r>
-            <a:endParaRPr lang="ko-KR" altLang="en-US" sz="4350" b="1" spc="-325" dirty="0">
-              <a:latin typeface="나눔고딕OTF ExtraBold"/>
-            </a:endParaRPr>
-          </a:p>
-        </p:txBody>
-      </p:sp>
-      <p:pic>
-        <p:nvPicPr>
-          <p:cNvPr id="12" name="그림 11"/>
-          <p:cNvPicPr>
-            <a:picLocks noChangeAspect="1"/>
-          </p:cNvPicPr>
-          <p:nvPr/>
-        </p:nvPicPr>
-        <p:blipFill rotWithShape="1">
-          <a:blip r:embed="rId4"/>
-          <a:srcRect r="1289"/>
-          <a:stretch/>
-        </p:blipFill>
-        <p:spPr>
-          <a:xfrm>
-            <a:off x="4718050" y="2911475"/>
-            <a:ext cx="9677400" cy="6705600"/>
-          </a:xfrm>
-          <a:prstGeom prst="rect">
-            <a:avLst/>
-          </a:prstGeom>
-        </p:spPr>
-      </p:pic>
-    </p:spTree>
-  </p:cSld>
-  <p:clrMapOvr>
-    <a:masterClrMapping/>
-  </p:clrMapOvr>
-  <mc:AlternateContent xmlns:mc="http://schemas.openxmlformats.org/markup-compatibility/2006" xmlns:p14="http://schemas.microsoft.com/office/powerpoint/2010/main">
-    <mc:Choice Requires="p14">
-      <p:transition/>
-    </mc:Choice>
-    <mc:Fallback xmlns="" xmlns:c="http://schemas.openxmlformats.org/drawingml/2006/chart" xmlns:dgm="http://schemas.openxmlformats.org/drawingml/2006/diagram" xmlns:dsp="http://schemas.microsoft.com/office/drawing/2008/diagram">
-      <p:transition/>
-    </mc:Fallback>
-  </mc:AlternateContent>
-  <p:timing>
-    <p:tnLst>
-      <p:par>
-        <p:cTn id="1" dur="indefinite" restart="never" nodeType="tmRoot"/>
-      </p:par>
-    </p:tnLst>
-  </p:timing>
-</p:sld>
-</file>
-
-<file path=ppt/slides/slide3.xml><?xml version="1.0" encoding="utf-8"?>
-<p:sld xmlns:a="http://schemas.openxmlformats.org/drawingml/2006/main" xmlns:r="http://schemas.openxmlformats.org/officeDocument/2006/relationships" xmlns:p="http://schemas.openxmlformats.org/presentationml/2006/main" showMasterSp="0">
-  <p:cSld>
-    <p:spTree>
-      <p:nvGrpSpPr>
-        <p:cNvPr id="1" name=""/>
-        <p:cNvGrpSpPr/>
-        <p:nvPr/>
-      </p:nvGrpSpPr>
-      <p:grpSpPr>
-        <a:xfrm>
-          <a:off x="0" y="0"/>
-          <a:ext cx="0" cy="0"/>
-          <a:chOff x="0" y="0"/>
-          <a:chExt cx="0" cy="0"/>
-        </a:xfrm>
-      </p:grpSpPr>
-      <p:sp>
-        <p:nvSpPr>
-          <p:cNvPr id="2" name="object 2"/>
-          <p:cNvSpPr txBox="1">
-            <a:spLocks noGrp="1"/>
-          </p:cNvSpPr>
-          <p:nvPr>
-            <p:ph type="title"/>
-          </p:nvPr>
-        </p:nvSpPr>
-        <p:spPr>
-          <a:xfrm>
-            <a:off x="1023917" y="888736"/>
-            <a:ext cx="9345930" cy="1090683"/>
-          </a:xfrm>
-          <a:prstGeom prst="rect">
-            <a:avLst/>
-          </a:prstGeom>
-        </p:spPr>
-        <p:txBody>
-          <a:bodyPr vert="horz" wrap="square" lIns="0" tIns="13335" rIns="0" bIns="0">
-            <a:spAutoFit/>
-          </a:bodyPr>
-          <a:lstStyle/>
-          <a:p>
-            <a:pPr marL="12700">
-              <a:lnSpc>
-                <a:spcPct val="100000"/>
-              </a:lnSpc>
-              <a:spcBef>
-                <a:spcPts val="104"/>
-              </a:spcBef>
-              <a:defRPr/>
-            </a:pPr>
-            <a:r>
-              <a:rPr lang="en-US" altLang="ko-KR" b="0" spc="-104" dirty="0"/>
-              <a:t>Wha</a:t>
-            </a:r>
-            <a:r>
-              <a:rPr lang="en-US" altLang="ko-KR" b="0" spc="20" dirty="0"/>
-              <a:t>t</a:t>
-            </a:r>
-            <a:r>
-              <a:rPr lang="en-US" altLang="ko-KR" b="0" spc="-280" dirty="0"/>
-              <a:t> </a:t>
-            </a:r>
-            <a:r>
-              <a:rPr lang="en-US" altLang="ko-KR" b="0" spc="-233" dirty="0"/>
-              <a:t>i</a:t>
-            </a:r>
-            <a:r>
-              <a:rPr lang="en-US" altLang="ko-KR" b="0" spc="-180" dirty="0"/>
-              <a:t>s</a:t>
-            </a:r>
-            <a:r>
-              <a:rPr lang="en-US" altLang="ko-KR" b="0" spc="-280" dirty="0"/>
-              <a:t> </a:t>
-            </a:r>
-            <a:r>
-              <a:rPr lang="en-US" altLang="ko-KR" b="0" spc="-100" dirty="0"/>
-              <a:t>th</a:t>
-            </a:r>
-            <a:r>
-              <a:rPr lang="en-US" altLang="ko-KR" b="0" spc="50" dirty="0"/>
-              <a:t>e</a:t>
-            </a:r>
-            <a:r>
-              <a:rPr lang="en-US" altLang="ko-KR" b="0" spc="-280" dirty="0"/>
-              <a:t> </a:t>
-            </a:r>
-            <a:r>
-              <a:rPr lang="en-US" altLang="ko-KR" b="0" spc="-140" dirty="0"/>
-              <a:t>p</a:t>
-            </a:r>
-            <a:r>
-              <a:rPr lang="en-US" altLang="ko-KR" b="0" spc="-270" dirty="0"/>
-              <a:t>r</a:t>
-            </a:r>
-            <a:r>
-              <a:rPr lang="en-US" altLang="ko-KR" b="0" spc="-190" dirty="0"/>
-              <a:t>oblem?</a:t>
-            </a:r>
-            <a:endParaRPr b="0" spc="-190" dirty="0"/>
-          </a:p>
-        </p:txBody>
-      </p:sp>
-      <p:sp>
-        <p:nvSpPr>
-          <p:cNvPr id="3" name="object 3"/>
-          <p:cNvSpPr txBox="1"/>
-          <p:nvPr/>
-        </p:nvSpPr>
-        <p:spPr>
-          <a:xfrm>
-            <a:off x="1019729" y="1962721"/>
-            <a:ext cx="11242121" cy="675704"/>
-          </a:xfrm>
-          <a:prstGeom prst="rect">
-            <a:avLst/>
-          </a:prstGeom>
-        </p:spPr>
-        <p:txBody>
-          <a:bodyPr vert="horz" wrap="square" lIns="0" tIns="12700" rIns="0" bIns="0">
-            <a:spAutoFit/>
-          </a:bodyPr>
-          <a:lstStyle/>
-          <a:p>
-            <a:pPr marL="12700">
-              <a:lnSpc>
-                <a:spcPct val="100000"/>
-              </a:lnSpc>
-              <a:spcBef>
-                <a:spcPts val="100"/>
-              </a:spcBef>
-              <a:defRPr/>
-            </a:pPr>
-            <a:r>
-              <a:rPr lang="ko-KR" altLang="en-US" sz="4350" b="1" spc="-325" dirty="0">
-                <a:latin typeface="나눔고딕OTF ExtraBold"/>
-              </a:rPr>
-              <a:t>어떠한 문제인가</a:t>
-            </a:r>
-            <a:r>
-              <a:rPr lang="en-US" altLang="ko-KR" sz="4350" b="1" spc="-325" dirty="0">
-                <a:latin typeface="나눔고딕OTF ExtraBold"/>
-              </a:rPr>
-              <a:t>?</a:t>
-            </a:r>
-            <a:endParaRPr lang="ko-KR" altLang="en-US" sz="4350" b="1" spc="-325" dirty="0">
-              <a:latin typeface="나눔고딕OTF ExtraBold"/>
-            </a:endParaRPr>
-          </a:p>
-        </p:txBody>
-      </p:sp>
-      <p:pic>
-        <p:nvPicPr>
-          <p:cNvPr id="6" name="object 4"/>
-          <p:cNvPicPr/>
-          <p:nvPr userDrawn="1"/>
-        </p:nvPicPr>
-        <p:blipFill rotWithShape="1">
-          <a:blip r:embed="rId2"/>
-          <a:stretch>
-            <a:fillRect/>
-          </a:stretch>
-        </p:blipFill>
-        <p:spPr>
-          <a:xfrm>
-            <a:off x="16224250" y="324598"/>
-            <a:ext cx="3578068" cy="834278"/>
-          </a:xfrm>
-          <a:prstGeom prst="rect">
-            <a:avLst/>
-          </a:prstGeom>
-        </p:spPr>
-      </p:pic>
-      <p:pic>
-        <p:nvPicPr>
-          <p:cNvPr id="16" name="Picture 2">
-            <a:extLst>
-              <a:ext uri="{FF2B5EF4-FFF2-40B4-BE49-F238E27FC236}">
-                <a16:creationId xmlns:a16="http://schemas.microsoft.com/office/drawing/2014/main" id="{FCAC27A2-1890-4752-B08E-A717E5B0054C}"/>
-              </a:ext>
-            </a:extLst>
-          </p:cNvPr>
-          <p:cNvPicPr>
-            <a:picLocks noChangeAspect="1" noChangeArrowheads="1"/>
-          </p:cNvPicPr>
-          <p:nvPr/>
-        </p:nvPicPr>
-        <p:blipFill rotWithShape="1">
-          <a:blip r:embed="rId3">
-            <a:extLst>
-              <a:ext uri="{28A0092B-C50C-407E-A947-70E740481C1C}">
-                <a14:useLocalDpi xmlns:a14="http://schemas.microsoft.com/office/drawing/2010/main" val="0"/>
-              </a:ext>
-            </a:extLst>
-          </a:blip>
-          <a:srcRect t="10591" b="61823"/>
-          <a:stretch/>
-        </p:blipFill>
-        <p:spPr bwMode="auto">
-          <a:xfrm>
-            <a:off x="16683065" y="10107490"/>
-            <a:ext cx="3119253" cy="882213"/>
-          </a:xfrm>
-          <a:prstGeom prst="rect">
-            <a:avLst/>
-          </a:prstGeom>
-          <a:noFill/>
-          <a:extLst>
-            <a:ext uri="{909E8E84-426E-40DD-AFC4-6F175D3DCCD1}">
-              <a14:hiddenFill xmlns:a14="http://schemas.microsoft.com/office/drawing/2010/main">
-                <a:solidFill>
-                  <a:srgbClr val="FFFFFF"/>
-                </a:solidFill>
-              </a14:hiddenFill>
-            </a:ext>
-          </a:extLst>
-        </p:spPr>
-      </p:pic>
-      <p:pic>
-        <p:nvPicPr>
-          <p:cNvPr id="2050" name="Picture 2" descr="KL grade example"/>
-          <p:cNvPicPr>
-            <a:picLocks noChangeAspect="1" noChangeArrowheads="1"/>
-          </p:cNvPicPr>
-          <p:nvPr/>
-        </p:nvPicPr>
-        <p:blipFill rotWithShape="1">
-          <a:blip r:embed="rId4">
-            <a:extLst>
-              <a:ext uri="{28A0092B-C50C-407E-A947-70E740481C1C}">
-                <a14:useLocalDpi xmlns:a14="http://schemas.microsoft.com/office/drawing/2010/main" val="0"/>
-              </a:ext>
-            </a:extLst>
-          </a:blip>
-          <a:srcRect t="2593"/>
-          <a:stretch/>
-        </p:blipFill>
-        <p:spPr bwMode="auto">
-          <a:xfrm>
-            <a:off x="2965450" y="2835275"/>
-            <a:ext cx="14086061" cy="4953635"/>
-          </a:xfrm>
-          <a:prstGeom prst="rect">
-            <a:avLst/>
-          </a:prstGeom>
-          <a:noFill/>
-          <a:extLst>
-            <a:ext uri="{909E8E84-426E-40DD-AFC4-6F175D3DCCD1}">
-              <a14:hiddenFill xmlns:a14="http://schemas.microsoft.com/office/drawing/2010/main">
-                <a:solidFill>
-                  <a:srgbClr val="FFFFFF"/>
-                </a:solidFill>
-              </a14:hiddenFill>
-            </a:ext>
-          </a:extLst>
-        </p:spPr>
-      </p:pic>
-      <p:sp>
-        <p:nvSpPr>
-          <p:cNvPr id="4" name="TextBox 3"/>
-          <p:cNvSpPr txBox="1"/>
-          <p:nvPr/>
-        </p:nvSpPr>
-        <p:spPr>
-          <a:xfrm>
-            <a:off x="1593850" y="8321675"/>
-            <a:ext cx="13765307" cy="2308324"/>
-          </a:xfrm>
-          <a:prstGeom prst="rect">
-            <a:avLst/>
-          </a:prstGeom>
-          <a:noFill/>
-        </p:spPr>
-        <p:txBody>
-          <a:bodyPr wrap="none" rtlCol="0">
-            <a:spAutoFit/>
-          </a:bodyPr>
-          <a:lstStyle/>
-          <a:p>
-            <a:r>
-              <a:rPr lang="ko-KR" altLang="en-US" dirty="0"/>
-              <a:t>단순 방사선 사진이 가장 유용하다</a:t>
-            </a:r>
-            <a:r>
-              <a:rPr lang="en-US" altLang="ko-KR" dirty="0"/>
-              <a:t>.</a:t>
-            </a:r>
-          </a:p>
-          <a:p>
-            <a:r>
-              <a:rPr lang="ko-KR" altLang="en-US" dirty="0"/>
-              <a:t>초기에는 정상 소견을 보일 수 있으나 점진적으로 관절 간격의 감소가 나타나며 연골 아래 뼈의 음영이 짙어지는 경화 소견을 볼 수 있다</a:t>
-            </a:r>
-            <a:r>
-              <a:rPr lang="en-US" altLang="ko-KR" dirty="0"/>
-              <a:t>.</a:t>
-            </a:r>
-          </a:p>
-          <a:p>
-            <a:r>
-              <a:rPr lang="ko-KR" altLang="en-US" dirty="0"/>
-              <a:t>더욱 진행되면 </a:t>
-            </a:r>
-            <a:r>
-              <a:rPr lang="ko-KR" altLang="en-US" dirty="0" err="1"/>
-              <a:t>관절면의</a:t>
-            </a:r>
-            <a:r>
-              <a:rPr lang="ko-KR" altLang="en-US" dirty="0"/>
-              <a:t> 가장 자리에 뼈가 웃자란 듯한 </a:t>
-            </a:r>
-            <a:r>
-              <a:rPr lang="ko-KR" altLang="en-US" dirty="0" err="1"/>
-              <a:t>골극이</a:t>
-            </a:r>
-            <a:r>
-              <a:rPr lang="ko-KR" altLang="en-US" dirty="0"/>
-              <a:t> 형성되고 </a:t>
-            </a:r>
-            <a:r>
-              <a:rPr lang="ko-KR" altLang="en-US" dirty="0" err="1"/>
-              <a:t>관절면이</a:t>
-            </a:r>
-            <a:r>
-              <a:rPr lang="ko-KR" altLang="en-US" dirty="0"/>
-              <a:t> 불규칙해진다</a:t>
-            </a:r>
-            <a:r>
-              <a:rPr lang="en-US" altLang="ko-KR" dirty="0"/>
-              <a:t>.</a:t>
-            </a:r>
-          </a:p>
-          <a:p>
-            <a:r>
-              <a:rPr lang="ko-KR" altLang="en-US" dirty="0" err="1"/>
-              <a:t>이차성</a:t>
-            </a:r>
-            <a:r>
-              <a:rPr lang="ko-KR" altLang="en-US" dirty="0"/>
-              <a:t> 관절염의 경우 원인이 되는 과거 외상이나 질환의 흔적 혹은 변형 등이 관찰되기도 한다</a:t>
-            </a:r>
-            <a:r>
-              <a:rPr lang="en-US" altLang="ko-KR" dirty="0"/>
-              <a:t>.</a:t>
-            </a:r>
-          </a:p>
-          <a:p>
-            <a:r>
-              <a:rPr lang="ko-KR" altLang="en-US" dirty="0"/>
-              <a:t>다만 방사선학적 변화가 증상 및 활동력의 심한 정도를 그대로 반영하는 것은 아니어서 </a:t>
-            </a:r>
-            <a:endParaRPr lang="en-US" altLang="ko-KR" dirty="0" smtClean="0"/>
-          </a:p>
-          <a:p>
-            <a:r>
-              <a:rPr lang="en-US" altLang="ko-KR" dirty="0" smtClean="0"/>
-              <a:t>40</a:t>
-            </a:r>
-            <a:r>
-              <a:rPr lang="ko-KR" altLang="en-US" dirty="0"/>
-              <a:t>세 이상에서 </a:t>
-            </a:r>
-            <a:r>
-              <a:rPr lang="en-US" altLang="ko-KR" dirty="0"/>
-              <a:t>90% </a:t>
-            </a:r>
-            <a:r>
-              <a:rPr lang="ko-KR" altLang="en-US" dirty="0"/>
-              <a:t>정도는 방사선학적으로 퇴행성 변화를 보이지만 이 중 </a:t>
-            </a:r>
-            <a:r>
-              <a:rPr lang="en-US" altLang="ko-KR" dirty="0"/>
-              <a:t>30% </a:t>
-            </a:r>
-            <a:r>
-              <a:rPr lang="ko-KR" altLang="en-US" dirty="0"/>
-              <a:t>정도만이 증상을 보이게 된다</a:t>
-            </a:r>
-            <a:r>
-              <a:rPr lang="en-US" altLang="ko-KR" dirty="0" smtClean="0"/>
-              <a:t>.</a:t>
-            </a:r>
-          </a:p>
-          <a:p>
-            <a:endParaRPr lang="en-US" altLang="ko-KR" dirty="0"/>
-          </a:p>
-          <a:p>
-            <a:r>
-              <a:rPr lang="en-US" altLang="ko-KR" dirty="0">
-                <a:hlinkClick r:id="rId5"/>
-              </a:rPr>
-              <a:t>http://</a:t>
-            </a:r>
-            <a:r>
-              <a:rPr lang="en-US" altLang="ko-KR" dirty="0" smtClean="0">
-                <a:hlinkClick r:id="rId5"/>
-              </a:rPr>
-              <a:t>www.snuh.org/health/nMedInfo/nView.do?category=DIS&amp;medid=AA000196</a:t>
-            </a:r>
-            <a:r>
-              <a:rPr lang="en-US" altLang="ko-KR" dirty="0" smtClean="0"/>
-              <a:t> </a:t>
-            </a:r>
-            <a:r>
-              <a:rPr lang="ko-KR" altLang="en-US" dirty="0" smtClean="0"/>
-              <a:t>출처</a:t>
-            </a:r>
-            <a:endParaRPr lang="en-US" altLang="ko-KR" dirty="0"/>
-          </a:p>
-        </p:txBody>
-      </p:sp>
-    </p:spTree>
-  </p:cSld>
-  <p:clrMapOvr>
-    <a:masterClrMapping/>
-  </p:clrMapOvr>
-  <mc:AlternateContent xmlns:mc="http://schemas.openxmlformats.org/markup-compatibility/2006" xmlns:p14="http://schemas.microsoft.com/office/powerpoint/2010/main">
-    <mc:Choice Requires="p14">
-      <p:transition/>
-    </mc:Choice>
-    <mc:Fallback xmlns="" xmlns:c="http://schemas.openxmlformats.org/drawingml/2006/chart" xmlns:dgm="http://schemas.openxmlformats.org/drawingml/2006/diagram" xmlns:dsp="http://schemas.microsoft.com/office/drawing/2008/diagram">
-      <p:transition/>
-    </mc:Fallback>
-  </mc:AlternateContent>
-  <p:timing>
-    <p:tnLst>
-      <p:par>
-        <p:cTn id="1" dur="indefinite" restart="never" nodeType="tmRoot"/>
-      </p:par>
-    </p:tnLst>
-  </p:timing>
-</p:sld>
-</file>
-
-<file path=ppt/slides/slide4.xml><?xml version="1.0" encoding="utf-8"?>
-<p:sld xmlns:a="http://schemas.openxmlformats.org/drawingml/2006/main" xmlns:r="http://schemas.openxmlformats.org/officeDocument/2006/relationships" xmlns:p="http://schemas.openxmlformats.org/presentationml/2006/main" showMasterSp="0">
-  <p:cSld>
-    <p:spTree>
-      <p:nvGrpSpPr>
-        <p:cNvPr id="1" name=""/>
-        <p:cNvGrpSpPr/>
-        <p:nvPr/>
-      </p:nvGrpSpPr>
-      <p:grpSpPr>
-        <a:xfrm>
-          <a:off x="0" y="0"/>
-          <a:ext cx="0" cy="0"/>
-          <a:chOff x="0" y="0"/>
-          <a:chExt cx="0" cy="0"/>
-        </a:xfrm>
-      </p:grpSpPr>
-      <p:sp>
-        <p:nvSpPr>
-          <p:cNvPr id="2" name="object 2"/>
-          <p:cNvSpPr txBox="1">
-            <a:spLocks noGrp="1"/>
-          </p:cNvSpPr>
-          <p:nvPr>
-            <p:ph type="title"/>
-          </p:nvPr>
-        </p:nvSpPr>
-        <p:spPr>
-          <a:xfrm>
             <a:off x="1023917" y="888736"/>
             <a:ext cx="11542733" cy="1090683"/>
           </a:xfrm>
@@ -3963,7 +2364,7 @@
         <p:spPr>
           <a:xfrm>
             <a:off x="1007029" y="1962721"/>
-            <a:ext cx="18073156" cy="8148384"/>
+            <a:ext cx="18073156" cy="1125949"/>
           </a:xfrm>
           <a:prstGeom prst="rect">
             <a:avLst/>
@@ -3996,6 +2397,9 @@
               </a:rPr>
               <a:t>?</a:t>
             </a:r>
+            <a:endParaRPr lang="en-US" altLang="ko-KR" sz="4350" spc="-325" dirty="0">
+              <a:latin typeface="나눔고딕OTF ExtraBold"/>
+            </a:endParaRPr>
           </a:p>
           <a:p>
             <a:pPr marL="12700">
@@ -4007,179 +2411,13 @@
               </a:spcBef>
               <a:defRPr/>
             </a:pPr>
-            <a:endParaRPr lang="en-US" altLang="ko-KR" sz="4350" b="1" spc="-325" dirty="0" smtClean="0">
-              <a:latin typeface="나눔고딕OTF ExtraBold"/>
-            </a:endParaRPr>
-          </a:p>
-          <a:p>
-            <a:pPr marL="12700">
-              <a:spcBef>
-                <a:spcPts val="100"/>
-              </a:spcBef>
-              <a:defRPr/>
-            </a:pPr>
-            <a:r>
-              <a:rPr lang="en-US" altLang="ko-KR" sz="4350" spc="-325" dirty="0" err="1" smtClean="0">
+            <a:r>
+              <a:rPr lang="en-US" altLang="ko-KR" sz="2800" spc="-325" dirty="0">
                 <a:latin typeface="나눔고딕OTF ExtraBold"/>
               </a:rPr>
-              <a:t>CheXNet</a:t>
-            </a:r>
-            <a:r>
-              <a:rPr lang="en-US" altLang="ko-KR" sz="4350" spc="-325" dirty="0" smtClean="0">
-                <a:latin typeface="나눔고딕OTF ExtraBold"/>
-              </a:rPr>
-              <a:t> : </a:t>
-            </a:r>
-            <a:r>
-              <a:rPr lang="en-US" altLang="ko-KR" sz="4350" spc="-325" dirty="0">
-                <a:latin typeface="나눔고딕OTF ExtraBold"/>
-              </a:rPr>
-              <a:t>Radiologist-Level Pneumonia Detection on Chest X-Rays with Deep </a:t>
-            </a:r>
-            <a:r>
-              <a:rPr lang="en-US" altLang="ko-KR" sz="4350" spc="-325" dirty="0" smtClean="0">
-                <a:latin typeface="나눔고딕OTF ExtraBold"/>
-              </a:rPr>
-              <a:t/>
-            </a:r>
-            <a:br>
-              <a:rPr lang="en-US" altLang="ko-KR" sz="4350" spc="-325" dirty="0" smtClean="0">
-                <a:latin typeface="나눔고딕OTF ExtraBold"/>
-              </a:rPr>
-            </a:br>
-            <a:r>
-              <a:rPr lang="en-US" altLang="ko-KR" sz="4350" spc="-325" dirty="0" smtClean="0">
-                <a:latin typeface="나눔고딕OTF ExtraBold"/>
-              </a:rPr>
-              <a:t>-&gt; </a:t>
-            </a:r>
-            <a:r>
-              <a:rPr lang="en-US" altLang="ko-KR" sz="4350" spc="-325" dirty="0">
-                <a:latin typeface="나눔고딕OTF ExtraBold"/>
-              </a:rPr>
-              <a:t>DenseNet121 + </a:t>
-            </a:r>
-            <a:r>
-              <a:rPr lang="en-US" altLang="ko-KR" sz="4350" spc="-325" dirty="0" smtClean="0">
-                <a:latin typeface="나눔고딕OTF ExtraBold"/>
-              </a:rPr>
-              <a:t>Sigmoid(train)</a:t>
-            </a:r>
-            <a:endParaRPr lang="en-US" altLang="ko-KR" sz="4350" spc="-325" dirty="0">
-              <a:latin typeface="나눔고딕OTF ExtraBold"/>
-            </a:endParaRPr>
-          </a:p>
-          <a:p>
-            <a:pPr marL="12700">
-              <a:spcBef>
-                <a:spcPts val="100"/>
-              </a:spcBef>
-              <a:defRPr/>
-            </a:pPr>
-            <a:endParaRPr lang="en-US" altLang="ko-KR" sz="4350" spc="-325" dirty="0" smtClean="0">
-              <a:latin typeface="나눔고딕OTF ExtraBold"/>
-            </a:endParaRPr>
-          </a:p>
-          <a:p>
-            <a:pPr marL="12700">
-              <a:lnSpc>
-                <a:spcPct val="100000"/>
-              </a:lnSpc>
-              <a:spcBef>
-                <a:spcPts val="100"/>
-              </a:spcBef>
-              <a:defRPr/>
-            </a:pPr>
-            <a:r>
-              <a:rPr lang="en-US" altLang="ko-KR" sz="4350" spc="-325" dirty="0">
-                <a:latin typeface="나눔고딕OTF ExtraBold"/>
-              </a:rPr>
-              <a:t>Fully automatic knee osteoarthritis severity grading using deep </a:t>
-            </a:r>
-            <a:r>
-              <a:rPr lang="en-US" altLang="ko-KR" sz="4350" spc="-325" dirty="0" smtClean="0">
-                <a:latin typeface="나눔고딕OTF ExtraBold"/>
-              </a:rPr>
-              <a:t>neural networks </a:t>
-            </a:r>
-            <a:r>
-              <a:rPr lang="en-US" altLang="ko-KR" sz="4350" spc="-325" dirty="0">
-                <a:latin typeface="나눔고딕OTF ExtraBold"/>
-              </a:rPr>
-              <a:t>with a novel ordinal </a:t>
-            </a:r>
-            <a:r>
-              <a:rPr lang="en-US" altLang="ko-KR" sz="4350" spc="-325" dirty="0" smtClean="0">
-                <a:latin typeface="나눔고딕OTF ExtraBold"/>
-              </a:rPr>
-              <a:t>loss</a:t>
-            </a:r>
-          </a:p>
-          <a:p>
-            <a:pPr marL="12700">
-              <a:lnSpc>
-                <a:spcPct val="100000"/>
-              </a:lnSpc>
-              <a:spcBef>
-                <a:spcPts val="100"/>
-              </a:spcBef>
-              <a:defRPr/>
-            </a:pPr>
-            <a:r>
-              <a:rPr lang="en-US" altLang="ko-KR" sz="4350" spc="-325" dirty="0" smtClean="0">
-                <a:latin typeface="나눔고딕OTF ExtraBold"/>
-              </a:rPr>
-              <a:t>-&gt; YoloV2(detection) + VGG19(train)</a:t>
-            </a:r>
-          </a:p>
-          <a:p>
-            <a:pPr marL="12700">
-              <a:lnSpc>
-                <a:spcPct val="100000"/>
-              </a:lnSpc>
-              <a:spcBef>
-                <a:spcPts val="100"/>
-              </a:spcBef>
-              <a:defRPr/>
-            </a:pPr>
-            <a:endParaRPr lang="en-US" altLang="ko-KR" sz="4350" spc="-325" dirty="0">
-              <a:latin typeface="나눔고딕OTF ExtraBold"/>
-            </a:endParaRPr>
-          </a:p>
-          <a:p>
-            <a:pPr marL="12700">
-              <a:lnSpc>
-                <a:spcPct val="100000"/>
-              </a:lnSpc>
-              <a:spcBef>
-                <a:spcPts val="100"/>
-              </a:spcBef>
-              <a:defRPr/>
-            </a:pPr>
-            <a:r>
-              <a:rPr lang="en-US" altLang="ko-KR" sz="4350" spc="-325" dirty="0">
-                <a:latin typeface="나눔고딕OTF ExtraBold"/>
-              </a:rPr>
-              <a:t>Automatic Detection of Knee Joints and Quantiﬁcation of Knee Osteoarthritis </a:t>
-            </a:r>
-            <a:r>
-              <a:rPr lang="en-US" altLang="ko-KR" sz="4350" spc="-325" dirty="0" smtClean="0">
-                <a:latin typeface="나눔고딕OTF ExtraBold"/>
-              </a:rPr>
-              <a:t>Severity</a:t>
-            </a:r>
-          </a:p>
-          <a:p>
-            <a:pPr marL="12700">
-              <a:lnSpc>
-                <a:spcPct val="100000"/>
-              </a:lnSpc>
-              <a:spcBef>
-                <a:spcPts val="100"/>
-              </a:spcBef>
-              <a:defRPr/>
-            </a:pPr>
-            <a:endParaRPr lang="ko-KR" altLang="en-US" sz="4350" b="1" spc="-325" dirty="0">
+              <a:t>Knee  Osteoarthritis Classiﬁcation Using 3D  CNN and MRI</a:t>
+            </a:r>
+            <a:endParaRPr lang="en-US" altLang="ko-KR" sz="2800" spc="-325" dirty="0" smtClean="0">
               <a:latin typeface="나눔고딕OTF ExtraBold"/>
             </a:endParaRPr>
           </a:p>
@@ -4252,10 +2490,34 @@
           </a:extLst>
         </p:spPr>
       </p:pic>
+      <p:pic>
+        <p:nvPicPr>
+          <p:cNvPr id="3" name="그림 2"/>
+          <p:cNvPicPr>
+            <a:picLocks noChangeAspect="1"/>
+          </p:cNvPicPr>
+          <p:nvPr/>
+        </p:nvPicPr>
+        <p:blipFill>
+          <a:blip r:embed="rId4"/>
+          <a:stretch>
+            <a:fillRect/>
+          </a:stretch>
+        </p:blipFill>
+        <p:spPr>
+          <a:xfrm>
+            <a:off x="5219483" y="3532222"/>
+            <a:ext cx="9648248" cy="6131716"/>
+          </a:xfrm>
+          <a:prstGeom prst="rect">
+            <a:avLst/>
+          </a:prstGeom>
+        </p:spPr>
+      </p:pic>
     </p:spTree>
     <p:extLst>
       <p:ext uri="{BB962C8B-B14F-4D97-AF65-F5344CB8AC3E}">
-        <p14:creationId xmlns:p14="http://schemas.microsoft.com/office/powerpoint/2010/main" val="2056664691"/>
+        <p14:creationId xmlns:p14="http://schemas.microsoft.com/office/powerpoint/2010/main" val="1615703512"/>
       </p:ext>
     </p:extLst>
   </p:cSld>
@@ -4266,7 +2528,7 @@
     <mc:Choice Requires="p14">
       <p:transition/>
     </mc:Choice>
-    <mc:Fallback xmlns="" xmlns:c="http://schemas.openxmlformats.org/drawingml/2006/chart" xmlns:dgm="http://schemas.openxmlformats.org/drawingml/2006/diagram" xmlns:dsp="http://schemas.microsoft.com/office/drawing/2008/diagram">
+    <mc:Fallback xmlns:dsp="http://schemas.microsoft.com/office/drawing/2008/diagram" xmlns:dgm="http://schemas.openxmlformats.org/drawingml/2006/diagram" xmlns:c="http://schemas.openxmlformats.org/drawingml/2006/chart" xmlns="">
       <p:transition/>
     </mc:Fallback>
   </mc:AlternateContent>
@@ -4280,7 +2542,7 @@
 </p:sld>
 </file>
 
-<file path=ppt/slides/slide5.xml><?xml version="1.0" encoding="utf-8"?>
+<file path=ppt/slides/slide11.xml><?xml version="1.0" encoding="utf-8"?>
 <p:sld xmlns:a="http://schemas.openxmlformats.org/drawingml/2006/main" xmlns:r="http://schemas.openxmlformats.org/officeDocument/2006/relationships" xmlns:p="http://schemas.openxmlformats.org/presentationml/2006/main" showMasterSp="0">
   <p:cSld>
     <p:spTree>
@@ -4452,7 +2714,14 @@
                 <a:latin typeface="나눔고딕OTF ExtraBold"/>
                 <a:cs typeface="나눔고딕OTF ExtraBold"/>
               </a:rPr>
-              <a:t>된 결과 이미지를 학습 데이터셋으로 사용</a:t>
+              <a:t> 결과 </a:t>
+            </a:r>
+            <a:r>
+              <a:rPr lang="ko-KR" altLang="en-US" sz="4350" spc="-325" dirty="0" smtClean="0">
+                <a:latin typeface="나눔고딕OTF ExtraBold"/>
+                <a:cs typeface="나눔고딕OTF ExtraBold"/>
+              </a:rPr>
+              <a:t>이미지를 학습 데이터셋으로 사용</a:t>
             </a:r>
             <a:endParaRPr lang="en-US" altLang="ko-KR" sz="4350" spc="-325" dirty="0" smtClean="0">
               <a:latin typeface="나눔고딕OTF ExtraBold"/>
@@ -4727,7 +2996,7 @@
     <mc:Choice Requires="p14">
       <p:transition/>
     </mc:Choice>
-    <mc:Fallback xmlns="" xmlns:c="http://schemas.openxmlformats.org/drawingml/2006/chart" xmlns:dgm="http://schemas.openxmlformats.org/drawingml/2006/diagram" xmlns:dsp="http://schemas.microsoft.com/office/drawing/2008/diagram">
+    <mc:Fallback xmlns:dsp="http://schemas.microsoft.com/office/drawing/2008/diagram" xmlns:dgm="http://schemas.openxmlformats.org/drawingml/2006/diagram" xmlns:c="http://schemas.openxmlformats.org/drawingml/2006/chart" xmlns="">
       <p:transition/>
     </mc:Fallback>
   </mc:AlternateContent>
@@ -4741,7 +3010,7 @@
 </p:sld>
 </file>
 
-<file path=ppt/slides/slide6.xml><?xml version="1.0" encoding="utf-8"?>
+<file path=ppt/slides/slide12.xml><?xml version="1.0" encoding="utf-8"?>
 <p:sld xmlns:a="http://schemas.openxmlformats.org/drawingml/2006/main" xmlns:r="http://schemas.openxmlformats.org/officeDocument/2006/relationships" xmlns:p="http://schemas.openxmlformats.org/presentationml/2006/main" showMasterSp="0">
   <p:cSld>
     <p:spTree>
@@ -4942,7 +3211,7 @@
         <p:spPr>
           <a:xfrm>
             <a:off x="13042930" y="4182138"/>
-            <a:ext cx="6362639" cy="3785652"/>
+            <a:ext cx="6362639" cy="3416320"/>
           </a:xfrm>
           <a:prstGeom prst="rect">
             <a:avLst/>
@@ -4959,25 +3228,13 @@
               <a:rPr lang="en-US" altLang="ko-KR" sz="2400" dirty="0" err="1" smtClean="0">
                 <a:latin typeface="+mn-ea"/>
               </a:rPr>
-              <a:t>Cls</a:t>
-            </a:r>
-            <a:r>
-              <a:rPr lang="en-US" altLang="ko-KR" sz="2400" dirty="0" err="1" smtClean="0">
-                <a:latin typeface="+mn-ea"/>
-              </a:rPr>
-              <a:t>KLData</a:t>
+              <a:t>ClsKLData</a:t>
             </a:r>
             <a:r>
               <a:rPr lang="en-US" altLang="ko-KR" sz="2400" dirty="0" smtClean="0">
                 <a:latin typeface="+mn-ea"/>
               </a:rPr>
-              <a:t> KneeKL224</a:t>
-            </a:r>
-            <a:r>
-              <a:rPr lang="en-US" altLang="ko-KR" sz="2400" dirty="0" smtClean="0">
-                <a:latin typeface="+mn-ea"/>
-              </a:rPr>
-              <a:t> 9786</a:t>
+              <a:t> KneeKL224 9786</a:t>
             </a:r>
             <a:r>
               <a:rPr lang="ko-KR" altLang="en-US" sz="2400" dirty="0" smtClean="0">
@@ -5044,24 +3301,19 @@
               <a:rPr lang="ko-KR" altLang="en-US" sz="2400" dirty="0" smtClean="0">
                 <a:latin typeface="+mn-ea"/>
               </a:rPr>
-              <a:t>데이터 분포에 대한 평등한 학습을 위해서 </a:t>
-            </a:r>
-            <a:endParaRPr lang="en-US" altLang="ko-KR" sz="2400" dirty="0" smtClean="0">
-              <a:latin typeface="+mn-ea"/>
-            </a:endParaRPr>
-          </a:p>
-          <a:p>
+              <a:t>분포가 고르지않아 </a:t>
+            </a:r>
             <a:r>
               <a:rPr lang="ko-KR" altLang="en-US" sz="2400" dirty="0" smtClean="0">
                 <a:latin typeface="+mn-ea"/>
               </a:rPr>
-              <a:t>적은 데이터 셋에 </a:t>
+              <a:t>수</a:t>
             </a:r>
             <a:r>
               <a:rPr lang="ko-KR" altLang="en-US" sz="2400" dirty="0" smtClean="0">
                 <a:latin typeface="+mn-ea"/>
               </a:rPr>
-              <a:t>대한 가중치를 부여</a:t>
+              <a:t>에 따라 가중치 부여</a:t>
             </a:r>
             <a:endParaRPr lang="ko-KR" altLang="en-US" sz="2400" dirty="0">
               <a:latin typeface="+mn-ea"/>
@@ -5759,7 +4011,7 @@
     <mc:Choice Requires="p14">
       <p:transition/>
     </mc:Choice>
-    <mc:Fallback xmlns="" xmlns:c="http://schemas.openxmlformats.org/drawingml/2006/chart" xmlns:dgm="http://schemas.openxmlformats.org/drawingml/2006/diagram" xmlns:dsp="http://schemas.microsoft.com/office/drawing/2008/diagram">
+    <mc:Fallback xmlns:dsp="http://schemas.microsoft.com/office/drawing/2008/diagram" xmlns:dgm="http://schemas.openxmlformats.org/drawingml/2006/diagram" xmlns:c="http://schemas.openxmlformats.org/drawingml/2006/chart" xmlns="">
       <p:transition/>
     </mc:Fallback>
   </mc:AlternateContent>
@@ -5773,7 +4025,7 @@
 </p:sld>
 </file>
 
-<file path=ppt/slides/slide7.xml><?xml version="1.0" encoding="utf-8"?>
+<file path=ppt/slides/slide13.xml><?xml version="1.0" encoding="utf-8"?>
 <p:sld xmlns:a="http://schemas.openxmlformats.org/drawingml/2006/main" xmlns:r="http://schemas.openxmlformats.org/officeDocument/2006/relationships" xmlns:p="http://schemas.openxmlformats.org/presentationml/2006/main" showMasterSp="0">
   <p:cSld>
     <p:spTree>
@@ -6049,19 +4301,7 @@
               <a:rPr lang="en-US" altLang="ko-KR" sz="2400" dirty="0" smtClean="0">
                 <a:latin typeface="+mn-ea"/>
               </a:rPr>
-              <a:t>7045(train), 783(</a:t>
-            </a:r>
-            <a:r>
-              <a:rPr lang="en-US" altLang="ko-KR" sz="2400" dirty="0" smtClean="0">
-                <a:latin typeface="+mn-ea"/>
-              </a:rPr>
-              <a:t>validation</a:t>
-            </a:r>
-            <a:r>
-              <a:rPr lang="en-US" altLang="ko-KR" sz="2400" dirty="0" smtClean="0">
-                <a:latin typeface="+mn-ea"/>
-              </a:rPr>
-              <a:t>)</a:t>
+              <a:t>7045(train), 783(validation)</a:t>
             </a:r>
             <a:r>
               <a:rPr lang="ko-KR" altLang="en-US" sz="2400" dirty="0" smtClean="0">
@@ -6078,19 +4318,7 @@
               <a:rPr lang="ko-KR" altLang="en-US" sz="2400" dirty="0" smtClean="0">
                 <a:latin typeface="+mn-ea"/>
               </a:rPr>
-              <a:t>나누어서 </a:t>
-            </a:r>
-            <a:r>
-              <a:rPr lang="ko-KR" altLang="en-US" sz="2400" dirty="0" smtClean="0">
-                <a:latin typeface="+mn-ea"/>
-              </a:rPr>
-              <a:t>추가 학습을</a:t>
-            </a:r>
-            <a:r>
-              <a:rPr lang="ko-KR" altLang="en-US" sz="2400" dirty="0" smtClean="0">
-                <a:latin typeface="+mn-ea"/>
-              </a:rPr>
-              <a:t> 진행</a:t>
+              <a:t>나누어서 추가 학습을 진행</a:t>
             </a:r>
             <a:endParaRPr lang="en-US" altLang="ko-KR" sz="2400" dirty="0">
               <a:latin typeface="+mn-ea"/>
@@ -6367,7 +4595,7 @@
     <mc:Choice Requires="p14">
       <p:transition/>
     </mc:Choice>
-    <mc:Fallback xmlns="" xmlns:c="http://schemas.openxmlformats.org/drawingml/2006/chart" xmlns:dgm="http://schemas.openxmlformats.org/drawingml/2006/diagram" xmlns:dsp="http://schemas.microsoft.com/office/drawing/2008/diagram">
+    <mc:Fallback xmlns:dsp="http://schemas.microsoft.com/office/drawing/2008/diagram" xmlns:dgm="http://schemas.openxmlformats.org/drawingml/2006/diagram" xmlns:c="http://schemas.openxmlformats.org/drawingml/2006/chart" xmlns="">
       <p:transition/>
     </mc:Fallback>
   </mc:AlternateContent>
@@ -6381,7 +4609,7 @@
 </p:sld>
 </file>
 
-<file path=ppt/slides/slide8.xml><?xml version="1.0" encoding="utf-8"?>
+<file path=ppt/slides/slide14.xml><?xml version="1.0" encoding="utf-8"?>
 <p:sld xmlns:a="http://schemas.openxmlformats.org/drawingml/2006/main" xmlns:r="http://schemas.openxmlformats.org/officeDocument/2006/relationships" xmlns:p="http://schemas.openxmlformats.org/presentationml/2006/main" showMasterSp="0">
   <p:cSld>
     <p:spTree>
@@ -8067,7 +6295,7 @@
     <mc:Choice Requires="p14">
       <p:transition/>
     </mc:Choice>
-    <mc:Fallback xmlns="" xmlns:c="http://schemas.openxmlformats.org/drawingml/2006/chart" xmlns:dgm="http://schemas.openxmlformats.org/drawingml/2006/diagram" xmlns:dsp="http://schemas.microsoft.com/office/drawing/2008/diagram">
+    <mc:Fallback xmlns:dsp="http://schemas.microsoft.com/office/drawing/2008/diagram" xmlns:dgm="http://schemas.openxmlformats.org/drawingml/2006/diagram" xmlns:c="http://schemas.openxmlformats.org/drawingml/2006/chart" xmlns="">
       <p:transition/>
     </mc:Fallback>
   </mc:AlternateContent>
@@ -8081,7 +6309,7 @@
 </p:sld>
 </file>
 
-<file path=ppt/slides/slide9.xml><?xml version="1.0" encoding="utf-8"?>
+<file path=ppt/slides/slide15.xml><?xml version="1.0" encoding="utf-8"?>
 <p:sld xmlns:a="http://schemas.openxmlformats.org/drawingml/2006/main" xmlns:r="http://schemas.openxmlformats.org/officeDocument/2006/relationships" xmlns:p="http://schemas.openxmlformats.org/presentationml/2006/main" showMasterSp="0">
   <p:cSld>
     <p:spTree>
@@ -11479,7 +9707,3193 @@
     <mc:Choice Requires="p14">
       <p:transition/>
     </mc:Choice>
-    <mc:Fallback xmlns="" xmlns:c="http://schemas.openxmlformats.org/drawingml/2006/chart" xmlns:dgm="http://schemas.openxmlformats.org/drawingml/2006/diagram" xmlns:dsp="http://schemas.microsoft.com/office/drawing/2008/diagram">
+    <mc:Fallback xmlns:dsp="http://schemas.microsoft.com/office/drawing/2008/diagram" xmlns:dgm="http://schemas.openxmlformats.org/drawingml/2006/diagram" xmlns:c="http://schemas.openxmlformats.org/drawingml/2006/chart" xmlns="">
+      <p:transition/>
+    </mc:Fallback>
+  </mc:AlternateContent>
+  <p:timing>
+    <p:tnLst>
+      <p:par>
+        <p:cTn id="1" dur="indefinite" restart="never" nodeType="tmRoot"/>
+      </p:par>
+    </p:tnLst>
+  </p:timing>
+</p:sld>
+</file>
+
+<file path=ppt/slides/slide16.xml><?xml version="1.0" encoding="utf-8"?>
+<p:sld xmlns:a="http://schemas.openxmlformats.org/drawingml/2006/main" xmlns:r="http://schemas.openxmlformats.org/officeDocument/2006/relationships" xmlns:p="http://schemas.openxmlformats.org/presentationml/2006/main" showMasterSp="0">
+  <p:cSld>
+    <p:spTree>
+      <p:nvGrpSpPr>
+        <p:cNvPr id="1" name=""/>
+        <p:cNvGrpSpPr/>
+        <p:nvPr/>
+      </p:nvGrpSpPr>
+      <p:grpSpPr>
+        <a:xfrm>
+          <a:off x="0" y="0"/>
+          <a:ext cx="0" cy="0"/>
+          <a:chOff x="0" y="0"/>
+          <a:chExt cx="0" cy="0"/>
+        </a:xfrm>
+      </p:grpSpPr>
+      <p:sp>
+        <p:nvSpPr>
+          <p:cNvPr id="2" name="object 2"/>
+          <p:cNvSpPr txBox="1">
+            <a:spLocks noGrp="1"/>
+          </p:cNvSpPr>
+          <p:nvPr>
+            <p:ph type="title"/>
+          </p:nvPr>
+        </p:nvSpPr>
+        <p:spPr>
+          <a:xfrm>
+            <a:off x="1023915" y="888736"/>
+            <a:ext cx="14971733" cy="1090683"/>
+          </a:xfrm>
+          <a:prstGeom prst="rect">
+            <a:avLst/>
+          </a:prstGeom>
+        </p:spPr>
+        <p:txBody>
+          <a:bodyPr vert="horz" wrap="square" lIns="0" tIns="13335" rIns="0" bIns="0">
+            <a:spAutoFit/>
+          </a:bodyPr>
+          <a:lstStyle/>
+          <a:p>
+            <a:pPr marL="12700">
+              <a:lnSpc>
+                <a:spcPct val="100000"/>
+              </a:lnSpc>
+              <a:spcBef>
+                <a:spcPts val="104"/>
+              </a:spcBef>
+              <a:defRPr/>
+            </a:pPr>
+            <a:r>
+              <a:rPr lang="en-US" b="0" spc="-120" dirty="0"/>
+              <a:t>What are the results of model learning?</a:t>
+            </a:r>
+            <a:endParaRPr b="0" spc="-120" dirty="0"/>
+          </a:p>
+        </p:txBody>
+      </p:sp>
+      <p:pic>
+        <p:nvPicPr>
+          <p:cNvPr id="1027" name="object 4"/>
+          <p:cNvPicPr/>
+          <p:nvPr userDrawn="1"/>
+        </p:nvPicPr>
+        <p:blipFill rotWithShape="1">
+          <a:blip r:embed="rId2"/>
+          <a:stretch>
+            <a:fillRect/>
+          </a:stretch>
+        </p:blipFill>
+        <p:spPr>
+          <a:xfrm>
+            <a:off x="16224250" y="324598"/>
+            <a:ext cx="3578068" cy="834278"/>
+          </a:xfrm>
+          <a:prstGeom prst="rect">
+            <a:avLst/>
+          </a:prstGeom>
+        </p:spPr>
+      </p:pic>
+      <p:sp>
+        <p:nvSpPr>
+          <p:cNvPr id="8" name="object 3">
+            <a:extLst>
+              <a:ext uri="{FF2B5EF4-FFF2-40B4-BE49-F238E27FC236}">
+                <a16:creationId xmlns:a16="http://schemas.microsoft.com/office/drawing/2014/main" id="{E7F9CD68-F918-415E-AD3A-977A30DA8D50}"/>
+              </a:ext>
+            </a:extLst>
+          </p:cNvPr>
+          <p:cNvSpPr txBox="1"/>
+          <p:nvPr/>
+        </p:nvSpPr>
+        <p:spPr>
+          <a:xfrm>
+            <a:off x="1007028" y="1962718"/>
+            <a:ext cx="9045022" cy="682238"/>
+          </a:xfrm>
+          <a:prstGeom prst="rect">
+            <a:avLst/>
+          </a:prstGeom>
+        </p:spPr>
+        <p:txBody>
+          <a:bodyPr vert="horz" wrap="square" lIns="0" tIns="12700" rIns="0" bIns="0">
+            <a:spAutoFit/>
+          </a:bodyPr>
+          <a:lstStyle/>
+          <a:p>
+            <a:pPr marL="25400">
+              <a:lnSpc>
+                <a:spcPct val="100000"/>
+              </a:lnSpc>
+              <a:spcBef>
+                <a:spcPts val="100"/>
+              </a:spcBef>
+              <a:defRPr/>
+            </a:pPr>
+            <a:r>
+              <a:rPr lang="ko-KR" altLang="en-US" sz="4350" b="1" dirty="0">
+                <a:latin typeface="Arial"/>
+                <a:ea typeface="+mj-ea"/>
+                <a:cs typeface="Arial"/>
+              </a:rPr>
+              <a:t>모델 학습의 결과는 무엇입니까</a:t>
+            </a:r>
+            <a:r>
+              <a:rPr lang="en-US" altLang="ko-KR" sz="4350" b="1" dirty="0">
+                <a:latin typeface="Arial"/>
+                <a:ea typeface="+mj-ea"/>
+                <a:cs typeface="Arial"/>
+              </a:rPr>
+              <a:t>?</a:t>
+            </a:r>
+            <a:endParaRPr sz="4350" b="1" dirty="0">
+              <a:latin typeface="Arial"/>
+              <a:ea typeface="+mj-ea"/>
+              <a:cs typeface="Arial"/>
+            </a:endParaRPr>
+          </a:p>
+        </p:txBody>
+      </p:sp>
+      <p:pic>
+        <p:nvPicPr>
+          <p:cNvPr id="13" name="Picture 2">
+            <a:extLst>
+              <a:ext uri="{FF2B5EF4-FFF2-40B4-BE49-F238E27FC236}">
+                <a16:creationId xmlns:a16="http://schemas.microsoft.com/office/drawing/2014/main" id="{CD40EFB1-B4D9-4202-9D90-DE59D9C1DB4B}"/>
+              </a:ext>
+            </a:extLst>
+          </p:cNvPr>
+          <p:cNvPicPr>
+            <a:picLocks noChangeAspect="1" noChangeArrowheads="1"/>
+          </p:cNvPicPr>
+          <p:nvPr/>
+        </p:nvPicPr>
+        <p:blipFill rotWithShape="1">
+          <a:blip r:embed="rId3">
+            <a:extLst>
+              <a:ext uri="{28A0092B-C50C-407E-A947-70E740481C1C}">
+                <a14:useLocalDpi xmlns:a14="http://schemas.microsoft.com/office/drawing/2010/main" val="0"/>
+              </a:ext>
+            </a:extLst>
+          </a:blip>
+          <a:srcRect t="10591" b="61823"/>
+          <a:stretch/>
+        </p:blipFill>
+        <p:spPr bwMode="auto">
+          <a:xfrm>
+            <a:off x="16683065" y="10107490"/>
+            <a:ext cx="3119253" cy="882213"/>
+          </a:xfrm>
+          <a:prstGeom prst="rect">
+            <a:avLst/>
+          </a:prstGeom>
+          <a:noFill/>
+          <a:extLst>
+            <a:ext uri="{909E8E84-426E-40DD-AFC4-6F175D3DCCD1}">
+              <a14:hiddenFill xmlns:a14="http://schemas.microsoft.com/office/drawing/2010/main">
+                <a:solidFill>
+                  <a:srgbClr val="FFFFFF"/>
+                </a:solidFill>
+              </a14:hiddenFill>
+            </a:ext>
+          </a:extLst>
+        </p:spPr>
+      </p:pic>
+      <p:pic>
+        <p:nvPicPr>
+          <p:cNvPr id="5" name="그림 4"/>
+          <p:cNvPicPr>
+            <a:picLocks noChangeAspect="1"/>
+          </p:cNvPicPr>
+          <p:nvPr/>
+        </p:nvPicPr>
+        <p:blipFill>
+          <a:blip r:embed="rId4">
+            <a:extLst>
+              <a:ext uri="{28A0092B-C50C-407E-A947-70E740481C1C}">
+                <a14:useLocalDpi xmlns:a14="http://schemas.microsoft.com/office/drawing/2010/main" val="0"/>
+              </a:ext>
+            </a:extLst>
+          </a:blip>
+          <a:stretch>
+            <a:fillRect/>
+          </a:stretch>
+        </p:blipFill>
+        <p:spPr>
+          <a:xfrm>
+            <a:off x="1023915" y="3246282"/>
+            <a:ext cx="6455155" cy="5420674"/>
+          </a:xfrm>
+          <a:prstGeom prst="rect">
+            <a:avLst/>
+          </a:prstGeom>
+        </p:spPr>
+      </p:pic>
+      <p:pic>
+        <p:nvPicPr>
+          <p:cNvPr id="6" name="그림 5"/>
+          <p:cNvPicPr>
+            <a:picLocks noChangeAspect="1"/>
+          </p:cNvPicPr>
+          <p:nvPr/>
+        </p:nvPicPr>
+        <p:blipFill rotWithShape="1">
+          <a:blip r:embed="rId5"/>
+          <a:srcRect r="13333"/>
+          <a:stretch/>
+        </p:blipFill>
+        <p:spPr>
+          <a:xfrm>
+            <a:off x="8223250" y="3215800"/>
+            <a:ext cx="11156367" cy="5481638"/>
+          </a:xfrm>
+          <a:prstGeom prst="rect">
+            <a:avLst/>
+          </a:prstGeom>
+        </p:spPr>
+      </p:pic>
+      <p:sp>
+        <p:nvSpPr>
+          <p:cNvPr id="3" name="TextBox 2"/>
+          <p:cNvSpPr txBox="1"/>
+          <p:nvPr/>
+        </p:nvSpPr>
+        <p:spPr>
+          <a:xfrm>
+            <a:off x="1728878" y="8852783"/>
+            <a:ext cx="5045227" cy="830997"/>
+          </a:xfrm>
+          <a:prstGeom prst="rect">
+            <a:avLst/>
+          </a:prstGeom>
+          <a:noFill/>
+        </p:spPr>
+        <p:txBody>
+          <a:bodyPr wrap="none" rtlCol="0">
+            <a:spAutoFit/>
+          </a:bodyPr>
+          <a:lstStyle/>
+          <a:p>
+            <a:r>
+              <a:rPr lang="en-US" altLang="ko-KR" sz="2400" b="1" dirty="0" smtClean="0">
+                <a:latin typeface="+mn-ea"/>
+              </a:rPr>
+              <a:t>Validation(7828)</a:t>
+            </a:r>
+            <a:r>
+              <a:rPr lang="ko-KR" altLang="en-US" sz="2400" b="1" dirty="0" smtClean="0">
+                <a:latin typeface="+mn-ea"/>
+              </a:rPr>
+              <a:t>에서 나누어진 </a:t>
+            </a:r>
+            <a:endParaRPr lang="en-US" altLang="ko-KR" sz="2400" b="1" dirty="0" smtClean="0">
+              <a:latin typeface="+mn-ea"/>
+            </a:endParaRPr>
+          </a:p>
+          <a:p>
+            <a:r>
+              <a:rPr lang="en-US" altLang="ko-KR" sz="2400" b="1" dirty="0" smtClean="0">
+                <a:latin typeface="+mn-ea"/>
+              </a:rPr>
+              <a:t>test dataset(783)</a:t>
+            </a:r>
+            <a:r>
+              <a:rPr lang="ko-KR" altLang="en-US" sz="2400" b="1" dirty="0" smtClean="0">
+                <a:latin typeface="+mn-ea"/>
+              </a:rPr>
+              <a:t>에 대한 매트릭스</a:t>
+            </a:r>
+            <a:endParaRPr lang="ko-KR" altLang="en-US" sz="2400" b="1" dirty="0">
+              <a:latin typeface="+mn-ea"/>
+            </a:endParaRPr>
+          </a:p>
+        </p:txBody>
+      </p:sp>
+    </p:spTree>
+  </p:cSld>
+  <p:clrMapOvr>
+    <a:masterClrMapping/>
+  </p:clrMapOvr>
+  <mc:AlternateContent xmlns:mc="http://schemas.openxmlformats.org/markup-compatibility/2006" xmlns:p14="http://schemas.microsoft.com/office/powerpoint/2010/main">
+    <mc:Choice Requires="p14">
+      <p:transition/>
+    </mc:Choice>
+    <mc:Fallback xmlns:dsp="http://schemas.microsoft.com/office/drawing/2008/diagram" xmlns:dgm="http://schemas.openxmlformats.org/drawingml/2006/diagram" xmlns:c="http://schemas.openxmlformats.org/drawingml/2006/chart" xmlns="">
+      <p:transition/>
+    </mc:Fallback>
+  </mc:AlternateContent>
+  <p:timing>
+    <p:tnLst>
+      <p:par>
+        <p:cTn id="1" dur="indefinite" restart="never" nodeType="tmRoot"/>
+      </p:par>
+    </p:tnLst>
+  </p:timing>
+</p:sld>
+</file>
+
+<file path=ppt/slides/slide17.xml><?xml version="1.0" encoding="utf-8"?>
+<p:sld xmlns:a="http://schemas.openxmlformats.org/drawingml/2006/main" xmlns:r="http://schemas.openxmlformats.org/officeDocument/2006/relationships" xmlns:p="http://schemas.openxmlformats.org/presentationml/2006/main" showMasterSp="0">
+  <p:cSld>
+    <p:spTree>
+      <p:nvGrpSpPr>
+        <p:cNvPr id="1" name=""/>
+        <p:cNvGrpSpPr/>
+        <p:nvPr/>
+      </p:nvGrpSpPr>
+      <p:grpSpPr>
+        <a:xfrm>
+          <a:off x="0" y="0"/>
+          <a:ext cx="0" cy="0"/>
+          <a:chOff x="0" y="0"/>
+          <a:chExt cx="0" cy="0"/>
+        </a:xfrm>
+      </p:grpSpPr>
+      <p:sp>
+        <p:nvSpPr>
+          <p:cNvPr id="3" name="object 3"/>
+          <p:cNvSpPr txBox="1"/>
+          <p:nvPr/>
+        </p:nvSpPr>
+        <p:spPr>
+          <a:xfrm>
+            <a:off x="1019729" y="1975902"/>
+            <a:ext cx="17795321" cy="686726"/>
+          </a:xfrm>
+          <a:prstGeom prst="rect">
+            <a:avLst/>
+          </a:prstGeom>
+        </p:spPr>
+        <p:txBody>
+          <a:bodyPr vert="horz" wrap="square" lIns="0" tIns="17145" rIns="0" bIns="0">
+            <a:spAutoFit/>
+          </a:bodyPr>
+          <a:lstStyle/>
+          <a:p>
+            <a:pPr marL="12700">
+              <a:spcBef>
+                <a:spcPts val="135"/>
+              </a:spcBef>
+              <a:defRPr/>
+            </a:pPr>
+            <a:r>
+              <a:rPr lang="en-US" altLang="ko-KR" sz="4350" b="1" dirty="0">
+                <a:latin typeface="Arial"/>
+                <a:ea typeface="+mj-ea"/>
+                <a:cs typeface="Arial"/>
+              </a:rPr>
+              <a:t>Attention</a:t>
+            </a:r>
+            <a:r>
+              <a:rPr lang="ko-KR" altLang="en-US" sz="4350" b="1" dirty="0">
+                <a:latin typeface="Arial"/>
+                <a:ea typeface="+mj-ea"/>
+                <a:cs typeface="Arial"/>
+              </a:rPr>
+              <a:t>을</a:t>
+            </a:r>
+            <a:r>
+              <a:rPr lang="en-US" altLang="ko-KR" sz="4350" b="1" dirty="0">
+                <a:latin typeface="Arial"/>
+                <a:ea typeface="+mj-ea"/>
+                <a:cs typeface="Arial"/>
+              </a:rPr>
+              <a:t> </a:t>
+            </a:r>
+            <a:r>
+              <a:rPr lang="ko-KR" altLang="en-US" sz="4350" b="1" dirty="0">
+                <a:latin typeface="Arial"/>
+                <a:ea typeface="+mj-ea"/>
+                <a:cs typeface="Arial"/>
+              </a:rPr>
+              <a:t>활용한 주요 특징 부각</a:t>
+            </a:r>
+            <a:endParaRPr lang="en-US" altLang="ko-KR" sz="4350" b="1" dirty="0">
+              <a:latin typeface="Arial"/>
+              <a:ea typeface="+mj-ea"/>
+              <a:cs typeface="Arial"/>
+            </a:endParaRPr>
+          </a:p>
+        </p:txBody>
+      </p:sp>
+      <p:pic>
+        <p:nvPicPr>
+          <p:cNvPr id="12" name="object 4"/>
+          <p:cNvPicPr/>
+          <p:nvPr userDrawn="1"/>
+        </p:nvPicPr>
+        <p:blipFill rotWithShape="1">
+          <a:blip r:embed="rId2"/>
+          <a:stretch>
+            <a:fillRect/>
+          </a:stretch>
+        </p:blipFill>
+        <p:spPr>
+          <a:xfrm>
+            <a:off x="16224250" y="324598"/>
+            <a:ext cx="3578068" cy="834278"/>
+          </a:xfrm>
+          <a:prstGeom prst="rect">
+            <a:avLst/>
+          </a:prstGeom>
+        </p:spPr>
+      </p:pic>
+      <p:sp>
+        <p:nvSpPr>
+          <p:cNvPr id="14" name="object 2"/>
+          <p:cNvSpPr txBox="1"/>
+          <p:nvPr/>
+        </p:nvSpPr>
+        <p:spPr>
+          <a:xfrm>
+            <a:off x="1023917" y="888736"/>
+            <a:ext cx="4827270" cy="1090683"/>
+          </a:xfrm>
+          <a:prstGeom prst="rect">
+            <a:avLst/>
+          </a:prstGeom>
+        </p:spPr>
+        <p:txBody>
+          <a:bodyPr vert="horz" wrap="square" lIns="0" tIns="13335" rIns="0" bIns="0">
+            <a:spAutoFit/>
+          </a:bodyPr>
+          <a:lstStyle/>
+          <a:p>
+            <a:pPr marL="12700">
+              <a:lnSpc>
+                <a:spcPct val="100000"/>
+              </a:lnSpc>
+              <a:spcBef>
+                <a:spcPts val="104"/>
+              </a:spcBef>
+              <a:defRPr/>
+            </a:pPr>
+            <a:r>
+              <a:rPr sz="7000" spc="-20" dirty="0">
+                <a:latin typeface="Arial"/>
+                <a:ea typeface="+mj-ea"/>
+                <a:cs typeface="Arial"/>
+              </a:rPr>
+              <a:t>What's left?</a:t>
+            </a:r>
+          </a:p>
+        </p:txBody>
+      </p:sp>
+      <p:pic>
+        <p:nvPicPr>
+          <p:cNvPr id="6" name="Picture 2">
+            <a:extLst>
+              <a:ext uri="{FF2B5EF4-FFF2-40B4-BE49-F238E27FC236}">
+                <a16:creationId xmlns:a16="http://schemas.microsoft.com/office/drawing/2014/main" id="{3FAF5B3B-E6F6-4C31-BD22-B2AF995485AB}"/>
+              </a:ext>
+            </a:extLst>
+          </p:cNvPr>
+          <p:cNvPicPr>
+            <a:picLocks noChangeAspect="1" noChangeArrowheads="1"/>
+          </p:cNvPicPr>
+          <p:nvPr/>
+        </p:nvPicPr>
+        <p:blipFill rotWithShape="1">
+          <a:blip r:embed="rId3">
+            <a:extLst>
+              <a:ext uri="{28A0092B-C50C-407E-A947-70E740481C1C}">
+                <a14:useLocalDpi xmlns:a14="http://schemas.microsoft.com/office/drawing/2010/main" val="0"/>
+              </a:ext>
+            </a:extLst>
+          </a:blip>
+          <a:srcRect t="10591" b="61823"/>
+          <a:stretch/>
+        </p:blipFill>
+        <p:spPr bwMode="auto">
+          <a:xfrm>
+            <a:off x="16683065" y="10107490"/>
+            <a:ext cx="3119253" cy="882213"/>
+          </a:xfrm>
+          <a:prstGeom prst="rect">
+            <a:avLst/>
+          </a:prstGeom>
+          <a:noFill/>
+          <a:extLst>
+            <a:ext uri="{909E8E84-426E-40DD-AFC4-6F175D3DCCD1}">
+              <a14:hiddenFill xmlns:a14="http://schemas.microsoft.com/office/drawing/2010/main">
+                <a:solidFill>
+                  <a:srgbClr val="FFFFFF"/>
+                </a:solidFill>
+              </a14:hiddenFill>
+            </a:ext>
+          </a:extLst>
+        </p:spPr>
+      </p:pic>
+      <p:pic>
+        <p:nvPicPr>
+          <p:cNvPr id="1026" name="Picture 2" descr="img"/>
+          <p:cNvPicPr>
+            <a:picLocks noChangeAspect="1" noChangeArrowheads="1"/>
+          </p:cNvPicPr>
+          <p:nvPr/>
+        </p:nvPicPr>
+        <p:blipFill>
+          <a:blip r:embed="rId4">
+            <a:extLst>
+              <a:ext uri="{28A0092B-C50C-407E-A947-70E740481C1C}">
+                <a14:useLocalDpi xmlns:a14="http://schemas.microsoft.com/office/drawing/2010/main" val="0"/>
+              </a:ext>
+            </a:extLst>
+          </a:blip>
+          <a:srcRect/>
+          <a:stretch>
+            <a:fillRect/>
+          </a:stretch>
+        </p:blipFill>
+        <p:spPr bwMode="auto">
+          <a:xfrm>
+            <a:off x="3641387" y="2911475"/>
+            <a:ext cx="4419600" cy="7338205"/>
+          </a:xfrm>
+          <a:prstGeom prst="rect">
+            <a:avLst/>
+          </a:prstGeom>
+          <a:noFill/>
+          <a:extLst>
+            <a:ext uri="{909E8E84-426E-40DD-AFC4-6F175D3DCCD1}">
+              <a14:hiddenFill xmlns:a14="http://schemas.microsoft.com/office/drawing/2010/main">
+                <a:solidFill>
+                  <a:srgbClr val="FFFFFF"/>
+                </a:solidFill>
+              </a14:hiddenFill>
+            </a:ext>
+          </a:extLst>
+        </p:spPr>
+      </p:pic>
+      <p:pic>
+        <p:nvPicPr>
+          <p:cNvPr id="2" name="그림 1"/>
+          <p:cNvPicPr>
+            <a:picLocks noChangeAspect="1"/>
+          </p:cNvPicPr>
+          <p:nvPr/>
+        </p:nvPicPr>
+        <p:blipFill>
+          <a:blip r:embed="rId5">
+            <a:extLst>
+              <a:ext uri="{28A0092B-C50C-407E-A947-70E740481C1C}">
+                <a14:useLocalDpi xmlns:a14="http://schemas.microsoft.com/office/drawing/2010/main" val="0"/>
+              </a:ext>
+            </a:extLst>
+          </a:blip>
+          <a:stretch>
+            <a:fillRect/>
+          </a:stretch>
+        </p:blipFill>
+        <p:spPr>
+          <a:xfrm>
+            <a:off x="11042650" y="4009791"/>
+            <a:ext cx="4800600" cy="4800600"/>
+          </a:xfrm>
+          <a:prstGeom prst="rect">
+            <a:avLst/>
+          </a:prstGeom>
+        </p:spPr>
+      </p:pic>
+      <p:sp>
+        <p:nvSpPr>
+          <p:cNvPr id="4" name="오른쪽 화살표 3"/>
+          <p:cNvSpPr/>
+          <p:nvPr/>
+        </p:nvSpPr>
+        <p:spPr>
+          <a:xfrm>
+            <a:off x="8332618" y="6199577"/>
+            <a:ext cx="2438400" cy="762000"/>
+          </a:xfrm>
+          <a:prstGeom prst="rightArrow">
+            <a:avLst/>
+          </a:prstGeom>
+          <a:solidFill>
+            <a:srgbClr val="C00000"/>
+          </a:solidFill>
+          <a:ln>
+            <a:noFill/>
+          </a:ln>
+        </p:spPr>
+        <p:style>
+          <a:lnRef idx="2">
+            <a:schemeClr val="accent1">
+              <a:shade val="50000"/>
+            </a:schemeClr>
+          </a:lnRef>
+          <a:fillRef idx="1">
+            <a:schemeClr val="accent1"/>
+          </a:fillRef>
+          <a:effectRef idx="0">
+            <a:schemeClr val="accent1"/>
+          </a:effectRef>
+          <a:fontRef idx="minor">
+            <a:schemeClr val="lt1"/>
+          </a:fontRef>
+        </p:style>
+        <p:txBody>
+          <a:bodyPr rtlCol="0" anchor="ctr"/>
+          <a:lstStyle/>
+          <a:p>
+            <a:pPr algn="ctr"/>
+            <a:endParaRPr lang="ko-KR" altLang="en-US"/>
+          </a:p>
+        </p:txBody>
+      </p:sp>
+      <p:sp>
+        <p:nvSpPr>
+          <p:cNvPr id="5" name="직사각형 4"/>
+          <p:cNvSpPr/>
+          <p:nvPr/>
+        </p:nvSpPr>
+        <p:spPr>
+          <a:xfrm>
+            <a:off x="11042650" y="5426075"/>
+            <a:ext cx="4800600" cy="2819400"/>
+          </a:xfrm>
+          <a:prstGeom prst="rect">
+            <a:avLst/>
+          </a:prstGeom>
+          <a:noFill/>
+          <a:ln w="76200">
+            <a:solidFill>
+              <a:srgbClr val="C00000"/>
+            </a:solidFill>
+          </a:ln>
+        </p:spPr>
+        <p:style>
+          <a:lnRef idx="2">
+            <a:schemeClr val="accent1">
+              <a:shade val="50000"/>
+            </a:schemeClr>
+          </a:lnRef>
+          <a:fillRef idx="1">
+            <a:schemeClr val="accent1"/>
+          </a:fillRef>
+          <a:effectRef idx="0">
+            <a:schemeClr val="accent1"/>
+          </a:effectRef>
+          <a:fontRef idx="minor">
+            <a:schemeClr val="lt1"/>
+          </a:fontRef>
+        </p:style>
+        <p:txBody>
+          <a:bodyPr rtlCol="0" anchor="ctr"/>
+          <a:lstStyle/>
+          <a:p>
+            <a:pPr algn="ctr"/>
+            <a:endParaRPr lang="ko-KR" altLang="en-US" sz="2400"/>
+          </a:p>
+        </p:txBody>
+      </p:sp>
+    </p:spTree>
+  </p:cSld>
+  <p:clrMapOvr>
+    <a:masterClrMapping/>
+  </p:clrMapOvr>
+  <mc:AlternateContent xmlns:mc="http://schemas.openxmlformats.org/markup-compatibility/2006" xmlns:p14="http://schemas.microsoft.com/office/powerpoint/2010/main">
+    <mc:Choice Requires="p14">
+      <p:transition/>
+    </mc:Choice>
+    <mc:Fallback xmlns:dsp="http://schemas.microsoft.com/office/drawing/2008/diagram" xmlns:dgm="http://schemas.openxmlformats.org/drawingml/2006/diagram" xmlns:c="http://schemas.openxmlformats.org/drawingml/2006/chart" xmlns="">
+      <p:transition/>
+    </mc:Fallback>
+  </mc:AlternateContent>
+  <p:timing>
+    <p:tnLst>
+      <p:par>
+        <p:cTn id="1" dur="indefinite" restart="never" nodeType="tmRoot"/>
+      </p:par>
+    </p:tnLst>
+  </p:timing>
+</p:sld>
+</file>
+
+<file path=ppt/slides/slide18.xml><?xml version="1.0" encoding="utf-8"?>
+<p:sld xmlns:a="http://schemas.openxmlformats.org/drawingml/2006/main" xmlns:r="http://schemas.openxmlformats.org/officeDocument/2006/relationships" xmlns:p="http://schemas.openxmlformats.org/presentationml/2006/main" showMasterSp="0">
+  <p:cSld>
+    <p:spTree>
+      <p:nvGrpSpPr>
+        <p:cNvPr id="1" name=""/>
+        <p:cNvGrpSpPr/>
+        <p:nvPr/>
+      </p:nvGrpSpPr>
+      <p:grpSpPr>
+        <a:xfrm>
+          <a:off x="0" y="0"/>
+          <a:ext cx="0" cy="0"/>
+          <a:chOff x="0" y="0"/>
+          <a:chExt cx="0" cy="0"/>
+        </a:xfrm>
+      </p:grpSpPr>
+      <p:pic>
+        <p:nvPicPr>
+          <p:cNvPr id="12" name="object 4"/>
+          <p:cNvPicPr/>
+          <p:nvPr userDrawn="1"/>
+        </p:nvPicPr>
+        <p:blipFill rotWithShape="1">
+          <a:blip r:embed="rId2"/>
+          <a:stretch>
+            <a:fillRect/>
+          </a:stretch>
+        </p:blipFill>
+        <p:spPr>
+          <a:xfrm>
+            <a:off x="16224250" y="324598"/>
+            <a:ext cx="3578068" cy="834278"/>
+          </a:xfrm>
+          <a:prstGeom prst="rect">
+            <a:avLst/>
+          </a:prstGeom>
+        </p:spPr>
+      </p:pic>
+      <p:sp>
+        <p:nvSpPr>
+          <p:cNvPr id="14" name="object 2"/>
+          <p:cNvSpPr txBox="1"/>
+          <p:nvPr/>
+        </p:nvSpPr>
+        <p:spPr>
+          <a:xfrm>
+            <a:off x="1023917" y="888736"/>
+            <a:ext cx="4827270" cy="1090683"/>
+          </a:xfrm>
+          <a:prstGeom prst="rect">
+            <a:avLst/>
+          </a:prstGeom>
+        </p:spPr>
+        <p:txBody>
+          <a:bodyPr vert="horz" wrap="square" lIns="0" tIns="13335" rIns="0" bIns="0">
+            <a:spAutoFit/>
+          </a:bodyPr>
+          <a:lstStyle/>
+          <a:p>
+            <a:pPr marL="12700">
+              <a:lnSpc>
+                <a:spcPct val="100000"/>
+              </a:lnSpc>
+              <a:spcBef>
+                <a:spcPts val="104"/>
+              </a:spcBef>
+              <a:defRPr/>
+            </a:pPr>
+            <a:r>
+              <a:rPr lang="en-US" sz="7000" spc="-20" dirty="0" smtClean="0">
+                <a:latin typeface="Arial"/>
+                <a:ea typeface="+mj-ea"/>
+                <a:cs typeface="Arial"/>
+              </a:rPr>
+              <a:t>Question</a:t>
+            </a:r>
+            <a:endParaRPr sz="7000" spc="-20" dirty="0">
+              <a:latin typeface="Arial"/>
+              <a:ea typeface="+mj-ea"/>
+              <a:cs typeface="Arial"/>
+            </a:endParaRPr>
+          </a:p>
+        </p:txBody>
+      </p:sp>
+      <p:pic>
+        <p:nvPicPr>
+          <p:cNvPr id="6" name="Picture 2">
+            <a:extLst>
+              <a:ext uri="{FF2B5EF4-FFF2-40B4-BE49-F238E27FC236}">
+                <a16:creationId xmlns:a16="http://schemas.microsoft.com/office/drawing/2014/main" id="{3FAF5B3B-E6F6-4C31-BD22-B2AF995485AB}"/>
+              </a:ext>
+            </a:extLst>
+          </p:cNvPr>
+          <p:cNvPicPr>
+            <a:picLocks noChangeAspect="1" noChangeArrowheads="1"/>
+          </p:cNvPicPr>
+          <p:nvPr/>
+        </p:nvPicPr>
+        <p:blipFill rotWithShape="1">
+          <a:blip r:embed="rId3">
+            <a:extLst>
+              <a:ext uri="{28A0092B-C50C-407E-A947-70E740481C1C}">
+                <a14:useLocalDpi xmlns:a14="http://schemas.microsoft.com/office/drawing/2010/main" val="0"/>
+              </a:ext>
+            </a:extLst>
+          </a:blip>
+          <a:srcRect t="10591" b="61823"/>
+          <a:stretch/>
+        </p:blipFill>
+        <p:spPr bwMode="auto">
+          <a:xfrm>
+            <a:off x="16683065" y="10107490"/>
+            <a:ext cx="3119253" cy="882213"/>
+          </a:xfrm>
+          <a:prstGeom prst="rect">
+            <a:avLst/>
+          </a:prstGeom>
+          <a:noFill/>
+          <a:extLst>
+            <a:ext uri="{909E8E84-426E-40DD-AFC4-6F175D3DCCD1}">
+              <a14:hiddenFill xmlns:a14="http://schemas.microsoft.com/office/drawing/2010/main">
+                <a:solidFill>
+                  <a:srgbClr val="FFFFFF"/>
+                </a:solidFill>
+              </a14:hiddenFill>
+            </a:ext>
+          </a:extLst>
+        </p:spPr>
+      </p:pic>
+      <p:sp>
+        <p:nvSpPr>
+          <p:cNvPr id="2" name="TextBox 1"/>
+          <p:cNvSpPr txBox="1"/>
+          <p:nvPr/>
+        </p:nvSpPr>
+        <p:spPr>
+          <a:xfrm>
+            <a:off x="5851187" y="4740275"/>
+            <a:ext cx="8034572" cy="1862048"/>
+          </a:xfrm>
+          <a:prstGeom prst="rect">
+            <a:avLst/>
+          </a:prstGeom>
+          <a:noFill/>
+        </p:spPr>
+        <p:txBody>
+          <a:bodyPr wrap="none" rtlCol="0">
+            <a:spAutoFit/>
+          </a:bodyPr>
+          <a:lstStyle/>
+          <a:p>
+            <a:r>
+              <a:rPr lang="ko-KR" altLang="en-US" sz="11500" b="1" dirty="0" smtClean="0">
+                <a:latin typeface="+mn-ea"/>
+              </a:rPr>
+              <a:t>감사합니다</a:t>
+            </a:r>
+            <a:r>
+              <a:rPr lang="en-US" altLang="ko-KR" sz="11500" b="1" dirty="0" smtClean="0">
+                <a:latin typeface="+mn-ea"/>
+              </a:rPr>
+              <a:t>!</a:t>
+            </a:r>
+            <a:endParaRPr lang="ko-KR" altLang="en-US" sz="11500" b="1" dirty="0">
+              <a:latin typeface="+mn-ea"/>
+            </a:endParaRPr>
+          </a:p>
+        </p:txBody>
+      </p:sp>
+    </p:spTree>
+    <p:extLst>
+      <p:ext uri="{BB962C8B-B14F-4D97-AF65-F5344CB8AC3E}">
+        <p14:creationId xmlns:p14="http://schemas.microsoft.com/office/powerpoint/2010/main" val="1656445244"/>
+      </p:ext>
+    </p:extLst>
+  </p:cSld>
+  <p:clrMapOvr>
+    <a:masterClrMapping/>
+  </p:clrMapOvr>
+  <mc:AlternateContent xmlns:mc="http://schemas.openxmlformats.org/markup-compatibility/2006" xmlns:p14="http://schemas.microsoft.com/office/powerpoint/2010/main">
+    <mc:Choice Requires="p14">
+      <p:transition/>
+    </mc:Choice>
+    <mc:Fallback xmlns:dsp="http://schemas.microsoft.com/office/drawing/2008/diagram" xmlns:dgm="http://schemas.openxmlformats.org/drawingml/2006/diagram" xmlns:c="http://schemas.openxmlformats.org/drawingml/2006/chart" xmlns="">
+      <p:transition/>
+    </mc:Fallback>
+  </mc:AlternateContent>
+  <p:timing>
+    <p:tnLst>
+      <p:par>
+        <p:cTn id="1" dur="indefinite" restart="never" nodeType="tmRoot"/>
+      </p:par>
+    </p:tnLst>
+  </p:timing>
+</p:sld>
+</file>
+
+<file path=ppt/slides/slide2.xml><?xml version="1.0" encoding="utf-8"?>
+<p:sld xmlns:a="http://schemas.openxmlformats.org/drawingml/2006/main" xmlns:r="http://schemas.openxmlformats.org/officeDocument/2006/relationships" xmlns:p="http://schemas.openxmlformats.org/presentationml/2006/main" showMasterSp="0">
+  <p:cSld>
+    <p:spTree>
+      <p:nvGrpSpPr>
+        <p:cNvPr id="1" name=""/>
+        <p:cNvGrpSpPr/>
+        <p:nvPr/>
+      </p:nvGrpSpPr>
+      <p:grpSpPr>
+        <a:xfrm>
+          <a:off x="0" y="0"/>
+          <a:ext cx="0" cy="0"/>
+          <a:chOff x="0" y="0"/>
+          <a:chExt cx="0" cy="0"/>
+        </a:xfrm>
+      </p:grpSpPr>
+      <p:sp>
+        <p:nvSpPr>
+          <p:cNvPr id="2" name="object 2"/>
+          <p:cNvSpPr txBox="1">
+            <a:spLocks noGrp="1"/>
+          </p:cNvSpPr>
+          <p:nvPr>
+            <p:ph type="title"/>
+          </p:nvPr>
+        </p:nvSpPr>
+        <p:spPr>
+          <a:xfrm>
+            <a:off x="1023917" y="888736"/>
+            <a:ext cx="8672195" cy="1073414"/>
+          </a:xfrm>
+          <a:prstGeom prst="rect">
+            <a:avLst/>
+          </a:prstGeom>
+        </p:spPr>
+        <p:txBody>
+          <a:bodyPr vert="horz" wrap="square" lIns="0" tIns="13335" rIns="0" bIns="0">
+            <a:spAutoFit/>
+          </a:bodyPr>
+          <a:lstStyle/>
+          <a:p>
+            <a:pPr marL="12700">
+              <a:lnSpc>
+                <a:spcPct val="100000"/>
+              </a:lnSpc>
+              <a:spcBef>
+                <a:spcPts val="104"/>
+              </a:spcBef>
+              <a:defRPr/>
+            </a:pPr>
+            <a:r>
+              <a:rPr b="0" spc="-104" dirty="0"/>
+              <a:t>Wha</a:t>
+            </a:r>
+            <a:r>
+              <a:rPr b="0" spc="20" dirty="0"/>
+              <a:t>t</a:t>
+            </a:r>
+            <a:r>
+              <a:rPr b="0" spc="-280" dirty="0"/>
+              <a:t> </a:t>
+            </a:r>
+            <a:r>
+              <a:rPr b="0" spc="-233" dirty="0"/>
+              <a:t>i</a:t>
+            </a:r>
+            <a:r>
+              <a:rPr b="0" spc="-180" dirty="0"/>
+              <a:t>s</a:t>
+            </a:r>
+            <a:r>
+              <a:rPr b="0" spc="-280" dirty="0"/>
+              <a:t> </a:t>
+            </a:r>
+            <a:r>
+              <a:rPr b="0" spc="-100" dirty="0"/>
+              <a:t>th</a:t>
+            </a:r>
+            <a:r>
+              <a:rPr b="0" spc="50" dirty="0"/>
+              <a:t>e</a:t>
+            </a:r>
+            <a:r>
+              <a:rPr b="0" spc="-280" dirty="0"/>
+              <a:t> </a:t>
+            </a:r>
+            <a:r>
+              <a:rPr b="0" spc="-140" dirty="0"/>
+              <a:t>p</a:t>
+            </a:r>
+            <a:r>
+              <a:rPr b="0" spc="-270" dirty="0"/>
+              <a:t>r</a:t>
+            </a:r>
+            <a:r>
+              <a:rPr b="0" spc="-190" dirty="0"/>
+              <a:t>oblem?</a:t>
+            </a:r>
+          </a:p>
+        </p:txBody>
+      </p:sp>
+      <p:pic>
+        <p:nvPicPr>
+          <p:cNvPr id="6" name="object 4"/>
+          <p:cNvPicPr/>
+          <p:nvPr userDrawn="1"/>
+        </p:nvPicPr>
+        <p:blipFill rotWithShape="1">
+          <a:blip r:embed="rId2"/>
+          <a:stretch>
+            <a:fillRect/>
+          </a:stretch>
+        </p:blipFill>
+        <p:spPr>
+          <a:xfrm>
+            <a:off x="16224250" y="324598"/>
+            <a:ext cx="3578068" cy="834278"/>
+          </a:xfrm>
+          <a:prstGeom prst="rect">
+            <a:avLst/>
+          </a:prstGeom>
+        </p:spPr>
+      </p:pic>
+      <p:pic>
+        <p:nvPicPr>
+          <p:cNvPr id="7" name="Picture 2">
+            <a:extLst>
+              <a:ext uri="{FF2B5EF4-FFF2-40B4-BE49-F238E27FC236}">
+                <a16:creationId xmlns:a16="http://schemas.microsoft.com/office/drawing/2014/main" id="{4BAA89C9-96BB-4C71-B0F3-884580164D01}"/>
+              </a:ext>
+            </a:extLst>
+          </p:cNvPr>
+          <p:cNvPicPr>
+            <a:picLocks noChangeAspect="1" noChangeArrowheads="1"/>
+          </p:cNvPicPr>
+          <p:nvPr/>
+        </p:nvPicPr>
+        <p:blipFill rotWithShape="1">
+          <a:blip r:embed="rId3">
+            <a:extLst>
+              <a:ext uri="{28A0092B-C50C-407E-A947-70E740481C1C}">
+                <a14:useLocalDpi xmlns:a14="http://schemas.microsoft.com/office/drawing/2010/main" val="0"/>
+              </a:ext>
+            </a:extLst>
+          </a:blip>
+          <a:srcRect t="10591" b="61823"/>
+          <a:stretch/>
+        </p:blipFill>
+        <p:spPr bwMode="auto">
+          <a:xfrm>
+            <a:off x="16683065" y="10107490"/>
+            <a:ext cx="3119253" cy="882213"/>
+          </a:xfrm>
+          <a:prstGeom prst="rect">
+            <a:avLst/>
+          </a:prstGeom>
+          <a:noFill/>
+          <a:extLst>
+            <a:ext uri="{909E8E84-426E-40DD-AFC4-6F175D3DCCD1}">
+              <a14:hiddenFill xmlns:a14="http://schemas.microsoft.com/office/drawing/2010/main">
+                <a:solidFill>
+                  <a:srgbClr val="FFFFFF"/>
+                </a:solidFill>
+              </a14:hiddenFill>
+            </a:ext>
+          </a:extLst>
+        </p:spPr>
+      </p:pic>
+      <p:sp>
+        <p:nvSpPr>
+          <p:cNvPr id="8" name="object 3">
+            <a:extLst>
+              <a:ext uri="{FF2B5EF4-FFF2-40B4-BE49-F238E27FC236}">
+                <a16:creationId xmlns:a16="http://schemas.microsoft.com/office/drawing/2014/main" id="{AAC6AC91-FA45-47B8-ACA6-7FB9D875D732}"/>
+              </a:ext>
+            </a:extLst>
+          </p:cNvPr>
+          <p:cNvSpPr txBox="1"/>
+          <p:nvPr/>
+        </p:nvSpPr>
+        <p:spPr>
+          <a:xfrm>
+            <a:off x="1019729" y="1962721"/>
+            <a:ext cx="11242121" cy="675704"/>
+          </a:xfrm>
+          <a:prstGeom prst="rect">
+            <a:avLst/>
+          </a:prstGeom>
+        </p:spPr>
+        <p:txBody>
+          <a:bodyPr vert="horz" wrap="square" lIns="0" tIns="12700" rIns="0" bIns="0">
+            <a:spAutoFit/>
+          </a:bodyPr>
+          <a:lstStyle/>
+          <a:p>
+            <a:pPr marL="12700">
+              <a:lnSpc>
+                <a:spcPct val="100000"/>
+              </a:lnSpc>
+              <a:spcBef>
+                <a:spcPts val="100"/>
+              </a:spcBef>
+              <a:defRPr/>
+            </a:pPr>
+            <a:r>
+              <a:rPr lang="ko-KR" altLang="en-US" sz="4350" b="1" spc="-325" dirty="0">
+                <a:latin typeface="나눔고딕OTF ExtraBold"/>
+              </a:rPr>
+              <a:t>어떠한 문제인가</a:t>
+            </a:r>
+            <a:r>
+              <a:rPr lang="en-US" altLang="ko-KR" sz="4350" b="1" spc="-325" dirty="0">
+                <a:latin typeface="나눔고딕OTF ExtraBold"/>
+              </a:rPr>
+              <a:t>?</a:t>
+            </a:r>
+            <a:endParaRPr lang="ko-KR" altLang="en-US" sz="4350" b="1" spc="-325" dirty="0">
+              <a:latin typeface="나눔고딕OTF ExtraBold"/>
+            </a:endParaRPr>
+          </a:p>
+        </p:txBody>
+      </p:sp>
+      <p:pic>
+        <p:nvPicPr>
+          <p:cNvPr id="12" name="그림 11"/>
+          <p:cNvPicPr>
+            <a:picLocks noChangeAspect="1"/>
+          </p:cNvPicPr>
+          <p:nvPr/>
+        </p:nvPicPr>
+        <p:blipFill rotWithShape="1">
+          <a:blip r:embed="rId4"/>
+          <a:srcRect r="1289"/>
+          <a:stretch/>
+        </p:blipFill>
+        <p:spPr>
+          <a:xfrm>
+            <a:off x="4718050" y="2911475"/>
+            <a:ext cx="9677400" cy="6705600"/>
+          </a:xfrm>
+          <a:prstGeom prst="rect">
+            <a:avLst/>
+          </a:prstGeom>
+        </p:spPr>
+      </p:pic>
+    </p:spTree>
+  </p:cSld>
+  <p:clrMapOvr>
+    <a:masterClrMapping/>
+  </p:clrMapOvr>
+  <mc:AlternateContent xmlns:mc="http://schemas.openxmlformats.org/markup-compatibility/2006" xmlns:p14="http://schemas.microsoft.com/office/powerpoint/2010/main">
+    <mc:Choice Requires="p14">
+      <p:transition/>
+    </mc:Choice>
+    <mc:Fallback xmlns:dsp="http://schemas.microsoft.com/office/drawing/2008/diagram" xmlns:dgm="http://schemas.openxmlformats.org/drawingml/2006/diagram" xmlns:c="http://schemas.openxmlformats.org/drawingml/2006/chart" xmlns="">
+      <p:transition/>
+    </mc:Fallback>
+  </mc:AlternateContent>
+  <p:timing>
+    <p:tnLst>
+      <p:par>
+        <p:cTn id="1" dur="indefinite" restart="never" nodeType="tmRoot"/>
+      </p:par>
+    </p:tnLst>
+  </p:timing>
+</p:sld>
+</file>
+
+<file path=ppt/slides/slide3.xml><?xml version="1.0" encoding="utf-8"?>
+<p:sld xmlns:a="http://schemas.openxmlformats.org/drawingml/2006/main" xmlns:r="http://schemas.openxmlformats.org/officeDocument/2006/relationships" xmlns:p="http://schemas.openxmlformats.org/presentationml/2006/main" showMasterSp="0">
+  <p:cSld>
+    <p:spTree>
+      <p:nvGrpSpPr>
+        <p:cNvPr id="1" name=""/>
+        <p:cNvGrpSpPr/>
+        <p:nvPr/>
+      </p:nvGrpSpPr>
+      <p:grpSpPr>
+        <a:xfrm>
+          <a:off x="0" y="0"/>
+          <a:ext cx="0" cy="0"/>
+          <a:chOff x="0" y="0"/>
+          <a:chExt cx="0" cy="0"/>
+        </a:xfrm>
+      </p:grpSpPr>
+      <p:sp>
+        <p:nvSpPr>
+          <p:cNvPr id="2" name="object 2"/>
+          <p:cNvSpPr txBox="1">
+            <a:spLocks noGrp="1"/>
+          </p:cNvSpPr>
+          <p:nvPr>
+            <p:ph type="title"/>
+          </p:nvPr>
+        </p:nvSpPr>
+        <p:spPr>
+          <a:xfrm>
+            <a:off x="1023917" y="888736"/>
+            <a:ext cx="9345930" cy="1090683"/>
+          </a:xfrm>
+          <a:prstGeom prst="rect">
+            <a:avLst/>
+          </a:prstGeom>
+        </p:spPr>
+        <p:txBody>
+          <a:bodyPr vert="horz" wrap="square" lIns="0" tIns="13335" rIns="0" bIns="0">
+            <a:spAutoFit/>
+          </a:bodyPr>
+          <a:lstStyle/>
+          <a:p>
+            <a:pPr marL="12700">
+              <a:lnSpc>
+                <a:spcPct val="100000"/>
+              </a:lnSpc>
+              <a:spcBef>
+                <a:spcPts val="104"/>
+              </a:spcBef>
+              <a:defRPr/>
+            </a:pPr>
+            <a:r>
+              <a:rPr lang="en-US" altLang="ko-KR" b="0" spc="-104" dirty="0"/>
+              <a:t>Wha</a:t>
+            </a:r>
+            <a:r>
+              <a:rPr lang="en-US" altLang="ko-KR" b="0" spc="20" dirty="0"/>
+              <a:t>t</a:t>
+            </a:r>
+            <a:r>
+              <a:rPr lang="en-US" altLang="ko-KR" b="0" spc="-280" dirty="0"/>
+              <a:t> </a:t>
+            </a:r>
+            <a:r>
+              <a:rPr lang="en-US" altLang="ko-KR" b="0" spc="-233" dirty="0"/>
+              <a:t>i</a:t>
+            </a:r>
+            <a:r>
+              <a:rPr lang="en-US" altLang="ko-KR" b="0" spc="-180" dirty="0"/>
+              <a:t>s</a:t>
+            </a:r>
+            <a:r>
+              <a:rPr lang="en-US" altLang="ko-KR" b="0" spc="-280" dirty="0"/>
+              <a:t> </a:t>
+            </a:r>
+            <a:r>
+              <a:rPr lang="en-US" altLang="ko-KR" b="0" spc="-100" dirty="0"/>
+              <a:t>th</a:t>
+            </a:r>
+            <a:r>
+              <a:rPr lang="en-US" altLang="ko-KR" b="0" spc="50" dirty="0"/>
+              <a:t>e</a:t>
+            </a:r>
+            <a:r>
+              <a:rPr lang="en-US" altLang="ko-KR" b="0" spc="-280" dirty="0"/>
+              <a:t> </a:t>
+            </a:r>
+            <a:r>
+              <a:rPr lang="en-US" altLang="ko-KR" b="0" spc="-140" dirty="0"/>
+              <a:t>p</a:t>
+            </a:r>
+            <a:r>
+              <a:rPr lang="en-US" altLang="ko-KR" b="0" spc="-270" dirty="0"/>
+              <a:t>r</a:t>
+            </a:r>
+            <a:r>
+              <a:rPr lang="en-US" altLang="ko-KR" b="0" spc="-190" dirty="0"/>
+              <a:t>oblem?</a:t>
+            </a:r>
+            <a:endParaRPr b="0" spc="-190" dirty="0"/>
+          </a:p>
+        </p:txBody>
+      </p:sp>
+      <p:sp>
+        <p:nvSpPr>
+          <p:cNvPr id="3" name="object 3"/>
+          <p:cNvSpPr txBox="1"/>
+          <p:nvPr/>
+        </p:nvSpPr>
+        <p:spPr>
+          <a:xfrm>
+            <a:off x="1019729" y="1962721"/>
+            <a:ext cx="11242121" cy="675704"/>
+          </a:xfrm>
+          <a:prstGeom prst="rect">
+            <a:avLst/>
+          </a:prstGeom>
+        </p:spPr>
+        <p:txBody>
+          <a:bodyPr vert="horz" wrap="square" lIns="0" tIns="12700" rIns="0" bIns="0">
+            <a:spAutoFit/>
+          </a:bodyPr>
+          <a:lstStyle/>
+          <a:p>
+            <a:pPr marL="12700">
+              <a:lnSpc>
+                <a:spcPct val="100000"/>
+              </a:lnSpc>
+              <a:spcBef>
+                <a:spcPts val="100"/>
+              </a:spcBef>
+              <a:defRPr/>
+            </a:pPr>
+            <a:r>
+              <a:rPr lang="ko-KR" altLang="en-US" sz="4350" b="1" spc="-325" dirty="0">
+                <a:latin typeface="나눔고딕OTF ExtraBold"/>
+              </a:rPr>
+              <a:t>어떠한 문제인가</a:t>
+            </a:r>
+            <a:r>
+              <a:rPr lang="en-US" altLang="ko-KR" sz="4350" b="1" spc="-325" dirty="0">
+                <a:latin typeface="나눔고딕OTF ExtraBold"/>
+              </a:rPr>
+              <a:t>?</a:t>
+            </a:r>
+            <a:endParaRPr lang="ko-KR" altLang="en-US" sz="4350" b="1" spc="-325" dirty="0">
+              <a:latin typeface="나눔고딕OTF ExtraBold"/>
+            </a:endParaRPr>
+          </a:p>
+        </p:txBody>
+      </p:sp>
+      <p:pic>
+        <p:nvPicPr>
+          <p:cNvPr id="6" name="object 4"/>
+          <p:cNvPicPr/>
+          <p:nvPr userDrawn="1"/>
+        </p:nvPicPr>
+        <p:blipFill rotWithShape="1">
+          <a:blip r:embed="rId2"/>
+          <a:stretch>
+            <a:fillRect/>
+          </a:stretch>
+        </p:blipFill>
+        <p:spPr>
+          <a:xfrm>
+            <a:off x="16224250" y="324598"/>
+            <a:ext cx="3578068" cy="834278"/>
+          </a:xfrm>
+          <a:prstGeom prst="rect">
+            <a:avLst/>
+          </a:prstGeom>
+        </p:spPr>
+      </p:pic>
+      <p:pic>
+        <p:nvPicPr>
+          <p:cNvPr id="16" name="Picture 2">
+            <a:extLst>
+              <a:ext uri="{FF2B5EF4-FFF2-40B4-BE49-F238E27FC236}">
+                <a16:creationId xmlns:a16="http://schemas.microsoft.com/office/drawing/2014/main" id="{FCAC27A2-1890-4752-B08E-A717E5B0054C}"/>
+              </a:ext>
+            </a:extLst>
+          </p:cNvPr>
+          <p:cNvPicPr>
+            <a:picLocks noChangeAspect="1" noChangeArrowheads="1"/>
+          </p:cNvPicPr>
+          <p:nvPr/>
+        </p:nvPicPr>
+        <p:blipFill rotWithShape="1">
+          <a:blip r:embed="rId3">
+            <a:extLst>
+              <a:ext uri="{28A0092B-C50C-407E-A947-70E740481C1C}">
+                <a14:useLocalDpi xmlns:a14="http://schemas.microsoft.com/office/drawing/2010/main" val="0"/>
+              </a:ext>
+            </a:extLst>
+          </a:blip>
+          <a:srcRect t="10591" b="61823"/>
+          <a:stretch/>
+        </p:blipFill>
+        <p:spPr bwMode="auto">
+          <a:xfrm>
+            <a:off x="16683065" y="10107490"/>
+            <a:ext cx="3119253" cy="882213"/>
+          </a:xfrm>
+          <a:prstGeom prst="rect">
+            <a:avLst/>
+          </a:prstGeom>
+          <a:noFill/>
+          <a:extLst>
+            <a:ext uri="{909E8E84-426E-40DD-AFC4-6F175D3DCCD1}">
+              <a14:hiddenFill xmlns:a14="http://schemas.microsoft.com/office/drawing/2010/main">
+                <a:solidFill>
+                  <a:srgbClr val="FFFFFF"/>
+                </a:solidFill>
+              </a14:hiddenFill>
+            </a:ext>
+          </a:extLst>
+        </p:spPr>
+      </p:pic>
+      <p:pic>
+        <p:nvPicPr>
+          <p:cNvPr id="2050" name="Picture 2" descr="KL grade example"/>
+          <p:cNvPicPr>
+            <a:picLocks noChangeAspect="1" noChangeArrowheads="1"/>
+          </p:cNvPicPr>
+          <p:nvPr/>
+        </p:nvPicPr>
+        <p:blipFill rotWithShape="1">
+          <a:blip r:embed="rId4">
+            <a:extLst>
+              <a:ext uri="{28A0092B-C50C-407E-A947-70E740481C1C}">
+                <a14:useLocalDpi xmlns:a14="http://schemas.microsoft.com/office/drawing/2010/main" val="0"/>
+              </a:ext>
+            </a:extLst>
+          </a:blip>
+          <a:srcRect t="2593"/>
+          <a:stretch/>
+        </p:blipFill>
+        <p:spPr bwMode="auto">
+          <a:xfrm>
+            <a:off x="2965450" y="2835275"/>
+            <a:ext cx="14086061" cy="4953635"/>
+          </a:xfrm>
+          <a:prstGeom prst="rect">
+            <a:avLst/>
+          </a:prstGeom>
+          <a:noFill/>
+          <a:extLst>
+            <a:ext uri="{909E8E84-426E-40DD-AFC4-6F175D3DCCD1}">
+              <a14:hiddenFill xmlns:a14="http://schemas.microsoft.com/office/drawing/2010/main">
+                <a:solidFill>
+                  <a:srgbClr val="FFFFFF"/>
+                </a:solidFill>
+              </a14:hiddenFill>
+            </a:ext>
+          </a:extLst>
+        </p:spPr>
+      </p:pic>
+      <p:sp>
+        <p:nvSpPr>
+          <p:cNvPr id="4" name="TextBox 3"/>
+          <p:cNvSpPr txBox="1"/>
+          <p:nvPr/>
+        </p:nvSpPr>
+        <p:spPr>
+          <a:xfrm>
+            <a:off x="2840492" y="7985760"/>
+            <a:ext cx="14335976" cy="2308324"/>
+          </a:xfrm>
+          <a:prstGeom prst="rect">
+            <a:avLst/>
+          </a:prstGeom>
+          <a:noFill/>
+        </p:spPr>
+        <p:txBody>
+          <a:bodyPr wrap="none" rtlCol="0">
+            <a:spAutoFit/>
+          </a:bodyPr>
+          <a:lstStyle/>
+          <a:p>
+            <a:r>
+              <a:rPr lang="ko-KR" altLang="en-US" b="1" dirty="0">
+                <a:latin typeface="+mn-ea"/>
+              </a:rPr>
+              <a:t>단순 방사선 사진이 가장 유용하다</a:t>
+            </a:r>
+            <a:r>
+              <a:rPr lang="en-US" altLang="ko-KR" b="1" dirty="0">
+                <a:latin typeface="+mn-ea"/>
+              </a:rPr>
+              <a:t>.</a:t>
+            </a:r>
+          </a:p>
+          <a:p>
+            <a:r>
+              <a:rPr lang="ko-KR" altLang="en-US" dirty="0">
+                <a:latin typeface="+mn-ea"/>
+              </a:rPr>
+              <a:t>초기에는 정상 소견을 보일 수 있으나 점진적으로 관절 간격의 감소가 나타나며 연골 </a:t>
+            </a:r>
+            <a:r>
+              <a:rPr lang="ko-KR" altLang="en-US" b="1" dirty="0">
+                <a:latin typeface="+mn-ea"/>
+              </a:rPr>
+              <a:t>아래 뼈의 음영이 짙어지는 경화</a:t>
+            </a:r>
+            <a:r>
+              <a:rPr lang="ko-KR" altLang="en-US" dirty="0">
+                <a:latin typeface="+mn-ea"/>
+              </a:rPr>
+              <a:t> 소견을 볼 수 있다</a:t>
+            </a:r>
+            <a:r>
+              <a:rPr lang="en-US" altLang="ko-KR" dirty="0">
+                <a:latin typeface="+mn-ea"/>
+              </a:rPr>
+              <a:t>.</a:t>
+            </a:r>
+          </a:p>
+          <a:p>
+            <a:r>
+              <a:rPr lang="ko-KR" altLang="en-US" dirty="0">
+                <a:latin typeface="+mn-ea"/>
+              </a:rPr>
+              <a:t>더욱 진행되면 </a:t>
+            </a:r>
+            <a:r>
+              <a:rPr lang="ko-KR" altLang="en-US" dirty="0" err="1">
+                <a:latin typeface="+mn-ea"/>
+              </a:rPr>
+              <a:t>관절면의</a:t>
+            </a:r>
+            <a:r>
+              <a:rPr lang="ko-KR" altLang="en-US" dirty="0">
+                <a:latin typeface="+mn-ea"/>
+              </a:rPr>
+              <a:t> 가장 자리에 뼈가 웃자란 듯한 </a:t>
+            </a:r>
+            <a:r>
+              <a:rPr lang="ko-KR" altLang="en-US" b="1" dirty="0" err="1">
+                <a:latin typeface="+mn-ea"/>
+              </a:rPr>
+              <a:t>골극이</a:t>
+            </a:r>
+            <a:r>
+              <a:rPr lang="ko-KR" altLang="en-US" b="1" dirty="0">
+                <a:latin typeface="+mn-ea"/>
+              </a:rPr>
+              <a:t> 형성되고 </a:t>
+            </a:r>
+            <a:r>
+              <a:rPr lang="ko-KR" altLang="en-US" b="1" dirty="0" err="1">
+                <a:latin typeface="+mn-ea"/>
+              </a:rPr>
+              <a:t>관절면이</a:t>
+            </a:r>
+            <a:r>
+              <a:rPr lang="ko-KR" altLang="en-US" b="1" dirty="0">
+                <a:latin typeface="+mn-ea"/>
+              </a:rPr>
+              <a:t> 불규칙해진다</a:t>
+            </a:r>
+            <a:r>
+              <a:rPr lang="en-US" altLang="ko-KR" b="1" dirty="0">
+                <a:latin typeface="+mn-ea"/>
+              </a:rPr>
+              <a:t>.</a:t>
+            </a:r>
+          </a:p>
+          <a:p>
+            <a:r>
+              <a:rPr lang="ko-KR" altLang="en-US" dirty="0" err="1">
+                <a:latin typeface="+mn-ea"/>
+              </a:rPr>
+              <a:t>이차성</a:t>
+            </a:r>
+            <a:r>
+              <a:rPr lang="ko-KR" altLang="en-US" dirty="0">
+                <a:latin typeface="+mn-ea"/>
+              </a:rPr>
+              <a:t> 관절염의 경우 원인이 되는 과거 외상이나 질환의 흔적 혹은 변형 등이 관찰되기도 한다</a:t>
+            </a:r>
+            <a:r>
+              <a:rPr lang="en-US" altLang="ko-KR" dirty="0">
+                <a:latin typeface="+mn-ea"/>
+              </a:rPr>
+              <a:t>.</a:t>
+            </a:r>
+          </a:p>
+          <a:p>
+            <a:r>
+              <a:rPr lang="ko-KR" altLang="en-US" dirty="0">
+                <a:latin typeface="+mn-ea"/>
+              </a:rPr>
+              <a:t>다만 방사선학적 변화가 증상 및 활동력의 심한 정도를 그대로 반영하는 것은 아니어서 </a:t>
+            </a:r>
+            <a:endParaRPr lang="en-US" altLang="ko-KR" dirty="0" smtClean="0">
+              <a:latin typeface="+mn-ea"/>
+            </a:endParaRPr>
+          </a:p>
+          <a:p>
+            <a:r>
+              <a:rPr lang="en-US" altLang="ko-KR" b="1" dirty="0" smtClean="0">
+                <a:latin typeface="+mn-ea"/>
+              </a:rPr>
+              <a:t>40</a:t>
+            </a:r>
+            <a:r>
+              <a:rPr lang="ko-KR" altLang="en-US" b="1" dirty="0">
+                <a:latin typeface="+mn-ea"/>
+              </a:rPr>
+              <a:t>세 이상에서 </a:t>
+            </a:r>
+            <a:r>
+              <a:rPr lang="en-US" altLang="ko-KR" b="1" dirty="0">
+                <a:latin typeface="+mn-ea"/>
+              </a:rPr>
+              <a:t>90% </a:t>
+            </a:r>
+            <a:r>
+              <a:rPr lang="ko-KR" altLang="en-US" b="1" dirty="0">
+                <a:latin typeface="+mn-ea"/>
+              </a:rPr>
+              <a:t>정도는 방사선학적으로 퇴행성 변화를 보이지만 이 중 </a:t>
+            </a:r>
+            <a:r>
+              <a:rPr lang="en-US" altLang="ko-KR" b="1" dirty="0">
+                <a:latin typeface="+mn-ea"/>
+              </a:rPr>
+              <a:t>30% </a:t>
+            </a:r>
+            <a:r>
+              <a:rPr lang="ko-KR" altLang="en-US" b="1" dirty="0">
+                <a:latin typeface="+mn-ea"/>
+              </a:rPr>
+              <a:t>정도만이 증상을 보이게 된다</a:t>
+            </a:r>
+            <a:r>
+              <a:rPr lang="en-US" altLang="ko-KR" b="1" dirty="0" smtClean="0">
+                <a:latin typeface="+mn-ea"/>
+              </a:rPr>
+              <a:t>.</a:t>
+            </a:r>
+          </a:p>
+          <a:p>
+            <a:endParaRPr lang="en-US" altLang="ko-KR" dirty="0">
+              <a:latin typeface="+mn-ea"/>
+            </a:endParaRPr>
+          </a:p>
+          <a:p>
+            <a:r>
+              <a:rPr lang="ko-KR" altLang="en-US" dirty="0" smtClean="0">
+                <a:latin typeface="+mn-ea"/>
+                <a:hlinkClick r:id="rId5"/>
+              </a:rPr>
+              <a:t>출처 </a:t>
+            </a:r>
+            <a:r>
+              <a:rPr lang="en-US" altLang="ko-KR" dirty="0" smtClean="0">
+                <a:latin typeface="+mn-ea"/>
+                <a:hlinkClick r:id="rId5"/>
+              </a:rPr>
+              <a:t>: http</a:t>
+            </a:r>
+            <a:r>
+              <a:rPr lang="en-US" altLang="ko-KR" dirty="0">
+                <a:latin typeface="+mn-ea"/>
+                <a:hlinkClick r:id="rId5"/>
+              </a:rPr>
+              <a:t>://</a:t>
+            </a:r>
+            <a:r>
+              <a:rPr lang="en-US" altLang="ko-KR" dirty="0" smtClean="0">
+                <a:latin typeface="+mn-ea"/>
+                <a:hlinkClick r:id="rId5"/>
+              </a:rPr>
+              <a:t>www.snuh.org/health/nMedInfo/nView.do?category=DIS&amp;medid=AA000196</a:t>
+            </a:r>
+            <a:endParaRPr lang="en-US" altLang="ko-KR" dirty="0">
+              <a:latin typeface="+mn-ea"/>
+            </a:endParaRPr>
+          </a:p>
+        </p:txBody>
+      </p:sp>
+    </p:spTree>
+  </p:cSld>
+  <p:clrMapOvr>
+    <a:masterClrMapping/>
+  </p:clrMapOvr>
+  <mc:AlternateContent xmlns:mc="http://schemas.openxmlformats.org/markup-compatibility/2006" xmlns:p14="http://schemas.microsoft.com/office/powerpoint/2010/main">
+    <mc:Choice Requires="p14">
+      <p:transition/>
+    </mc:Choice>
+    <mc:Fallback xmlns:dsp="http://schemas.microsoft.com/office/drawing/2008/diagram" xmlns:dgm="http://schemas.openxmlformats.org/drawingml/2006/diagram" xmlns:c="http://schemas.openxmlformats.org/drawingml/2006/chart" xmlns="">
+      <p:transition/>
+    </mc:Fallback>
+  </mc:AlternateContent>
+  <p:timing>
+    <p:tnLst>
+      <p:par>
+        <p:cTn id="1" dur="indefinite" restart="never" nodeType="tmRoot"/>
+      </p:par>
+    </p:tnLst>
+  </p:timing>
+</p:sld>
+</file>
+
+<file path=ppt/slides/slide4.xml><?xml version="1.0" encoding="utf-8"?>
+<p:sld xmlns:a="http://schemas.openxmlformats.org/drawingml/2006/main" xmlns:r="http://schemas.openxmlformats.org/officeDocument/2006/relationships" xmlns:p="http://schemas.openxmlformats.org/presentationml/2006/main" showMasterSp="0">
+  <p:cSld>
+    <p:spTree>
+      <p:nvGrpSpPr>
+        <p:cNvPr id="1" name=""/>
+        <p:cNvGrpSpPr/>
+        <p:nvPr/>
+      </p:nvGrpSpPr>
+      <p:grpSpPr>
+        <a:xfrm>
+          <a:off x="0" y="0"/>
+          <a:ext cx="0" cy="0"/>
+          <a:chOff x="0" y="0"/>
+          <a:chExt cx="0" cy="0"/>
+        </a:xfrm>
+      </p:grpSpPr>
+      <p:sp>
+        <p:nvSpPr>
+          <p:cNvPr id="2" name="object 2"/>
+          <p:cNvSpPr txBox="1">
+            <a:spLocks noGrp="1"/>
+          </p:cNvSpPr>
+          <p:nvPr>
+            <p:ph type="title"/>
+          </p:nvPr>
+        </p:nvSpPr>
+        <p:spPr>
+          <a:xfrm>
+            <a:off x="1023917" y="888736"/>
+            <a:ext cx="11542733" cy="1090683"/>
+          </a:xfrm>
+          <a:prstGeom prst="rect">
+            <a:avLst/>
+          </a:prstGeom>
+        </p:spPr>
+        <p:txBody>
+          <a:bodyPr vert="horz" wrap="square" lIns="0" tIns="13335" rIns="0" bIns="0">
+            <a:spAutoFit/>
+          </a:bodyPr>
+          <a:lstStyle/>
+          <a:p>
+            <a:pPr marL="12700">
+              <a:lnSpc>
+                <a:spcPct val="100000"/>
+              </a:lnSpc>
+              <a:spcBef>
+                <a:spcPts val="104"/>
+              </a:spcBef>
+              <a:defRPr/>
+            </a:pPr>
+            <a:r>
+              <a:rPr lang="en-US" altLang="ko-KR" b="0" spc="-285" dirty="0"/>
+              <a:t>What are some related studies?</a:t>
+            </a:r>
+            <a:endParaRPr b="0" spc="-190" dirty="0"/>
+          </a:p>
+        </p:txBody>
+      </p:sp>
+      <p:sp>
+        <p:nvSpPr>
+          <p:cNvPr id="6" name="object 3"/>
+          <p:cNvSpPr txBox="1"/>
+          <p:nvPr/>
+        </p:nvSpPr>
+        <p:spPr>
+          <a:xfrm>
+            <a:off x="1007029" y="1962721"/>
+            <a:ext cx="18073156" cy="1556836"/>
+          </a:xfrm>
+          <a:prstGeom prst="rect">
+            <a:avLst/>
+          </a:prstGeom>
+        </p:spPr>
+        <p:txBody>
+          <a:bodyPr vert="horz" wrap="square" lIns="0" tIns="12700" rIns="0" bIns="0">
+            <a:spAutoFit/>
+          </a:bodyPr>
+          <a:lstStyle/>
+          <a:p>
+            <a:pPr marL="12700">
+              <a:lnSpc>
+                <a:spcPct val="100000"/>
+              </a:lnSpc>
+              <a:spcBef>
+                <a:spcPts val="100"/>
+              </a:spcBef>
+              <a:defRPr/>
+            </a:pPr>
+            <a:r>
+              <a:rPr lang="ko-KR" altLang="en-US" sz="4350" b="1" spc="-325" dirty="0" smtClean="0">
+                <a:latin typeface="나눔고딕OTF ExtraBold"/>
+              </a:rPr>
+              <a:t>관련 연구는 어떠한 것들이 있나</a:t>
+            </a:r>
+            <a:r>
+              <a:rPr lang="en-US" altLang="ko-KR" sz="4350" b="1" spc="-325" dirty="0" smtClean="0">
+                <a:latin typeface="나눔고딕OTF ExtraBold"/>
+              </a:rPr>
+              <a:t>?</a:t>
+            </a:r>
+          </a:p>
+          <a:p>
+            <a:pPr marL="12700">
+              <a:spcBef>
+                <a:spcPts val="100"/>
+              </a:spcBef>
+              <a:defRPr/>
+            </a:pPr>
+            <a:r>
+              <a:rPr lang="en-US" altLang="ko-KR" sz="2800" spc="-325" dirty="0" err="1" smtClean="0">
+                <a:latin typeface="나눔고딕OTF ExtraBold"/>
+              </a:rPr>
+              <a:t>CheXNet</a:t>
+            </a:r>
+            <a:r>
+              <a:rPr lang="en-US" altLang="ko-KR" sz="2800" spc="-325" dirty="0" smtClean="0">
+                <a:latin typeface="나눔고딕OTF ExtraBold"/>
+              </a:rPr>
+              <a:t> : Radiologist-Level Pneumonia Detection on Chest X-Rays with Deep </a:t>
+            </a:r>
+            <a:br>
+              <a:rPr lang="en-US" altLang="ko-KR" sz="2800" spc="-325" dirty="0" smtClean="0">
+                <a:latin typeface="나눔고딕OTF ExtraBold"/>
+              </a:rPr>
+            </a:br>
+            <a:r>
+              <a:rPr lang="en-US" altLang="ko-KR" sz="2800" spc="-325" dirty="0" smtClean="0">
+                <a:latin typeface="나눔고딕OTF ExtraBold"/>
+              </a:rPr>
+              <a:t>-&gt; DenseNet121 + Sigmoid(train)</a:t>
+            </a:r>
+          </a:p>
+        </p:txBody>
+      </p:sp>
+      <p:pic>
+        <p:nvPicPr>
+          <p:cNvPr id="7" name="object 4"/>
+          <p:cNvPicPr/>
+          <p:nvPr userDrawn="1"/>
+        </p:nvPicPr>
+        <p:blipFill rotWithShape="1">
+          <a:blip r:embed="rId2"/>
+          <a:stretch>
+            <a:fillRect/>
+          </a:stretch>
+        </p:blipFill>
+        <p:spPr>
+          <a:xfrm>
+            <a:off x="16224250" y="324598"/>
+            <a:ext cx="3578068" cy="834278"/>
+          </a:xfrm>
+          <a:prstGeom prst="rect">
+            <a:avLst/>
+          </a:prstGeom>
+        </p:spPr>
+      </p:pic>
+      <p:pic>
+        <p:nvPicPr>
+          <p:cNvPr id="5" name="Picture 2">
+            <a:extLst>
+              <a:ext uri="{FF2B5EF4-FFF2-40B4-BE49-F238E27FC236}">
+                <a16:creationId xmlns:a16="http://schemas.microsoft.com/office/drawing/2014/main" id="{B2EFD4E8-BF16-4E13-8193-877AD1965668}"/>
+              </a:ext>
+            </a:extLst>
+          </p:cNvPr>
+          <p:cNvPicPr>
+            <a:picLocks noChangeAspect="1" noChangeArrowheads="1"/>
+          </p:cNvPicPr>
+          <p:nvPr/>
+        </p:nvPicPr>
+        <p:blipFill rotWithShape="1">
+          <a:blip r:embed="rId3">
+            <a:extLst>
+              <a:ext uri="{28A0092B-C50C-407E-A947-70E740481C1C}">
+                <a14:useLocalDpi xmlns:a14="http://schemas.microsoft.com/office/drawing/2010/main" val="0"/>
+              </a:ext>
+            </a:extLst>
+          </a:blip>
+          <a:srcRect t="10591" b="61823"/>
+          <a:stretch/>
+        </p:blipFill>
+        <p:spPr bwMode="auto">
+          <a:xfrm>
+            <a:off x="16683065" y="10107490"/>
+            <a:ext cx="3119253" cy="882213"/>
+          </a:xfrm>
+          <a:prstGeom prst="rect">
+            <a:avLst/>
+          </a:prstGeom>
+          <a:noFill/>
+          <a:extLst>
+            <a:ext uri="{909E8E84-426E-40DD-AFC4-6F175D3DCCD1}">
+              <a14:hiddenFill xmlns:a14="http://schemas.microsoft.com/office/drawing/2010/main">
+                <a:solidFill>
+                  <a:srgbClr val="FFFFFF"/>
+                </a:solidFill>
+              </a14:hiddenFill>
+            </a:ext>
+          </a:extLst>
+        </p:spPr>
+      </p:pic>
+      <p:pic>
+        <p:nvPicPr>
+          <p:cNvPr id="3" name="그림 2"/>
+          <p:cNvPicPr>
+            <a:picLocks noChangeAspect="1"/>
+          </p:cNvPicPr>
+          <p:nvPr/>
+        </p:nvPicPr>
+        <p:blipFill>
+          <a:blip r:embed="rId4">
+            <a:extLst>
+              <a:ext uri="{28A0092B-C50C-407E-A947-70E740481C1C}">
+                <a14:useLocalDpi xmlns:a14="http://schemas.microsoft.com/office/drawing/2010/main" val="0"/>
+              </a:ext>
+            </a:extLst>
+          </a:blip>
+          <a:stretch>
+            <a:fillRect/>
+          </a:stretch>
+        </p:blipFill>
+        <p:spPr>
+          <a:xfrm>
+            <a:off x="7162835" y="4593542"/>
+            <a:ext cx="5761543" cy="5761543"/>
+          </a:xfrm>
+          <a:prstGeom prst="rect">
+            <a:avLst/>
+          </a:prstGeom>
+        </p:spPr>
+      </p:pic>
+    </p:spTree>
+    <p:extLst>
+      <p:ext uri="{BB962C8B-B14F-4D97-AF65-F5344CB8AC3E}">
+        <p14:creationId xmlns:p14="http://schemas.microsoft.com/office/powerpoint/2010/main" val="2056664691"/>
+      </p:ext>
+    </p:extLst>
+  </p:cSld>
+  <p:clrMapOvr>
+    <a:masterClrMapping/>
+  </p:clrMapOvr>
+  <mc:AlternateContent xmlns:mc="http://schemas.openxmlformats.org/markup-compatibility/2006" xmlns:p14="http://schemas.microsoft.com/office/powerpoint/2010/main">
+    <mc:Choice Requires="p14">
+      <p:transition/>
+    </mc:Choice>
+    <mc:Fallback xmlns:dsp="http://schemas.microsoft.com/office/drawing/2008/diagram" xmlns:dgm="http://schemas.openxmlformats.org/drawingml/2006/diagram" xmlns:c="http://schemas.openxmlformats.org/drawingml/2006/chart" xmlns="">
+      <p:transition/>
+    </mc:Fallback>
+  </mc:AlternateContent>
+  <p:timing>
+    <p:tnLst>
+      <p:par>
+        <p:cTn id="1" dur="indefinite" restart="never" nodeType="tmRoot"/>
+      </p:par>
+    </p:tnLst>
+  </p:timing>
+</p:sld>
+</file>
+
+<file path=ppt/slides/slide5.xml><?xml version="1.0" encoding="utf-8"?>
+<p:sld xmlns:a="http://schemas.openxmlformats.org/drawingml/2006/main" xmlns:r="http://schemas.openxmlformats.org/officeDocument/2006/relationships" xmlns:p="http://schemas.openxmlformats.org/presentationml/2006/main" showMasterSp="0">
+  <p:cSld>
+    <p:spTree>
+      <p:nvGrpSpPr>
+        <p:cNvPr id="1" name=""/>
+        <p:cNvGrpSpPr/>
+        <p:nvPr/>
+      </p:nvGrpSpPr>
+      <p:grpSpPr>
+        <a:xfrm>
+          <a:off x="0" y="0"/>
+          <a:ext cx="0" cy="0"/>
+          <a:chOff x="0" y="0"/>
+          <a:chExt cx="0" cy="0"/>
+        </a:xfrm>
+      </p:grpSpPr>
+      <p:sp>
+        <p:nvSpPr>
+          <p:cNvPr id="2" name="object 2"/>
+          <p:cNvSpPr txBox="1">
+            <a:spLocks noGrp="1"/>
+          </p:cNvSpPr>
+          <p:nvPr>
+            <p:ph type="title"/>
+          </p:nvPr>
+        </p:nvSpPr>
+        <p:spPr>
+          <a:xfrm>
+            <a:off x="1023917" y="888736"/>
+            <a:ext cx="11542733" cy="1090683"/>
+          </a:xfrm>
+          <a:prstGeom prst="rect">
+            <a:avLst/>
+          </a:prstGeom>
+        </p:spPr>
+        <p:txBody>
+          <a:bodyPr vert="horz" wrap="square" lIns="0" tIns="13335" rIns="0" bIns="0">
+            <a:spAutoFit/>
+          </a:bodyPr>
+          <a:lstStyle/>
+          <a:p>
+            <a:pPr marL="12700">
+              <a:lnSpc>
+                <a:spcPct val="100000"/>
+              </a:lnSpc>
+              <a:spcBef>
+                <a:spcPts val="104"/>
+              </a:spcBef>
+              <a:defRPr/>
+            </a:pPr>
+            <a:r>
+              <a:rPr lang="en-US" altLang="ko-KR" b="0" spc="-285" dirty="0"/>
+              <a:t>What are some related studies?</a:t>
+            </a:r>
+            <a:endParaRPr b="0" spc="-190" dirty="0"/>
+          </a:p>
+        </p:txBody>
+      </p:sp>
+      <p:sp>
+        <p:nvSpPr>
+          <p:cNvPr id="6" name="object 3"/>
+          <p:cNvSpPr txBox="1"/>
+          <p:nvPr/>
+        </p:nvSpPr>
+        <p:spPr>
+          <a:xfrm>
+            <a:off x="1007029" y="1962721"/>
+            <a:ext cx="18073156" cy="1569660"/>
+          </a:xfrm>
+          <a:prstGeom prst="rect">
+            <a:avLst/>
+          </a:prstGeom>
+        </p:spPr>
+        <p:txBody>
+          <a:bodyPr vert="horz" wrap="square" lIns="0" tIns="12700" rIns="0" bIns="0">
+            <a:spAutoFit/>
+          </a:bodyPr>
+          <a:lstStyle/>
+          <a:p>
+            <a:pPr marL="12700">
+              <a:lnSpc>
+                <a:spcPct val="100000"/>
+              </a:lnSpc>
+              <a:spcBef>
+                <a:spcPts val="100"/>
+              </a:spcBef>
+              <a:defRPr/>
+            </a:pPr>
+            <a:r>
+              <a:rPr lang="ko-KR" altLang="en-US" sz="4350" b="1" spc="-325" dirty="0" smtClean="0">
+                <a:latin typeface="나눔고딕OTF ExtraBold"/>
+              </a:rPr>
+              <a:t>관련 연구는 어떠한 것들이 있나</a:t>
+            </a:r>
+            <a:r>
+              <a:rPr lang="en-US" altLang="ko-KR" sz="4350" b="1" spc="-325" dirty="0" smtClean="0">
+                <a:latin typeface="나눔고딕OTF ExtraBold"/>
+              </a:rPr>
+              <a:t>?</a:t>
+            </a:r>
+            <a:endParaRPr lang="en-US" altLang="ko-KR" sz="4350" spc="-325" dirty="0" smtClean="0">
+              <a:latin typeface="나눔고딕OTF ExtraBold"/>
+            </a:endParaRPr>
+          </a:p>
+          <a:p>
+            <a:pPr marL="12700">
+              <a:lnSpc>
+                <a:spcPct val="100000"/>
+              </a:lnSpc>
+              <a:spcBef>
+                <a:spcPts val="100"/>
+              </a:spcBef>
+              <a:defRPr/>
+            </a:pPr>
+            <a:r>
+              <a:rPr lang="en-US" altLang="ko-KR" sz="2800" spc="-325" dirty="0" smtClean="0">
+                <a:latin typeface="나눔고딕OTF ExtraBold"/>
+              </a:rPr>
+              <a:t>Fully automatic knee osteoarthritis severity grading using deep neural networks with a novel ordinal loss</a:t>
+            </a:r>
+          </a:p>
+          <a:p>
+            <a:pPr marL="12700">
+              <a:lnSpc>
+                <a:spcPct val="100000"/>
+              </a:lnSpc>
+              <a:spcBef>
+                <a:spcPts val="100"/>
+              </a:spcBef>
+              <a:defRPr/>
+            </a:pPr>
+            <a:r>
+              <a:rPr lang="en-US" altLang="ko-KR" sz="2800" spc="-325" dirty="0" smtClean="0">
+                <a:latin typeface="나눔고딕OTF ExtraBold"/>
+              </a:rPr>
+              <a:t>-&gt; YoloV2(detection) + VGG19(train)</a:t>
+            </a:r>
+            <a:endParaRPr lang="ko-KR" altLang="en-US" sz="2800" b="1" spc="-325" dirty="0">
+              <a:latin typeface="나눔고딕OTF ExtraBold"/>
+            </a:endParaRPr>
+          </a:p>
+        </p:txBody>
+      </p:sp>
+      <p:pic>
+        <p:nvPicPr>
+          <p:cNvPr id="7" name="object 4"/>
+          <p:cNvPicPr/>
+          <p:nvPr userDrawn="1"/>
+        </p:nvPicPr>
+        <p:blipFill rotWithShape="1">
+          <a:blip r:embed="rId2"/>
+          <a:stretch>
+            <a:fillRect/>
+          </a:stretch>
+        </p:blipFill>
+        <p:spPr>
+          <a:xfrm>
+            <a:off x="16224250" y="324598"/>
+            <a:ext cx="3578068" cy="834278"/>
+          </a:xfrm>
+          <a:prstGeom prst="rect">
+            <a:avLst/>
+          </a:prstGeom>
+        </p:spPr>
+      </p:pic>
+      <p:pic>
+        <p:nvPicPr>
+          <p:cNvPr id="5" name="Picture 2">
+            <a:extLst>
+              <a:ext uri="{FF2B5EF4-FFF2-40B4-BE49-F238E27FC236}">
+                <a16:creationId xmlns:a16="http://schemas.microsoft.com/office/drawing/2014/main" id="{B2EFD4E8-BF16-4E13-8193-877AD1965668}"/>
+              </a:ext>
+            </a:extLst>
+          </p:cNvPr>
+          <p:cNvPicPr>
+            <a:picLocks noChangeAspect="1" noChangeArrowheads="1"/>
+          </p:cNvPicPr>
+          <p:nvPr/>
+        </p:nvPicPr>
+        <p:blipFill rotWithShape="1">
+          <a:blip r:embed="rId3">
+            <a:extLst>
+              <a:ext uri="{28A0092B-C50C-407E-A947-70E740481C1C}">
+                <a14:useLocalDpi xmlns:a14="http://schemas.microsoft.com/office/drawing/2010/main" val="0"/>
+              </a:ext>
+            </a:extLst>
+          </a:blip>
+          <a:srcRect t="10591" b="61823"/>
+          <a:stretch/>
+        </p:blipFill>
+        <p:spPr bwMode="auto">
+          <a:xfrm>
+            <a:off x="16683065" y="10107490"/>
+            <a:ext cx="3119253" cy="882213"/>
+          </a:xfrm>
+          <a:prstGeom prst="rect">
+            <a:avLst/>
+          </a:prstGeom>
+          <a:noFill/>
+          <a:extLst>
+            <a:ext uri="{909E8E84-426E-40DD-AFC4-6F175D3DCCD1}">
+              <a14:hiddenFill xmlns:a14="http://schemas.microsoft.com/office/drawing/2010/main">
+                <a:solidFill>
+                  <a:srgbClr val="FFFFFF"/>
+                </a:solidFill>
+              </a14:hiddenFill>
+            </a:ext>
+          </a:extLst>
+        </p:spPr>
+      </p:pic>
+      <p:pic>
+        <p:nvPicPr>
+          <p:cNvPr id="3" name="그림 2"/>
+          <p:cNvPicPr>
+            <a:picLocks noChangeAspect="1"/>
+          </p:cNvPicPr>
+          <p:nvPr/>
+        </p:nvPicPr>
+        <p:blipFill>
+          <a:blip r:embed="rId4">
+            <a:extLst>
+              <a:ext uri="{28A0092B-C50C-407E-A947-70E740481C1C}">
+                <a14:useLocalDpi xmlns:a14="http://schemas.microsoft.com/office/drawing/2010/main" val="0"/>
+              </a:ext>
+            </a:extLst>
+          </a:blip>
+          <a:stretch>
+            <a:fillRect/>
+          </a:stretch>
+        </p:blipFill>
+        <p:spPr>
+          <a:xfrm>
+            <a:off x="2843575" y="4606366"/>
+            <a:ext cx="14400064" cy="4495794"/>
+          </a:xfrm>
+          <a:prstGeom prst="rect">
+            <a:avLst/>
+          </a:prstGeom>
+        </p:spPr>
+      </p:pic>
+    </p:spTree>
+    <p:extLst>
+      <p:ext uri="{BB962C8B-B14F-4D97-AF65-F5344CB8AC3E}">
+        <p14:creationId xmlns:p14="http://schemas.microsoft.com/office/powerpoint/2010/main" val="3006179820"/>
+      </p:ext>
+    </p:extLst>
+  </p:cSld>
+  <p:clrMapOvr>
+    <a:masterClrMapping/>
+  </p:clrMapOvr>
+  <mc:AlternateContent xmlns:mc="http://schemas.openxmlformats.org/markup-compatibility/2006" xmlns:p14="http://schemas.microsoft.com/office/powerpoint/2010/main">
+    <mc:Choice Requires="p14">
+      <p:transition/>
+    </mc:Choice>
+    <mc:Fallback xmlns:dsp="http://schemas.microsoft.com/office/drawing/2008/diagram" xmlns:dgm="http://schemas.openxmlformats.org/drawingml/2006/diagram" xmlns:c="http://schemas.openxmlformats.org/drawingml/2006/chart" xmlns="">
+      <p:transition/>
+    </mc:Fallback>
+  </mc:AlternateContent>
+  <p:timing>
+    <p:tnLst>
+      <p:par>
+        <p:cTn id="1" dur="indefinite" restart="never" nodeType="tmRoot"/>
+      </p:par>
+    </p:tnLst>
+  </p:timing>
+</p:sld>
+</file>
+
+<file path=ppt/slides/slide6.xml><?xml version="1.0" encoding="utf-8"?>
+<p:sld xmlns:a="http://schemas.openxmlformats.org/drawingml/2006/main" xmlns:r="http://schemas.openxmlformats.org/officeDocument/2006/relationships" xmlns:p="http://schemas.openxmlformats.org/presentationml/2006/main" showMasterSp="0">
+  <p:cSld>
+    <p:spTree>
+      <p:nvGrpSpPr>
+        <p:cNvPr id="1" name=""/>
+        <p:cNvGrpSpPr/>
+        <p:nvPr/>
+      </p:nvGrpSpPr>
+      <p:grpSpPr>
+        <a:xfrm>
+          <a:off x="0" y="0"/>
+          <a:ext cx="0" cy="0"/>
+          <a:chOff x="0" y="0"/>
+          <a:chExt cx="0" cy="0"/>
+        </a:xfrm>
+      </p:grpSpPr>
+      <p:sp>
+        <p:nvSpPr>
+          <p:cNvPr id="2" name="object 2"/>
+          <p:cNvSpPr txBox="1">
+            <a:spLocks noGrp="1"/>
+          </p:cNvSpPr>
+          <p:nvPr>
+            <p:ph type="title"/>
+          </p:nvPr>
+        </p:nvSpPr>
+        <p:spPr>
+          <a:xfrm>
+            <a:off x="1023917" y="888736"/>
+            <a:ext cx="11542733" cy="1090683"/>
+          </a:xfrm>
+          <a:prstGeom prst="rect">
+            <a:avLst/>
+          </a:prstGeom>
+        </p:spPr>
+        <p:txBody>
+          <a:bodyPr vert="horz" wrap="square" lIns="0" tIns="13335" rIns="0" bIns="0">
+            <a:spAutoFit/>
+          </a:bodyPr>
+          <a:lstStyle/>
+          <a:p>
+            <a:pPr marL="12700">
+              <a:lnSpc>
+                <a:spcPct val="100000"/>
+              </a:lnSpc>
+              <a:spcBef>
+                <a:spcPts val="104"/>
+              </a:spcBef>
+              <a:defRPr/>
+            </a:pPr>
+            <a:r>
+              <a:rPr lang="en-US" altLang="ko-KR" b="0" spc="-285" dirty="0"/>
+              <a:t>What are some related studies?</a:t>
+            </a:r>
+            <a:endParaRPr b="0" spc="-190" dirty="0"/>
+          </a:p>
+        </p:txBody>
+      </p:sp>
+      <p:sp>
+        <p:nvSpPr>
+          <p:cNvPr id="6" name="object 3"/>
+          <p:cNvSpPr txBox="1"/>
+          <p:nvPr/>
+        </p:nvSpPr>
+        <p:spPr>
+          <a:xfrm>
+            <a:off x="1007029" y="1962721"/>
+            <a:ext cx="18073156" cy="1125949"/>
+          </a:xfrm>
+          <a:prstGeom prst="rect">
+            <a:avLst/>
+          </a:prstGeom>
+        </p:spPr>
+        <p:txBody>
+          <a:bodyPr vert="horz" wrap="square" lIns="0" tIns="12700" rIns="0" bIns="0">
+            <a:spAutoFit/>
+          </a:bodyPr>
+          <a:lstStyle/>
+          <a:p>
+            <a:pPr marL="12700">
+              <a:lnSpc>
+                <a:spcPct val="100000"/>
+              </a:lnSpc>
+              <a:spcBef>
+                <a:spcPts val="100"/>
+              </a:spcBef>
+              <a:defRPr/>
+            </a:pPr>
+            <a:r>
+              <a:rPr lang="ko-KR" altLang="en-US" sz="4350" b="1" spc="-325" dirty="0" smtClean="0">
+                <a:latin typeface="나눔고딕OTF ExtraBold"/>
+              </a:rPr>
+              <a:t>관련 연구는 어떠한 것들이 있나</a:t>
+            </a:r>
+            <a:r>
+              <a:rPr lang="en-US" altLang="ko-KR" sz="4350" b="1" spc="-325" dirty="0" smtClean="0">
+                <a:latin typeface="나눔고딕OTF ExtraBold"/>
+              </a:rPr>
+              <a:t>?</a:t>
+            </a:r>
+            <a:endParaRPr lang="en-US" altLang="ko-KR" sz="4350" spc="-325" dirty="0">
+              <a:latin typeface="나눔고딕OTF ExtraBold"/>
+            </a:endParaRPr>
+          </a:p>
+          <a:p>
+            <a:pPr marL="12700">
+              <a:lnSpc>
+                <a:spcPct val="100000"/>
+              </a:lnSpc>
+              <a:spcBef>
+                <a:spcPts val="100"/>
+              </a:spcBef>
+              <a:defRPr/>
+            </a:pPr>
+            <a:r>
+              <a:rPr lang="en-US" altLang="ko-KR" sz="2800" spc="-325" dirty="0">
+                <a:latin typeface="나눔고딕OTF ExtraBold"/>
+              </a:rPr>
+              <a:t>Automatic Detection of Knee Joints and Quantiﬁcation of Knee Osteoarthritis </a:t>
+            </a:r>
+            <a:r>
+              <a:rPr lang="en-US" altLang="ko-KR" sz="2800" spc="-325" dirty="0" smtClean="0">
+                <a:latin typeface="나눔고딕OTF ExtraBold"/>
+              </a:rPr>
+              <a:t>Severity</a:t>
+            </a:r>
+            <a:endParaRPr lang="en-US" altLang="ko-KR" sz="2800" spc="-325" dirty="0" smtClean="0">
+              <a:latin typeface="나눔고딕OTF ExtraBold"/>
+            </a:endParaRPr>
+          </a:p>
+        </p:txBody>
+      </p:sp>
+      <p:pic>
+        <p:nvPicPr>
+          <p:cNvPr id="7" name="object 4"/>
+          <p:cNvPicPr/>
+          <p:nvPr userDrawn="1"/>
+        </p:nvPicPr>
+        <p:blipFill rotWithShape="1">
+          <a:blip r:embed="rId2"/>
+          <a:stretch>
+            <a:fillRect/>
+          </a:stretch>
+        </p:blipFill>
+        <p:spPr>
+          <a:xfrm>
+            <a:off x="16224250" y="324598"/>
+            <a:ext cx="3578068" cy="834278"/>
+          </a:xfrm>
+          <a:prstGeom prst="rect">
+            <a:avLst/>
+          </a:prstGeom>
+        </p:spPr>
+      </p:pic>
+      <p:pic>
+        <p:nvPicPr>
+          <p:cNvPr id="5" name="Picture 2">
+            <a:extLst>
+              <a:ext uri="{FF2B5EF4-FFF2-40B4-BE49-F238E27FC236}">
+                <a16:creationId xmlns:a16="http://schemas.microsoft.com/office/drawing/2014/main" id="{B2EFD4E8-BF16-4E13-8193-877AD1965668}"/>
+              </a:ext>
+            </a:extLst>
+          </p:cNvPr>
+          <p:cNvPicPr>
+            <a:picLocks noChangeAspect="1" noChangeArrowheads="1"/>
+          </p:cNvPicPr>
+          <p:nvPr/>
+        </p:nvPicPr>
+        <p:blipFill rotWithShape="1">
+          <a:blip r:embed="rId3">
+            <a:extLst>
+              <a:ext uri="{28A0092B-C50C-407E-A947-70E740481C1C}">
+                <a14:useLocalDpi xmlns:a14="http://schemas.microsoft.com/office/drawing/2010/main" val="0"/>
+              </a:ext>
+            </a:extLst>
+          </a:blip>
+          <a:srcRect t="10591" b="61823"/>
+          <a:stretch/>
+        </p:blipFill>
+        <p:spPr bwMode="auto">
+          <a:xfrm>
+            <a:off x="16683065" y="10107490"/>
+            <a:ext cx="3119253" cy="882213"/>
+          </a:xfrm>
+          <a:prstGeom prst="rect">
+            <a:avLst/>
+          </a:prstGeom>
+          <a:noFill/>
+          <a:extLst>
+            <a:ext uri="{909E8E84-426E-40DD-AFC4-6F175D3DCCD1}">
+              <a14:hiddenFill xmlns:a14="http://schemas.microsoft.com/office/drawing/2010/main">
+                <a:solidFill>
+                  <a:srgbClr val="FFFFFF"/>
+                </a:solidFill>
+              </a14:hiddenFill>
+            </a:ext>
+          </a:extLst>
+        </p:spPr>
+      </p:pic>
+      <p:pic>
+        <p:nvPicPr>
+          <p:cNvPr id="3" name="그림 2"/>
+          <p:cNvPicPr>
+            <a:picLocks noChangeAspect="1"/>
+          </p:cNvPicPr>
+          <p:nvPr/>
+        </p:nvPicPr>
+        <p:blipFill>
+          <a:blip r:embed="rId4"/>
+          <a:stretch>
+            <a:fillRect/>
+          </a:stretch>
+        </p:blipFill>
+        <p:spPr>
+          <a:xfrm>
+            <a:off x="5289968" y="4162655"/>
+            <a:ext cx="9507277" cy="6287377"/>
+          </a:xfrm>
+          <a:prstGeom prst="rect">
+            <a:avLst/>
+          </a:prstGeom>
+        </p:spPr>
+      </p:pic>
+    </p:spTree>
+    <p:extLst>
+      <p:ext uri="{BB962C8B-B14F-4D97-AF65-F5344CB8AC3E}">
+        <p14:creationId xmlns:p14="http://schemas.microsoft.com/office/powerpoint/2010/main" val="571520610"/>
+      </p:ext>
+    </p:extLst>
+  </p:cSld>
+  <p:clrMapOvr>
+    <a:masterClrMapping/>
+  </p:clrMapOvr>
+  <mc:AlternateContent xmlns:mc="http://schemas.openxmlformats.org/markup-compatibility/2006" xmlns:p14="http://schemas.microsoft.com/office/powerpoint/2010/main">
+    <mc:Choice Requires="p14">
+      <p:transition/>
+    </mc:Choice>
+    <mc:Fallback xmlns:dsp="http://schemas.microsoft.com/office/drawing/2008/diagram" xmlns:dgm="http://schemas.openxmlformats.org/drawingml/2006/diagram" xmlns:c="http://schemas.openxmlformats.org/drawingml/2006/chart" xmlns="">
+      <p:transition/>
+    </mc:Fallback>
+  </mc:AlternateContent>
+  <p:timing>
+    <p:tnLst>
+      <p:par>
+        <p:cTn id="1" dur="indefinite" restart="never" nodeType="tmRoot"/>
+      </p:par>
+    </p:tnLst>
+  </p:timing>
+</p:sld>
+</file>
+
+<file path=ppt/slides/slide7.xml><?xml version="1.0" encoding="utf-8"?>
+<p:sld xmlns:a="http://schemas.openxmlformats.org/drawingml/2006/main" xmlns:r="http://schemas.openxmlformats.org/officeDocument/2006/relationships" xmlns:p="http://schemas.openxmlformats.org/presentationml/2006/main" showMasterSp="0">
+  <p:cSld>
+    <p:spTree>
+      <p:nvGrpSpPr>
+        <p:cNvPr id="1" name=""/>
+        <p:cNvGrpSpPr/>
+        <p:nvPr/>
+      </p:nvGrpSpPr>
+      <p:grpSpPr>
+        <a:xfrm>
+          <a:off x="0" y="0"/>
+          <a:ext cx="0" cy="0"/>
+          <a:chOff x="0" y="0"/>
+          <a:chExt cx="0" cy="0"/>
+        </a:xfrm>
+      </p:grpSpPr>
+      <p:sp>
+        <p:nvSpPr>
+          <p:cNvPr id="2" name="object 2"/>
+          <p:cNvSpPr txBox="1">
+            <a:spLocks noGrp="1"/>
+          </p:cNvSpPr>
+          <p:nvPr>
+            <p:ph type="title"/>
+          </p:nvPr>
+        </p:nvSpPr>
+        <p:spPr>
+          <a:xfrm>
+            <a:off x="1023917" y="888736"/>
+            <a:ext cx="11542733" cy="1090683"/>
+          </a:xfrm>
+          <a:prstGeom prst="rect">
+            <a:avLst/>
+          </a:prstGeom>
+        </p:spPr>
+        <p:txBody>
+          <a:bodyPr vert="horz" wrap="square" lIns="0" tIns="13335" rIns="0" bIns="0">
+            <a:spAutoFit/>
+          </a:bodyPr>
+          <a:lstStyle/>
+          <a:p>
+            <a:pPr marL="12700">
+              <a:lnSpc>
+                <a:spcPct val="100000"/>
+              </a:lnSpc>
+              <a:spcBef>
+                <a:spcPts val="104"/>
+              </a:spcBef>
+              <a:defRPr/>
+            </a:pPr>
+            <a:r>
+              <a:rPr lang="en-US" altLang="ko-KR" b="0" spc="-285" dirty="0"/>
+              <a:t>What are some related studies?</a:t>
+            </a:r>
+            <a:endParaRPr b="0" spc="-190" dirty="0"/>
+          </a:p>
+        </p:txBody>
+      </p:sp>
+      <p:sp>
+        <p:nvSpPr>
+          <p:cNvPr id="6" name="object 3"/>
+          <p:cNvSpPr txBox="1"/>
+          <p:nvPr/>
+        </p:nvSpPr>
+        <p:spPr>
+          <a:xfrm>
+            <a:off x="1007029" y="1962721"/>
+            <a:ext cx="18073156" cy="1125949"/>
+          </a:xfrm>
+          <a:prstGeom prst="rect">
+            <a:avLst/>
+          </a:prstGeom>
+        </p:spPr>
+        <p:txBody>
+          <a:bodyPr vert="horz" wrap="square" lIns="0" tIns="12700" rIns="0" bIns="0">
+            <a:spAutoFit/>
+          </a:bodyPr>
+          <a:lstStyle/>
+          <a:p>
+            <a:pPr marL="12700">
+              <a:lnSpc>
+                <a:spcPct val="100000"/>
+              </a:lnSpc>
+              <a:spcBef>
+                <a:spcPts val="100"/>
+              </a:spcBef>
+              <a:defRPr/>
+            </a:pPr>
+            <a:r>
+              <a:rPr lang="ko-KR" altLang="en-US" sz="4350" b="1" spc="-325" dirty="0" smtClean="0">
+                <a:latin typeface="나눔고딕OTF ExtraBold"/>
+              </a:rPr>
+              <a:t>관련 연구는 어떠한 것들이 있나</a:t>
+            </a:r>
+            <a:r>
+              <a:rPr lang="en-US" altLang="ko-KR" sz="4350" b="1" spc="-325" dirty="0" smtClean="0">
+                <a:latin typeface="나눔고딕OTF ExtraBold"/>
+              </a:rPr>
+              <a:t>?</a:t>
+            </a:r>
+            <a:endParaRPr lang="en-US" altLang="ko-KR" sz="4350" spc="-325" dirty="0">
+              <a:latin typeface="나눔고딕OTF ExtraBold"/>
+            </a:endParaRPr>
+          </a:p>
+          <a:p>
+            <a:pPr marL="12700">
+              <a:lnSpc>
+                <a:spcPct val="100000"/>
+              </a:lnSpc>
+              <a:spcBef>
+                <a:spcPts val="100"/>
+              </a:spcBef>
+              <a:defRPr/>
+            </a:pPr>
+            <a:r>
+              <a:rPr lang="en-US" altLang="ko-KR" sz="2800" spc="-325" dirty="0">
+                <a:latin typeface="나눔고딕OTF ExtraBold"/>
+              </a:rPr>
+              <a:t>Automated Classification of Radiographic Knee Osteoarthritis Severity Using Deep Neural Networks</a:t>
+            </a:r>
+          </a:p>
+        </p:txBody>
+      </p:sp>
+      <p:pic>
+        <p:nvPicPr>
+          <p:cNvPr id="7" name="object 4"/>
+          <p:cNvPicPr/>
+          <p:nvPr userDrawn="1"/>
+        </p:nvPicPr>
+        <p:blipFill rotWithShape="1">
+          <a:blip r:embed="rId2"/>
+          <a:stretch>
+            <a:fillRect/>
+          </a:stretch>
+        </p:blipFill>
+        <p:spPr>
+          <a:xfrm>
+            <a:off x="16224250" y="324598"/>
+            <a:ext cx="3578068" cy="834278"/>
+          </a:xfrm>
+          <a:prstGeom prst="rect">
+            <a:avLst/>
+          </a:prstGeom>
+        </p:spPr>
+      </p:pic>
+      <p:pic>
+        <p:nvPicPr>
+          <p:cNvPr id="5" name="Picture 2">
+            <a:extLst>
+              <a:ext uri="{FF2B5EF4-FFF2-40B4-BE49-F238E27FC236}">
+                <a16:creationId xmlns:a16="http://schemas.microsoft.com/office/drawing/2014/main" id="{B2EFD4E8-BF16-4E13-8193-877AD1965668}"/>
+              </a:ext>
+            </a:extLst>
+          </p:cNvPr>
+          <p:cNvPicPr>
+            <a:picLocks noChangeAspect="1" noChangeArrowheads="1"/>
+          </p:cNvPicPr>
+          <p:nvPr/>
+        </p:nvPicPr>
+        <p:blipFill rotWithShape="1">
+          <a:blip r:embed="rId3">
+            <a:extLst>
+              <a:ext uri="{28A0092B-C50C-407E-A947-70E740481C1C}">
+                <a14:useLocalDpi xmlns:a14="http://schemas.microsoft.com/office/drawing/2010/main" val="0"/>
+              </a:ext>
+            </a:extLst>
+          </a:blip>
+          <a:srcRect t="10591" b="61823"/>
+          <a:stretch/>
+        </p:blipFill>
+        <p:spPr bwMode="auto">
+          <a:xfrm>
+            <a:off x="16683065" y="10107490"/>
+            <a:ext cx="3119253" cy="882213"/>
+          </a:xfrm>
+          <a:prstGeom prst="rect">
+            <a:avLst/>
+          </a:prstGeom>
+          <a:noFill/>
+          <a:extLst>
+            <a:ext uri="{909E8E84-426E-40DD-AFC4-6F175D3DCCD1}">
+              <a14:hiddenFill xmlns:a14="http://schemas.microsoft.com/office/drawing/2010/main">
+                <a:solidFill>
+                  <a:srgbClr val="FFFFFF"/>
+                </a:solidFill>
+              </a14:hiddenFill>
+            </a:ext>
+          </a:extLst>
+        </p:spPr>
+      </p:pic>
+      <p:pic>
+        <p:nvPicPr>
+          <p:cNvPr id="4" name="그림 3"/>
+          <p:cNvPicPr>
+            <a:picLocks noChangeAspect="1"/>
+          </p:cNvPicPr>
+          <p:nvPr/>
+        </p:nvPicPr>
+        <p:blipFill>
+          <a:blip r:embed="rId4"/>
+          <a:stretch>
+            <a:fillRect/>
+          </a:stretch>
+        </p:blipFill>
+        <p:spPr>
+          <a:xfrm>
+            <a:off x="1007029" y="4162655"/>
+            <a:ext cx="18303845" cy="5073420"/>
+          </a:xfrm>
+          <a:prstGeom prst="rect">
+            <a:avLst/>
+          </a:prstGeom>
+        </p:spPr>
+      </p:pic>
+    </p:spTree>
+    <p:extLst>
+      <p:ext uri="{BB962C8B-B14F-4D97-AF65-F5344CB8AC3E}">
+        <p14:creationId xmlns:p14="http://schemas.microsoft.com/office/powerpoint/2010/main" val="2860636158"/>
+      </p:ext>
+    </p:extLst>
+  </p:cSld>
+  <p:clrMapOvr>
+    <a:masterClrMapping/>
+  </p:clrMapOvr>
+  <mc:AlternateContent xmlns:mc="http://schemas.openxmlformats.org/markup-compatibility/2006" xmlns:p14="http://schemas.microsoft.com/office/powerpoint/2010/main">
+    <mc:Choice Requires="p14">
+      <p:transition/>
+    </mc:Choice>
+    <mc:Fallback xmlns:dsp="http://schemas.microsoft.com/office/drawing/2008/diagram" xmlns:dgm="http://schemas.openxmlformats.org/drawingml/2006/diagram" xmlns:c="http://schemas.openxmlformats.org/drawingml/2006/chart" xmlns="">
+      <p:transition/>
+    </mc:Fallback>
+  </mc:AlternateContent>
+  <p:timing>
+    <p:tnLst>
+      <p:par>
+        <p:cTn id="1" dur="indefinite" restart="never" nodeType="tmRoot"/>
+      </p:par>
+    </p:tnLst>
+  </p:timing>
+</p:sld>
+</file>
+
+<file path=ppt/slides/slide8.xml><?xml version="1.0" encoding="utf-8"?>
+<p:sld xmlns:a="http://schemas.openxmlformats.org/drawingml/2006/main" xmlns:r="http://schemas.openxmlformats.org/officeDocument/2006/relationships" xmlns:p="http://schemas.openxmlformats.org/presentationml/2006/main" showMasterSp="0">
+  <p:cSld>
+    <p:spTree>
+      <p:nvGrpSpPr>
+        <p:cNvPr id="1" name=""/>
+        <p:cNvGrpSpPr/>
+        <p:nvPr/>
+      </p:nvGrpSpPr>
+      <p:grpSpPr>
+        <a:xfrm>
+          <a:off x="0" y="0"/>
+          <a:ext cx="0" cy="0"/>
+          <a:chOff x="0" y="0"/>
+          <a:chExt cx="0" cy="0"/>
+        </a:xfrm>
+      </p:grpSpPr>
+      <p:sp>
+        <p:nvSpPr>
+          <p:cNvPr id="2" name="object 2"/>
+          <p:cNvSpPr txBox="1">
+            <a:spLocks noGrp="1"/>
+          </p:cNvSpPr>
+          <p:nvPr>
+            <p:ph type="title"/>
+          </p:nvPr>
+        </p:nvSpPr>
+        <p:spPr>
+          <a:xfrm>
+            <a:off x="1023917" y="888736"/>
+            <a:ext cx="11542733" cy="1090683"/>
+          </a:xfrm>
+          <a:prstGeom prst="rect">
+            <a:avLst/>
+          </a:prstGeom>
+        </p:spPr>
+        <p:txBody>
+          <a:bodyPr vert="horz" wrap="square" lIns="0" tIns="13335" rIns="0" bIns="0">
+            <a:spAutoFit/>
+          </a:bodyPr>
+          <a:lstStyle/>
+          <a:p>
+            <a:pPr marL="12700">
+              <a:lnSpc>
+                <a:spcPct val="100000"/>
+              </a:lnSpc>
+              <a:spcBef>
+                <a:spcPts val="104"/>
+              </a:spcBef>
+              <a:defRPr/>
+            </a:pPr>
+            <a:r>
+              <a:rPr lang="en-US" altLang="ko-KR" b="0" spc="-285" dirty="0"/>
+              <a:t>What are some related studies?</a:t>
+            </a:r>
+            <a:endParaRPr b="0" spc="-190" dirty="0"/>
+          </a:p>
+        </p:txBody>
+      </p:sp>
+      <p:sp>
+        <p:nvSpPr>
+          <p:cNvPr id="6" name="object 3"/>
+          <p:cNvSpPr txBox="1"/>
+          <p:nvPr/>
+        </p:nvSpPr>
+        <p:spPr>
+          <a:xfrm>
+            <a:off x="1007029" y="1962721"/>
+            <a:ext cx="18073156" cy="1125949"/>
+          </a:xfrm>
+          <a:prstGeom prst="rect">
+            <a:avLst/>
+          </a:prstGeom>
+        </p:spPr>
+        <p:txBody>
+          <a:bodyPr vert="horz" wrap="square" lIns="0" tIns="12700" rIns="0" bIns="0">
+            <a:spAutoFit/>
+          </a:bodyPr>
+          <a:lstStyle/>
+          <a:p>
+            <a:pPr marL="12700">
+              <a:lnSpc>
+                <a:spcPct val="100000"/>
+              </a:lnSpc>
+              <a:spcBef>
+                <a:spcPts val="100"/>
+              </a:spcBef>
+              <a:defRPr/>
+            </a:pPr>
+            <a:r>
+              <a:rPr lang="ko-KR" altLang="en-US" sz="4350" b="1" spc="-325" dirty="0" smtClean="0">
+                <a:latin typeface="나눔고딕OTF ExtraBold"/>
+              </a:rPr>
+              <a:t>관련 연구는 어떠한 것들이 있나</a:t>
+            </a:r>
+            <a:r>
+              <a:rPr lang="en-US" altLang="ko-KR" sz="4350" b="1" spc="-325" dirty="0" smtClean="0">
+                <a:latin typeface="나눔고딕OTF ExtraBold"/>
+              </a:rPr>
+              <a:t>?</a:t>
+            </a:r>
+            <a:endParaRPr lang="en-US" altLang="ko-KR" sz="4350" spc="-325" dirty="0">
+              <a:latin typeface="나눔고딕OTF ExtraBold"/>
+            </a:endParaRPr>
+          </a:p>
+          <a:p>
+            <a:pPr marL="12700">
+              <a:lnSpc>
+                <a:spcPct val="100000"/>
+              </a:lnSpc>
+              <a:spcBef>
+                <a:spcPts val="100"/>
+              </a:spcBef>
+              <a:defRPr/>
+            </a:pPr>
+            <a:r>
+              <a:rPr lang="en-US" altLang="ko-KR" sz="2800" spc="-325" dirty="0">
+                <a:latin typeface="나눔고딕OTF ExtraBold"/>
+              </a:rPr>
+              <a:t>Automated Classification of Radiographic Knee Osteoarthritis Severity Using Deep Neural Networks</a:t>
+            </a:r>
+            <a:endParaRPr lang="en-US" altLang="ko-KR" sz="2800" spc="-325" dirty="0" smtClean="0">
+              <a:latin typeface="나눔고딕OTF ExtraBold"/>
+            </a:endParaRPr>
+          </a:p>
+        </p:txBody>
+      </p:sp>
+      <p:pic>
+        <p:nvPicPr>
+          <p:cNvPr id="7" name="object 4"/>
+          <p:cNvPicPr/>
+          <p:nvPr userDrawn="1"/>
+        </p:nvPicPr>
+        <p:blipFill rotWithShape="1">
+          <a:blip r:embed="rId2"/>
+          <a:stretch>
+            <a:fillRect/>
+          </a:stretch>
+        </p:blipFill>
+        <p:spPr>
+          <a:xfrm>
+            <a:off x="16224250" y="324598"/>
+            <a:ext cx="3578068" cy="834278"/>
+          </a:xfrm>
+          <a:prstGeom prst="rect">
+            <a:avLst/>
+          </a:prstGeom>
+        </p:spPr>
+      </p:pic>
+      <p:pic>
+        <p:nvPicPr>
+          <p:cNvPr id="5" name="Picture 2">
+            <a:extLst>
+              <a:ext uri="{FF2B5EF4-FFF2-40B4-BE49-F238E27FC236}">
+                <a16:creationId xmlns:a16="http://schemas.microsoft.com/office/drawing/2014/main" id="{B2EFD4E8-BF16-4E13-8193-877AD1965668}"/>
+              </a:ext>
+            </a:extLst>
+          </p:cNvPr>
+          <p:cNvPicPr>
+            <a:picLocks noChangeAspect="1" noChangeArrowheads="1"/>
+          </p:cNvPicPr>
+          <p:nvPr/>
+        </p:nvPicPr>
+        <p:blipFill rotWithShape="1">
+          <a:blip r:embed="rId3">
+            <a:extLst>
+              <a:ext uri="{28A0092B-C50C-407E-A947-70E740481C1C}">
+                <a14:useLocalDpi xmlns:a14="http://schemas.microsoft.com/office/drawing/2010/main" val="0"/>
+              </a:ext>
+            </a:extLst>
+          </a:blip>
+          <a:srcRect t="10591" b="61823"/>
+          <a:stretch/>
+        </p:blipFill>
+        <p:spPr bwMode="auto">
+          <a:xfrm>
+            <a:off x="16683065" y="10107490"/>
+            <a:ext cx="3119253" cy="882213"/>
+          </a:xfrm>
+          <a:prstGeom prst="rect">
+            <a:avLst/>
+          </a:prstGeom>
+          <a:noFill/>
+          <a:extLst>
+            <a:ext uri="{909E8E84-426E-40DD-AFC4-6F175D3DCCD1}">
+              <a14:hiddenFill xmlns:a14="http://schemas.microsoft.com/office/drawing/2010/main">
+                <a:solidFill>
+                  <a:srgbClr val="FFFFFF"/>
+                </a:solidFill>
+              </a14:hiddenFill>
+            </a:ext>
+          </a:extLst>
+        </p:spPr>
+      </p:pic>
+      <p:pic>
+        <p:nvPicPr>
+          <p:cNvPr id="3" name="그림 2"/>
+          <p:cNvPicPr>
+            <a:picLocks noChangeAspect="1"/>
+          </p:cNvPicPr>
+          <p:nvPr/>
+        </p:nvPicPr>
+        <p:blipFill>
+          <a:blip r:embed="rId4"/>
+          <a:stretch>
+            <a:fillRect/>
+          </a:stretch>
+        </p:blipFill>
+        <p:spPr>
+          <a:xfrm>
+            <a:off x="3382187" y="3892515"/>
+            <a:ext cx="13336861" cy="6354062"/>
+          </a:xfrm>
+          <a:prstGeom prst="rect">
+            <a:avLst/>
+          </a:prstGeom>
+        </p:spPr>
+      </p:pic>
+    </p:spTree>
+    <p:extLst>
+      <p:ext uri="{BB962C8B-B14F-4D97-AF65-F5344CB8AC3E}">
+        <p14:creationId xmlns:p14="http://schemas.microsoft.com/office/powerpoint/2010/main" val="672840892"/>
+      </p:ext>
+    </p:extLst>
+  </p:cSld>
+  <p:clrMapOvr>
+    <a:masterClrMapping/>
+  </p:clrMapOvr>
+  <mc:AlternateContent xmlns:mc="http://schemas.openxmlformats.org/markup-compatibility/2006" xmlns:p14="http://schemas.microsoft.com/office/powerpoint/2010/main">
+    <mc:Choice Requires="p14">
+      <p:transition/>
+    </mc:Choice>
+    <mc:Fallback xmlns:dsp="http://schemas.microsoft.com/office/drawing/2008/diagram" xmlns:dgm="http://schemas.openxmlformats.org/drawingml/2006/diagram" xmlns:c="http://schemas.openxmlformats.org/drawingml/2006/chart" xmlns="">
+      <p:transition/>
+    </mc:Fallback>
+  </mc:AlternateContent>
+  <p:timing>
+    <p:tnLst>
+      <p:par>
+        <p:cTn id="1" dur="indefinite" restart="never" nodeType="tmRoot"/>
+      </p:par>
+    </p:tnLst>
+  </p:timing>
+</p:sld>
+</file>
+
+<file path=ppt/slides/slide9.xml><?xml version="1.0" encoding="utf-8"?>
+<p:sld xmlns:a="http://schemas.openxmlformats.org/drawingml/2006/main" xmlns:r="http://schemas.openxmlformats.org/officeDocument/2006/relationships" xmlns:p="http://schemas.openxmlformats.org/presentationml/2006/main" showMasterSp="0">
+  <p:cSld>
+    <p:spTree>
+      <p:nvGrpSpPr>
+        <p:cNvPr id="1" name=""/>
+        <p:cNvGrpSpPr/>
+        <p:nvPr/>
+      </p:nvGrpSpPr>
+      <p:grpSpPr>
+        <a:xfrm>
+          <a:off x="0" y="0"/>
+          <a:ext cx="0" cy="0"/>
+          <a:chOff x="0" y="0"/>
+          <a:chExt cx="0" cy="0"/>
+        </a:xfrm>
+      </p:grpSpPr>
+      <p:sp>
+        <p:nvSpPr>
+          <p:cNvPr id="2" name="object 2"/>
+          <p:cNvSpPr txBox="1">
+            <a:spLocks noGrp="1"/>
+          </p:cNvSpPr>
+          <p:nvPr>
+            <p:ph type="title"/>
+          </p:nvPr>
+        </p:nvSpPr>
+        <p:spPr>
+          <a:xfrm>
+            <a:off x="1023917" y="888736"/>
+            <a:ext cx="11542733" cy="1090683"/>
+          </a:xfrm>
+          <a:prstGeom prst="rect">
+            <a:avLst/>
+          </a:prstGeom>
+        </p:spPr>
+        <p:txBody>
+          <a:bodyPr vert="horz" wrap="square" lIns="0" tIns="13335" rIns="0" bIns="0">
+            <a:spAutoFit/>
+          </a:bodyPr>
+          <a:lstStyle/>
+          <a:p>
+            <a:pPr marL="12700">
+              <a:lnSpc>
+                <a:spcPct val="100000"/>
+              </a:lnSpc>
+              <a:spcBef>
+                <a:spcPts val="104"/>
+              </a:spcBef>
+              <a:defRPr/>
+            </a:pPr>
+            <a:r>
+              <a:rPr lang="en-US" altLang="ko-KR" b="0" spc="-285" dirty="0"/>
+              <a:t>What are some related studies?</a:t>
+            </a:r>
+            <a:endParaRPr b="0" spc="-190" dirty="0"/>
+          </a:p>
+        </p:txBody>
+      </p:sp>
+      <p:sp>
+        <p:nvSpPr>
+          <p:cNvPr id="6" name="object 3"/>
+          <p:cNvSpPr txBox="1"/>
+          <p:nvPr/>
+        </p:nvSpPr>
+        <p:spPr>
+          <a:xfrm>
+            <a:off x="1007029" y="1962721"/>
+            <a:ext cx="18073156" cy="1125949"/>
+          </a:xfrm>
+          <a:prstGeom prst="rect">
+            <a:avLst/>
+          </a:prstGeom>
+        </p:spPr>
+        <p:txBody>
+          <a:bodyPr vert="horz" wrap="square" lIns="0" tIns="12700" rIns="0" bIns="0">
+            <a:spAutoFit/>
+          </a:bodyPr>
+          <a:lstStyle/>
+          <a:p>
+            <a:pPr marL="12700">
+              <a:lnSpc>
+                <a:spcPct val="100000"/>
+              </a:lnSpc>
+              <a:spcBef>
+                <a:spcPts val="100"/>
+              </a:spcBef>
+              <a:defRPr/>
+            </a:pPr>
+            <a:r>
+              <a:rPr lang="ko-KR" altLang="en-US" sz="4350" b="1" spc="-325" dirty="0" smtClean="0">
+                <a:latin typeface="나눔고딕OTF ExtraBold"/>
+              </a:rPr>
+              <a:t>관련 연구는 어떠한 것들이 있나</a:t>
+            </a:r>
+            <a:r>
+              <a:rPr lang="en-US" altLang="ko-KR" sz="4350" b="1" spc="-325" dirty="0" smtClean="0">
+                <a:latin typeface="나눔고딕OTF ExtraBold"/>
+              </a:rPr>
+              <a:t>?</a:t>
+            </a:r>
+            <a:endParaRPr lang="en-US" altLang="ko-KR" sz="4350" spc="-325" dirty="0">
+              <a:latin typeface="나눔고딕OTF ExtraBold"/>
+            </a:endParaRPr>
+          </a:p>
+          <a:p>
+            <a:pPr marL="12700">
+              <a:lnSpc>
+                <a:spcPct val="100000"/>
+              </a:lnSpc>
+              <a:spcBef>
+                <a:spcPts val="100"/>
+              </a:spcBef>
+              <a:defRPr/>
+            </a:pPr>
+            <a:r>
+              <a:rPr lang="en-US" altLang="ko-KR" sz="2800" spc="-325" dirty="0">
+                <a:latin typeface="나눔고딕OTF ExtraBold"/>
+              </a:rPr>
+              <a:t>Automatic  Grading  of  Individual Knee Osteoarthritis Features in Plain  Radiographs Using Deep Convolutional Neural  Networks</a:t>
+            </a:r>
+            <a:endParaRPr lang="en-US" altLang="ko-KR" sz="2800" spc="-325" dirty="0" smtClean="0">
+              <a:latin typeface="나눔고딕OTF ExtraBold"/>
+            </a:endParaRPr>
+          </a:p>
+        </p:txBody>
+      </p:sp>
+      <p:pic>
+        <p:nvPicPr>
+          <p:cNvPr id="7" name="object 4"/>
+          <p:cNvPicPr/>
+          <p:nvPr userDrawn="1"/>
+        </p:nvPicPr>
+        <p:blipFill rotWithShape="1">
+          <a:blip r:embed="rId2"/>
+          <a:stretch>
+            <a:fillRect/>
+          </a:stretch>
+        </p:blipFill>
+        <p:spPr>
+          <a:xfrm>
+            <a:off x="16224250" y="324598"/>
+            <a:ext cx="3578068" cy="834278"/>
+          </a:xfrm>
+          <a:prstGeom prst="rect">
+            <a:avLst/>
+          </a:prstGeom>
+        </p:spPr>
+      </p:pic>
+      <p:pic>
+        <p:nvPicPr>
+          <p:cNvPr id="5" name="Picture 2">
+            <a:extLst>
+              <a:ext uri="{FF2B5EF4-FFF2-40B4-BE49-F238E27FC236}">
+                <a16:creationId xmlns:a16="http://schemas.microsoft.com/office/drawing/2014/main" id="{B2EFD4E8-BF16-4E13-8193-877AD1965668}"/>
+              </a:ext>
+            </a:extLst>
+          </p:cNvPr>
+          <p:cNvPicPr>
+            <a:picLocks noChangeAspect="1" noChangeArrowheads="1"/>
+          </p:cNvPicPr>
+          <p:nvPr/>
+        </p:nvPicPr>
+        <p:blipFill rotWithShape="1">
+          <a:blip r:embed="rId3">
+            <a:extLst>
+              <a:ext uri="{28A0092B-C50C-407E-A947-70E740481C1C}">
+                <a14:useLocalDpi xmlns:a14="http://schemas.microsoft.com/office/drawing/2010/main" val="0"/>
+              </a:ext>
+            </a:extLst>
+          </a:blip>
+          <a:srcRect t="10591" b="61823"/>
+          <a:stretch/>
+        </p:blipFill>
+        <p:spPr bwMode="auto">
+          <a:xfrm>
+            <a:off x="16683065" y="10107490"/>
+            <a:ext cx="3119253" cy="882213"/>
+          </a:xfrm>
+          <a:prstGeom prst="rect">
+            <a:avLst/>
+          </a:prstGeom>
+          <a:noFill/>
+          <a:extLst>
+            <a:ext uri="{909E8E84-426E-40DD-AFC4-6F175D3DCCD1}">
+              <a14:hiddenFill xmlns:a14="http://schemas.microsoft.com/office/drawing/2010/main">
+                <a:solidFill>
+                  <a:srgbClr val="FFFFFF"/>
+                </a:solidFill>
+              </a14:hiddenFill>
+            </a:ext>
+          </a:extLst>
+        </p:spPr>
+      </p:pic>
+      <p:pic>
+        <p:nvPicPr>
+          <p:cNvPr id="4" name="그림 3"/>
+          <p:cNvPicPr>
+            <a:picLocks noChangeAspect="1"/>
+          </p:cNvPicPr>
+          <p:nvPr/>
+        </p:nvPicPr>
+        <p:blipFill>
+          <a:blip r:embed="rId4"/>
+          <a:stretch>
+            <a:fillRect/>
+          </a:stretch>
+        </p:blipFill>
+        <p:spPr>
+          <a:xfrm>
+            <a:off x="3335047" y="3892515"/>
+            <a:ext cx="13417119" cy="5806239"/>
+          </a:xfrm>
+          <a:prstGeom prst="rect">
+            <a:avLst/>
+          </a:prstGeom>
+        </p:spPr>
+      </p:pic>
+    </p:spTree>
+    <p:extLst>
+      <p:ext uri="{BB962C8B-B14F-4D97-AF65-F5344CB8AC3E}">
+        <p14:creationId xmlns:p14="http://schemas.microsoft.com/office/powerpoint/2010/main" val="4229000920"/>
+      </p:ext>
+    </p:extLst>
+  </p:cSld>
+  <p:clrMapOvr>
+    <a:masterClrMapping/>
+  </p:clrMapOvr>
+  <mc:AlternateContent xmlns:mc="http://schemas.openxmlformats.org/markup-compatibility/2006" xmlns:p14="http://schemas.microsoft.com/office/powerpoint/2010/main">
+    <mc:Choice Requires="p14">
+      <p:transition/>
+    </mc:Choice>
+    <mc:Fallback xmlns:dsp="http://schemas.microsoft.com/office/drawing/2008/diagram" xmlns:dgm="http://schemas.openxmlformats.org/drawingml/2006/diagram" xmlns:c="http://schemas.openxmlformats.org/drawingml/2006/chart" xmlns="">
       <p:transition/>
     </mc:Fallback>
   </mc:AlternateContent>
